--- a/doc/presentation.pptx
+++ b/doc/presentation.pptx
@@ -2,8 +2,12 @@
 <file path=ppt/presentation.xml><?xml version="1.0" encoding="utf-8"?>
 <p:presentation xmlns:a="http://schemas.openxmlformats.org/drawingml/2006/main" xmlns:r="http://schemas.openxmlformats.org/officeDocument/2006/relationships" xmlns:p="http://schemas.openxmlformats.org/presentationml/2006/main" saveSubsetFonts="1">
   <p:sldMasterIdLst>
-    <p:sldMasterId id="2147483648" r:id="rId1"/>
+    <p:sldMasterId id="2147483732" r:id="rId1"/>
   </p:sldMasterIdLst>
+  <p:sldIdLst>
+    <p:sldId id="256" r:id="rId2"/>
+    <p:sldId id="257" r:id="rId3"/>
+  </p:sldIdLst>
   <p:sldSz cx="9144000" cy="6858000" type="screen4x3"/>
   <p:notesSz cx="6858000" cy="9144000"/>
   <p:defaultTextStyle>
@@ -105,8 +109,13 @@
 </file>
 
 <file path=ppt/slideLayouts/slideLayout1.xml><?xml version="1.0" encoding="utf-8"?>
-<p:sldLayout xmlns:a="http://schemas.openxmlformats.org/drawingml/2006/main" xmlns:r="http://schemas.openxmlformats.org/officeDocument/2006/relationships" xmlns:p="http://schemas.openxmlformats.org/presentationml/2006/main" type="title" preserve="1">
+<p:sldLayout xmlns:a="http://schemas.openxmlformats.org/drawingml/2006/main" xmlns:r="http://schemas.openxmlformats.org/officeDocument/2006/relationships" xmlns:p="http://schemas.openxmlformats.org/presentationml/2006/main" showMasterSp="0" type="title" preserve="1">
   <p:cSld name="Title Slide">
+    <p:bg>
+      <p:bgRef idx="1003">
+        <a:schemeClr val="bg2"/>
+      </p:bgRef>
+    </p:bg>
     <p:spTree>
       <p:nvGrpSpPr>
         <p:cNvPr id="1" name=""/>
@@ -121,31 +130,338 @@
           <a:chExt cx="0" cy="0"/>
         </a:xfrm>
       </p:grpSpPr>
-      <p:sp>
-        <p:nvSpPr>
-          <p:cNvPr id="2" name="Title 1"/>
-          <p:cNvSpPr>
-            <a:spLocks noGrp="1"/>
-          </p:cNvSpPr>
-          <p:nvPr>
-            <p:ph type="ctrTitle"/>
-          </p:nvPr>
-        </p:nvSpPr>
+      <p:pic>
+        <p:nvPicPr>
+          <p:cNvPr id="7" name="Picture 6" descr="CoverOverlay.png"/>
+          <p:cNvPicPr>
+            <a:picLocks noChangeAspect="1"/>
+          </p:cNvPicPr>
+          <p:nvPr/>
+        </p:nvPicPr>
+        <p:blipFill>
+          <a:blip r:embed="rId2" cstate="print"/>
+          <a:stretch>
+            <a:fillRect/>
+          </a:stretch>
+        </p:blipFill>
         <p:spPr>
           <a:xfrm>
-            <a:off x="685800" y="2130425"/>
-            <a:ext cx="7772400" cy="1470025"/>
+            <a:off x="0" y="0"/>
+            <a:ext cx="9144000" cy="6858000"/>
+          </a:xfrm>
+          <a:prstGeom prst="rect">
+            <a:avLst/>
+          </a:prstGeom>
+        </p:spPr>
+      </p:pic>
+      <p:sp>
+        <p:nvSpPr>
+          <p:cNvPr id="4" name="Date Placeholder 3"/>
+          <p:cNvSpPr>
+            <a:spLocks noGrp="1"/>
+          </p:cNvSpPr>
+          <p:nvPr>
+            <p:ph type="dt" sz="half" idx="10"/>
+          </p:nvPr>
+        </p:nvSpPr>
+        <p:spPr/>
+        <p:txBody>
+          <a:bodyPr/>
+          <a:lstStyle>
+            <a:lvl1pPr>
+              <a:defRPr>
+                <a:solidFill>
+                  <a:schemeClr val="tx2"/>
+                </a:solidFill>
+              </a:defRPr>
+            </a:lvl1pPr>
+          </a:lstStyle>
+          <a:p>
+            <a:fld id="{1D8BD707-D9CF-40AE-B4C6-C98DA3205C09}" type="datetimeFigureOut">
+              <a:rPr lang="en-US" smtClean="0"/>
+              <a:pPr/>
+              <a:t>3/29/2017</a:t>
+            </a:fld>
+            <a:endParaRPr lang="en-US"/>
+          </a:p>
+        </p:txBody>
+      </p:sp>
+      <p:sp>
+        <p:nvSpPr>
+          <p:cNvPr id="5" name="Footer Placeholder 4"/>
+          <p:cNvSpPr>
+            <a:spLocks noGrp="1"/>
+          </p:cNvSpPr>
+          <p:nvPr>
+            <p:ph type="ftr" sz="quarter" idx="11"/>
+          </p:nvPr>
+        </p:nvSpPr>
+        <p:spPr/>
+        <p:txBody>
+          <a:bodyPr/>
+          <a:lstStyle>
+            <a:lvl1pPr>
+              <a:defRPr>
+                <a:solidFill>
+                  <a:schemeClr val="tx2"/>
+                </a:solidFill>
+              </a:defRPr>
+            </a:lvl1pPr>
+          </a:lstStyle>
+          <a:p>
+            <a:endParaRPr lang="en-US"/>
+          </a:p>
+        </p:txBody>
+      </p:sp>
+      <p:sp>
+        <p:nvSpPr>
+          <p:cNvPr id="6" name="Slide Number Placeholder 5"/>
+          <p:cNvSpPr>
+            <a:spLocks noGrp="1"/>
+          </p:cNvSpPr>
+          <p:nvPr>
+            <p:ph type="sldNum" sz="quarter" idx="12"/>
+          </p:nvPr>
+        </p:nvSpPr>
+        <p:spPr/>
+        <p:txBody>
+          <a:bodyPr/>
+          <a:lstStyle>
+            <a:lvl1pPr>
+              <a:defRPr>
+                <a:solidFill>
+                  <a:schemeClr val="tx2"/>
+                </a:solidFill>
+              </a:defRPr>
+            </a:lvl1pPr>
+          </a:lstStyle>
+          <a:p>
+            <a:fld id="{B6F15528-21DE-4FAA-801E-634DDDAF4B2B}" type="slidenum">
+              <a:rPr lang="en-US" smtClean="0"/>
+              <a:pPr/>
+              <a:t>‹#›</a:t>
+            </a:fld>
+            <a:endParaRPr lang="en-US"/>
+          </a:p>
+        </p:txBody>
+      </p:sp>
+      <p:grpSp>
+        <p:nvGrpSpPr>
+          <p:cNvPr id="8" name="Group 7"/>
+          <p:cNvGrpSpPr/>
+          <p:nvPr/>
+        </p:nvGrpSpPr>
+        <p:grpSpPr>
+          <a:xfrm>
+            <a:off x="1194101" y="2887530"/>
+            <a:ext cx="6779110" cy="923330"/>
+            <a:chOff x="1172584" y="1381459"/>
+            <a:chExt cx="6779110" cy="923330"/>
+          </a:xfrm>
+          <a:effectLst>
+            <a:outerShdw blurRad="38100" dist="12700" dir="16200000" rotWithShape="0">
+              <a:prstClr val="black">
+                <a:alpha val="30000"/>
+              </a:prstClr>
+            </a:outerShdw>
+          </a:effectLst>
+        </p:grpSpPr>
+        <p:sp>
+          <p:nvSpPr>
+            <p:cNvPr id="9" name="TextBox 8"/>
+            <p:cNvSpPr txBox="1"/>
+            <p:nvPr/>
+          </p:nvSpPr>
+          <p:spPr>
+            <a:xfrm>
+              <a:off x="4147073" y="1381459"/>
+              <a:ext cx="877163" cy="923330"/>
+            </a:xfrm>
+            <a:prstGeom prst="rect">
+              <a:avLst/>
+            </a:prstGeom>
+            <a:noFill/>
+          </p:spPr>
+          <p:txBody>
+            <a:bodyPr wrap="none" rtlCol="0">
+              <a:spAutoFit/>
+            </a:bodyPr>
+            <a:lstStyle/>
+            <a:p>
+              <a:r>
+                <a:rPr lang="en-US" sz="5400" dirty="0" smtClean="0">
+                  <a:ln w="3175">
+                    <a:solidFill>
+                      <a:schemeClr val="tx2">
+                        <a:alpha val="60000"/>
+                      </a:schemeClr>
+                    </a:solidFill>
+                  </a:ln>
+                  <a:solidFill>
+                    <a:schemeClr val="tx2">
+                      <a:lumMod val="90000"/>
+                    </a:schemeClr>
+                  </a:solidFill>
+                  <a:effectLst>
+                    <a:outerShdw blurRad="34925" dist="12700" dir="14400000" algn="ctr" rotWithShape="0">
+                      <a:srgbClr val="000000">
+                        <a:alpha val="21000"/>
+                      </a:srgbClr>
+                    </a:outerShdw>
+                  </a:effectLst>
+                  <a:latin typeface="Wingdings" pitchFamily="2" charset="2"/>
+                </a:rPr>
+                <a:t></a:t>
+              </a:r>
+              <a:endParaRPr lang="en-US" sz="5400" dirty="0">
+                <a:ln w="3175">
+                  <a:solidFill>
+                    <a:schemeClr val="tx2">
+                      <a:alpha val="60000"/>
+                    </a:schemeClr>
+                  </a:solidFill>
+                </a:ln>
+                <a:solidFill>
+                  <a:schemeClr val="tx2">
+                    <a:lumMod val="90000"/>
+                  </a:schemeClr>
+                </a:solidFill>
+                <a:effectLst>
+                  <a:outerShdw blurRad="34925" dist="12700" dir="14400000" algn="ctr" rotWithShape="0">
+                    <a:srgbClr val="000000">
+                      <a:alpha val="21000"/>
+                    </a:srgbClr>
+                  </a:outerShdw>
+                </a:effectLst>
+                <a:latin typeface="Wingdings" pitchFamily="2" charset="2"/>
+              </a:endParaRPr>
+            </a:p>
+          </p:txBody>
+        </p:sp>
+        <p:cxnSp>
+          <p:nvCxnSpPr>
+            <p:cNvPr id="10" name="Straight Connector 9"/>
+            <p:cNvCxnSpPr/>
+            <p:nvPr/>
+          </p:nvCxnSpPr>
+          <p:spPr>
+            <a:xfrm rot="10800000">
+              <a:off x="1172584" y="1925620"/>
+              <a:ext cx="3119718" cy="1588"/>
+            </a:xfrm>
+            <a:prstGeom prst="line">
+              <a:avLst/>
+            </a:prstGeom>
+            <a:ln>
+              <a:solidFill>
+                <a:schemeClr val="tx2">
+                  <a:lumMod val="90000"/>
+                </a:schemeClr>
+              </a:solidFill>
+            </a:ln>
+            <a:effectLst/>
+          </p:spPr>
+          <p:style>
+            <a:lnRef idx="1">
+              <a:schemeClr val="accent1"/>
+            </a:lnRef>
+            <a:fillRef idx="0">
+              <a:schemeClr val="accent1"/>
+            </a:fillRef>
+            <a:effectRef idx="0">
+              <a:schemeClr val="accent1"/>
+            </a:effectRef>
+            <a:fontRef idx="minor">
+              <a:schemeClr val="tx1"/>
+            </a:fontRef>
+          </p:style>
+        </p:cxnSp>
+        <p:cxnSp>
+          <p:nvCxnSpPr>
+            <p:cNvPr id="11" name="Straight Connector 10"/>
+            <p:cNvCxnSpPr/>
+            <p:nvPr/>
+          </p:nvCxnSpPr>
+          <p:spPr>
+            <a:xfrm rot="10800000">
+              <a:off x="4831976" y="1922930"/>
+              <a:ext cx="3119718" cy="1588"/>
+            </a:xfrm>
+            <a:prstGeom prst="line">
+              <a:avLst/>
+            </a:prstGeom>
+            <a:ln>
+              <a:solidFill>
+                <a:schemeClr val="tx2">
+                  <a:lumMod val="90000"/>
+                </a:schemeClr>
+              </a:solidFill>
+            </a:ln>
+            <a:effectLst/>
+          </p:spPr>
+          <p:style>
+            <a:lnRef idx="1">
+              <a:schemeClr val="accent1"/>
+            </a:lnRef>
+            <a:fillRef idx="0">
+              <a:schemeClr val="accent1"/>
+            </a:fillRef>
+            <a:effectRef idx="0">
+              <a:schemeClr val="accent1"/>
+            </a:effectRef>
+            <a:fontRef idx="minor">
+              <a:schemeClr val="tx1"/>
+            </a:fontRef>
+          </p:style>
+        </p:cxnSp>
+      </p:grpSp>
+      <p:sp>
+        <p:nvSpPr>
+          <p:cNvPr id="2" name="Title 1"/>
+          <p:cNvSpPr>
+            <a:spLocks noGrp="1"/>
+          </p:cNvSpPr>
+          <p:nvPr>
+            <p:ph type="ctrTitle"/>
+          </p:nvPr>
+        </p:nvSpPr>
+        <p:spPr>
+          <a:xfrm>
+            <a:off x="1183341" y="1387737"/>
+            <a:ext cx="6777318" cy="1731982"/>
           </a:xfrm>
         </p:spPr>
         <p:txBody>
-          <a:bodyPr/>
-          <a:lstStyle/>
-          <a:p>
-            <a:r>
-              <a:rPr lang="en-US" smtClean="0"/>
+          <a:bodyPr anchor="b"/>
+          <a:lstStyle>
+            <a:lvl1pPr>
+              <a:defRPr>
+                <a:ln w="3175">
+                  <a:solidFill>
+                    <a:schemeClr val="tx1">
+                      <a:alpha val="65000"/>
+                    </a:schemeClr>
+                  </a:solidFill>
+                </a:ln>
+                <a:solidFill>
+                  <a:schemeClr val="tx1"/>
+                </a:solidFill>
+                <a:effectLst>
+                  <a:outerShdw blurRad="25400" dist="12700" dir="14220000" rotWithShape="0">
+                    <a:prstClr val="black">
+                      <a:alpha val="50000"/>
+                    </a:prstClr>
+                  </a:outerShdw>
+                </a:effectLst>
+              </a:defRPr>
+            </a:lvl1pPr>
+          </a:lstStyle>
+          <a:p>
+            <a:r>
+              <a:rPr lang="en-US" altLang="zh-CN" smtClean="0"/>
               <a:t>Click to edit Master title style</a:t>
             </a:r>
-            <a:endParaRPr lang="en-US"/>
+            <a:endParaRPr lang="en-US" dirty="0"/>
           </a:p>
         </p:txBody>
       </p:sp>
@@ -161,7 +477,7 @@
         </p:nvSpPr>
         <p:spPr>
           <a:xfrm>
-            <a:off x="1371600" y="3886200"/>
+            <a:off x="1371600" y="3767862"/>
             <a:ext cx="6400800" cy="1752600"/>
           </a:xfrm>
         </p:spPr>
@@ -172,10 +488,15 @@
               <a:buNone/>
               <a:defRPr>
                 <a:solidFill>
-                  <a:schemeClr val="tx1">
-                    <a:tint val="75000"/>
-                  </a:schemeClr>
+                  <a:schemeClr val="tx1"/>
                 </a:solidFill>
+                <a:effectLst>
+                  <a:outerShdw blurRad="34925" dist="12700" dir="14400000" rotWithShape="0">
+                    <a:prstClr val="black">
+                      <a:alpha val="21000"/>
+                    </a:prstClr>
+                  </a:outerShdw>
+                </a:effectLst>
               </a:defRPr>
             </a:lvl1pPr>
             <a:lvl2pPr marL="457200" indent="0" algn="ctr">
@@ -261,84 +582,17 @@
           </a:lstStyle>
           <a:p>
             <a:r>
-              <a:rPr lang="en-US" smtClean="0"/>
+              <a:rPr lang="en-US" altLang="zh-CN" smtClean="0"/>
               <a:t>Click to edit Master subtitle style</a:t>
             </a:r>
-            <a:endParaRPr lang="en-US"/>
-          </a:p>
-        </p:txBody>
-      </p:sp>
-      <p:sp>
-        <p:nvSpPr>
-          <p:cNvPr id="4" name="Date Placeholder 3"/>
-          <p:cNvSpPr>
-            <a:spLocks noGrp="1"/>
-          </p:cNvSpPr>
-          <p:nvPr>
-            <p:ph type="dt" sz="half" idx="10"/>
-          </p:nvPr>
-        </p:nvSpPr>
-        <p:spPr/>
-        <p:txBody>
-          <a:bodyPr/>
-          <a:lstStyle/>
-          <a:p>
-            <a:fld id="{1D8BD707-D9CF-40AE-B4C6-C98DA3205C09}" type="datetimeFigureOut">
-              <a:rPr lang="en-US" smtClean="0"/>
-              <a:pPr/>
-              <a:t>9/18/2006</a:t>
-            </a:fld>
-            <a:endParaRPr lang="en-US"/>
-          </a:p>
-        </p:txBody>
-      </p:sp>
-      <p:sp>
-        <p:nvSpPr>
-          <p:cNvPr id="5" name="Footer Placeholder 4"/>
-          <p:cNvSpPr>
-            <a:spLocks noGrp="1"/>
-          </p:cNvSpPr>
-          <p:nvPr>
-            <p:ph type="ftr" sz="quarter" idx="11"/>
-          </p:nvPr>
-        </p:nvSpPr>
-        <p:spPr/>
-        <p:txBody>
-          <a:bodyPr/>
-          <a:lstStyle/>
-          <a:p>
-            <a:endParaRPr lang="en-US"/>
-          </a:p>
-        </p:txBody>
-      </p:sp>
-      <p:sp>
-        <p:nvSpPr>
-          <p:cNvPr id="6" name="Slide Number Placeholder 5"/>
-          <p:cNvSpPr>
-            <a:spLocks noGrp="1"/>
-          </p:cNvSpPr>
-          <p:nvPr>
-            <p:ph type="sldNum" sz="quarter" idx="12"/>
-          </p:nvPr>
-        </p:nvSpPr>
-        <p:spPr/>
-        <p:txBody>
-          <a:bodyPr/>
-          <a:lstStyle/>
-          <a:p>
-            <a:fld id="{B6F15528-21DE-4FAA-801E-634DDDAF4B2B}" type="slidenum">
-              <a:rPr lang="en-US" smtClean="0"/>
-              <a:pPr/>
-              <a:t>‹#›</a:t>
-            </a:fld>
-            <a:endParaRPr lang="en-US"/>
+            <a:endParaRPr lang="en-US" dirty="0"/>
           </a:p>
         </p:txBody>
       </p:sp>
     </p:spTree>
   </p:cSld>
   <p:clrMapOvr>
-    <a:masterClrMapping/>
+    <a:overrideClrMapping bg1="dk1" tx1="lt1" bg2="dk2" tx2="lt2" accent1="accent1" accent2="accent2" accent3="accent3" accent4="accent4" accent5="accent5" accent6="accent6" hlink="hlink" folHlink="folHlink"/>
   </p:clrMapOvr>
 </p:sldLayout>
 </file>
@@ -376,7 +630,7 @@
           <a:lstStyle/>
           <a:p>
             <a:r>
-              <a:rPr lang="en-US" smtClean="0"/>
+              <a:rPr lang="en-US" altLang="zh-CN" smtClean="0"/>
               <a:t>Click to edit Master title style</a:t>
             </a:r>
             <a:endParaRPr lang="en-US"/>
@@ -395,40 +649,40 @@
         </p:nvSpPr>
         <p:spPr/>
         <p:txBody>
-          <a:bodyPr vert="eaVert"/>
+          <a:bodyPr vert="eaVert" anchor="ctr"/>
           <a:lstStyle/>
           <a:p>
             <a:pPr lvl="0"/>
             <a:r>
-              <a:rPr lang="en-US" smtClean="0"/>
+              <a:rPr lang="en-US" altLang="zh-CN" smtClean="0"/>
               <a:t>Click to edit Master text styles</a:t>
             </a:r>
           </a:p>
           <a:p>
             <a:pPr lvl="1"/>
             <a:r>
-              <a:rPr lang="en-US" smtClean="0"/>
+              <a:rPr lang="en-US" altLang="zh-CN" smtClean="0"/>
               <a:t>Second level</a:t>
             </a:r>
           </a:p>
           <a:p>
             <a:pPr lvl="2"/>
             <a:r>
-              <a:rPr lang="en-US" smtClean="0"/>
+              <a:rPr lang="en-US" altLang="zh-CN" smtClean="0"/>
               <a:t>Third level</a:t>
             </a:r>
           </a:p>
           <a:p>
             <a:pPr lvl="3"/>
             <a:r>
-              <a:rPr lang="en-US" smtClean="0"/>
+              <a:rPr lang="en-US" altLang="zh-CN" smtClean="0"/>
               <a:t>Fourth level</a:t>
             </a:r>
           </a:p>
           <a:p>
             <a:pPr lvl="4"/>
             <a:r>
-              <a:rPr lang="en-US" smtClean="0"/>
+              <a:rPr lang="en-US" altLang="zh-CN" smtClean="0"/>
               <a:t>Fifth level</a:t>
             </a:r>
             <a:endParaRPr lang="en-US"/>
@@ -453,7 +707,7 @@
             <a:fld id="{1D8BD707-D9CF-40AE-B4C6-C98DA3205C09}" type="datetimeFigureOut">
               <a:rPr lang="en-US" smtClean="0"/>
               <a:pPr/>
-              <a:t>9/18/2006</a:t>
+              <a:t>3/29/2017</a:t>
             </a:fld>
             <a:endParaRPr lang="en-US"/>
           </a:p>
@@ -502,6 +756,145 @@
           </a:p>
         </p:txBody>
       </p:sp>
+      <p:grpSp>
+        <p:nvGrpSpPr>
+          <p:cNvPr id="11" name="Group 10"/>
+          <p:cNvGrpSpPr/>
+          <p:nvPr/>
+        </p:nvGrpSpPr>
+        <p:grpSpPr>
+          <a:xfrm>
+            <a:off x="1172584" y="1392217"/>
+            <a:ext cx="6779110" cy="923330"/>
+            <a:chOff x="1172584" y="1381459"/>
+            <a:chExt cx="6779110" cy="923330"/>
+          </a:xfrm>
+        </p:grpSpPr>
+        <p:sp>
+          <p:nvSpPr>
+            <p:cNvPr id="15" name="TextBox 14"/>
+            <p:cNvSpPr txBox="1"/>
+            <p:nvPr/>
+          </p:nvSpPr>
+          <p:spPr>
+            <a:xfrm>
+              <a:off x="4147073" y="1381459"/>
+              <a:ext cx="877163" cy="923330"/>
+            </a:xfrm>
+            <a:prstGeom prst="rect">
+              <a:avLst/>
+            </a:prstGeom>
+            <a:noFill/>
+          </p:spPr>
+          <p:txBody>
+            <a:bodyPr wrap="none" rtlCol="0">
+              <a:spAutoFit/>
+            </a:bodyPr>
+            <a:lstStyle/>
+            <a:p>
+              <a:r>
+                <a:rPr lang="en-US" sz="5400" dirty="0" smtClean="0">
+                  <a:solidFill>
+                    <a:schemeClr val="tx2">
+                      <a:lumMod val="60000"/>
+                      <a:lumOff val="40000"/>
+                    </a:schemeClr>
+                  </a:solidFill>
+                  <a:latin typeface="Wingdings" pitchFamily="2" charset="2"/>
+                </a:rPr>
+                <a:t></a:t>
+              </a:r>
+              <a:endParaRPr lang="en-US" sz="5400" dirty="0">
+                <a:solidFill>
+                  <a:schemeClr val="tx2">
+                    <a:lumMod val="60000"/>
+                    <a:lumOff val="40000"/>
+                  </a:schemeClr>
+                </a:solidFill>
+                <a:latin typeface="Wingdings" pitchFamily="2" charset="2"/>
+              </a:endParaRPr>
+            </a:p>
+          </p:txBody>
+        </p:sp>
+        <p:cxnSp>
+          <p:nvCxnSpPr>
+            <p:cNvPr id="16" name="Straight Connector 15"/>
+            <p:cNvCxnSpPr/>
+            <p:nvPr/>
+          </p:nvCxnSpPr>
+          <p:spPr>
+            <a:xfrm rot="10800000">
+              <a:off x="1172584" y="1925620"/>
+              <a:ext cx="3119718" cy="1588"/>
+            </a:xfrm>
+            <a:prstGeom prst="line">
+              <a:avLst/>
+            </a:prstGeom>
+            <a:ln>
+              <a:solidFill>
+                <a:schemeClr val="tx2">
+                  <a:lumMod val="60000"/>
+                  <a:lumOff val="40000"/>
+                </a:schemeClr>
+              </a:solidFill>
+            </a:ln>
+            <a:effectLst/>
+          </p:spPr>
+          <p:style>
+            <a:lnRef idx="1">
+              <a:schemeClr val="accent1"/>
+            </a:lnRef>
+            <a:fillRef idx="0">
+              <a:schemeClr val="accent1"/>
+            </a:fillRef>
+            <a:effectRef idx="0">
+              <a:schemeClr val="accent1"/>
+            </a:effectRef>
+            <a:fontRef idx="minor">
+              <a:schemeClr val="tx1"/>
+            </a:fontRef>
+          </p:style>
+        </p:cxnSp>
+        <p:cxnSp>
+          <p:nvCxnSpPr>
+            <p:cNvPr id="17" name="Straight Connector 16"/>
+            <p:cNvCxnSpPr/>
+            <p:nvPr/>
+          </p:nvCxnSpPr>
+          <p:spPr>
+            <a:xfrm rot="10800000">
+              <a:off x="4831976" y="1922650"/>
+              <a:ext cx="3119718" cy="1588"/>
+            </a:xfrm>
+            <a:prstGeom prst="line">
+              <a:avLst/>
+            </a:prstGeom>
+            <a:ln>
+              <a:solidFill>
+                <a:schemeClr val="tx2">
+                  <a:lumMod val="60000"/>
+                  <a:lumOff val="40000"/>
+                </a:schemeClr>
+              </a:solidFill>
+            </a:ln>
+            <a:effectLst/>
+          </p:spPr>
+          <p:style>
+            <a:lnRef idx="1">
+              <a:schemeClr val="accent1"/>
+            </a:lnRef>
+            <a:fillRef idx="0">
+              <a:schemeClr val="accent1"/>
+            </a:fillRef>
+            <a:effectRef idx="0">
+              <a:schemeClr val="accent1"/>
+            </a:effectRef>
+            <a:fontRef idx="minor">
+              <a:schemeClr val="tx1"/>
+            </a:fontRef>
+          </p:style>
+        </p:cxnSp>
+      </p:grpSp>
     </p:spTree>
   </p:cSld>
   <p:clrMapOvr>
@@ -539,8 +932,8 @@
         </p:nvSpPr>
         <p:spPr>
           <a:xfrm>
-            <a:off x="6629400" y="274638"/>
-            <a:ext cx="2057400" cy="5851525"/>
+            <a:off x="6766560" y="559398"/>
+            <a:ext cx="1678193" cy="5566765"/>
           </a:xfrm>
         </p:spPr>
         <p:txBody>
@@ -548,10 +941,10 @@
           <a:lstStyle/>
           <a:p>
             <a:r>
-              <a:rPr lang="en-US" smtClean="0"/>
+              <a:rPr lang="en-US" altLang="zh-CN" smtClean="0"/>
               <a:t>Click to edit Master title style</a:t>
             </a:r>
-            <a:endParaRPr lang="en-US"/>
+            <a:endParaRPr lang="en-US" dirty="0"/>
           </a:p>
         </p:txBody>
       </p:sp>
@@ -567,8 +960,8 @@
         </p:nvSpPr>
         <p:spPr>
           <a:xfrm>
-            <a:off x="457200" y="274638"/>
-            <a:ext cx="6019800" cy="5851525"/>
+            <a:off x="688488" y="849854"/>
+            <a:ext cx="5507917" cy="5023821"/>
           </a:xfrm>
         </p:spPr>
         <p:txBody>
@@ -577,35 +970,35 @@
           <a:p>
             <a:pPr lvl="0"/>
             <a:r>
-              <a:rPr lang="en-US" smtClean="0"/>
+              <a:rPr lang="en-US" altLang="zh-CN" smtClean="0"/>
               <a:t>Click to edit Master text styles</a:t>
             </a:r>
           </a:p>
           <a:p>
             <a:pPr lvl="1"/>
             <a:r>
-              <a:rPr lang="en-US" smtClean="0"/>
+              <a:rPr lang="en-US" altLang="zh-CN" smtClean="0"/>
               <a:t>Second level</a:t>
             </a:r>
           </a:p>
           <a:p>
             <a:pPr lvl="2"/>
             <a:r>
-              <a:rPr lang="en-US" smtClean="0"/>
+              <a:rPr lang="en-US" altLang="zh-CN" smtClean="0"/>
               <a:t>Third level</a:t>
             </a:r>
           </a:p>
           <a:p>
             <a:pPr lvl="3"/>
             <a:r>
-              <a:rPr lang="en-US" smtClean="0"/>
+              <a:rPr lang="en-US" altLang="zh-CN" smtClean="0"/>
               <a:t>Fourth level</a:t>
             </a:r>
           </a:p>
           <a:p>
             <a:pPr lvl="4"/>
             <a:r>
-              <a:rPr lang="en-US" smtClean="0"/>
+              <a:rPr lang="en-US" altLang="zh-CN" smtClean="0"/>
               <a:t>Fifth level</a:t>
             </a:r>
             <a:endParaRPr lang="en-US"/>
@@ -630,7 +1023,7 @@
             <a:fld id="{1D8BD707-D9CF-40AE-B4C6-C98DA3205C09}" type="datetimeFigureOut">
               <a:rPr lang="en-US" smtClean="0"/>
               <a:pPr/>
-              <a:t>9/18/2006</a:t>
+              <a:t>3/29/2017</a:t>
             </a:fld>
             <a:endParaRPr lang="en-US"/>
           </a:p>
@@ -679,6 +1072,145 @@
           </a:p>
         </p:txBody>
       </p:sp>
+      <p:grpSp>
+        <p:nvGrpSpPr>
+          <p:cNvPr id="11" name="Group 10"/>
+          <p:cNvGrpSpPr/>
+          <p:nvPr/>
+        </p:nvGrpSpPr>
+        <p:grpSpPr>
+          <a:xfrm rot="5400000">
+            <a:off x="3909050" y="2880823"/>
+            <a:ext cx="5480154" cy="923330"/>
+            <a:chOff x="1815339" y="1381459"/>
+            <a:chExt cx="5480154" cy="923330"/>
+          </a:xfrm>
+        </p:grpSpPr>
+        <p:sp>
+          <p:nvSpPr>
+            <p:cNvPr id="12" name="TextBox 11"/>
+            <p:cNvSpPr txBox="1"/>
+            <p:nvPr/>
+          </p:nvSpPr>
+          <p:spPr>
+            <a:xfrm>
+              <a:off x="4147073" y="1381459"/>
+              <a:ext cx="877163" cy="923330"/>
+            </a:xfrm>
+            <a:prstGeom prst="rect">
+              <a:avLst/>
+            </a:prstGeom>
+            <a:noFill/>
+          </p:spPr>
+          <p:txBody>
+            <a:bodyPr wrap="none" rtlCol="0">
+              <a:spAutoFit/>
+            </a:bodyPr>
+            <a:lstStyle/>
+            <a:p>
+              <a:r>
+                <a:rPr lang="en-US" sz="5400" dirty="0" smtClean="0">
+                  <a:solidFill>
+                    <a:schemeClr val="tx2">
+                      <a:lumMod val="60000"/>
+                      <a:lumOff val="40000"/>
+                    </a:schemeClr>
+                  </a:solidFill>
+                  <a:latin typeface="Wingdings" pitchFamily="2" charset="2"/>
+                </a:rPr>
+                <a:t></a:t>
+              </a:r>
+              <a:endParaRPr lang="en-US" sz="5400" dirty="0">
+                <a:solidFill>
+                  <a:schemeClr val="tx2">
+                    <a:lumMod val="60000"/>
+                    <a:lumOff val="40000"/>
+                  </a:schemeClr>
+                </a:solidFill>
+                <a:latin typeface="Wingdings" pitchFamily="2" charset="2"/>
+              </a:endParaRPr>
+            </a:p>
+          </p:txBody>
+        </p:sp>
+        <p:cxnSp>
+          <p:nvCxnSpPr>
+            <p:cNvPr id="13" name="Straight Connector 12"/>
+            <p:cNvCxnSpPr/>
+            <p:nvPr/>
+          </p:nvCxnSpPr>
+          <p:spPr>
+            <a:xfrm flipH="1" flipV="1">
+              <a:off x="1815339" y="1924709"/>
+              <a:ext cx="2468880" cy="2505"/>
+            </a:xfrm>
+            <a:prstGeom prst="line">
+              <a:avLst/>
+            </a:prstGeom>
+            <a:ln>
+              <a:solidFill>
+                <a:schemeClr val="tx2">
+                  <a:lumMod val="60000"/>
+                  <a:lumOff val="40000"/>
+                </a:schemeClr>
+              </a:solidFill>
+            </a:ln>
+            <a:effectLst/>
+          </p:spPr>
+          <p:style>
+            <a:lnRef idx="1">
+              <a:schemeClr val="accent1"/>
+            </a:lnRef>
+            <a:fillRef idx="0">
+              <a:schemeClr val="accent1"/>
+            </a:fillRef>
+            <a:effectRef idx="0">
+              <a:schemeClr val="accent1"/>
+            </a:effectRef>
+            <a:fontRef idx="minor">
+              <a:schemeClr val="tx1"/>
+            </a:fontRef>
+          </p:style>
+        </p:cxnSp>
+        <p:cxnSp>
+          <p:nvCxnSpPr>
+            <p:cNvPr id="14" name="Straight Connector 13"/>
+            <p:cNvCxnSpPr/>
+            <p:nvPr/>
+          </p:nvCxnSpPr>
+          <p:spPr>
+            <a:xfrm rot="10800000">
+              <a:off x="4826613" y="1927417"/>
+              <a:ext cx="2468880" cy="1588"/>
+            </a:xfrm>
+            <a:prstGeom prst="line">
+              <a:avLst/>
+            </a:prstGeom>
+            <a:ln>
+              <a:solidFill>
+                <a:schemeClr val="tx2">
+                  <a:lumMod val="60000"/>
+                  <a:lumOff val="40000"/>
+                </a:schemeClr>
+              </a:solidFill>
+            </a:ln>
+            <a:effectLst/>
+          </p:spPr>
+          <p:style>
+            <a:lnRef idx="1">
+              <a:schemeClr val="accent1"/>
+            </a:lnRef>
+            <a:fillRef idx="0">
+              <a:schemeClr val="accent1"/>
+            </a:fillRef>
+            <a:effectRef idx="0">
+              <a:schemeClr val="accent1"/>
+            </a:effectRef>
+            <a:fontRef idx="minor">
+              <a:schemeClr val="tx1"/>
+            </a:fontRef>
+          </p:style>
+        </p:cxnSp>
+      </p:grpSp>
     </p:spTree>
   </p:cSld>
   <p:clrMapOvr>
@@ -690,6 +1222,11 @@
 <file path=ppt/slideLayouts/slideLayout2.xml><?xml version="1.0" encoding="utf-8"?>
 <p:sldLayout xmlns:a="http://schemas.openxmlformats.org/drawingml/2006/main" xmlns:r="http://schemas.openxmlformats.org/officeDocument/2006/relationships" xmlns:p="http://schemas.openxmlformats.org/presentationml/2006/main" type="obj" preserve="1">
   <p:cSld name="Title and Content">
+    <p:bg>
+      <p:bgRef idx="1002">
+        <a:schemeClr val="bg1"/>
+      </p:bgRef>
+    </p:bg>
     <p:spTree>
       <p:nvGrpSpPr>
         <p:cNvPr id="1" name=""/>
@@ -706,12 +1243,12 @@
       </p:grpSpPr>
       <p:sp>
         <p:nvSpPr>
-          <p:cNvPr id="2" name="Title 1"/>
-          <p:cNvSpPr>
-            <a:spLocks noGrp="1"/>
-          </p:cNvSpPr>
-          <p:nvPr>
-            <p:ph type="title"/>
+          <p:cNvPr id="3" name="Content Placeholder 2"/>
+          <p:cNvSpPr>
+            <a:spLocks noGrp="1"/>
+          </p:cNvSpPr>
+          <p:nvPr>
+            <p:ph idx="1"/>
           </p:nvPr>
         </p:nvSpPr>
         <p:spPr/>
@@ -719,60 +1256,37 @@
           <a:bodyPr/>
           <a:lstStyle/>
           <a:p>
-            <a:r>
-              <a:rPr lang="en-US" smtClean="0"/>
-              <a:t>Click to edit Master title style</a:t>
-            </a:r>
-            <a:endParaRPr lang="en-US"/>
-          </a:p>
-        </p:txBody>
-      </p:sp>
-      <p:sp>
-        <p:nvSpPr>
-          <p:cNvPr id="3" name="Content Placeholder 2"/>
-          <p:cNvSpPr>
-            <a:spLocks noGrp="1"/>
-          </p:cNvSpPr>
-          <p:nvPr>
-            <p:ph idx="1"/>
-          </p:nvPr>
-        </p:nvSpPr>
-        <p:spPr/>
-        <p:txBody>
-          <a:bodyPr/>
-          <a:lstStyle/>
-          <a:p>
             <a:pPr lvl="0"/>
             <a:r>
-              <a:rPr lang="en-US" smtClean="0"/>
+              <a:rPr lang="en-US" altLang="zh-CN" smtClean="0"/>
               <a:t>Click to edit Master text styles</a:t>
             </a:r>
           </a:p>
           <a:p>
             <a:pPr lvl="1"/>
             <a:r>
-              <a:rPr lang="en-US" smtClean="0"/>
+              <a:rPr lang="en-US" altLang="zh-CN" smtClean="0"/>
               <a:t>Second level</a:t>
             </a:r>
           </a:p>
           <a:p>
             <a:pPr lvl="2"/>
             <a:r>
-              <a:rPr lang="en-US" smtClean="0"/>
+              <a:rPr lang="en-US" altLang="zh-CN" smtClean="0"/>
               <a:t>Third level</a:t>
             </a:r>
           </a:p>
           <a:p>
             <a:pPr lvl="3"/>
             <a:r>
-              <a:rPr lang="en-US" smtClean="0"/>
+              <a:rPr lang="en-US" altLang="zh-CN" smtClean="0"/>
               <a:t>Fourth level</a:t>
             </a:r>
           </a:p>
           <a:p>
             <a:pPr lvl="4"/>
             <a:r>
-              <a:rPr lang="en-US" smtClean="0"/>
+              <a:rPr lang="en-US" altLang="zh-CN" smtClean="0"/>
               <a:t>Fifth level</a:t>
             </a:r>
             <a:endParaRPr lang="en-US"/>
@@ -797,7 +1311,7 @@
             <a:fld id="{1D8BD707-D9CF-40AE-B4C6-C98DA3205C09}" type="datetimeFigureOut">
               <a:rPr lang="en-US" smtClean="0"/>
               <a:pPr/>
-              <a:t>9/18/2006</a:t>
+              <a:t>3/29/2017</a:t>
             </a:fld>
             <a:endParaRPr lang="en-US"/>
           </a:p>
@@ -846,10 +1360,172 @@
           </a:p>
         </p:txBody>
       </p:sp>
+      <p:sp>
+        <p:nvSpPr>
+          <p:cNvPr id="11" name="Title 10"/>
+          <p:cNvSpPr>
+            <a:spLocks noGrp="1"/>
+          </p:cNvSpPr>
+          <p:nvPr>
+            <p:ph type="title"/>
+          </p:nvPr>
+        </p:nvSpPr>
+        <p:spPr/>
+        <p:txBody>
+          <a:bodyPr/>
+          <a:lstStyle/>
+          <a:p>
+            <a:r>
+              <a:rPr lang="en-US" altLang="zh-CN" smtClean="0"/>
+              <a:t>Click to edit Master title style</a:t>
+            </a:r>
+            <a:endParaRPr lang="en-US"/>
+          </a:p>
+        </p:txBody>
+      </p:sp>
+      <p:grpSp>
+        <p:nvGrpSpPr>
+          <p:cNvPr id="12" name="Group 11"/>
+          <p:cNvGrpSpPr/>
+          <p:nvPr/>
+        </p:nvGrpSpPr>
+        <p:grpSpPr>
+          <a:xfrm>
+            <a:off x="1172584" y="1392217"/>
+            <a:ext cx="6779110" cy="923330"/>
+            <a:chOff x="1172584" y="1381459"/>
+            <a:chExt cx="6779110" cy="923330"/>
+          </a:xfrm>
+        </p:grpSpPr>
+        <p:sp>
+          <p:nvSpPr>
+            <p:cNvPr id="13" name="TextBox 12"/>
+            <p:cNvSpPr txBox="1"/>
+            <p:nvPr/>
+          </p:nvSpPr>
+          <p:spPr>
+            <a:xfrm>
+              <a:off x="4147073" y="1381459"/>
+              <a:ext cx="877163" cy="923330"/>
+            </a:xfrm>
+            <a:prstGeom prst="rect">
+              <a:avLst/>
+            </a:prstGeom>
+            <a:noFill/>
+          </p:spPr>
+          <p:txBody>
+            <a:bodyPr wrap="none" rtlCol="0">
+              <a:spAutoFit/>
+            </a:bodyPr>
+            <a:lstStyle/>
+            <a:p>
+              <a:r>
+                <a:rPr lang="en-US" sz="5400" dirty="0" smtClean="0">
+                  <a:solidFill>
+                    <a:schemeClr val="tx2">
+                      <a:lumMod val="60000"/>
+                      <a:lumOff val="40000"/>
+                    </a:schemeClr>
+                  </a:solidFill>
+                  <a:latin typeface="Wingdings" pitchFamily="2" charset="2"/>
+                </a:rPr>
+                <a:t></a:t>
+              </a:r>
+              <a:endParaRPr lang="en-US" sz="5400" dirty="0">
+                <a:solidFill>
+                  <a:schemeClr val="tx2">
+                    <a:lumMod val="60000"/>
+                    <a:lumOff val="40000"/>
+                  </a:schemeClr>
+                </a:solidFill>
+                <a:latin typeface="Wingdings" pitchFamily="2" charset="2"/>
+              </a:endParaRPr>
+            </a:p>
+          </p:txBody>
+        </p:sp>
+        <p:cxnSp>
+          <p:nvCxnSpPr>
+            <p:cNvPr id="14" name="Straight Connector 13"/>
+            <p:cNvCxnSpPr/>
+            <p:nvPr/>
+          </p:nvCxnSpPr>
+          <p:spPr>
+            <a:xfrm rot="10800000">
+              <a:off x="1172584" y="1925620"/>
+              <a:ext cx="3119718" cy="1588"/>
+            </a:xfrm>
+            <a:prstGeom prst="line">
+              <a:avLst/>
+            </a:prstGeom>
+            <a:ln>
+              <a:solidFill>
+                <a:schemeClr val="tx2">
+                  <a:lumMod val="60000"/>
+                  <a:lumOff val="40000"/>
+                </a:schemeClr>
+              </a:solidFill>
+            </a:ln>
+            <a:effectLst/>
+          </p:spPr>
+          <p:style>
+            <a:lnRef idx="1">
+              <a:schemeClr val="accent1"/>
+            </a:lnRef>
+            <a:fillRef idx="0">
+              <a:schemeClr val="accent1"/>
+            </a:fillRef>
+            <a:effectRef idx="0">
+              <a:schemeClr val="accent1"/>
+            </a:effectRef>
+            <a:fontRef idx="minor">
+              <a:schemeClr val="tx1"/>
+            </a:fontRef>
+          </p:style>
+        </p:cxnSp>
+        <p:cxnSp>
+          <p:nvCxnSpPr>
+            <p:cNvPr id="15" name="Straight Connector 14"/>
+            <p:cNvCxnSpPr/>
+            <p:nvPr/>
+          </p:nvCxnSpPr>
+          <p:spPr>
+            <a:xfrm rot="10800000">
+              <a:off x="4831976" y="1922650"/>
+              <a:ext cx="3119718" cy="1588"/>
+            </a:xfrm>
+            <a:prstGeom prst="line">
+              <a:avLst/>
+            </a:prstGeom>
+            <a:ln>
+              <a:solidFill>
+                <a:schemeClr val="tx2">
+                  <a:lumMod val="60000"/>
+                  <a:lumOff val="40000"/>
+                </a:schemeClr>
+              </a:solidFill>
+            </a:ln>
+            <a:effectLst/>
+          </p:spPr>
+          <p:style>
+            <a:lnRef idx="1">
+              <a:schemeClr val="accent1"/>
+            </a:lnRef>
+            <a:fillRef idx="0">
+              <a:schemeClr val="accent1"/>
+            </a:fillRef>
+            <a:effectRef idx="0">
+              <a:schemeClr val="accent1"/>
+            </a:effectRef>
+            <a:fontRef idx="minor">
+              <a:schemeClr val="tx1"/>
+            </a:fontRef>
+          </p:style>
+        </p:cxnSp>
+      </p:grpSp>
     </p:spTree>
   </p:cSld>
   <p:clrMapOvr>
-    <a:masterClrMapping/>
+    <a:overrideClrMapping bg1="lt1" tx1="dk1" bg2="lt2" tx2="dk2" accent1="accent1" accent2="accent2" accent3="accent3" accent4="accent4" accent5="accent5" accent6="accent6" hlink="hlink" folHlink="folHlink"/>
   </p:clrMapOvr>
 </p:sldLayout>
 </file>
@@ -857,6 +1533,11 @@
 <file path=ppt/slideLayouts/slideLayout3.xml><?xml version="1.0" encoding="utf-8"?>
 <p:sldLayout xmlns:a="http://schemas.openxmlformats.org/drawingml/2006/main" xmlns:r="http://schemas.openxmlformats.org/officeDocument/2006/relationships" xmlns:p="http://schemas.openxmlformats.org/presentationml/2006/main" type="secHead" preserve="1">
   <p:cSld name="Section Header">
+    <p:bg>
+      <p:bgRef idx="1002">
+        <a:schemeClr val="bg2"/>
+      </p:bgRef>
+    </p:bg>
     <p:spTree>
       <p:nvGrpSpPr>
         <p:cNvPr id="1" name=""/>
@@ -871,64 +1552,231 @@
           <a:chExt cx="0" cy="0"/>
         </a:xfrm>
       </p:grpSpPr>
-      <p:sp>
-        <p:nvSpPr>
-          <p:cNvPr id="2" name="Title 1"/>
-          <p:cNvSpPr>
-            <a:spLocks noGrp="1"/>
-          </p:cNvSpPr>
-          <p:nvPr>
-            <p:ph type="title"/>
-          </p:nvPr>
-        </p:nvSpPr>
+      <p:pic>
+        <p:nvPicPr>
+          <p:cNvPr id="12" name="Picture 11" descr="CoverOverlay.png"/>
+          <p:cNvPicPr>
+            <a:picLocks noChangeAspect="1"/>
+          </p:cNvPicPr>
+          <p:nvPr/>
+        </p:nvPicPr>
+        <p:blipFill>
+          <a:blip r:embed="rId2" cstate="print">
+            <a:lum/>
+          </a:blip>
+          <a:stretch>
+            <a:fillRect/>
+          </a:stretch>
+        </p:blipFill>
         <p:spPr>
           <a:xfrm>
-            <a:off x="722313" y="4406900"/>
-            <a:ext cx="7772400" cy="1362075"/>
+            <a:off x="0" y="0"/>
+            <a:ext cx="9144000" cy="6858000"/>
+          </a:xfrm>
+          <a:prstGeom prst="rect">
+            <a:avLst/>
+          </a:prstGeom>
+        </p:spPr>
+      </p:pic>
+      <p:grpSp>
+        <p:nvGrpSpPr>
+          <p:cNvPr id="7" name="Group 7"/>
+          <p:cNvGrpSpPr/>
+          <p:nvPr/>
+        </p:nvGrpSpPr>
+        <p:grpSpPr>
+          <a:xfrm>
+            <a:off x="1172584" y="2887579"/>
+            <a:ext cx="6779110" cy="923330"/>
+            <a:chOff x="1172584" y="1381459"/>
+            <a:chExt cx="6779110" cy="923330"/>
+          </a:xfrm>
+        </p:grpSpPr>
+        <p:sp>
+          <p:nvSpPr>
+            <p:cNvPr id="9" name="TextBox 8"/>
+            <p:cNvSpPr txBox="1"/>
+            <p:nvPr/>
+          </p:nvSpPr>
+          <p:spPr>
+            <a:xfrm>
+              <a:off x="4147073" y="1381459"/>
+              <a:ext cx="877163" cy="923330"/>
+            </a:xfrm>
+            <a:prstGeom prst="rect">
+              <a:avLst/>
+            </a:prstGeom>
+            <a:noFill/>
+          </p:spPr>
+          <p:txBody>
+            <a:bodyPr wrap="none" rtlCol="0">
+              <a:spAutoFit/>
+            </a:bodyPr>
+            <a:lstStyle/>
+            <a:p>
+              <a:r>
+                <a:rPr lang="en-US" sz="5400" dirty="0" smtClean="0">
+                  <a:solidFill>
+                    <a:schemeClr val="tx2">
+                      <a:lumMod val="60000"/>
+                      <a:lumOff val="40000"/>
+                    </a:schemeClr>
+                  </a:solidFill>
+                  <a:latin typeface="Wingdings" pitchFamily="2" charset="2"/>
+                </a:rPr>
+                <a:t></a:t>
+              </a:r>
+              <a:endParaRPr lang="en-US" sz="5400" dirty="0">
+                <a:solidFill>
+                  <a:schemeClr val="tx2">
+                    <a:lumMod val="60000"/>
+                    <a:lumOff val="40000"/>
+                  </a:schemeClr>
+                </a:solidFill>
+                <a:latin typeface="Wingdings" pitchFamily="2" charset="2"/>
+              </a:endParaRPr>
+            </a:p>
+          </p:txBody>
+        </p:sp>
+        <p:cxnSp>
+          <p:nvCxnSpPr>
+            <p:cNvPr id="10" name="Straight Connector 9"/>
+            <p:cNvCxnSpPr/>
+            <p:nvPr/>
+          </p:nvCxnSpPr>
+          <p:spPr>
+            <a:xfrm rot="10800000">
+              <a:off x="1172584" y="1925620"/>
+              <a:ext cx="3119718" cy="1588"/>
+            </a:xfrm>
+            <a:prstGeom prst="line">
+              <a:avLst/>
+            </a:prstGeom>
+            <a:ln>
+              <a:solidFill>
+                <a:schemeClr val="tx2">
+                  <a:lumMod val="60000"/>
+                  <a:lumOff val="40000"/>
+                </a:schemeClr>
+              </a:solidFill>
+            </a:ln>
+            <a:effectLst/>
+          </p:spPr>
+          <p:style>
+            <a:lnRef idx="1">
+              <a:schemeClr val="accent1"/>
+            </a:lnRef>
+            <a:fillRef idx="0">
+              <a:schemeClr val="accent1"/>
+            </a:fillRef>
+            <a:effectRef idx="0">
+              <a:schemeClr val="accent1"/>
+            </a:effectRef>
+            <a:fontRef idx="minor">
+              <a:schemeClr val="tx1"/>
+            </a:fontRef>
+          </p:style>
+        </p:cxnSp>
+        <p:cxnSp>
+          <p:nvCxnSpPr>
+            <p:cNvPr id="11" name="Straight Connector 10"/>
+            <p:cNvCxnSpPr/>
+            <p:nvPr/>
+          </p:nvCxnSpPr>
+          <p:spPr>
+            <a:xfrm rot="10800000">
+              <a:off x="4831976" y="1927412"/>
+              <a:ext cx="3119718" cy="1588"/>
+            </a:xfrm>
+            <a:prstGeom prst="line">
+              <a:avLst/>
+            </a:prstGeom>
+            <a:ln>
+              <a:solidFill>
+                <a:schemeClr val="tx2">
+                  <a:lumMod val="60000"/>
+                  <a:lumOff val="40000"/>
+                </a:schemeClr>
+              </a:solidFill>
+            </a:ln>
+            <a:effectLst/>
+          </p:spPr>
+          <p:style>
+            <a:lnRef idx="1">
+              <a:schemeClr val="accent1"/>
+            </a:lnRef>
+            <a:fillRef idx="0">
+              <a:schemeClr val="accent1"/>
+            </a:fillRef>
+            <a:effectRef idx="0">
+              <a:schemeClr val="accent1"/>
+            </a:effectRef>
+            <a:fontRef idx="minor">
+              <a:schemeClr val="tx1"/>
+            </a:fontRef>
+          </p:style>
+        </p:cxnSp>
+      </p:grpSp>
+      <p:sp>
+        <p:nvSpPr>
+          <p:cNvPr id="2" name="Title 1"/>
+          <p:cNvSpPr>
+            <a:spLocks noGrp="1"/>
+          </p:cNvSpPr>
+          <p:nvPr>
+            <p:ph type="title"/>
+          </p:nvPr>
+        </p:nvSpPr>
+        <p:spPr>
+          <a:xfrm>
+            <a:off x="690040" y="1204857"/>
+            <a:ext cx="7754713" cy="1910716"/>
           </a:xfrm>
         </p:spPr>
         <p:txBody>
+          <a:bodyPr anchor="b"/>
+          <a:lstStyle>
+            <a:lvl1pPr algn="ctr">
+              <a:defRPr sz="5400" b="0" cap="none" baseline="0">
+                <a:solidFill>
+                  <a:schemeClr val="tx2"/>
+                </a:solidFill>
+              </a:defRPr>
+            </a:lvl1pPr>
+          </a:lstStyle>
+          <a:p>
+            <a:r>
+              <a:rPr lang="en-US" altLang="zh-CN" smtClean="0"/>
+              <a:t>Click to edit Master title style</a:t>
+            </a:r>
+            <a:endParaRPr lang="en-US" dirty="0"/>
+          </a:p>
+        </p:txBody>
+      </p:sp>
+      <p:sp>
+        <p:nvSpPr>
+          <p:cNvPr id="3" name="Text Placeholder 2"/>
+          <p:cNvSpPr>
+            <a:spLocks noGrp="1"/>
+          </p:cNvSpPr>
+          <p:nvPr>
+            <p:ph type="body" idx="1"/>
+          </p:nvPr>
+        </p:nvSpPr>
+        <p:spPr>
+          <a:xfrm>
+            <a:off x="699248" y="3767316"/>
+            <a:ext cx="7734747" cy="1500187"/>
+          </a:xfrm>
+        </p:spPr>
+        <p:txBody>
           <a:bodyPr anchor="t"/>
           <a:lstStyle>
-            <a:lvl1pPr algn="l">
-              <a:defRPr sz="4000" b="1" cap="all"/>
-            </a:lvl1pPr>
-          </a:lstStyle>
-          <a:p>
-            <a:r>
-              <a:rPr lang="en-US" smtClean="0"/>
-              <a:t>Click to edit Master title style</a:t>
-            </a:r>
-            <a:endParaRPr lang="en-US"/>
-          </a:p>
-        </p:txBody>
-      </p:sp>
-      <p:sp>
-        <p:nvSpPr>
-          <p:cNvPr id="3" name="Text Placeholder 2"/>
-          <p:cNvSpPr>
-            <a:spLocks noGrp="1"/>
-          </p:cNvSpPr>
-          <p:nvPr>
-            <p:ph type="body" idx="1"/>
-          </p:nvPr>
-        </p:nvSpPr>
-        <p:spPr>
-          <a:xfrm>
-            <a:off x="722313" y="2906713"/>
-            <a:ext cx="7772400" cy="1500187"/>
-          </a:xfrm>
-        </p:spPr>
-        <p:txBody>
-          <a:bodyPr anchor="b"/>
-          <a:lstStyle>
-            <a:lvl1pPr marL="0" indent="0">
+            <a:lvl1pPr marL="0" indent="0" algn="ctr">
               <a:buNone/>
               <a:defRPr sz="2000">
                 <a:solidFill>
-                  <a:schemeClr val="tx1">
-                    <a:tint val="75000"/>
-                  </a:schemeClr>
+                  <a:schemeClr val="tx2"/>
                 </a:solidFill>
               </a:defRPr>
             </a:lvl1pPr>
@@ -1016,7 +1864,7 @@
           <a:p>
             <a:pPr lvl="0"/>
             <a:r>
-              <a:rPr lang="en-US" smtClean="0"/>
+              <a:rPr lang="en-US" altLang="zh-CN" smtClean="0"/>
               <a:t>Click to edit Master text styles</a:t>
             </a:r>
           </a:p>
@@ -1040,7 +1888,7 @@
             <a:fld id="{1D8BD707-D9CF-40AE-B4C6-C98DA3205C09}" type="datetimeFigureOut">
               <a:rPr lang="en-US" smtClean="0"/>
               <a:pPr/>
-              <a:t>9/18/2006</a:t>
+              <a:t>3/29/2017</a:t>
             </a:fld>
             <a:endParaRPr lang="en-US"/>
           </a:p>
@@ -1092,7 +1940,7 @@
     </p:spTree>
   </p:cSld>
   <p:clrMapOvr>
-    <a:masterClrMapping/>
+    <a:overrideClrMapping bg1="lt1" tx1="dk1" bg2="lt2" tx2="dk2" accent1="accent1" accent2="accent2" accent3="accent3" accent4="accent4" accent5="accent5" accent6="accent6" hlink="hlink" folHlink="folHlink"/>
   </p:clrMapOvr>
 </p:sldLayout>
 </file>
@@ -1116,199 +1964,6 @@
       </p:grpSpPr>
       <p:sp>
         <p:nvSpPr>
-          <p:cNvPr id="2" name="Title 1"/>
-          <p:cNvSpPr>
-            <a:spLocks noGrp="1"/>
-          </p:cNvSpPr>
-          <p:nvPr>
-            <p:ph type="title"/>
-          </p:nvPr>
-        </p:nvSpPr>
-        <p:spPr/>
-        <p:txBody>
-          <a:bodyPr/>
-          <a:lstStyle/>
-          <a:p>
-            <a:r>
-              <a:rPr lang="en-US" smtClean="0"/>
-              <a:t>Click to edit Master title style</a:t>
-            </a:r>
-            <a:endParaRPr lang="en-US"/>
-          </a:p>
-        </p:txBody>
-      </p:sp>
-      <p:sp>
-        <p:nvSpPr>
-          <p:cNvPr id="3" name="Content Placeholder 2"/>
-          <p:cNvSpPr>
-            <a:spLocks noGrp="1"/>
-          </p:cNvSpPr>
-          <p:nvPr>
-            <p:ph sz="half" idx="1"/>
-          </p:nvPr>
-        </p:nvSpPr>
-        <p:spPr>
-          <a:xfrm>
-            <a:off x="457200" y="1600200"/>
-            <a:ext cx="4038600" cy="4525963"/>
-          </a:xfrm>
-        </p:spPr>
-        <p:txBody>
-          <a:bodyPr/>
-          <a:lstStyle>
-            <a:lvl1pPr>
-              <a:defRPr sz="2800"/>
-            </a:lvl1pPr>
-            <a:lvl2pPr>
-              <a:defRPr sz="2400"/>
-            </a:lvl2pPr>
-            <a:lvl3pPr>
-              <a:defRPr sz="2000"/>
-            </a:lvl3pPr>
-            <a:lvl4pPr>
-              <a:defRPr sz="1800"/>
-            </a:lvl4pPr>
-            <a:lvl5pPr>
-              <a:defRPr sz="1800"/>
-            </a:lvl5pPr>
-            <a:lvl6pPr>
-              <a:defRPr sz="1800"/>
-            </a:lvl6pPr>
-            <a:lvl7pPr>
-              <a:defRPr sz="1800"/>
-            </a:lvl7pPr>
-            <a:lvl8pPr>
-              <a:defRPr sz="1800"/>
-            </a:lvl8pPr>
-            <a:lvl9pPr>
-              <a:defRPr sz="1800"/>
-            </a:lvl9pPr>
-          </a:lstStyle>
-          <a:p>
-            <a:pPr lvl="0"/>
-            <a:r>
-              <a:rPr lang="en-US" smtClean="0"/>
-              <a:t>Click to edit Master text styles</a:t>
-            </a:r>
-          </a:p>
-          <a:p>
-            <a:pPr lvl="1"/>
-            <a:r>
-              <a:rPr lang="en-US" smtClean="0"/>
-              <a:t>Second level</a:t>
-            </a:r>
-          </a:p>
-          <a:p>
-            <a:pPr lvl="2"/>
-            <a:r>
-              <a:rPr lang="en-US" smtClean="0"/>
-              <a:t>Third level</a:t>
-            </a:r>
-          </a:p>
-          <a:p>
-            <a:pPr lvl="3"/>
-            <a:r>
-              <a:rPr lang="en-US" smtClean="0"/>
-              <a:t>Fourth level</a:t>
-            </a:r>
-          </a:p>
-          <a:p>
-            <a:pPr lvl="4"/>
-            <a:r>
-              <a:rPr lang="en-US" smtClean="0"/>
-              <a:t>Fifth level</a:t>
-            </a:r>
-            <a:endParaRPr lang="en-US"/>
-          </a:p>
-        </p:txBody>
-      </p:sp>
-      <p:sp>
-        <p:nvSpPr>
-          <p:cNvPr id="4" name="Content Placeholder 3"/>
-          <p:cNvSpPr>
-            <a:spLocks noGrp="1"/>
-          </p:cNvSpPr>
-          <p:nvPr>
-            <p:ph sz="half" idx="2"/>
-          </p:nvPr>
-        </p:nvSpPr>
-        <p:spPr>
-          <a:xfrm>
-            <a:off x="4648200" y="1600200"/>
-            <a:ext cx="4038600" cy="4525963"/>
-          </a:xfrm>
-        </p:spPr>
-        <p:txBody>
-          <a:bodyPr/>
-          <a:lstStyle>
-            <a:lvl1pPr>
-              <a:defRPr sz="2800"/>
-            </a:lvl1pPr>
-            <a:lvl2pPr>
-              <a:defRPr sz="2400"/>
-            </a:lvl2pPr>
-            <a:lvl3pPr>
-              <a:defRPr sz="2000"/>
-            </a:lvl3pPr>
-            <a:lvl4pPr>
-              <a:defRPr sz="1800"/>
-            </a:lvl4pPr>
-            <a:lvl5pPr>
-              <a:defRPr sz="1800"/>
-            </a:lvl5pPr>
-            <a:lvl6pPr>
-              <a:defRPr sz="1800"/>
-            </a:lvl6pPr>
-            <a:lvl7pPr>
-              <a:defRPr sz="1800"/>
-            </a:lvl7pPr>
-            <a:lvl8pPr>
-              <a:defRPr sz="1800"/>
-            </a:lvl8pPr>
-            <a:lvl9pPr>
-              <a:defRPr sz="1800"/>
-            </a:lvl9pPr>
-          </a:lstStyle>
-          <a:p>
-            <a:pPr lvl="0"/>
-            <a:r>
-              <a:rPr lang="en-US" smtClean="0"/>
-              <a:t>Click to edit Master text styles</a:t>
-            </a:r>
-          </a:p>
-          <a:p>
-            <a:pPr lvl="1"/>
-            <a:r>
-              <a:rPr lang="en-US" smtClean="0"/>
-              <a:t>Second level</a:t>
-            </a:r>
-          </a:p>
-          <a:p>
-            <a:pPr lvl="2"/>
-            <a:r>
-              <a:rPr lang="en-US" smtClean="0"/>
-              <a:t>Third level</a:t>
-            </a:r>
-          </a:p>
-          <a:p>
-            <a:pPr lvl="3"/>
-            <a:r>
-              <a:rPr lang="en-US" smtClean="0"/>
-              <a:t>Fourth level</a:t>
-            </a:r>
-          </a:p>
-          <a:p>
-            <a:pPr lvl="4"/>
-            <a:r>
-              <a:rPr lang="en-US" smtClean="0"/>
-              <a:t>Fifth level</a:t>
-            </a:r>
-            <a:endParaRPr lang="en-US"/>
-          </a:p>
-        </p:txBody>
-      </p:sp>
-      <p:sp>
-        <p:nvSpPr>
           <p:cNvPr id="5" name="Date Placeholder 4"/>
           <p:cNvSpPr>
             <a:spLocks noGrp="1"/>
@@ -1325,7 +1980,7 @@
             <a:fld id="{1D8BD707-D9CF-40AE-B4C6-C98DA3205C09}" type="datetimeFigureOut">
               <a:rPr lang="en-US" smtClean="0"/>
               <a:pPr/>
-              <a:t>9/18/2006</a:t>
+              <a:t>3/29/2017</a:t>
             </a:fld>
             <a:endParaRPr lang="en-US"/>
           </a:p>
@@ -1370,6 +2025,290 @@
               <a:pPr/>
               <a:t>‹#›</a:t>
             </a:fld>
+            <a:endParaRPr lang="en-US"/>
+          </a:p>
+        </p:txBody>
+      </p:sp>
+      <p:sp>
+        <p:nvSpPr>
+          <p:cNvPr id="12" name="Title 11"/>
+          <p:cNvSpPr>
+            <a:spLocks noGrp="1"/>
+          </p:cNvSpPr>
+          <p:nvPr>
+            <p:ph type="title"/>
+          </p:nvPr>
+        </p:nvSpPr>
+        <p:spPr/>
+        <p:txBody>
+          <a:bodyPr/>
+          <a:lstStyle>
+            <a:lvl1pPr>
+              <a:defRPr>
+                <a:solidFill>
+                  <a:schemeClr val="tx2"/>
+                </a:solidFill>
+              </a:defRPr>
+            </a:lvl1pPr>
+          </a:lstStyle>
+          <a:p>
+            <a:r>
+              <a:rPr lang="en-US" altLang="zh-CN" smtClean="0"/>
+              <a:t>Click to edit Master title style</a:t>
+            </a:r>
+            <a:endParaRPr lang="en-US" dirty="0"/>
+          </a:p>
+        </p:txBody>
+      </p:sp>
+      <p:grpSp>
+        <p:nvGrpSpPr>
+          <p:cNvPr id="13" name="Group 12"/>
+          <p:cNvGrpSpPr/>
+          <p:nvPr/>
+        </p:nvGrpSpPr>
+        <p:grpSpPr>
+          <a:xfrm>
+            <a:off x="1172584" y="1392217"/>
+            <a:ext cx="6779110" cy="923330"/>
+            <a:chOff x="1172584" y="1381459"/>
+            <a:chExt cx="6779110" cy="923330"/>
+          </a:xfrm>
+        </p:grpSpPr>
+        <p:sp>
+          <p:nvSpPr>
+            <p:cNvPr id="14" name="TextBox 13"/>
+            <p:cNvSpPr txBox="1"/>
+            <p:nvPr/>
+          </p:nvSpPr>
+          <p:spPr>
+            <a:xfrm>
+              <a:off x="4147073" y="1381459"/>
+              <a:ext cx="877163" cy="923330"/>
+            </a:xfrm>
+            <a:prstGeom prst="rect">
+              <a:avLst/>
+            </a:prstGeom>
+            <a:noFill/>
+          </p:spPr>
+          <p:txBody>
+            <a:bodyPr wrap="none" rtlCol="0">
+              <a:spAutoFit/>
+            </a:bodyPr>
+            <a:lstStyle/>
+            <a:p>
+              <a:r>
+                <a:rPr lang="en-US" sz="5400" dirty="0" smtClean="0">
+                  <a:solidFill>
+                    <a:schemeClr val="tx2">
+                      <a:lumMod val="60000"/>
+                      <a:lumOff val="40000"/>
+                    </a:schemeClr>
+                  </a:solidFill>
+                  <a:latin typeface="Wingdings" pitchFamily="2" charset="2"/>
+                </a:rPr>
+                <a:t></a:t>
+              </a:r>
+              <a:endParaRPr lang="en-US" sz="5400" dirty="0">
+                <a:solidFill>
+                  <a:schemeClr val="tx2">
+                    <a:lumMod val="60000"/>
+                    <a:lumOff val="40000"/>
+                  </a:schemeClr>
+                </a:solidFill>
+                <a:latin typeface="Wingdings" pitchFamily="2" charset="2"/>
+              </a:endParaRPr>
+            </a:p>
+          </p:txBody>
+        </p:sp>
+        <p:cxnSp>
+          <p:nvCxnSpPr>
+            <p:cNvPr id="15" name="Straight Connector 14"/>
+            <p:cNvCxnSpPr/>
+            <p:nvPr/>
+          </p:nvCxnSpPr>
+          <p:spPr>
+            <a:xfrm rot="10800000">
+              <a:off x="1172584" y="1925620"/>
+              <a:ext cx="3119718" cy="1588"/>
+            </a:xfrm>
+            <a:prstGeom prst="line">
+              <a:avLst/>
+            </a:prstGeom>
+            <a:ln>
+              <a:solidFill>
+                <a:schemeClr val="tx2">
+                  <a:lumMod val="60000"/>
+                  <a:lumOff val="40000"/>
+                </a:schemeClr>
+              </a:solidFill>
+            </a:ln>
+            <a:effectLst/>
+          </p:spPr>
+          <p:style>
+            <a:lnRef idx="1">
+              <a:schemeClr val="accent1"/>
+            </a:lnRef>
+            <a:fillRef idx="0">
+              <a:schemeClr val="accent1"/>
+            </a:fillRef>
+            <a:effectRef idx="0">
+              <a:schemeClr val="accent1"/>
+            </a:effectRef>
+            <a:fontRef idx="minor">
+              <a:schemeClr val="tx1"/>
+            </a:fontRef>
+          </p:style>
+        </p:cxnSp>
+        <p:cxnSp>
+          <p:nvCxnSpPr>
+            <p:cNvPr id="16" name="Straight Connector 15"/>
+            <p:cNvCxnSpPr/>
+            <p:nvPr/>
+          </p:nvCxnSpPr>
+          <p:spPr>
+            <a:xfrm rot="10800000">
+              <a:off x="4831976" y="1922650"/>
+              <a:ext cx="3119718" cy="1588"/>
+            </a:xfrm>
+            <a:prstGeom prst="line">
+              <a:avLst/>
+            </a:prstGeom>
+            <a:ln>
+              <a:solidFill>
+                <a:schemeClr val="tx2">
+                  <a:lumMod val="60000"/>
+                  <a:lumOff val="40000"/>
+                </a:schemeClr>
+              </a:solidFill>
+            </a:ln>
+            <a:effectLst/>
+          </p:spPr>
+          <p:style>
+            <a:lnRef idx="1">
+              <a:schemeClr val="accent1"/>
+            </a:lnRef>
+            <a:fillRef idx="0">
+              <a:schemeClr val="accent1"/>
+            </a:fillRef>
+            <a:effectRef idx="0">
+              <a:schemeClr val="accent1"/>
+            </a:effectRef>
+            <a:fontRef idx="minor">
+              <a:schemeClr val="tx1"/>
+            </a:fontRef>
+          </p:style>
+        </p:cxnSp>
+      </p:grpSp>
+      <p:sp>
+        <p:nvSpPr>
+          <p:cNvPr id="8" name="Content Placeholder 7"/>
+          <p:cNvSpPr>
+            <a:spLocks noGrp="1"/>
+          </p:cNvSpPr>
+          <p:nvPr>
+            <p:ph sz="quarter" idx="13"/>
+          </p:nvPr>
+        </p:nvSpPr>
+        <p:spPr>
+          <a:xfrm>
+            <a:off x="685800" y="2240280"/>
+            <a:ext cx="3803904" cy="3877056"/>
+          </a:xfrm>
+        </p:spPr>
+        <p:txBody>
+          <a:bodyPr/>
+          <a:lstStyle/>
+          <a:p>
+            <a:pPr lvl="0"/>
+            <a:r>
+              <a:rPr lang="en-US" altLang="zh-CN" smtClean="0"/>
+              <a:t>Click to edit Master text styles</a:t>
+            </a:r>
+          </a:p>
+          <a:p>
+            <a:pPr lvl="1"/>
+            <a:r>
+              <a:rPr lang="en-US" altLang="zh-CN" smtClean="0"/>
+              <a:t>Second level</a:t>
+            </a:r>
+          </a:p>
+          <a:p>
+            <a:pPr lvl="2"/>
+            <a:r>
+              <a:rPr lang="en-US" altLang="zh-CN" smtClean="0"/>
+              <a:t>Third level</a:t>
+            </a:r>
+          </a:p>
+          <a:p>
+            <a:pPr lvl="3"/>
+            <a:r>
+              <a:rPr lang="en-US" altLang="zh-CN" smtClean="0"/>
+              <a:t>Fourth level</a:t>
+            </a:r>
+          </a:p>
+          <a:p>
+            <a:pPr lvl="4"/>
+            <a:r>
+              <a:rPr lang="en-US" altLang="zh-CN" smtClean="0"/>
+              <a:t>Fifth level</a:t>
+            </a:r>
+            <a:endParaRPr lang="en-US"/>
+          </a:p>
+        </p:txBody>
+      </p:sp>
+      <p:sp>
+        <p:nvSpPr>
+          <p:cNvPr id="10" name="Content Placeholder 9"/>
+          <p:cNvSpPr>
+            <a:spLocks noGrp="1"/>
+          </p:cNvSpPr>
+          <p:nvPr>
+            <p:ph sz="quarter" idx="14"/>
+          </p:nvPr>
+        </p:nvSpPr>
+        <p:spPr>
+          <a:xfrm>
+            <a:off x="4645151" y="2240280"/>
+            <a:ext cx="3803904" cy="3877056"/>
+          </a:xfrm>
+        </p:spPr>
+        <p:txBody>
+          <a:bodyPr/>
+          <a:lstStyle/>
+          <a:p>
+            <a:pPr lvl="0"/>
+            <a:r>
+              <a:rPr lang="en-US" altLang="zh-CN" smtClean="0"/>
+              <a:t>Click to edit Master text styles</a:t>
+            </a:r>
+          </a:p>
+          <a:p>
+            <a:pPr lvl="1"/>
+            <a:r>
+              <a:rPr lang="en-US" altLang="zh-CN" smtClean="0"/>
+              <a:t>Second level</a:t>
+            </a:r>
+          </a:p>
+          <a:p>
+            <a:pPr lvl="2"/>
+            <a:r>
+              <a:rPr lang="en-US" altLang="zh-CN" smtClean="0"/>
+              <a:t>Third level</a:t>
+            </a:r>
+          </a:p>
+          <a:p>
+            <a:pPr lvl="3"/>
+            <a:r>
+              <a:rPr lang="en-US" altLang="zh-CN" smtClean="0"/>
+              <a:t>Fourth level</a:t>
+            </a:r>
+          </a:p>
+          <a:p>
+            <a:pPr lvl="4"/>
+            <a:r>
+              <a:rPr lang="en-US" altLang="zh-CN" smtClean="0"/>
+              <a:t>Fifth level</a:t>
+            </a:r>
             <a:endParaRPr lang="en-US"/>
           </a:p>
         </p:txBody>
@@ -1419,7 +2358,7 @@
           </a:lstStyle>
           <a:p>
             <a:r>
-              <a:rPr lang="en-US" smtClean="0"/>
+              <a:rPr lang="en-US" altLang="zh-CN" smtClean="0"/>
               <a:t>Click to edit Master title style</a:t>
             </a:r>
             <a:endParaRPr lang="en-US"/>
@@ -1438,16 +2377,20 @@
         </p:nvSpPr>
         <p:spPr>
           <a:xfrm>
-            <a:off x="457200" y="1535113"/>
-            <a:ext cx="4040188" cy="639762"/>
+            <a:off x="1051560" y="2240280"/>
+            <a:ext cx="3442446" cy="658368"/>
           </a:xfrm>
         </p:spPr>
         <p:txBody>
           <a:bodyPr anchor="b"/>
           <a:lstStyle>
-            <a:lvl1pPr marL="0" indent="0">
-              <a:buNone/>
-              <a:defRPr sz="2400" b="1"/>
+            <a:lvl1pPr marL="0" indent="0" algn="ctr">
+              <a:buNone/>
+              <a:defRPr sz="2400" b="0">
+                <a:solidFill>
+                  <a:schemeClr val="tx2"/>
+                </a:solidFill>
+              </a:defRPr>
             </a:lvl1pPr>
             <a:lvl2pPr marL="457200" indent="0">
               <a:buNone/>
@@ -1485,7 +2428,7 @@
           <a:p>
             <a:pPr lvl="0"/>
             <a:r>
-              <a:rPr lang="en-US" smtClean="0"/>
+              <a:rPr lang="en-US" altLang="zh-CN" smtClean="0"/>
               <a:t>Click to edit Master text styles</a:t>
             </a:r>
           </a:p>
@@ -1503,8 +2446,8 @@
         </p:nvSpPr>
         <p:spPr>
           <a:xfrm>
-            <a:off x="457200" y="2174875"/>
-            <a:ext cx="4040188" cy="3951288"/>
+            <a:off x="688488" y="2947595"/>
+            <a:ext cx="3803904" cy="3172968"/>
           </a:xfrm>
         </p:spPr>
         <p:txBody>
@@ -1541,38 +2484,38 @@
           <a:p>
             <a:pPr lvl="0"/>
             <a:r>
-              <a:rPr lang="en-US" smtClean="0"/>
+              <a:rPr lang="en-US" altLang="zh-CN" smtClean="0"/>
               <a:t>Click to edit Master text styles</a:t>
             </a:r>
           </a:p>
           <a:p>
             <a:pPr lvl="1"/>
             <a:r>
-              <a:rPr lang="en-US" smtClean="0"/>
+              <a:rPr lang="en-US" altLang="zh-CN" smtClean="0"/>
               <a:t>Second level</a:t>
             </a:r>
           </a:p>
           <a:p>
             <a:pPr lvl="2"/>
             <a:r>
-              <a:rPr lang="en-US" smtClean="0"/>
+              <a:rPr lang="en-US" altLang="zh-CN" smtClean="0"/>
               <a:t>Third level</a:t>
             </a:r>
           </a:p>
           <a:p>
             <a:pPr lvl="3"/>
             <a:r>
-              <a:rPr lang="en-US" smtClean="0"/>
+              <a:rPr lang="en-US" altLang="zh-CN" smtClean="0"/>
               <a:t>Fourth level</a:t>
             </a:r>
           </a:p>
           <a:p>
             <a:pPr lvl="4"/>
             <a:r>
-              <a:rPr lang="en-US" smtClean="0"/>
+              <a:rPr lang="en-US" altLang="zh-CN" smtClean="0"/>
               <a:t>Fifth level</a:t>
             </a:r>
-            <a:endParaRPr lang="en-US"/>
+            <a:endParaRPr lang="en-US" dirty="0"/>
           </a:p>
         </p:txBody>
       </p:sp>
@@ -1588,16 +2531,20 @@
         </p:nvSpPr>
         <p:spPr>
           <a:xfrm>
-            <a:off x="4645025" y="1535113"/>
-            <a:ext cx="4041775" cy="639762"/>
+            <a:off x="5002306" y="2240280"/>
+            <a:ext cx="3447288" cy="658368"/>
           </a:xfrm>
         </p:spPr>
         <p:txBody>
           <a:bodyPr anchor="b"/>
           <a:lstStyle>
-            <a:lvl1pPr marL="0" indent="0">
-              <a:buNone/>
-              <a:defRPr sz="2400" b="1"/>
+            <a:lvl1pPr marL="0" indent="0" algn="ctr">
+              <a:buNone/>
+              <a:defRPr sz="2400" b="0">
+                <a:solidFill>
+                  <a:schemeClr val="tx2"/>
+                </a:solidFill>
+              </a:defRPr>
             </a:lvl1pPr>
             <a:lvl2pPr marL="457200" indent="0">
               <a:buNone/>
@@ -1635,7 +2582,7 @@
           <a:p>
             <a:pPr lvl="0"/>
             <a:r>
-              <a:rPr lang="en-US" smtClean="0"/>
+              <a:rPr lang="en-US" altLang="zh-CN" smtClean="0"/>
               <a:t>Click to edit Master text styles</a:t>
             </a:r>
           </a:p>
@@ -1653,8 +2600,8 @@
         </p:nvSpPr>
         <p:spPr>
           <a:xfrm>
-            <a:off x="4645025" y="2174875"/>
-            <a:ext cx="4041775" cy="3951288"/>
+            <a:off x="4645026" y="2944368"/>
+            <a:ext cx="3799728" cy="3172968"/>
           </a:xfrm>
         </p:spPr>
         <p:txBody>
@@ -1691,38 +2638,38 @@
           <a:p>
             <a:pPr lvl="0"/>
             <a:r>
-              <a:rPr lang="en-US" smtClean="0"/>
+              <a:rPr lang="en-US" altLang="zh-CN" smtClean="0"/>
               <a:t>Click to edit Master text styles</a:t>
             </a:r>
           </a:p>
           <a:p>
             <a:pPr lvl="1"/>
             <a:r>
-              <a:rPr lang="en-US" smtClean="0"/>
+              <a:rPr lang="en-US" altLang="zh-CN" smtClean="0"/>
               <a:t>Second level</a:t>
             </a:r>
           </a:p>
           <a:p>
             <a:pPr lvl="2"/>
             <a:r>
-              <a:rPr lang="en-US" smtClean="0"/>
+              <a:rPr lang="en-US" altLang="zh-CN" smtClean="0"/>
               <a:t>Third level</a:t>
             </a:r>
           </a:p>
           <a:p>
             <a:pPr lvl="3"/>
             <a:r>
-              <a:rPr lang="en-US" smtClean="0"/>
+              <a:rPr lang="en-US" altLang="zh-CN" smtClean="0"/>
               <a:t>Fourth level</a:t>
             </a:r>
           </a:p>
           <a:p>
             <a:pPr lvl="4"/>
             <a:r>
-              <a:rPr lang="en-US" smtClean="0"/>
+              <a:rPr lang="en-US" altLang="zh-CN" smtClean="0"/>
               <a:t>Fifth level</a:t>
             </a:r>
-            <a:endParaRPr lang="en-US"/>
+            <a:endParaRPr lang="en-US" dirty="0"/>
           </a:p>
         </p:txBody>
       </p:sp>
@@ -1744,7 +2691,7 @@
             <a:fld id="{1D8BD707-D9CF-40AE-B4C6-C98DA3205C09}" type="datetimeFigureOut">
               <a:rPr lang="en-US" smtClean="0"/>
               <a:pPr/>
-              <a:t>9/18/2006</a:t>
+              <a:t>3/29/2017</a:t>
             </a:fld>
             <a:endParaRPr lang="en-US"/>
           </a:p>
@@ -1793,6 +2740,145 @@
           </a:p>
         </p:txBody>
       </p:sp>
+      <p:grpSp>
+        <p:nvGrpSpPr>
+          <p:cNvPr id="14" name="Group 13"/>
+          <p:cNvGrpSpPr/>
+          <p:nvPr/>
+        </p:nvGrpSpPr>
+        <p:grpSpPr>
+          <a:xfrm>
+            <a:off x="1172584" y="1392217"/>
+            <a:ext cx="6779110" cy="923330"/>
+            <a:chOff x="1172584" y="1381459"/>
+            <a:chExt cx="6779110" cy="923330"/>
+          </a:xfrm>
+        </p:grpSpPr>
+        <p:sp>
+          <p:nvSpPr>
+            <p:cNvPr id="16" name="TextBox 15"/>
+            <p:cNvSpPr txBox="1"/>
+            <p:nvPr/>
+          </p:nvSpPr>
+          <p:spPr>
+            <a:xfrm>
+              <a:off x="4147073" y="1381459"/>
+              <a:ext cx="877163" cy="923330"/>
+            </a:xfrm>
+            <a:prstGeom prst="rect">
+              <a:avLst/>
+            </a:prstGeom>
+            <a:noFill/>
+          </p:spPr>
+          <p:txBody>
+            <a:bodyPr wrap="none" rtlCol="0">
+              <a:spAutoFit/>
+            </a:bodyPr>
+            <a:lstStyle/>
+            <a:p>
+              <a:r>
+                <a:rPr lang="en-US" sz="5400" dirty="0" smtClean="0">
+                  <a:solidFill>
+                    <a:schemeClr val="tx2">
+                      <a:lumMod val="60000"/>
+                      <a:lumOff val="40000"/>
+                    </a:schemeClr>
+                  </a:solidFill>
+                  <a:latin typeface="Wingdings" pitchFamily="2" charset="2"/>
+                </a:rPr>
+                <a:t></a:t>
+              </a:r>
+              <a:endParaRPr lang="en-US" sz="5400" dirty="0">
+                <a:solidFill>
+                  <a:schemeClr val="tx2">
+                    <a:lumMod val="60000"/>
+                    <a:lumOff val="40000"/>
+                  </a:schemeClr>
+                </a:solidFill>
+                <a:latin typeface="Wingdings" pitchFamily="2" charset="2"/>
+              </a:endParaRPr>
+            </a:p>
+          </p:txBody>
+        </p:sp>
+        <p:cxnSp>
+          <p:nvCxnSpPr>
+            <p:cNvPr id="17" name="Straight Connector 16"/>
+            <p:cNvCxnSpPr/>
+            <p:nvPr/>
+          </p:nvCxnSpPr>
+          <p:spPr>
+            <a:xfrm rot="10800000">
+              <a:off x="1172584" y="1925620"/>
+              <a:ext cx="3119718" cy="1588"/>
+            </a:xfrm>
+            <a:prstGeom prst="line">
+              <a:avLst/>
+            </a:prstGeom>
+            <a:ln>
+              <a:solidFill>
+                <a:schemeClr val="tx2">
+                  <a:lumMod val="60000"/>
+                  <a:lumOff val="40000"/>
+                </a:schemeClr>
+              </a:solidFill>
+            </a:ln>
+            <a:effectLst/>
+          </p:spPr>
+          <p:style>
+            <a:lnRef idx="1">
+              <a:schemeClr val="accent1"/>
+            </a:lnRef>
+            <a:fillRef idx="0">
+              <a:schemeClr val="accent1"/>
+            </a:fillRef>
+            <a:effectRef idx="0">
+              <a:schemeClr val="accent1"/>
+            </a:effectRef>
+            <a:fontRef idx="minor">
+              <a:schemeClr val="tx1"/>
+            </a:fontRef>
+          </p:style>
+        </p:cxnSp>
+        <p:cxnSp>
+          <p:nvCxnSpPr>
+            <p:cNvPr id="18" name="Straight Connector 17"/>
+            <p:cNvCxnSpPr/>
+            <p:nvPr/>
+          </p:nvCxnSpPr>
+          <p:spPr>
+            <a:xfrm rot="10800000">
+              <a:off x="4831976" y="1922650"/>
+              <a:ext cx="3119718" cy="1588"/>
+            </a:xfrm>
+            <a:prstGeom prst="line">
+              <a:avLst/>
+            </a:prstGeom>
+            <a:ln>
+              <a:solidFill>
+                <a:schemeClr val="tx2">
+                  <a:lumMod val="60000"/>
+                  <a:lumOff val="40000"/>
+                </a:schemeClr>
+              </a:solidFill>
+            </a:ln>
+            <a:effectLst/>
+          </p:spPr>
+          <p:style>
+            <a:lnRef idx="1">
+              <a:schemeClr val="accent1"/>
+            </a:lnRef>
+            <a:fillRef idx="0">
+              <a:schemeClr val="accent1"/>
+            </a:fillRef>
+            <a:effectRef idx="0">
+              <a:schemeClr val="accent1"/>
+            </a:effectRef>
+            <a:fontRef idx="minor">
+              <a:schemeClr val="tx1"/>
+            </a:fontRef>
+          </p:style>
+        </p:cxnSp>
+      </p:grpSp>
     </p:spTree>
   </p:cSld>
   <p:clrMapOvr>
@@ -1834,10 +2920,10 @@
           <a:lstStyle/>
           <a:p>
             <a:r>
-              <a:rPr lang="en-US" smtClean="0"/>
+              <a:rPr lang="en-US" altLang="zh-CN" smtClean="0"/>
               <a:t>Click to edit Master title style</a:t>
             </a:r>
-            <a:endParaRPr lang="en-US"/>
+            <a:endParaRPr lang="en-US" dirty="0"/>
           </a:p>
         </p:txBody>
       </p:sp>
@@ -1859,7 +2945,7 @@
             <a:fld id="{1D8BD707-D9CF-40AE-B4C6-C98DA3205C09}" type="datetimeFigureOut">
               <a:rPr lang="en-US" smtClean="0"/>
               <a:pPr/>
-              <a:t>9/18/2006</a:t>
+              <a:t>3/29/2017</a:t>
             </a:fld>
             <a:endParaRPr lang="en-US"/>
           </a:p>
@@ -1908,6 +2994,145 @@
           </a:p>
         </p:txBody>
       </p:sp>
+      <p:grpSp>
+        <p:nvGrpSpPr>
+          <p:cNvPr id="10" name="Group 9"/>
+          <p:cNvGrpSpPr/>
+          <p:nvPr/>
+        </p:nvGrpSpPr>
+        <p:grpSpPr>
+          <a:xfrm>
+            <a:off x="1172584" y="1392217"/>
+            <a:ext cx="6779110" cy="923330"/>
+            <a:chOff x="1172584" y="1381459"/>
+            <a:chExt cx="6779110" cy="923330"/>
+          </a:xfrm>
+        </p:grpSpPr>
+        <p:sp>
+          <p:nvSpPr>
+            <p:cNvPr id="14" name="TextBox 13"/>
+            <p:cNvSpPr txBox="1"/>
+            <p:nvPr/>
+          </p:nvSpPr>
+          <p:spPr>
+            <a:xfrm>
+              <a:off x="4147073" y="1381459"/>
+              <a:ext cx="877163" cy="923330"/>
+            </a:xfrm>
+            <a:prstGeom prst="rect">
+              <a:avLst/>
+            </a:prstGeom>
+            <a:noFill/>
+          </p:spPr>
+          <p:txBody>
+            <a:bodyPr wrap="none" rtlCol="0">
+              <a:spAutoFit/>
+            </a:bodyPr>
+            <a:lstStyle/>
+            <a:p>
+              <a:r>
+                <a:rPr lang="en-US" sz="5400" dirty="0" smtClean="0">
+                  <a:solidFill>
+                    <a:schemeClr val="tx2">
+                      <a:lumMod val="60000"/>
+                      <a:lumOff val="40000"/>
+                    </a:schemeClr>
+                  </a:solidFill>
+                  <a:latin typeface="Wingdings" pitchFamily="2" charset="2"/>
+                </a:rPr>
+                <a:t></a:t>
+              </a:r>
+              <a:endParaRPr lang="en-US" sz="5400" dirty="0">
+                <a:solidFill>
+                  <a:schemeClr val="tx2">
+                    <a:lumMod val="60000"/>
+                    <a:lumOff val="40000"/>
+                  </a:schemeClr>
+                </a:solidFill>
+                <a:latin typeface="Wingdings" pitchFamily="2" charset="2"/>
+              </a:endParaRPr>
+            </a:p>
+          </p:txBody>
+        </p:sp>
+        <p:cxnSp>
+          <p:nvCxnSpPr>
+            <p:cNvPr id="15" name="Straight Connector 14"/>
+            <p:cNvCxnSpPr/>
+            <p:nvPr/>
+          </p:nvCxnSpPr>
+          <p:spPr>
+            <a:xfrm rot="10800000">
+              <a:off x="1172584" y="1925620"/>
+              <a:ext cx="3119718" cy="1588"/>
+            </a:xfrm>
+            <a:prstGeom prst="line">
+              <a:avLst/>
+            </a:prstGeom>
+            <a:ln>
+              <a:solidFill>
+                <a:schemeClr val="tx2">
+                  <a:lumMod val="60000"/>
+                  <a:lumOff val="40000"/>
+                </a:schemeClr>
+              </a:solidFill>
+            </a:ln>
+            <a:effectLst/>
+          </p:spPr>
+          <p:style>
+            <a:lnRef idx="1">
+              <a:schemeClr val="accent1"/>
+            </a:lnRef>
+            <a:fillRef idx="0">
+              <a:schemeClr val="accent1"/>
+            </a:fillRef>
+            <a:effectRef idx="0">
+              <a:schemeClr val="accent1"/>
+            </a:effectRef>
+            <a:fontRef idx="minor">
+              <a:schemeClr val="tx1"/>
+            </a:fontRef>
+          </p:style>
+        </p:cxnSp>
+        <p:cxnSp>
+          <p:nvCxnSpPr>
+            <p:cNvPr id="16" name="Straight Connector 15"/>
+            <p:cNvCxnSpPr/>
+            <p:nvPr/>
+          </p:nvCxnSpPr>
+          <p:spPr>
+            <a:xfrm rot="10800000">
+              <a:off x="4831976" y="1922650"/>
+              <a:ext cx="3119718" cy="1588"/>
+            </a:xfrm>
+            <a:prstGeom prst="line">
+              <a:avLst/>
+            </a:prstGeom>
+            <a:ln>
+              <a:solidFill>
+                <a:schemeClr val="tx2">
+                  <a:lumMod val="60000"/>
+                  <a:lumOff val="40000"/>
+                </a:schemeClr>
+              </a:solidFill>
+            </a:ln>
+            <a:effectLst/>
+          </p:spPr>
+          <p:style>
+            <a:lnRef idx="1">
+              <a:schemeClr val="accent1"/>
+            </a:lnRef>
+            <a:fillRef idx="0">
+              <a:schemeClr val="accent1"/>
+            </a:fillRef>
+            <a:effectRef idx="0">
+              <a:schemeClr val="accent1"/>
+            </a:effectRef>
+            <a:fontRef idx="minor">
+              <a:schemeClr val="tx1"/>
+            </a:fontRef>
+          </p:style>
+        </p:cxnSp>
+      </p:grpSp>
     </p:spTree>
   </p:cSld>
   <p:clrMapOvr>
@@ -1951,7 +3176,7 @@
             <a:fld id="{1D8BD707-D9CF-40AE-B4C6-C98DA3205C09}" type="datetimeFigureOut">
               <a:rPr lang="en-US" smtClean="0"/>
               <a:pPr/>
-              <a:t>9/18/2006</a:t>
+              <a:t>3/29/2017</a:t>
             </a:fld>
             <a:endParaRPr lang="en-US"/>
           </a:p>
@@ -2037,20 +3262,20 @@
         </p:nvSpPr>
         <p:spPr>
           <a:xfrm>
-            <a:off x="457200" y="273050"/>
-            <a:ext cx="3008313" cy="1162050"/>
+            <a:off x="5034579" y="1678195"/>
+            <a:ext cx="3422483" cy="1886921"/>
           </a:xfrm>
         </p:spPr>
         <p:txBody>
           <a:bodyPr anchor="b"/>
           <a:lstStyle>
             <a:lvl1pPr algn="l">
-              <a:defRPr sz="2000" b="1"/>
+              <a:defRPr sz="2800" b="0"/>
             </a:lvl1pPr>
           </a:lstStyle>
           <a:p>
             <a:r>
-              <a:rPr lang="en-US" smtClean="0"/>
+              <a:rPr lang="en-US" altLang="zh-CN" smtClean="0"/>
               <a:t>Click to edit Master title style</a:t>
             </a:r>
             <a:endParaRPr lang="en-US"/>
@@ -2069,27 +3294,27 @@
         </p:nvSpPr>
         <p:spPr>
           <a:xfrm>
-            <a:off x="3575050" y="273050"/>
-            <a:ext cx="5111750" cy="5853113"/>
+            <a:off x="692001" y="559398"/>
+            <a:ext cx="4116667" cy="5566765"/>
           </a:xfrm>
         </p:spPr>
         <p:txBody>
-          <a:bodyPr/>
+          <a:bodyPr anchor="ctr"/>
           <a:lstStyle>
             <a:lvl1pPr>
-              <a:defRPr sz="3200"/>
+              <a:defRPr sz="2400"/>
             </a:lvl1pPr>
             <a:lvl2pPr>
-              <a:defRPr sz="2800"/>
+              <a:defRPr sz="2200"/>
             </a:lvl2pPr>
             <a:lvl3pPr>
-              <a:defRPr sz="2400"/>
+              <a:defRPr sz="2000"/>
             </a:lvl3pPr>
             <a:lvl4pPr>
-              <a:defRPr sz="2000"/>
+              <a:defRPr sz="1800"/>
             </a:lvl4pPr>
             <a:lvl5pPr>
-              <a:defRPr sz="2000"/>
+              <a:defRPr sz="1600"/>
             </a:lvl5pPr>
             <a:lvl6pPr>
               <a:defRPr sz="2000"/>
@@ -2107,38 +3332,38 @@
           <a:p>
             <a:pPr lvl="0"/>
             <a:r>
-              <a:rPr lang="en-US" smtClean="0"/>
+              <a:rPr lang="en-US" altLang="zh-CN" smtClean="0"/>
               <a:t>Click to edit Master text styles</a:t>
             </a:r>
           </a:p>
           <a:p>
             <a:pPr lvl="1"/>
             <a:r>
-              <a:rPr lang="en-US" smtClean="0"/>
+              <a:rPr lang="en-US" altLang="zh-CN" smtClean="0"/>
               <a:t>Second level</a:t>
             </a:r>
           </a:p>
           <a:p>
             <a:pPr lvl="2"/>
             <a:r>
-              <a:rPr lang="en-US" smtClean="0"/>
+              <a:rPr lang="en-US" altLang="zh-CN" smtClean="0"/>
               <a:t>Third level</a:t>
             </a:r>
           </a:p>
           <a:p>
             <a:pPr lvl="3"/>
             <a:r>
-              <a:rPr lang="en-US" smtClean="0"/>
+              <a:rPr lang="en-US" altLang="zh-CN" smtClean="0"/>
               <a:t>Fourth level</a:t>
             </a:r>
           </a:p>
           <a:p>
             <a:pPr lvl="4"/>
             <a:r>
-              <a:rPr lang="en-US" smtClean="0"/>
+              <a:rPr lang="en-US" altLang="zh-CN" smtClean="0"/>
               <a:t>Fifth level</a:t>
             </a:r>
-            <a:endParaRPr lang="en-US"/>
+            <a:endParaRPr lang="en-US" dirty="0"/>
           </a:p>
         </p:txBody>
       </p:sp>
@@ -2154,16 +3379,18 @@
         </p:nvSpPr>
         <p:spPr>
           <a:xfrm>
-            <a:off x="457200" y="1435100"/>
-            <a:ext cx="3008313" cy="4691063"/>
+            <a:off x="5034579" y="3603812"/>
+            <a:ext cx="3411725" cy="2517289"/>
           </a:xfrm>
         </p:spPr>
         <p:txBody>
-          <a:bodyPr/>
+          <a:bodyPr>
+            <a:normAutofit/>
+          </a:bodyPr>
           <a:lstStyle>
             <a:lvl1pPr marL="0" indent="0">
               <a:buNone/>
-              <a:defRPr sz="1400"/>
+              <a:defRPr sz="1600"/>
             </a:lvl1pPr>
             <a:lvl2pPr marL="457200" indent="0">
               <a:buNone/>
@@ -2201,7 +3428,7 @@
           <a:p>
             <a:pPr lvl="0"/>
             <a:r>
-              <a:rPr lang="en-US" smtClean="0"/>
+              <a:rPr lang="en-US" altLang="zh-CN" smtClean="0"/>
               <a:t>Click to edit Master text styles</a:t>
             </a:r>
           </a:p>
@@ -2225,7 +3452,7 @@
             <a:fld id="{1D8BD707-D9CF-40AE-B4C6-C98DA3205C09}" type="datetimeFigureOut">
               <a:rPr lang="en-US" smtClean="0"/>
               <a:pPr/>
-              <a:t>9/18/2006</a:t>
+              <a:t>3/29/2017</a:t>
             </a:fld>
             <a:endParaRPr lang="en-US"/>
           </a:p>
@@ -2311,20 +3538,20 @@
         </p:nvSpPr>
         <p:spPr>
           <a:xfrm>
-            <a:off x="1792288" y="4800600"/>
-            <a:ext cx="5486400" cy="566738"/>
+            <a:off x="677731" y="4668818"/>
+            <a:ext cx="7767021" cy="644729"/>
           </a:xfrm>
         </p:spPr>
         <p:txBody>
           <a:bodyPr anchor="b"/>
           <a:lstStyle>
-            <a:lvl1pPr algn="l">
-              <a:defRPr sz="2000" b="1"/>
+            <a:lvl1pPr algn="ctr">
+              <a:defRPr sz="2800" b="0"/>
             </a:lvl1pPr>
           </a:lstStyle>
           <a:p>
             <a:r>
-              <a:rPr lang="en-US" smtClean="0"/>
+              <a:rPr lang="en-US" altLang="zh-CN" smtClean="0"/>
               <a:t>Click to edit Master title style</a:t>
             </a:r>
             <a:endParaRPr lang="en-US"/>
@@ -2342,10 +3569,42 @@
           </p:nvPr>
         </p:nvSpPr>
         <p:spPr>
-          <a:xfrm>
-            <a:off x="1792288" y="612775"/>
-            <a:ext cx="5486400" cy="4114800"/>
+          <a:xfrm rot="240000">
+            <a:off x="2183792" y="666965"/>
+            <a:ext cx="4772156" cy="3598016"/>
           </a:xfrm>
+          <a:solidFill>
+            <a:srgbClr val="FFFFFF">
+              <a:shade val="85000"/>
+            </a:srgbClr>
+          </a:solidFill>
+          <a:ln w="190500" cap="sq">
+            <a:solidFill>
+              <a:srgbClr val="FFFFFF"/>
+            </a:solidFill>
+            <a:miter lim="800000"/>
+          </a:ln>
+          <a:effectLst>
+            <a:outerShdw blurRad="65000" dist="50800" dir="12900000" kx="195000" ky="145000" algn="tl" rotWithShape="0">
+              <a:srgbClr val="000000">
+                <a:alpha val="24000"/>
+              </a:srgbClr>
+            </a:outerShdw>
+          </a:effectLst>
+          <a:scene3d>
+            <a:camera prst="orthographicFront">
+              <a:rot lat="0" lon="0" rev="360000"/>
+            </a:camera>
+            <a:lightRig rig="twoPt" dir="t">
+              <a:rot lat="0" lon="0" rev="7200000"/>
+            </a:lightRig>
+          </a:scene3d>
+          <a:sp3d contourW="12700">
+            <a:bevelT w="25400" h="19050"/>
+            <a:contourClr>
+              <a:srgbClr val="969696"/>
+            </a:contourClr>
+          </a:sp3d>
         </p:spPr>
         <p:txBody>
           <a:bodyPr/>
@@ -2388,7 +3647,11 @@
             </a:lvl9pPr>
           </a:lstStyle>
           <a:p>
-            <a:endParaRPr lang="en-US"/>
+            <a:r>
+              <a:rPr lang="en-US" altLang="zh-CN" smtClean="0"/>
+              <a:t>Click icon to add picture</a:t>
+            </a:r>
+            <a:endParaRPr lang="en-US" dirty="0"/>
           </a:p>
         </p:txBody>
       </p:sp>
@@ -2404,16 +3667,18 @@
         </p:nvSpPr>
         <p:spPr>
           <a:xfrm>
-            <a:off x="1792288" y="5367338"/>
-            <a:ext cx="5486400" cy="804862"/>
+            <a:off x="688489" y="5324306"/>
+            <a:ext cx="7756264" cy="804862"/>
           </a:xfrm>
         </p:spPr>
         <p:txBody>
-          <a:bodyPr/>
+          <a:bodyPr>
+            <a:normAutofit/>
+          </a:bodyPr>
           <a:lstStyle>
-            <a:lvl1pPr marL="0" indent="0">
-              <a:buNone/>
-              <a:defRPr sz="1400"/>
+            <a:lvl1pPr marL="0" indent="0" algn="ctr">
+              <a:buNone/>
+              <a:defRPr sz="1600"/>
             </a:lvl1pPr>
             <a:lvl2pPr marL="457200" indent="0">
               <a:buNone/>
@@ -2451,7 +3716,7 @@
           <a:p>
             <a:pPr lvl="0"/>
             <a:r>
-              <a:rPr lang="en-US" smtClean="0"/>
+              <a:rPr lang="en-US" altLang="zh-CN" smtClean="0"/>
               <a:t>Click to edit Master text styles</a:t>
             </a:r>
           </a:p>
@@ -2475,7 +3740,7 @@
             <a:fld id="{1D8BD707-D9CF-40AE-B4C6-C98DA3205C09}" type="datetimeFigureOut">
               <a:rPr lang="en-US" smtClean="0"/>
               <a:pPr/>
-              <a:t>9/18/2006</a:t>
+              <a:t>3/29/2017</a:t>
             </a:fld>
             <a:endParaRPr lang="en-US"/>
           </a:p>
@@ -2536,7 +3801,7 @@
 <p:sldMaster xmlns:a="http://schemas.openxmlformats.org/drawingml/2006/main" xmlns:r="http://schemas.openxmlformats.org/officeDocument/2006/relationships" xmlns:p="http://schemas.openxmlformats.org/presentationml/2006/main">
   <p:cSld>
     <p:bg>
-      <p:bgRef idx="1001">
+      <p:bgRef idx="1002">
         <a:schemeClr val="bg1"/>
       </p:bgRef>
     </p:bg>
@@ -2556,18 +3821,80 @@
       </p:grpSpPr>
       <p:sp>
         <p:nvSpPr>
-          <p:cNvPr id="2" name="Title Placeholder 1"/>
-          <p:cNvSpPr>
-            <a:spLocks noGrp="1"/>
-          </p:cNvSpPr>
-          <p:nvPr>
-            <p:ph type="title"/>
-          </p:nvPr>
+          <p:cNvPr id="7" name="Rectangle 6"/>
+          <p:cNvSpPr/>
+          <p:nvPr/>
         </p:nvSpPr>
         <p:spPr>
           <a:xfrm>
-            <a:off x="457200" y="274638"/>
-            <a:ext cx="8229600" cy="1143000"/>
+            <a:off x="0" y="0"/>
+            <a:ext cx="9144000" cy="6858000"/>
+          </a:xfrm>
+          <a:prstGeom prst="rect">
+            <a:avLst/>
+          </a:prstGeom>
+          <a:gradFill flip="none" rotWithShape="1">
+            <a:gsLst>
+              <a:gs pos="83000">
+                <a:schemeClr val="bg1">
+                  <a:alpha val="11000"/>
+                </a:schemeClr>
+              </a:gs>
+              <a:gs pos="100000">
+                <a:schemeClr val="bg2">
+                  <a:lumMod val="75000"/>
+                  <a:alpha val="23000"/>
+                </a:schemeClr>
+              </a:gs>
+            </a:gsLst>
+            <a:path path="rect">
+              <a:fillToRect l="50000" t="50000" r="50000" b="50000"/>
+            </a:path>
+            <a:tileRect/>
+          </a:gradFill>
+          <a:ln>
+            <a:noFill/>
+          </a:ln>
+        </p:spPr>
+        <p:style>
+          <a:lnRef idx="2">
+            <a:schemeClr val="accent1">
+              <a:shade val="50000"/>
+            </a:schemeClr>
+          </a:lnRef>
+          <a:fillRef idx="1">
+            <a:schemeClr val="accent1"/>
+          </a:fillRef>
+          <a:effectRef idx="0">
+            <a:schemeClr val="accent1"/>
+          </a:effectRef>
+          <a:fontRef idx="minor">
+            <a:schemeClr val="lt1"/>
+          </a:fontRef>
+        </p:style>
+        <p:txBody>
+          <a:bodyPr rtlCol="0" anchor="ctr"/>
+          <a:lstStyle/>
+          <a:p>
+            <a:pPr algn="ctr"/>
+            <a:endParaRPr lang="en-US"/>
+          </a:p>
+        </p:txBody>
+      </p:sp>
+      <p:sp>
+        <p:nvSpPr>
+          <p:cNvPr id="2" name="Title Placeholder 1"/>
+          <p:cNvSpPr>
+            <a:spLocks noGrp="1"/>
+          </p:cNvSpPr>
+          <p:nvPr>
+            <p:ph type="title"/>
+          </p:nvPr>
+        </p:nvSpPr>
+        <p:spPr>
+          <a:xfrm>
+            <a:off x="688490" y="570156"/>
+            <a:ext cx="7756263" cy="1054250"/>
           </a:xfrm>
           <a:prstGeom prst="rect">
             <a:avLst/>
@@ -2575,15 +3902,15 @@
         </p:spPr>
         <p:txBody>
           <a:bodyPr vert="horz" lIns="91440" tIns="45720" rIns="91440" bIns="45720" rtlCol="0" anchor="ctr">
-            <a:normAutofit/>
+            <a:noAutofit/>
           </a:bodyPr>
           <a:lstStyle/>
           <a:p>
             <a:r>
-              <a:rPr lang="en-US" smtClean="0"/>
+              <a:rPr lang="en-US" altLang="zh-CN" smtClean="0"/>
               <a:t>Click to edit Master title style</a:t>
             </a:r>
-            <a:endParaRPr lang="en-US"/>
+            <a:endParaRPr lang="en-US" dirty="0"/>
           </a:p>
         </p:txBody>
       </p:sp>
@@ -2599,8 +3926,8 @@
         </p:nvSpPr>
         <p:spPr>
           <a:xfrm>
-            <a:off x="457200" y="1600200"/>
-            <a:ext cx="8229600" cy="4525963"/>
+            <a:off x="699247" y="2248347"/>
+            <a:ext cx="7745505" cy="3877815"/>
           </a:xfrm>
           <a:prstGeom prst="rect">
             <a:avLst/>
@@ -2614,38 +3941,38 @@
           <a:p>
             <a:pPr lvl="0"/>
             <a:r>
-              <a:rPr lang="en-US" smtClean="0"/>
+              <a:rPr lang="en-US" altLang="zh-CN" smtClean="0"/>
               <a:t>Click to edit Master text styles</a:t>
             </a:r>
           </a:p>
           <a:p>
             <a:pPr lvl="1"/>
             <a:r>
-              <a:rPr lang="en-US" smtClean="0"/>
+              <a:rPr lang="en-US" altLang="zh-CN" smtClean="0"/>
               <a:t>Second level</a:t>
             </a:r>
           </a:p>
           <a:p>
             <a:pPr lvl="2"/>
             <a:r>
-              <a:rPr lang="en-US" smtClean="0"/>
+              <a:rPr lang="en-US" altLang="zh-CN" smtClean="0"/>
               <a:t>Third level</a:t>
             </a:r>
           </a:p>
           <a:p>
             <a:pPr lvl="3"/>
             <a:r>
-              <a:rPr lang="en-US" smtClean="0"/>
+              <a:rPr lang="en-US" altLang="zh-CN" smtClean="0"/>
               <a:t>Fourth level</a:t>
             </a:r>
           </a:p>
           <a:p>
             <a:pPr lvl="4"/>
             <a:r>
-              <a:rPr lang="en-US" smtClean="0"/>
+              <a:rPr lang="en-US" altLang="zh-CN" smtClean="0"/>
               <a:t>Fifth level</a:t>
             </a:r>
-            <a:endParaRPr lang="en-US"/>
+            <a:endParaRPr lang="en-US" dirty="0"/>
           </a:p>
         </p:txBody>
       </p:sp>
@@ -2661,7 +3988,7 @@
         </p:nvSpPr>
         <p:spPr>
           <a:xfrm>
-            <a:off x="457200" y="6356350"/>
+            <a:off x="360378" y="6161442"/>
             <a:ext cx="2133600" cy="365125"/>
           </a:xfrm>
           <a:prstGeom prst="rect">
@@ -2674,9 +4001,7 @@
             <a:lvl1pPr algn="l">
               <a:defRPr sz="1200">
                 <a:solidFill>
-                  <a:schemeClr val="tx1">
-                    <a:tint val="75000"/>
-                  </a:schemeClr>
+                  <a:schemeClr val="tx2"/>
                 </a:solidFill>
               </a:defRPr>
             </a:lvl1pPr>
@@ -2685,7 +4010,7 @@
             <a:fld id="{1D8BD707-D9CF-40AE-B4C6-C98DA3205C09}" type="datetimeFigureOut">
               <a:rPr lang="en-US" smtClean="0"/>
               <a:pPr/>
-              <a:t>9/18/2006</a:t>
+              <a:t>3/29/2017</a:t>
             </a:fld>
             <a:endParaRPr lang="en-US"/>
           </a:p>
@@ -2703,7 +4028,7 @@
         </p:nvSpPr>
         <p:spPr>
           <a:xfrm>
-            <a:off x="3124200" y="6356350"/>
+            <a:off x="3124200" y="6161442"/>
             <a:ext cx="2895600" cy="365125"/>
           </a:xfrm>
           <a:prstGeom prst="rect">
@@ -2716,9 +4041,7 @@
             <a:lvl1pPr algn="ctr">
               <a:defRPr sz="1200">
                 <a:solidFill>
-                  <a:schemeClr val="tx1">
-                    <a:tint val="75000"/>
-                  </a:schemeClr>
+                  <a:schemeClr val="tx2"/>
                 </a:solidFill>
               </a:defRPr>
             </a:lvl1pPr>
@@ -2740,7 +4063,7 @@
         </p:nvSpPr>
         <p:spPr>
           <a:xfrm>
-            <a:off x="6553200" y="6356350"/>
+            <a:off x="6639264" y="6161442"/>
             <a:ext cx="2133600" cy="365125"/>
           </a:xfrm>
           <a:prstGeom prst="rect">
@@ -2753,9 +4076,7 @@
             <a:lvl1pPr algn="r">
               <a:defRPr sz="1200">
                 <a:solidFill>
-                  <a:schemeClr val="tx1">
-                    <a:tint val="75000"/>
-                  </a:schemeClr>
+                  <a:schemeClr val="tx2"/>
                 </a:solidFill>
               </a:defRPr>
             </a:lvl1pPr>
@@ -2774,17 +4095,17 @@
   </p:cSld>
   <p:clrMap bg1="lt1" tx1="dk1" bg2="lt2" tx2="dk2" accent1="accent1" accent2="accent2" accent3="accent3" accent4="accent4" accent5="accent5" accent6="accent6" hlink="hlink" folHlink="folHlink"/>
   <p:sldLayoutIdLst>
-    <p:sldLayoutId id="2147483649" r:id="rId1"/>
-    <p:sldLayoutId id="2147483650" r:id="rId2"/>
-    <p:sldLayoutId id="2147483651" r:id="rId3"/>
-    <p:sldLayoutId id="2147483652" r:id="rId4"/>
-    <p:sldLayoutId id="2147483653" r:id="rId5"/>
-    <p:sldLayoutId id="2147483654" r:id="rId6"/>
-    <p:sldLayoutId id="2147483655" r:id="rId7"/>
-    <p:sldLayoutId id="2147483656" r:id="rId8"/>
-    <p:sldLayoutId id="2147483657" r:id="rId9"/>
-    <p:sldLayoutId id="2147483658" r:id="rId10"/>
-    <p:sldLayoutId id="2147483659" r:id="rId11"/>
+    <p:sldLayoutId id="2147483733" r:id="rId1"/>
+    <p:sldLayoutId id="2147483734" r:id="rId2"/>
+    <p:sldLayoutId id="2147483735" r:id="rId3"/>
+    <p:sldLayoutId id="2147483736" r:id="rId4"/>
+    <p:sldLayoutId id="2147483737" r:id="rId5"/>
+    <p:sldLayoutId id="2147483738" r:id="rId6"/>
+    <p:sldLayoutId id="2147483739" r:id="rId7"/>
+    <p:sldLayoutId id="2147483740" r:id="rId8"/>
+    <p:sldLayoutId id="2147483741" r:id="rId9"/>
+    <p:sldLayoutId id="2147483742" r:id="rId10"/>
+    <p:sldLayoutId id="2147483743" r:id="rId11"/>
   </p:sldLayoutIdLst>
   <p:txStyles>
     <p:titleStyle>
@@ -2793,99 +4114,188 @@
           <a:spcPct val="0"/>
         </a:spcBef>
         <a:buNone/>
-        <a:defRPr sz="4400" kern="1200">
+        <a:defRPr sz="5400" kern="1200">
           <a:solidFill>
-            <a:schemeClr val="tx1"/>
+            <a:schemeClr val="tx2"/>
           </a:solidFill>
           <a:latin typeface="+mj-lt"/>
           <a:ea typeface="+mj-ea"/>
           <a:cs typeface="+mj-cs"/>
         </a:defRPr>
       </a:lvl1pPr>
+      <a:lvl2pPr eaLnBrk="1" hangingPunct="1">
+        <a:defRPr>
+          <a:solidFill>
+            <a:schemeClr val="tx2"/>
+          </a:solidFill>
+        </a:defRPr>
+      </a:lvl2pPr>
+      <a:lvl3pPr eaLnBrk="1" hangingPunct="1">
+        <a:defRPr>
+          <a:solidFill>
+            <a:schemeClr val="tx2"/>
+          </a:solidFill>
+        </a:defRPr>
+      </a:lvl3pPr>
+      <a:lvl4pPr eaLnBrk="1" hangingPunct="1">
+        <a:defRPr>
+          <a:solidFill>
+            <a:schemeClr val="tx2"/>
+          </a:solidFill>
+        </a:defRPr>
+      </a:lvl4pPr>
+      <a:lvl5pPr eaLnBrk="1" hangingPunct="1">
+        <a:defRPr>
+          <a:solidFill>
+            <a:schemeClr val="tx2"/>
+          </a:solidFill>
+        </a:defRPr>
+      </a:lvl5pPr>
+      <a:lvl6pPr eaLnBrk="1" hangingPunct="1">
+        <a:defRPr>
+          <a:solidFill>
+            <a:schemeClr val="tx2"/>
+          </a:solidFill>
+        </a:defRPr>
+      </a:lvl6pPr>
+      <a:lvl7pPr eaLnBrk="1" hangingPunct="1">
+        <a:defRPr>
+          <a:solidFill>
+            <a:schemeClr val="tx2"/>
+          </a:solidFill>
+        </a:defRPr>
+      </a:lvl7pPr>
+      <a:lvl8pPr eaLnBrk="1" hangingPunct="1">
+        <a:defRPr>
+          <a:solidFill>
+            <a:schemeClr val="tx2"/>
+          </a:solidFill>
+        </a:defRPr>
+      </a:lvl8pPr>
+      <a:lvl9pPr eaLnBrk="1" hangingPunct="1">
+        <a:defRPr>
+          <a:solidFill>
+            <a:schemeClr val="tx2"/>
+          </a:solidFill>
+        </a:defRPr>
+      </a:lvl9pPr>
     </p:titleStyle>
     <p:bodyStyle>
-      <a:lvl1pPr marL="342900" indent="-342900" algn="l" defTabSz="914400" rtl="0" eaLnBrk="1" latinLnBrk="0" hangingPunct="1">
+      <a:lvl1pPr marL="365760" indent="-365760" algn="l" defTabSz="914400" rtl="0" eaLnBrk="1" latinLnBrk="0" hangingPunct="1">
         <a:spcBef>
           <a:spcPct val="20000"/>
         </a:spcBef>
-        <a:buFont typeface="Arial" pitchFamily="34" charset="0"/>
-        <a:buChar char="•"/>
-        <a:defRPr sz="3200" kern="1200">
+        <a:buClr>
+          <a:schemeClr val="accent1"/>
+        </a:buClr>
+        <a:buFont typeface="Wingdings" pitchFamily="2" charset="2"/>
+        <a:buChar char=""/>
+        <a:defRPr sz="2400" kern="1200">
           <a:solidFill>
-            <a:schemeClr val="tx1"/>
+            <a:schemeClr val="tx1">
+              <a:lumMod val="85000"/>
+              <a:lumOff val="15000"/>
+            </a:schemeClr>
           </a:solidFill>
           <a:latin typeface="+mn-lt"/>
           <a:ea typeface="+mn-ea"/>
           <a:cs typeface="+mn-cs"/>
         </a:defRPr>
       </a:lvl1pPr>
-      <a:lvl2pPr marL="742950" indent="-285750" algn="l" defTabSz="914400" rtl="0" eaLnBrk="1" latinLnBrk="0" hangingPunct="1">
+      <a:lvl2pPr marL="777240" indent="-365760" algn="l" defTabSz="914400" rtl="0" eaLnBrk="1" latinLnBrk="0" hangingPunct="1">
         <a:spcBef>
           <a:spcPct val="20000"/>
         </a:spcBef>
-        <a:buFont typeface="Arial" pitchFamily="34" charset="0"/>
-        <a:buChar char="–"/>
-        <a:defRPr sz="2800" kern="1200">
+        <a:buClr>
+          <a:schemeClr val="accent1"/>
+        </a:buClr>
+        <a:buFont typeface="Wingdings" pitchFamily="2" charset="2"/>
+        <a:buChar char=""/>
+        <a:defRPr sz="2200" kern="1200">
           <a:solidFill>
-            <a:schemeClr val="tx1"/>
+            <a:schemeClr val="tx1">
+              <a:lumMod val="85000"/>
+              <a:lumOff val="15000"/>
+            </a:schemeClr>
           </a:solidFill>
           <a:latin typeface="+mn-lt"/>
           <a:ea typeface="+mn-ea"/>
           <a:cs typeface="+mn-cs"/>
         </a:defRPr>
       </a:lvl2pPr>
-      <a:lvl3pPr marL="1143000" indent="-228600" algn="l" defTabSz="914400" rtl="0" eaLnBrk="1" latinLnBrk="0" hangingPunct="1">
+      <a:lvl3pPr marL="1143000" indent="-365760" algn="l" defTabSz="914400" rtl="0" eaLnBrk="1" latinLnBrk="0" hangingPunct="1">
         <a:spcBef>
           <a:spcPct val="20000"/>
         </a:spcBef>
-        <a:buFont typeface="Arial" pitchFamily="34" charset="0"/>
-        <a:buChar char="•"/>
-        <a:defRPr sz="2400" kern="1200">
+        <a:buClr>
+          <a:schemeClr val="accent1"/>
+        </a:buClr>
+        <a:buFont typeface="Wingdings" pitchFamily="2" charset="2"/>
+        <a:buChar char=""/>
+        <a:defRPr sz="2000" kern="1200">
           <a:solidFill>
-            <a:schemeClr val="tx1"/>
+            <a:schemeClr val="tx1">
+              <a:lumMod val="85000"/>
+              <a:lumOff val="15000"/>
+            </a:schemeClr>
           </a:solidFill>
           <a:latin typeface="+mn-lt"/>
           <a:ea typeface="+mn-ea"/>
           <a:cs typeface="+mn-cs"/>
         </a:defRPr>
       </a:lvl3pPr>
-      <a:lvl4pPr marL="1600200" indent="-228600" algn="l" defTabSz="914400" rtl="0" eaLnBrk="1" latinLnBrk="0" hangingPunct="1">
+      <a:lvl4pPr marL="1508760" indent="-320040" algn="l" defTabSz="914400" rtl="0" eaLnBrk="1" latinLnBrk="0" hangingPunct="1">
         <a:spcBef>
           <a:spcPct val="20000"/>
         </a:spcBef>
-        <a:buFont typeface="Arial" pitchFamily="34" charset="0"/>
-        <a:buChar char="–"/>
-        <a:defRPr sz="2000" kern="1200">
+        <a:buClr>
+          <a:schemeClr val="accent1"/>
+        </a:buClr>
+        <a:buFont typeface="Wingdings" pitchFamily="2" charset="2"/>
+        <a:buChar char=""/>
+        <a:defRPr sz="1800" kern="1200">
           <a:solidFill>
-            <a:schemeClr val="tx1"/>
+            <a:schemeClr val="tx1">
+              <a:lumMod val="85000"/>
+              <a:lumOff val="15000"/>
+            </a:schemeClr>
           </a:solidFill>
           <a:latin typeface="+mn-lt"/>
           <a:ea typeface="+mn-ea"/>
           <a:cs typeface="+mn-cs"/>
         </a:defRPr>
       </a:lvl4pPr>
-      <a:lvl5pPr marL="2057400" indent="-228600" algn="l" defTabSz="914400" rtl="0" eaLnBrk="1" latinLnBrk="0" hangingPunct="1">
+      <a:lvl5pPr marL="1828800" indent="-320040" algn="l" defTabSz="914400" rtl="0" eaLnBrk="1" latinLnBrk="0" hangingPunct="1">
         <a:spcBef>
           <a:spcPct val="20000"/>
         </a:spcBef>
-        <a:buFont typeface="Arial" pitchFamily="34" charset="0"/>
-        <a:buChar char="»"/>
-        <a:defRPr sz="2000" kern="1200">
+        <a:buClr>
+          <a:schemeClr val="accent1"/>
+        </a:buClr>
+        <a:buFont typeface="Wingdings" pitchFamily="2" charset="2"/>
+        <a:buChar char=""/>
+        <a:defRPr sz="1600" kern="1200">
           <a:solidFill>
-            <a:schemeClr val="tx1"/>
+            <a:schemeClr val="tx1">
+              <a:lumMod val="85000"/>
+              <a:lumOff val="15000"/>
+            </a:schemeClr>
           </a:solidFill>
           <a:latin typeface="+mn-lt"/>
           <a:ea typeface="+mn-ea"/>
           <a:cs typeface="+mn-cs"/>
         </a:defRPr>
       </a:lvl5pPr>
-      <a:lvl6pPr marL="2514600" indent="-228600" algn="l" defTabSz="914400" rtl="0" eaLnBrk="1" latinLnBrk="0" hangingPunct="1">
+      <a:lvl6pPr marL="2148840" indent="-274320" algn="l" defTabSz="914400" rtl="0" eaLnBrk="1" latinLnBrk="0" hangingPunct="1">
         <a:spcBef>
-          <a:spcPct val="20000"/>
+          <a:spcPts val="400"/>
         </a:spcBef>
-        <a:buFont typeface="Arial" pitchFamily="34" charset="0"/>
-        <a:buChar char="•"/>
-        <a:defRPr sz="2000" kern="1200">
+        <a:buClr>
+          <a:schemeClr val="accent1"/>
+        </a:buClr>
+        <a:buFont typeface="Wingdings" pitchFamily="2" charset="2"/>
+        <a:buChar char=""/>
+        <a:defRPr sz="1400" kern="1200">
           <a:solidFill>
             <a:schemeClr val="tx1"/>
           </a:solidFill>
@@ -2894,13 +4304,16 @@
           <a:cs typeface="+mn-cs"/>
         </a:defRPr>
       </a:lvl6pPr>
-      <a:lvl7pPr marL="2971800" indent="-228600" algn="l" defTabSz="914400" rtl="0" eaLnBrk="1" latinLnBrk="0" hangingPunct="1">
+      <a:lvl7pPr marL="2468880" indent="-274320" algn="l" defTabSz="914400" rtl="0" eaLnBrk="1" latinLnBrk="0" hangingPunct="1">
         <a:spcBef>
-          <a:spcPct val="20000"/>
+          <a:spcPts val="400"/>
         </a:spcBef>
-        <a:buFont typeface="Arial" pitchFamily="34" charset="0"/>
-        <a:buChar char="•"/>
-        <a:defRPr sz="2000" kern="1200">
+        <a:buClr>
+          <a:schemeClr val="accent1"/>
+        </a:buClr>
+        <a:buFont typeface="Wingdings" pitchFamily="2" charset="2"/>
+        <a:buChar char=""/>
+        <a:defRPr sz="1400" kern="1200">
           <a:solidFill>
             <a:schemeClr val="tx1"/>
           </a:solidFill>
@@ -2909,13 +4322,16 @@
           <a:cs typeface="+mn-cs"/>
         </a:defRPr>
       </a:lvl7pPr>
-      <a:lvl8pPr marL="3429000" indent="-228600" algn="l" defTabSz="914400" rtl="0" eaLnBrk="1" latinLnBrk="0" hangingPunct="1">
+      <a:lvl8pPr marL="2788920" indent="-274320" algn="l" defTabSz="914400" rtl="0" eaLnBrk="1" latinLnBrk="0" hangingPunct="1">
         <a:spcBef>
-          <a:spcPct val="20000"/>
+          <a:spcPts val="400"/>
         </a:spcBef>
-        <a:buFont typeface="Arial" pitchFamily="34" charset="0"/>
-        <a:buChar char="•"/>
-        <a:defRPr sz="2000" kern="1200">
+        <a:buClr>
+          <a:schemeClr val="accent1"/>
+        </a:buClr>
+        <a:buFont typeface="Wingdings" pitchFamily="2" charset="2"/>
+        <a:buChar char=""/>
+        <a:defRPr sz="1400" kern="1200">
           <a:solidFill>
             <a:schemeClr val="tx1"/>
           </a:solidFill>
@@ -2924,13 +4340,16 @@
           <a:cs typeface="+mn-cs"/>
         </a:defRPr>
       </a:lvl8pPr>
-      <a:lvl9pPr marL="3886200" indent="-228600" algn="l" defTabSz="914400" rtl="0" eaLnBrk="1" latinLnBrk="0" hangingPunct="1">
+      <a:lvl9pPr marL="3108960" indent="-274320" algn="l" defTabSz="914400" rtl="0" eaLnBrk="1" latinLnBrk="0" hangingPunct="1">
         <a:spcBef>
-          <a:spcPct val="20000"/>
+          <a:spcPts val="400"/>
         </a:spcBef>
-        <a:buFont typeface="Arial" pitchFamily="34" charset="0"/>
-        <a:buChar char="•"/>
-        <a:defRPr sz="2000" kern="1200">
+        <a:buClr>
+          <a:schemeClr val="accent1"/>
+        </a:buClr>
+        <a:buFont typeface="Wingdings" pitchFamily="2" charset="2"/>
+        <a:buChar char=""/>
+        <a:defRPr sz="1400" kern="1200">
           <a:solidFill>
             <a:schemeClr val="tx1"/>
           </a:solidFill>
@@ -3039,10 +4458,206 @@
 </p:sldMaster>
 </file>
 
+<file path=ppt/slides/slide1.xml><?xml version="1.0" encoding="utf-8"?>
+<p:sld xmlns:a="http://schemas.openxmlformats.org/drawingml/2006/main" xmlns:r="http://schemas.openxmlformats.org/officeDocument/2006/relationships" xmlns:p="http://schemas.openxmlformats.org/presentationml/2006/main">
+  <p:cSld>
+    <p:spTree>
+      <p:nvGrpSpPr>
+        <p:cNvPr id="1" name=""/>
+        <p:cNvGrpSpPr/>
+        <p:nvPr/>
+      </p:nvGrpSpPr>
+      <p:grpSpPr>
+        <a:xfrm>
+          <a:off x="0" y="0"/>
+          <a:ext cx="0" cy="0"/>
+          <a:chOff x="0" y="0"/>
+          <a:chExt cx="0" cy="0"/>
+        </a:xfrm>
+      </p:grpSpPr>
+      <p:sp>
+        <p:nvSpPr>
+          <p:cNvPr id="2" name="Title 1"/>
+          <p:cNvSpPr>
+            <a:spLocks noGrp="1"/>
+          </p:cNvSpPr>
+          <p:nvPr>
+            <p:ph type="ctrTitle"/>
+          </p:nvPr>
+        </p:nvSpPr>
+        <p:spPr/>
+        <p:txBody>
+          <a:bodyPr>
+            <a:normAutofit fontScale="90000"/>
+          </a:bodyPr>
+          <a:lstStyle/>
+          <a:p>
+            <a:r>
+              <a:rPr lang="en-US" altLang="zh-CN" dirty="0" smtClean="0"/>
+              <a:t>Applied Data Science</a:t>
+            </a:r>
+            <a:br>
+              <a:rPr lang="en-US" altLang="zh-CN" dirty="0" smtClean="0"/>
+            </a:br>
+            <a:r>
+              <a:rPr lang="en-US" altLang="zh-CN" dirty="0" smtClean="0"/>
+              <a:t>Project 4</a:t>
+            </a:r>
+            <a:endParaRPr lang="zh-CN" altLang="en-US" dirty="0"/>
+          </a:p>
+        </p:txBody>
+      </p:sp>
+      <p:sp>
+        <p:nvSpPr>
+          <p:cNvPr id="3" name="Subtitle 2"/>
+          <p:cNvSpPr>
+            <a:spLocks noGrp="1"/>
+          </p:cNvSpPr>
+          <p:nvPr>
+            <p:ph type="subTitle" idx="1"/>
+          </p:nvPr>
+        </p:nvSpPr>
+        <p:spPr>
+          <a:xfrm>
+            <a:off x="1371600" y="3767862"/>
+            <a:ext cx="6400800" cy="2480538"/>
+          </a:xfrm>
+        </p:spPr>
+        <p:txBody>
+          <a:bodyPr>
+            <a:normAutofit/>
+          </a:bodyPr>
+          <a:lstStyle/>
+          <a:p>
+            <a:endParaRPr lang="en-US" altLang="zh-CN" dirty="0" smtClean="0"/>
+          </a:p>
+          <a:p>
+            <a:r>
+              <a:rPr lang="en-US" altLang="zh-CN" dirty="0" smtClean="0"/>
+              <a:t>Group 13</a:t>
+            </a:r>
+          </a:p>
+          <a:p>
+            <a:endParaRPr lang="en-US" altLang="zh-CN" dirty="0" smtClean="0"/>
+          </a:p>
+          <a:p>
+            <a:r>
+              <a:rPr lang="en-US" altLang="zh-CN" dirty="0" smtClean="0"/>
+              <a:t>By</a:t>
+            </a:r>
+          </a:p>
+          <a:p>
+            <a:r>
+              <a:rPr lang="en-US" altLang="zh-CN" dirty="0" err="1" smtClean="0"/>
+              <a:t>Boxuan</a:t>
+            </a:r>
+            <a:r>
+              <a:rPr lang="en-US" altLang="zh-CN" dirty="0" smtClean="0"/>
+              <a:t> Zhao</a:t>
+            </a:r>
+            <a:endParaRPr lang="zh-CN" altLang="en-US" dirty="0"/>
+          </a:p>
+        </p:txBody>
+      </p:sp>
+    </p:spTree>
+    <p:extLst>
+      <p:ext uri="{BB962C8B-B14F-4D97-AF65-F5344CB8AC3E}">
+        <p14:creationId xmlns:p14="http://schemas.microsoft.com/office/powerpoint/2010/main" val="1048988520"/>
+      </p:ext>
+    </p:extLst>
+  </p:cSld>
+  <p:clrMapOvr>
+    <a:masterClrMapping/>
+  </p:clrMapOvr>
+  <p:timing>
+    <p:tnLst>
+      <p:par>
+        <p:cTn id="1" dur="indefinite" restart="never" nodeType="tmRoot"/>
+      </p:par>
+    </p:tnLst>
+  </p:timing>
+</p:sld>
+</file>
+
+<file path=ppt/slides/slide2.xml><?xml version="1.0" encoding="utf-8"?>
+<p:sld xmlns:a="http://schemas.openxmlformats.org/drawingml/2006/main" xmlns:r="http://schemas.openxmlformats.org/officeDocument/2006/relationships" xmlns:p="http://schemas.openxmlformats.org/presentationml/2006/main">
+  <p:cSld>
+    <p:spTree>
+      <p:nvGrpSpPr>
+        <p:cNvPr id="1" name=""/>
+        <p:cNvGrpSpPr/>
+        <p:nvPr/>
+      </p:nvGrpSpPr>
+      <p:grpSpPr>
+        <a:xfrm>
+          <a:off x="0" y="0"/>
+          <a:ext cx="0" cy="0"/>
+          <a:chOff x="0" y="0"/>
+          <a:chExt cx="0" cy="0"/>
+        </a:xfrm>
+      </p:grpSpPr>
+      <p:sp>
+        <p:nvSpPr>
+          <p:cNvPr id="3" name="Content Placeholder 2"/>
+          <p:cNvSpPr>
+            <a:spLocks noGrp="1"/>
+          </p:cNvSpPr>
+          <p:nvPr>
+            <p:ph idx="1"/>
+          </p:nvPr>
+        </p:nvSpPr>
+        <p:spPr/>
+        <p:txBody>
+          <a:bodyPr/>
+          <a:lstStyle/>
+          <a:p>
+            <a:endParaRPr lang="zh-CN" altLang="en-US"/>
+          </a:p>
+        </p:txBody>
+      </p:sp>
+      <p:sp>
+        <p:nvSpPr>
+          <p:cNvPr id="2" name="Title 1"/>
+          <p:cNvSpPr>
+            <a:spLocks noGrp="1"/>
+          </p:cNvSpPr>
+          <p:nvPr>
+            <p:ph type="title"/>
+          </p:nvPr>
+        </p:nvSpPr>
+        <p:spPr/>
+        <p:txBody>
+          <a:bodyPr/>
+          <a:lstStyle/>
+          <a:p>
+            <a:endParaRPr lang="zh-CN" altLang="en-US"/>
+          </a:p>
+        </p:txBody>
+      </p:sp>
+    </p:spTree>
+    <p:extLst>
+      <p:ext uri="{BB962C8B-B14F-4D97-AF65-F5344CB8AC3E}">
+        <p14:creationId xmlns:p14="http://schemas.microsoft.com/office/powerpoint/2010/main" val="1523198568"/>
+      </p:ext>
+    </p:extLst>
+  </p:cSld>
+  <p:clrMapOvr>
+    <a:masterClrMapping/>
+  </p:clrMapOvr>
+  <p:timing>
+    <p:tnLst>
+      <p:par>
+        <p:cTn id="1" dur="indefinite" restart="never" nodeType="tmRoot"/>
+      </p:par>
+    </p:tnLst>
+  </p:timing>
+</p:sld>
+</file>
+
 <file path=ppt/theme/theme1.xml><?xml version="1.0" encoding="utf-8"?>
-<a:theme xmlns:a="http://schemas.openxmlformats.org/drawingml/2006/main" name="Office Theme">
+<a:theme xmlns:a="http://schemas.openxmlformats.org/drawingml/2006/main" name="Hardcover">
   <a:themeElements>
-    <a:clrScheme name="Office">
+    <a:clrScheme name="Hardcover">
       <a:dk1>
         <a:sysClr val="windowText" lastClr="000000"/>
       </a:dk1>
@@ -3050,48 +4665,87 @@
         <a:sysClr val="window" lastClr="FFFFFF"/>
       </a:lt1>
       <a:dk2>
-        <a:srgbClr val="1F497D"/>
+        <a:srgbClr val="895D1D"/>
       </a:dk2>
       <a:lt2>
-        <a:srgbClr val="EEECE1"/>
+        <a:srgbClr val="ECE9C6"/>
       </a:lt2>
       <a:accent1>
-        <a:srgbClr val="4F81BD"/>
+        <a:srgbClr val="873624"/>
       </a:accent1>
       <a:accent2>
-        <a:srgbClr val="C0504D"/>
+        <a:srgbClr val="D6862D"/>
       </a:accent2>
       <a:accent3>
-        <a:srgbClr val="9BBB59"/>
+        <a:srgbClr val="D0BE40"/>
       </a:accent3>
       <a:accent4>
-        <a:srgbClr val="8064A2"/>
+        <a:srgbClr val="877F6C"/>
       </a:accent4>
       <a:accent5>
-        <a:srgbClr val="4BACC6"/>
+        <a:srgbClr val="972109"/>
       </a:accent5>
       <a:accent6>
-        <a:srgbClr val="F79646"/>
+        <a:srgbClr val="AEB795"/>
       </a:accent6>
       <a:hlink>
-        <a:srgbClr val="0000FF"/>
+        <a:srgbClr val="CC9900"/>
       </a:hlink>
       <a:folHlink>
-        <a:srgbClr val="800080"/>
+        <a:srgbClr val="B2B2B2"/>
       </a:folHlink>
     </a:clrScheme>
-    <a:fontScheme name="Office">
+    <a:fontScheme name="Hardcover">
       <a:majorFont>
-        <a:latin typeface="Calibri"/>
+        <a:latin typeface="Book Antiqua"/>
         <a:ea typeface=""/>
         <a:cs typeface=""/>
-        <a:font script="Jpan" typeface="ＭＳ Ｐゴシック"/>
-        <a:font script="Hang" typeface="맑은 고딕"/>
+        <a:font script="Grek" typeface="Times New Roman"/>
+        <a:font script="Cyrl" typeface="Times New Roman"/>
+        <a:font script="Jpan" typeface="HGS明朝E"/>
+        <a:font script="Hang" typeface="궁서"/>
         <a:font script="Hans" typeface="宋体"/>
         <a:font script="Hant" typeface="新細明體"/>
         <a:font script="Arab" typeface="Times New Roman"/>
         <a:font script="Hebr" typeface="Times New Roman"/>
         <a:font script="Thai" typeface="Angsana New"/>
+        <a:font script="Ethi" typeface="Nyala"/>
+        <a:font script="Beng" typeface="Vrinda"/>
+        <a:font script="Gujr" typeface="Shruti"/>
+        <a:font script="Khmr" typeface="DaunPenh"/>
+        <a:font script="Knda" typeface="Tunga"/>
+        <a:font script="Guru" typeface="Raavi"/>
+        <a:font script="Cans" typeface="Euphemia"/>
+        <a:font script="Cher" typeface="Plantagenet Cherokee"/>
+        <a:font script="Yiii" typeface="Microsoft Yi Baiti"/>
+        <a:font script="Tibt" typeface="Microsoft Himalaya"/>
+        <a:font script="Thaa" typeface="MV Boli"/>
+        <a:font script="Deva" typeface="Mangal"/>
+        <a:font script="Telu" typeface="Gautami"/>
+        <a:font script="Taml" typeface="Latha"/>
+        <a:font script="Syrc" typeface="Estrangelo Edessa"/>
+        <a:font script="Orya" typeface="Kalinga"/>
+        <a:font script="Mlym" typeface="Kartika"/>
+        <a:font script="Laoo" typeface="DokChampa"/>
+        <a:font script="Sinh" typeface="Iskoola Pota"/>
+        <a:font script="Mong" typeface="Mongolian Baiti"/>
+        <a:font script="Viet" typeface="Times New Roman"/>
+        <a:font script="Uigh" typeface="Microsoft Uighur"/>
+        <a:font script="Geor" typeface="Sylfaen"/>
+      </a:majorFont>
+      <a:minorFont>
+        <a:latin typeface="Book Antiqua"/>
+        <a:ea typeface=""/>
+        <a:cs typeface=""/>
+        <a:font script="Grek" typeface="Times New Roman"/>
+        <a:font script="Cyrl" typeface="Times New Roman"/>
+        <a:font script="Jpan" typeface="HGS明朝E"/>
+        <a:font script="Hang" typeface="돋움"/>
+        <a:font script="Hans" typeface="宋体"/>
+        <a:font script="Hant" typeface="新細明體"/>
+        <a:font script="Arab" typeface="Times New Roman"/>
+        <a:font script="Hebr" typeface="David"/>
+        <a:font script="Thai" typeface="EucrosiaUPC"/>
         <a:font script="Ethi" typeface="Nyala"/>
         <a:font script="Beng" typeface="Vrinda"/>
         <a:font script="Gujr" typeface="Shruti"/>
@@ -3114,100 +4768,55 @@
         <a:font script="Mong" typeface="Mongolian Baiti"/>
         <a:font script="Viet" typeface="Times New Roman"/>
         <a:font script="Uigh" typeface="Microsoft Uighur"/>
-      </a:majorFont>
-      <a:minorFont>
-        <a:latin typeface="Calibri"/>
-        <a:ea typeface=""/>
-        <a:cs typeface=""/>
-        <a:font script="Jpan" typeface="ＭＳ Ｐゴシック"/>
-        <a:font script="Hang" typeface="맑은 고딕"/>
-        <a:font script="Hans" typeface="宋体"/>
-        <a:font script="Hant" typeface="新細明體"/>
-        <a:font script="Arab" typeface="Arial"/>
-        <a:font script="Hebr" typeface="Arial"/>
-        <a:font script="Thai" typeface="Cordia New"/>
-        <a:font script="Ethi" typeface="Nyala"/>
-        <a:font script="Beng" typeface="Vrinda"/>
-        <a:font script="Gujr" typeface="Shruti"/>
-        <a:font script="Khmr" typeface="DaunPenh"/>
-        <a:font script="Knda" typeface="Tunga"/>
-        <a:font script="Guru" typeface="Raavi"/>
-        <a:font script="Cans" typeface="Euphemia"/>
-        <a:font script="Cher" typeface="Plantagenet Cherokee"/>
-        <a:font script="Yiii" typeface="Microsoft Yi Baiti"/>
-        <a:font script="Tibt" typeface="Microsoft Himalaya"/>
-        <a:font script="Thaa" typeface="MV Boli"/>
-        <a:font script="Deva" typeface="Mangal"/>
-        <a:font script="Telu" typeface="Gautami"/>
-        <a:font script="Taml" typeface="Latha"/>
-        <a:font script="Syrc" typeface="Estrangelo Edessa"/>
-        <a:font script="Orya" typeface="Kalinga"/>
-        <a:font script="Mlym" typeface="Kartika"/>
-        <a:font script="Laoo" typeface="DokChampa"/>
-        <a:font script="Sinh" typeface="Iskoola Pota"/>
-        <a:font script="Mong" typeface="Mongolian Baiti"/>
-        <a:font script="Viet" typeface="Arial"/>
-        <a:font script="Uigh" typeface="Microsoft Uighur"/>
+        <a:font script="Geor" typeface="Sylfaen"/>
       </a:minorFont>
     </a:fontScheme>
-    <a:fmtScheme name="Office">
+    <a:fmtScheme name="Hardcover">
       <a:fillStyleLst>
         <a:solidFill>
           <a:schemeClr val="phClr"/>
+        </a:solidFill>
+        <a:solidFill>
+          <a:schemeClr val="phClr">
+            <a:tint val="68000"/>
+            <a:shade val="94000"/>
+            <a:satMod val="300000"/>
+            <a:lumMod val="110000"/>
+          </a:schemeClr>
         </a:solidFill>
         <a:gradFill rotWithShape="1">
           <a:gsLst>
             <a:gs pos="0">
               <a:schemeClr val="phClr">
-                <a:tint val="50000"/>
-                <a:satMod val="300000"/>
-              </a:schemeClr>
-            </a:gs>
-            <a:gs pos="35000">
-              <a:schemeClr val="phClr">
-                <a:tint val="37000"/>
-                <a:satMod val="300000"/>
+                <a:tint val="94000"/>
+                <a:satMod val="180000"/>
+                <a:lumMod val="98000"/>
               </a:schemeClr>
             </a:gs>
             <a:gs pos="100000">
               <a:schemeClr val="phClr">
-                <a:tint val="15000"/>
-                <a:satMod val="350000"/>
+                <a:satMod val="130000"/>
               </a:schemeClr>
             </a:gs>
           </a:gsLst>
-          <a:lin ang="16200000" scaled="1"/>
-        </a:gradFill>
-        <a:gradFill rotWithShape="1">
-          <a:gsLst>
-            <a:gs pos="0">
-              <a:schemeClr val="phClr">
-                <a:shade val="51000"/>
-                <a:satMod val="130000"/>
-              </a:schemeClr>
-            </a:gs>
-            <a:gs pos="80000">
-              <a:schemeClr val="phClr">
-                <a:shade val="93000"/>
-                <a:satMod val="130000"/>
-              </a:schemeClr>
-            </a:gs>
-            <a:gs pos="100000">
-              <a:schemeClr val="phClr">
-                <a:shade val="94000"/>
-                <a:satMod val="135000"/>
-              </a:schemeClr>
-            </a:gs>
-          </a:gsLst>
-          <a:lin ang="16200000" scaled="0"/>
+          <a:lin ang="5160000" scaled="0"/>
         </a:gradFill>
       </a:fillStyleLst>
       <a:lnStyleLst>
-        <a:ln w="9525" cap="flat" cmpd="sng" algn="ctr">
+        <a:ln w="12700" cap="flat" cmpd="sng" algn="ctr">
           <a:solidFill>
             <a:schemeClr val="phClr">
-              <a:shade val="95000"/>
-              <a:satMod val="105000"/>
+              <a:shade val="90000"/>
+              <a:lumMod val="90000"/>
+            </a:schemeClr>
+          </a:solidFill>
+          <a:prstDash val="solid"/>
+        </a:ln>
+        <a:ln w="19050" cap="flat" cmpd="sng" algn="ctr">
+          <a:solidFill>
+            <a:schemeClr val="phClr">
+              <a:shade val="75000"/>
+              <a:lumMod val="90000"/>
             </a:schemeClr>
           </a:solidFill>
           <a:prstDash val="solid"/>
@@ -3218,37 +4827,31 @@
           </a:solidFill>
           <a:prstDash val="solid"/>
         </a:ln>
-        <a:ln w="38100" cap="flat" cmpd="sng" algn="ctr">
-          <a:solidFill>
-            <a:schemeClr val="phClr"/>
-          </a:solidFill>
-          <a:prstDash val="solid"/>
-        </a:ln>
       </a:lnStyleLst>
       <a:effectStyleLst>
         <a:effectStyle>
           <a:effectLst>
-            <a:outerShdw blurRad="40000" dist="20000" dir="5400000" rotWithShape="0">
+            <a:outerShdw blurRad="38100" dist="12700" dir="5400000" rotWithShape="0">
               <a:srgbClr val="000000">
-                <a:alpha val="38000"/>
+                <a:alpha val="15000"/>
               </a:srgbClr>
             </a:outerShdw>
           </a:effectLst>
         </a:effectStyle>
         <a:effectStyle>
           <a:effectLst>
-            <a:outerShdw blurRad="40000" dist="23000" dir="5400000" rotWithShape="0">
+            <a:outerShdw blurRad="50800" dist="25400" dir="5400000" rotWithShape="0">
               <a:srgbClr val="000000">
-                <a:alpha val="35000"/>
+                <a:alpha val="46000"/>
               </a:srgbClr>
             </a:outerShdw>
           </a:effectLst>
         </a:effectStyle>
         <a:effectStyle>
           <a:effectLst>
-            <a:outerShdw blurRad="40000" dist="23000" dir="5400000" rotWithShape="0">
+            <a:outerShdw blurRad="50800" dist="25400" dir="5400000" rotWithShape="0">
               <a:srgbClr val="000000">
-                <a:alpha val="35000"/>
+                <a:alpha val="48000"/>
               </a:srgbClr>
             </a:outerShdw>
           </a:effectLst>
@@ -3256,64 +4859,57 @@
             <a:camera prst="orthographicFront">
               <a:rot lat="0" lon="0" rev="0"/>
             </a:camera>
-            <a:lightRig rig="threePt" dir="t">
-              <a:rot lat="0" lon="0" rev="1200000"/>
+            <a:lightRig rig="threePt" dir="tl">
+              <a:rot lat="0" lon="0" rev="2400000"/>
             </a:lightRig>
           </a:scene3d>
           <a:sp3d>
-            <a:bevelT w="63500" h="25400"/>
+            <a:bevelT w="25400" h="25400"/>
           </a:sp3d>
         </a:effectStyle>
       </a:effectStyleLst>
       <a:bgFillStyleLst>
         <a:solidFill>
-          <a:schemeClr val="phClr"/>
+          <a:schemeClr val="phClr">
+            <a:tint val="96000"/>
+            <a:lumMod val="110000"/>
+          </a:schemeClr>
         </a:solidFill>
-        <a:gradFill rotWithShape="1">
-          <a:gsLst>
-            <a:gs pos="0">
+        <a:blipFill rotWithShape="1">
+          <a:blip xmlns:r="http://schemas.openxmlformats.org/officeDocument/2006/relationships" r:embed="rId1">
+            <a:duotone>
               <a:schemeClr val="phClr">
-                <a:tint val="40000"/>
-                <a:satMod val="350000"/>
+                <a:tint val="93000"/>
+                <a:shade val="20000"/>
               </a:schemeClr>
-            </a:gs>
-            <a:gs pos="40000">
               <a:schemeClr val="phClr">
-                <a:tint val="45000"/>
-                <a:shade val="99000"/>
-                <a:satMod val="350000"/>
+                <a:tint val="90000"/>
+                <a:shade val="85000"/>
+                <a:satMod val="115000"/>
               </a:schemeClr>
-            </a:gs>
-            <a:gs pos="100000">
+            </a:duotone>
+          </a:blip>
+          <a:tile tx="0" ty="0" sx="60000" sy="60000" flip="none" algn="tl"/>
+        </a:blipFill>
+        <a:blipFill rotWithShape="1">
+          <a:blip xmlns:r="http://schemas.openxmlformats.org/officeDocument/2006/relationships" r:embed="rId2">
+            <a:duotone>
               <a:schemeClr val="phClr">
-                <a:shade val="20000"/>
-                <a:satMod val="255000"/>
+                <a:shade val="50000"/>
+                <a:satMod val="340000"/>
+                <a:lumMod val="40000"/>
               </a:schemeClr>
-            </a:gs>
-          </a:gsLst>
-          <a:path path="circle">
-            <a:fillToRect l="50000" t="-80000" r="50000" b="180000"/>
-          </a:path>
-        </a:gradFill>
-        <a:gradFill rotWithShape="1">
-          <a:gsLst>
-            <a:gs pos="0">
               <a:schemeClr val="phClr">
-                <a:tint val="80000"/>
-                <a:satMod val="300000"/>
+                <a:tint val="92000"/>
+                <a:shade val="94000"/>
+                <a:hueMod val="110000"/>
+                <a:satMod val="236000"/>
+                <a:lumMod val="120000"/>
               </a:schemeClr>
-            </a:gs>
-            <a:gs pos="100000">
-              <a:schemeClr val="phClr">
-                <a:shade val="30000"/>
-                <a:satMod val="200000"/>
-              </a:schemeClr>
-            </a:gs>
-          </a:gsLst>
-          <a:path path="circle">
-            <a:fillToRect l="50000" t="50000" r="50000" b="50000"/>
-          </a:path>
-        </a:gradFill>
+            </a:duotone>
+          </a:blip>
+          <a:stretch/>
+        </a:blipFill>
       </a:bgFillStyleLst>
     </a:fmtScheme>
   </a:themeElements>

--- a/doc/presentation.pptx
+++ b/doc/presentation.pptx
@@ -7,6 +7,8 @@
   <p:sldIdLst>
     <p:sldId id="256" r:id="rId2"/>
     <p:sldId id="257" r:id="rId3"/>
+    <p:sldId id="258" r:id="rId4"/>
+    <p:sldId id="259" r:id="rId5"/>
   </p:sldIdLst>
   <p:sldSz cx="9144000" cy="6858000" type="screen4x3"/>
   <p:notesSz cx="6858000" cy="9144000"/>
@@ -4654,6 +4656,142 @@
 </p:sld>
 </file>
 
+<file path=ppt/slides/slide3.xml><?xml version="1.0" encoding="utf-8"?>
+<p:sld xmlns:a="http://schemas.openxmlformats.org/drawingml/2006/main" xmlns:r="http://schemas.openxmlformats.org/officeDocument/2006/relationships" xmlns:p="http://schemas.openxmlformats.org/presentationml/2006/main">
+  <p:cSld>
+    <p:spTree>
+      <p:nvGrpSpPr>
+        <p:cNvPr id="1" name=""/>
+        <p:cNvGrpSpPr/>
+        <p:nvPr/>
+      </p:nvGrpSpPr>
+      <p:grpSpPr>
+        <a:xfrm>
+          <a:off x="0" y="0"/>
+          <a:ext cx="0" cy="0"/>
+          <a:chOff x="0" y="0"/>
+          <a:chExt cx="0" cy="0"/>
+        </a:xfrm>
+      </p:grpSpPr>
+      <p:sp>
+        <p:nvSpPr>
+          <p:cNvPr id="2" name="Content Placeholder 1"/>
+          <p:cNvSpPr>
+            <a:spLocks noGrp="1"/>
+          </p:cNvSpPr>
+          <p:nvPr>
+            <p:ph idx="1"/>
+          </p:nvPr>
+        </p:nvSpPr>
+        <p:spPr/>
+        <p:txBody>
+          <a:bodyPr/>
+          <a:lstStyle/>
+          <a:p>
+            <a:endParaRPr lang="zh-CN" altLang="en-US"/>
+          </a:p>
+        </p:txBody>
+      </p:sp>
+      <p:sp>
+        <p:nvSpPr>
+          <p:cNvPr id="3" name="Title 2"/>
+          <p:cNvSpPr>
+            <a:spLocks noGrp="1"/>
+          </p:cNvSpPr>
+          <p:nvPr>
+            <p:ph type="title"/>
+          </p:nvPr>
+        </p:nvSpPr>
+        <p:spPr/>
+        <p:txBody>
+          <a:bodyPr/>
+          <a:lstStyle/>
+          <a:p>
+            <a:endParaRPr lang="zh-CN" altLang="en-US"/>
+          </a:p>
+        </p:txBody>
+      </p:sp>
+    </p:spTree>
+    <p:extLst>
+      <p:ext uri="{BB962C8B-B14F-4D97-AF65-F5344CB8AC3E}">
+        <p14:creationId xmlns:p14="http://schemas.microsoft.com/office/powerpoint/2010/main" val="2815888136"/>
+      </p:ext>
+    </p:extLst>
+  </p:cSld>
+  <p:clrMapOvr>
+    <a:masterClrMapping/>
+  </p:clrMapOvr>
+</p:sld>
+</file>
+
+<file path=ppt/slides/slide4.xml><?xml version="1.0" encoding="utf-8"?>
+<p:sld xmlns:a="http://schemas.openxmlformats.org/drawingml/2006/main" xmlns:r="http://schemas.openxmlformats.org/officeDocument/2006/relationships" xmlns:p="http://schemas.openxmlformats.org/presentationml/2006/main">
+  <p:cSld>
+    <p:spTree>
+      <p:nvGrpSpPr>
+        <p:cNvPr id="1" name=""/>
+        <p:cNvGrpSpPr/>
+        <p:nvPr/>
+      </p:nvGrpSpPr>
+      <p:grpSpPr>
+        <a:xfrm>
+          <a:off x="0" y="0"/>
+          <a:ext cx="0" cy="0"/>
+          <a:chOff x="0" y="0"/>
+          <a:chExt cx="0" cy="0"/>
+        </a:xfrm>
+      </p:grpSpPr>
+      <p:sp>
+        <p:nvSpPr>
+          <p:cNvPr id="2" name="Content Placeholder 1"/>
+          <p:cNvSpPr>
+            <a:spLocks noGrp="1"/>
+          </p:cNvSpPr>
+          <p:nvPr>
+            <p:ph idx="1"/>
+          </p:nvPr>
+        </p:nvSpPr>
+        <p:spPr/>
+        <p:txBody>
+          <a:bodyPr/>
+          <a:lstStyle/>
+          <a:p>
+            <a:endParaRPr lang="zh-CN" altLang="en-US"/>
+          </a:p>
+        </p:txBody>
+      </p:sp>
+      <p:sp>
+        <p:nvSpPr>
+          <p:cNvPr id="3" name="Title 2"/>
+          <p:cNvSpPr>
+            <a:spLocks noGrp="1"/>
+          </p:cNvSpPr>
+          <p:nvPr>
+            <p:ph type="title"/>
+          </p:nvPr>
+        </p:nvSpPr>
+        <p:spPr/>
+        <p:txBody>
+          <a:bodyPr/>
+          <a:lstStyle/>
+          <a:p>
+            <a:endParaRPr lang="zh-CN" altLang="en-US"/>
+          </a:p>
+        </p:txBody>
+      </p:sp>
+    </p:spTree>
+    <p:extLst>
+      <p:ext uri="{BB962C8B-B14F-4D97-AF65-F5344CB8AC3E}">
+        <p14:creationId xmlns:p14="http://schemas.microsoft.com/office/powerpoint/2010/main" val="3343733855"/>
+      </p:ext>
+    </p:extLst>
+  </p:cSld>
+  <p:clrMapOvr>
+    <a:masterClrMapping/>
+  </p:clrMapOvr>
+</p:sld>
+</file>
+
 <file path=ppt/theme/theme1.xml><?xml version="1.0" encoding="utf-8"?>
 <a:theme xmlns:a="http://schemas.openxmlformats.org/drawingml/2006/main" name="Hardcover">
   <a:themeElements>

--- a/doc/presentation.pptx
+++ b/doc/presentation.pptx
@@ -9,6 +9,7 @@
     <p:sldId id="257" r:id="rId3"/>
     <p:sldId id="258" r:id="rId4"/>
     <p:sldId id="259" r:id="rId5"/>
+    <p:sldId id="260" r:id="rId6"/>
   </p:sldIdLst>
   <p:sldSz cx="9144000" cy="6858000" type="screen4x3"/>
   <p:notesSz cx="6858000" cy="9144000"/>
@@ -182,7 +183,7 @@
             <a:fld id="{1D8BD707-D9CF-40AE-B4C6-C98DA3205C09}" type="datetimeFigureOut">
               <a:rPr lang="en-US" smtClean="0"/>
               <a:pPr/>
-              <a:t>3/29/2017</a:t>
+              <a:t>3/31/2017</a:t>
             </a:fld>
             <a:endParaRPr lang="en-US"/>
           </a:p>
@@ -709,7 +710,7 @@
             <a:fld id="{1D8BD707-D9CF-40AE-B4C6-C98DA3205C09}" type="datetimeFigureOut">
               <a:rPr lang="en-US" smtClean="0"/>
               <a:pPr/>
-              <a:t>3/29/2017</a:t>
+              <a:t>3/31/2017</a:t>
             </a:fld>
             <a:endParaRPr lang="en-US"/>
           </a:p>
@@ -1025,7 +1026,7 @@
             <a:fld id="{1D8BD707-D9CF-40AE-B4C6-C98DA3205C09}" type="datetimeFigureOut">
               <a:rPr lang="en-US" smtClean="0"/>
               <a:pPr/>
-              <a:t>3/29/2017</a:t>
+              <a:t>3/31/2017</a:t>
             </a:fld>
             <a:endParaRPr lang="en-US"/>
           </a:p>
@@ -1313,7 +1314,7 @@
             <a:fld id="{1D8BD707-D9CF-40AE-B4C6-C98DA3205C09}" type="datetimeFigureOut">
               <a:rPr lang="en-US" smtClean="0"/>
               <a:pPr/>
-              <a:t>3/29/2017</a:t>
+              <a:t>3/31/2017</a:t>
             </a:fld>
             <a:endParaRPr lang="en-US"/>
           </a:p>
@@ -1890,7 +1891,7 @@
             <a:fld id="{1D8BD707-D9CF-40AE-B4C6-C98DA3205C09}" type="datetimeFigureOut">
               <a:rPr lang="en-US" smtClean="0"/>
               <a:pPr/>
-              <a:t>3/29/2017</a:t>
+              <a:t>3/31/2017</a:t>
             </a:fld>
             <a:endParaRPr lang="en-US"/>
           </a:p>
@@ -1982,7 +1983,7 @@
             <a:fld id="{1D8BD707-D9CF-40AE-B4C6-C98DA3205C09}" type="datetimeFigureOut">
               <a:rPr lang="en-US" smtClean="0"/>
               <a:pPr/>
-              <a:t>3/29/2017</a:t>
+              <a:t>3/31/2017</a:t>
             </a:fld>
             <a:endParaRPr lang="en-US"/>
           </a:p>
@@ -2693,7 +2694,7 @@
             <a:fld id="{1D8BD707-D9CF-40AE-B4C6-C98DA3205C09}" type="datetimeFigureOut">
               <a:rPr lang="en-US" smtClean="0"/>
               <a:pPr/>
-              <a:t>3/29/2017</a:t>
+              <a:t>3/31/2017</a:t>
             </a:fld>
             <a:endParaRPr lang="en-US"/>
           </a:p>
@@ -2947,7 +2948,7 @@
             <a:fld id="{1D8BD707-D9CF-40AE-B4C6-C98DA3205C09}" type="datetimeFigureOut">
               <a:rPr lang="en-US" smtClean="0"/>
               <a:pPr/>
-              <a:t>3/29/2017</a:t>
+              <a:t>3/31/2017</a:t>
             </a:fld>
             <a:endParaRPr lang="en-US"/>
           </a:p>
@@ -3178,7 +3179,7 @@
             <a:fld id="{1D8BD707-D9CF-40AE-B4C6-C98DA3205C09}" type="datetimeFigureOut">
               <a:rPr lang="en-US" smtClean="0"/>
               <a:pPr/>
-              <a:t>3/29/2017</a:t>
+              <a:t>3/31/2017</a:t>
             </a:fld>
             <a:endParaRPr lang="en-US"/>
           </a:p>
@@ -3454,7 +3455,7 @@
             <a:fld id="{1D8BD707-D9CF-40AE-B4C6-C98DA3205C09}" type="datetimeFigureOut">
               <a:rPr lang="en-US" smtClean="0"/>
               <a:pPr/>
-              <a:t>3/29/2017</a:t>
+              <a:t>3/31/2017</a:t>
             </a:fld>
             <a:endParaRPr lang="en-US"/>
           </a:p>
@@ -3742,7 +3743,7 @@
             <a:fld id="{1D8BD707-D9CF-40AE-B4C6-C98DA3205C09}" type="datetimeFigureOut">
               <a:rPr lang="en-US" smtClean="0"/>
               <a:pPr/>
-              <a:t>3/29/2017</a:t>
+              <a:t>3/31/2017</a:t>
             </a:fld>
             <a:endParaRPr lang="en-US"/>
           </a:p>
@@ -4012,7 +4013,7 @@
             <a:fld id="{1D8BD707-D9CF-40AE-B4C6-C98DA3205C09}" type="datetimeFigureOut">
               <a:rPr lang="en-US" smtClean="0"/>
               <a:pPr/>
-              <a:t>3/29/2017</a:t>
+              <a:t>3/31/2017</a:t>
             </a:fld>
             <a:endParaRPr lang="en-US"/>
           </a:p>
@@ -4487,7 +4488,12 @@
             <p:ph type="ctrTitle"/>
           </p:nvPr>
         </p:nvSpPr>
-        <p:spPr/>
+        <p:spPr>
+          <a:xfrm>
+            <a:off x="1183341" y="1387737"/>
+            <a:ext cx="6777318" cy="1660263"/>
+          </a:xfrm>
+        </p:spPr>
         <p:txBody>
           <a:bodyPr>
             <a:normAutofit fontScale="90000"/>
@@ -4521,13 +4527,13 @@
         </p:nvSpPr>
         <p:spPr>
           <a:xfrm>
-            <a:off x="1371600" y="3767862"/>
-            <a:ext cx="6400800" cy="2480538"/>
+            <a:off x="990600" y="3429000"/>
+            <a:ext cx="7315200" cy="3048000"/>
           </a:xfrm>
         </p:spPr>
         <p:txBody>
           <a:bodyPr>
-            <a:normAutofit/>
+            <a:normAutofit fontScale="92500" lnSpcReduction="10000"/>
           </a:bodyPr>
           <a:lstStyle/>
           <a:p>
@@ -4540,24 +4546,65 @@
             </a:r>
           </a:p>
           <a:p>
-            <a:endParaRPr lang="en-US" altLang="zh-CN" dirty="0" smtClean="0"/>
-          </a:p>
-          <a:p>
             <a:r>
               <a:rPr lang="en-US" altLang="zh-CN" dirty="0" smtClean="0"/>
               <a:t>By</a:t>
             </a:r>
-          </a:p>
-          <a:p>
-            <a:r>
-              <a:rPr lang="en-US" altLang="zh-CN" dirty="0" err="1" smtClean="0"/>
+            <a:endParaRPr lang="en-US" altLang="zh-CN" dirty="0" smtClean="0"/>
+          </a:p>
+          <a:p>
+            <a:r>
+              <a:rPr lang="en-US" altLang="zh-CN" b="1" i="1" dirty="0" err="1" smtClean="0"/>
               <a:t>Boxuan</a:t>
             </a:r>
             <a:r>
-              <a:rPr lang="en-US" altLang="zh-CN" dirty="0" smtClean="0"/>
-              <a:t> Zhao</a:t>
-            </a:r>
-            <a:endParaRPr lang="zh-CN" altLang="en-US" dirty="0"/>
+              <a:rPr lang="en-US" altLang="zh-CN" b="1" i="1" dirty="0" smtClean="0"/>
+              <a:t> </a:t>
+            </a:r>
+            <a:r>
+              <a:rPr lang="en-US" altLang="zh-CN" b="1" i="1" dirty="0" smtClean="0"/>
+              <a:t>Zhao</a:t>
+            </a:r>
+          </a:p>
+          <a:p>
+            <a:r>
+              <a:rPr lang="en-US" altLang="zh-CN" b="1" i="1" dirty="0" err="1" smtClean="0"/>
+              <a:t>Zixuan</a:t>
+            </a:r>
+            <a:r>
+              <a:rPr lang="en-US" altLang="zh-CN" b="1" i="1" dirty="0" smtClean="0"/>
+              <a:t> Guan</a:t>
+            </a:r>
+          </a:p>
+          <a:p>
+            <a:r>
+              <a:rPr lang="en-US" altLang="zh-CN" b="1" i="1" dirty="0" err="1" smtClean="0"/>
+              <a:t>Zheren</a:t>
+            </a:r>
+            <a:r>
+              <a:rPr lang="en-US" altLang="zh-CN" b="1" i="1" dirty="0" smtClean="0"/>
+              <a:t> Tang</a:t>
+            </a:r>
+          </a:p>
+          <a:p>
+            <a:r>
+              <a:rPr lang="en-US" altLang="zh-CN" b="1" i="1" dirty="0" err="1" smtClean="0"/>
+              <a:t>Jihan</a:t>
+            </a:r>
+            <a:r>
+              <a:rPr lang="en-US" altLang="zh-CN" b="1" i="1" dirty="0" smtClean="0"/>
+              <a:t> Wei</a:t>
+            </a:r>
+          </a:p>
+          <a:p>
+            <a:r>
+              <a:rPr lang="en-US" altLang="zh-CN" b="1" i="1" dirty="0" err="1" smtClean="0"/>
+              <a:t>Yingxin</a:t>
+            </a:r>
+            <a:r>
+              <a:rPr lang="en-US" altLang="zh-CN" b="1" i="1" dirty="0" smtClean="0"/>
+              <a:t> Zhang</a:t>
+            </a:r>
           </a:p>
         </p:txBody>
       </p:sp>
@@ -4632,7 +4679,11 @@
           <a:bodyPr/>
           <a:lstStyle/>
           <a:p>
-            <a:endParaRPr lang="zh-CN" altLang="en-US"/>
+            <a:r>
+              <a:rPr lang="en-US" altLang="zh-CN" dirty="0" smtClean="0"/>
+              <a:t>Outline</a:t>
+            </a:r>
+            <a:endParaRPr lang="zh-CN" altLang="en-US" dirty="0"/>
           </a:p>
         </p:txBody>
       </p:sp>
@@ -4707,7 +4758,11 @@
           <a:bodyPr/>
           <a:lstStyle/>
           <a:p>
-            <a:endParaRPr lang="zh-CN" altLang="en-US"/>
+            <a:r>
+              <a:rPr lang="en-US" altLang="zh-CN" dirty="0" smtClean="0"/>
+              <a:t>Algorithm A</a:t>
+            </a:r>
+            <a:endParaRPr lang="zh-CN" altLang="en-US" dirty="0"/>
           </a:p>
         </p:txBody>
       </p:sp>
@@ -4721,6 +4776,13 @@
   <p:clrMapOvr>
     <a:masterClrMapping/>
   </p:clrMapOvr>
+  <p:timing>
+    <p:tnLst>
+      <p:par>
+        <p:cTn id="1" dur="indefinite" restart="never" nodeType="tmRoot"/>
+      </p:par>
+    </p:tnLst>
+  </p:timing>
 </p:sld>
 </file>
 
@@ -4775,7 +4837,11 @@
           <a:bodyPr/>
           <a:lstStyle/>
           <a:p>
-            <a:endParaRPr lang="zh-CN" altLang="en-US"/>
+            <a:r>
+              <a:rPr lang="en-US" altLang="zh-CN" dirty="0" smtClean="0"/>
+              <a:t>Algorithm B</a:t>
+            </a:r>
+            <a:endParaRPr lang="zh-CN" altLang="en-US" dirty="0"/>
           </a:p>
         </p:txBody>
       </p:sp>
@@ -4789,6 +4855,88 @@
   <p:clrMapOvr>
     <a:masterClrMapping/>
   </p:clrMapOvr>
+  <p:timing>
+    <p:tnLst>
+      <p:par>
+        <p:cTn id="1" dur="indefinite" restart="never" nodeType="tmRoot"/>
+      </p:par>
+    </p:tnLst>
+  </p:timing>
+</p:sld>
+</file>
+
+<file path=ppt/slides/slide5.xml><?xml version="1.0" encoding="utf-8"?>
+<p:sld xmlns:a="http://schemas.openxmlformats.org/drawingml/2006/main" xmlns:r="http://schemas.openxmlformats.org/officeDocument/2006/relationships" xmlns:p="http://schemas.openxmlformats.org/presentationml/2006/main">
+  <p:cSld>
+    <p:spTree>
+      <p:nvGrpSpPr>
+        <p:cNvPr id="1" name=""/>
+        <p:cNvGrpSpPr/>
+        <p:nvPr/>
+      </p:nvGrpSpPr>
+      <p:grpSpPr>
+        <a:xfrm>
+          <a:off x="0" y="0"/>
+          <a:ext cx="0" cy="0"/>
+          <a:chOff x="0" y="0"/>
+          <a:chExt cx="0" cy="0"/>
+        </a:xfrm>
+      </p:grpSpPr>
+      <p:sp>
+        <p:nvSpPr>
+          <p:cNvPr id="2" name="Content Placeholder 1"/>
+          <p:cNvSpPr>
+            <a:spLocks noGrp="1"/>
+          </p:cNvSpPr>
+          <p:nvPr>
+            <p:ph idx="1"/>
+          </p:nvPr>
+        </p:nvSpPr>
+        <p:spPr/>
+        <p:txBody>
+          <a:bodyPr/>
+          <a:lstStyle/>
+          <a:p>
+            <a:endParaRPr lang="zh-CN" altLang="en-US"/>
+          </a:p>
+        </p:txBody>
+      </p:sp>
+      <p:sp>
+        <p:nvSpPr>
+          <p:cNvPr id="3" name="Title 2"/>
+          <p:cNvSpPr>
+            <a:spLocks noGrp="1"/>
+          </p:cNvSpPr>
+          <p:nvPr>
+            <p:ph type="title"/>
+          </p:nvPr>
+        </p:nvSpPr>
+        <p:spPr/>
+        <p:txBody>
+          <a:bodyPr/>
+          <a:lstStyle/>
+          <a:p>
+            <a:endParaRPr lang="zh-CN" altLang="en-US"/>
+          </a:p>
+        </p:txBody>
+      </p:sp>
+    </p:spTree>
+    <p:extLst>
+      <p:ext uri="{BB962C8B-B14F-4D97-AF65-F5344CB8AC3E}">
+        <p14:creationId xmlns:p14="http://schemas.microsoft.com/office/powerpoint/2010/main" val="3807841117"/>
+      </p:ext>
+    </p:extLst>
+  </p:cSld>
+  <p:clrMapOvr>
+    <a:masterClrMapping/>
+  </p:clrMapOvr>
+  <p:timing>
+    <p:tnLst>
+      <p:par>
+        <p:cTn id="1" dur="indefinite" restart="never" nodeType="tmRoot"/>
+      </p:par>
+    </p:tnLst>
+  </p:timing>
 </p:sld>
 </file>
 

--- a/doc/presentation.pptx
+++ b/doc/presentation.pptx
@@ -4490,28 +4490,45 @@
         </p:nvSpPr>
         <p:spPr>
           <a:xfrm>
-            <a:off x="1183341" y="1387737"/>
-            <a:ext cx="6777318" cy="1660263"/>
+            <a:off x="609600" y="1676400"/>
+            <a:ext cx="8077200" cy="1371600"/>
           </a:xfrm>
         </p:spPr>
         <p:txBody>
           <a:bodyPr>
-            <a:normAutofit fontScale="90000"/>
+            <a:noAutofit/>
           </a:bodyPr>
           <a:lstStyle/>
           <a:p>
             <a:r>
-              <a:rPr lang="en-US" altLang="zh-CN" dirty="0" smtClean="0"/>
-              <a:t>Applied Data Science</a:t>
+              <a:rPr lang="en-US" altLang="zh-CN" sz="5000" dirty="0" smtClean="0"/>
+              <a:t/>
             </a:r>
             <a:br>
-              <a:rPr lang="en-US" altLang="zh-CN" dirty="0" smtClean="0"/>
+              <a:rPr lang="en-US" altLang="zh-CN" sz="5000" dirty="0" smtClean="0"/>
             </a:br>
             <a:r>
-              <a:rPr lang="en-US" altLang="zh-CN" dirty="0" smtClean="0"/>
-              <a:t>Project 4</a:t>
-            </a:r>
-            <a:endParaRPr lang="zh-CN" altLang="en-US" dirty="0"/>
+              <a:rPr lang="en-US" altLang="zh-CN" sz="5000" dirty="0">
+                <a:effectLst/>
+                <a:latin typeface="Times New Roman Uni" panose="02020603050405020304" pitchFamily="18" charset="-122"/>
+                <a:ea typeface="Times New Roman Uni" panose="02020603050405020304" pitchFamily="18" charset="-122"/>
+                <a:cs typeface="Times New Roman Uni" panose="02020603050405020304" pitchFamily="18" charset="-122"/>
+              </a:rPr>
+              <a:t>Entity Resolution </a:t>
+            </a:r>
+            <a:r>
+              <a:rPr lang="en-US" altLang="zh-CN" sz="5000" dirty="0" smtClean="0">
+                <a:latin typeface="Times New Roman Uni" panose="02020603050405020304" pitchFamily="18" charset="-122"/>
+                <a:ea typeface="Times New Roman Uni" panose="02020603050405020304" pitchFamily="18" charset="-122"/>
+                <a:cs typeface="Times New Roman Uni" panose="02020603050405020304" pitchFamily="18" charset="-122"/>
+              </a:rPr>
+              <a:t>Algorithms</a:t>
+            </a:r>
+            <a:endParaRPr lang="zh-CN" altLang="en-US" sz="5000" dirty="0">
+              <a:latin typeface="Times New Roman Uni" panose="02020603050405020304" pitchFamily="18" charset="-122"/>
+              <a:ea typeface="Times New Roman Uni" panose="02020603050405020304" pitchFamily="18" charset="-122"/>
+              <a:cs typeface="Times New Roman Uni" panose="02020603050405020304" pitchFamily="18" charset="-122"/>
+            </a:endParaRPr>
           </a:p>
         </p:txBody>
       </p:sp>

--- a/doc/presentation.pptx
+++ b/doc/presentation.pptx
@@ -10,6 +10,9 @@
     <p:sldId id="258" r:id="rId4"/>
     <p:sldId id="259" r:id="rId5"/>
     <p:sldId id="260" r:id="rId6"/>
+    <p:sldId id="261" r:id="rId7"/>
+    <p:sldId id="262" r:id="rId8"/>
+    <p:sldId id="263" r:id="rId9"/>
   </p:sldIdLst>
   <p:sldSz cx="9144000" cy="6858000" type="screen4x3"/>
   <p:notesSz cx="6858000" cy="9144000"/>
@@ -183,7 +186,7 @@
             <a:fld id="{1D8BD707-D9CF-40AE-B4C6-C98DA3205C09}" type="datetimeFigureOut">
               <a:rPr lang="en-US" smtClean="0"/>
               <a:pPr/>
-              <a:t>3/31/2017</a:t>
+              <a:t>4/11/2017</a:t>
             </a:fld>
             <a:endParaRPr lang="en-US"/>
           </a:p>
@@ -710,7 +713,7 @@
             <a:fld id="{1D8BD707-D9CF-40AE-B4C6-C98DA3205C09}" type="datetimeFigureOut">
               <a:rPr lang="en-US" smtClean="0"/>
               <a:pPr/>
-              <a:t>3/31/2017</a:t>
+              <a:t>4/11/2017</a:t>
             </a:fld>
             <a:endParaRPr lang="en-US"/>
           </a:p>
@@ -1026,7 +1029,7 @@
             <a:fld id="{1D8BD707-D9CF-40AE-B4C6-C98DA3205C09}" type="datetimeFigureOut">
               <a:rPr lang="en-US" smtClean="0"/>
               <a:pPr/>
-              <a:t>3/31/2017</a:t>
+              <a:t>4/11/2017</a:t>
             </a:fld>
             <a:endParaRPr lang="en-US"/>
           </a:p>
@@ -1314,7 +1317,7 @@
             <a:fld id="{1D8BD707-D9CF-40AE-B4C6-C98DA3205C09}" type="datetimeFigureOut">
               <a:rPr lang="en-US" smtClean="0"/>
               <a:pPr/>
-              <a:t>3/31/2017</a:t>
+              <a:t>4/11/2017</a:t>
             </a:fld>
             <a:endParaRPr lang="en-US"/>
           </a:p>
@@ -1891,7 +1894,7 @@
             <a:fld id="{1D8BD707-D9CF-40AE-B4C6-C98DA3205C09}" type="datetimeFigureOut">
               <a:rPr lang="en-US" smtClean="0"/>
               <a:pPr/>
-              <a:t>3/31/2017</a:t>
+              <a:t>4/11/2017</a:t>
             </a:fld>
             <a:endParaRPr lang="en-US"/>
           </a:p>
@@ -1983,7 +1986,7 @@
             <a:fld id="{1D8BD707-D9CF-40AE-B4C6-C98DA3205C09}" type="datetimeFigureOut">
               <a:rPr lang="en-US" smtClean="0"/>
               <a:pPr/>
-              <a:t>3/31/2017</a:t>
+              <a:t>4/11/2017</a:t>
             </a:fld>
             <a:endParaRPr lang="en-US"/>
           </a:p>
@@ -2694,7 +2697,7 @@
             <a:fld id="{1D8BD707-D9CF-40AE-B4C6-C98DA3205C09}" type="datetimeFigureOut">
               <a:rPr lang="en-US" smtClean="0"/>
               <a:pPr/>
-              <a:t>3/31/2017</a:t>
+              <a:t>4/11/2017</a:t>
             </a:fld>
             <a:endParaRPr lang="en-US"/>
           </a:p>
@@ -2948,7 +2951,7 @@
             <a:fld id="{1D8BD707-D9CF-40AE-B4C6-C98DA3205C09}" type="datetimeFigureOut">
               <a:rPr lang="en-US" smtClean="0"/>
               <a:pPr/>
-              <a:t>3/31/2017</a:t>
+              <a:t>4/11/2017</a:t>
             </a:fld>
             <a:endParaRPr lang="en-US"/>
           </a:p>
@@ -3179,7 +3182,7 @@
             <a:fld id="{1D8BD707-D9CF-40AE-B4C6-C98DA3205C09}" type="datetimeFigureOut">
               <a:rPr lang="en-US" smtClean="0"/>
               <a:pPr/>
-              <a:t>3/31/2017</a:t>
+              <a:t>4/11/2017</a:t>
             </a:fld>
             <a:endParaRPr lang="en-US"/>
           </a:p>
@@ -3455,7 +3458,7 @@
             <a:fld id="{1D8BD707-D9CF-40AE-B4C6-C98DA3205C09}" type="datetimeFigureOut">
               <a:rPr lang="en-US" smtClean="0"/>
               <a:pPr/>
-              <a:t>3/31/2017</a:t>
+              <a:t>4/11/2017</a:t>
             </a:fld>
             <a:endParaRPr lang="en-US"/>
           </a:p>
@@ -3743,7 +3746,7 @@
             <a:fld id="{1D8BD707-D9CF-40AE-B4C6-C98DA3205C09}" type="datetimeFigureOut">
               <a:rPr lang="en-US" smtClean="0"/>
               <a:pPr/>
-              <a:t>3/31/2017</a:t>
+              <a:t>4/11/2017</a:t>
             </a:fld>
             <a:endParaRPr lang="en-US"/>
           </a:p>
@@ -4013,7 +4016,7 @@
             <a:fld id="{1D8BD707-D9CF-40AE-B4C6-C98DA3205C09}" type="datetimeFigureOut">
               <a:rPr lang="en-US" smtClean="0"/>
               <a:pPr/>
-              <a:t>3/31/2017</a:t>
+              <a:t>4/11/2017</a:t>
             </a:fld>
             <a:endParaRPr lang="en-US"/>
           </a:p>
@@ -4567,7 +4570,6 @@
               <a:rPr lang="en-US" altLang="zh-CN" dirty="0" smtClean="0"/>
               <a:t>By</a:t>
             </a:r>
-            <a:endParaRPr lang="en-US" altLang="zh-CN" dirty="0" smtClean="0"/>
           </a:p>
           <a:p>
             <a:r>
@@ -4576,11 +4578,7 @@
             </a:r>
             <a:r>
               <a:rPr lang="en-US" altLang="zh-CN" b="1" i="1" dirty="0" smtClean="0"/>
-              <a:t> </a:t>
-            </a:r>
-            <a:r>
-              <a:rPr lang="en-US" altLang="zh-CN" b="1" i="1" dirty="0" smtClean="0"/>
-              <a:t>Zhao</a:t>
+              <a:t> Zhao</a:t>
             </a:r>
           </a:p>
           <a:p>
@@ -4677,7 +4675,38 @@
           <a:bodyPr/>
           <a:lstStyle/>
           <a:p>
-            <a:endParaRPr lang="zh-CN" altLang="en-US"/>
+            <a:r>
+              <a:rPr lang="en-US" altLang="zh-CN" dirty="0" smtClean="0"/>
+              <a:t>Introduction to Algorithms</a:t>
+            </a:r>
+          </a:p>
+          <a:p>
+            <a:endParaRPr lang="en-US" altLang="zh-CN" dirty="0" smtClean="0"/>
+          </a:p>
+          <a:p>
+            <a:r>
+              <a:rPr lang="en-US" altLang="zh-CN" dirty="0" smtClean="0"/>
+              <a:t>Our Evaluations Methods</a:t>
+            </a:r>
+          </a:p>
+          <a:p>
+            <a:endParaRPr lang="en-US" altLang="zh-CN" dirty="0" smtClean="0"/>
+          </a:p>
+          <a:p>
+            <a:r>
+              <a:rPr lang="en-US" altLang="zh-CN" dirty="0" smtClean="0"/>
+              <a:t>Result</a:t>
+            </a:r>
+          </a:p>
+          <a:p>
+            <a:endParaRPr lang="en-US" altLang="zh-CN" dirty="0"/>
+          </a:p>
+          <a:p>
+            <a:r>
+              <a:rPr lang="en-US" altLang="zh-CN" dirty="0" smtClean="0"/>
+              <a:t>Questions</a:t>
+            </a:r>
+            <a:endParaRPr lang="zh-CN" altLang="en-US" dirty="0"/>
           </a:p>
         </p:txBody>
       </p:sp>
@@ -4756,7 +4785,27 @@
           <a:bodyPr/>
           <a:lstStyle/>
           <a:p>
-            <a:endParaRPr lang="zh-CN" altLang="en-US"/>
+            <a:r>
+              <a:rPr lang="en-US" altLang="zh-CN" dirty="0" smtClean="0"/>
+              <a:t>This algorithms uses the </a:t>
+            </a:r>
+            <a:r>
+              <a:rPr lang="en-US" altLang="zh-CN" dirty="0" err="1" smtClean="0"/>
+              <a:t>eigenstructure</a:t>
+            </a:r>
+            <a:r>
+              <a:rPr lang="en-US" altLang="zh-CN" dirty="0" smtClean="0"/>
+              <a:t> of the gram matrix,  performing a “dimension reduction like” </a:t>
+            </a:r>
+            <a:r>
+              <a:rPr lang="en-US" altLang="zh-CN" dirty="0" err="1" smtClean="0"/>
+              <a:t>transfomration</a:t>
+            </a:r>
+            <a:r>
+              <a:rPr lang="en-US" altLang="zh-CN" smtClean="0"/>
+              <a:t> fro</a:t>
+            </a:r>
+            <a:endParaRPr lang="zh-CN" altLang="en-US" dirty="0"/>
           </a:p>
         </p:txBody>
       </p:sp>
@@ -4776,10 +4825,10 @@
           <a:lstStyle/>
           <a:p>
             <a:r>
-              <a:rPr lang="en-US" altLang="zh-CN" dirty="0" smtClean="0"/>
-              <a:t>Algorithm A</a:t>
-            </a:r>
-            <a:endParaRPr lang="zh-CN" altLang="en-US" dirty="0"/>
+              <a:rPr lang="en-US" altLang="zh-CN" sz="3000" dirty="0" smtClean="0"/>
+              <a:t>Spectral Clustering Using QR Decomposition</a:t>
+            </a:r>
+            <a:endParaRPr lang="zh-CN" altLang="en-US" sz="3000" dirty="0"/>
           </a:p>
         </p:txBody>
       </p:sp>
@@ -4933,7 +4982,11 @@
           <a:bodyPr/>
           <a:lstStyle/>
           <a:p>
-            <a:endParaRPr lang="zh-CN" altLang="en-US"/>
+            <a:r>
+              <a:rPr lang="en-US" altLang="zh-CN" sz="3000" dirty="0" smtClean="0"/>
+              <a:t>Evaluation Method</a:t>
+            </a:r>
+            <a:endParaRPr lang="zh-CN" altLang="en-US" sz="3000" dirty="0"/>
           </a:p>
         </p:txBody>
       </p:sp>
@@ -4954,6 +5007,208 @@
       </p:par>
     </p:tnLst>
   </p:timing>
+</p:sld>
+</file>
+
+<file path=ppt/slides/slide6.xml><?xml version="1.0" encoding="utf-8"?>
+<p:sld xmlns:a="http://schemas.openxmlformats.org/drawingml/2006/main" xmlns:r="http://schemas.openxmlformats.org/officeDocument/2006/relationships" xmlns:p="http://schemas.openxmlformats.org/presentationml/2006/main">
+  <p:cSld>
+    <p:spTree>
+      <p:nvGrpSpPr>
+        <p:cNvPr id="1" name=""/>
+        <p:cNvGrpSpPr/>
+        <p:nvPr/>
+      </p:nvGrpSpPr>
+      <p:grpSpPr>
+        <a:xfrm>
+          <a:off x="0" y="0"/>
+          <a:ext cx="0" cy="0"/>
+          <a:chOff x="0" y="0"/>
+          <a:chExt cx="0" cy="0"/>
+        </a:xfrm>
+      </p:grpSpPr>
+      <p:sp>
+        <p:nvSpPr>
+          <p:cNvPr id="2" name="Content Placeholder 1"/>
+          <p:cNvSpPr>
+            <a:spLocks noGrp="1"/>
+          </p:cNvSpPr>
+          <p:nvPr>
+            <p:ph idx="1"/>
+          </p:nvPr>
+        </p:nvSpPr>
+        <p:spPr/>
+        <p:txBody>
+          <a:bodyPr/>
+          <a:lstStyle/>
+          <a:p>
+            <a:endParaRPr lang="zh-CN" altLang="en-US"/>
+          </a:p>
+        </p:txBody>
+      </p:sp>
+      <p:sp>
+        <p:nvSpPr>
+          <p:cNvPr id="3" name="Title 2"/>
+          <p:cNvSpPr>
+            <a:spLocks noGrp="1"/>
+          </p:cNvSpPr>
+          <p:nvPr>
+            <p:ph type="title"/>
+          </p:nvPr>
+        </p:nvSpPr>
+        <p:spPr/>
+        <p:txBody>
+          <a:bodyPr/>
+          <a:lstStyle/>
+          <a:p>
+            <a:r>
+              <a:rPr lang="en-US" altLang="zh-CN" sz="3000" dirty="0" smtClean="0"/>
+              <a:t>Our Results</a:t>
+            </a:r>
+            <a:endParaRPr lang="zh-CN" altLang="en-US" sz="3000" dirty="0"/>
+          </a:p>
+        </p:txBody>
+      </p:sp>
+    </p:spTree>
+    <p:extLst>
+      <p:ext uri="{BB962C8B-B14F-4D97-AF65-F5344CB8AC3E}">
+        <p14:creationId xmlns:p14="http://schemas.microsoft.com/office/powerpoint/2010/main" val="2733649549"/>
+      </p:ext>
+    </p:extLst>
+  </p:cSld>
+  <p:clrMapOvr>
+    <a:masterClrMapping/>
+  </p:clrMapOvr>
+</p:sld>
+</file>
+
+<file path=ppt/slides/slide7.xml><?xml version="1.0" encoding="utf-8"?>
+<p:sld xmlns:a="http://schemas.openxmlformats.org/drawingml/2006/main" xmlns:r="http://schemas.openxmlformats.org/officeDocument/2006/relationships" xmlns:p="http://schemas.openxmlformats.org/presentationml/2006/main">
+  <p:cSld>
+    <p:spTree>
+      <p:nvGrpSpPr>
+        <p:cNvPr id="1" name=""/>
+        <p:cNvGrpSpPr/>
+        <p:nvPr/>
+      </p:nvGrpSpPr>
+      <p:grpSpPr>
+        <a:xfrm>
+          <a:off x="0" y="0"/>
+          <a:ext cx="0" cy="0"/>
+          <a:chOff x="0" y="0"/>
+          <a:chExt cx="0" cy="0"/>
+        </a:xfrm>
+      </p:grpSpPr>
+      <p:sp>
+        <p:nvSpPr>
+          <p:cNvPr id="2" name="Content Placeholder 1"/>
+          <p:cNvSpPr>
+            <a:spLocks noGrp="1"/>
+          </p:cNvSpPr>
+          <p:nvPr>
+            <p:ph idx="1"/>
+          </p:nvPr>
+        </p:nvSpPr>
+        <p:spPr/>
+        <p:txBody>
+          <a:bodyPr/>
+          <a:lstStyle/>
+          <a:p>
+            <a:endParaRPr lang="zh-CN" altLang="en-US"/>
+          </a:p>
+        </p:txBody>
+      </p:sp>
+      <p:sp>
+        <p:nvSpPr>
+          <p:cNvPr id="3" name="Title 2"/>
+          <p:cNvSpPr>
+            <a:spLocks noGrp="1"/>
+          </p:cNvSpPr>
+          <p:nvPr>
+            <p:ph type="title"/>
+          </p:nvPr>
+        </p:nvSpPr>
+        <p:spPr/>
+        <p:txBody>
+          <a:bodyPr/>
+          <a:lstStyle/>
+          <a:p>
+            <a:r>
+              <a:rPr lang="en-US" altLang="zh-CN" dirty="0" smtClean="0"/>
+              <a:t>Questions</a:t>
+            </a:r>
+            <a:endParaRPr lang="zh-CN" altLang="en-US" dirty="0"/>
+          </a:p>
+        </p:txBody>
+      </p:sp>
+    </p:spTree>
+    <p:extLst>
+      <p:ext uri="{BB962C8B-B14F-4D97-AF65-F5344CB8AC3E}">
+        <p14:creationId xmlns:p14="http://schemas.microsoft.com/office/powerpoint/2010/main" val="601554409"/>
+      </p:ext>
+    </p:extLst>
+  </p:cSld>
+  <p:clrMapOvr>
+    <a:masterClrMapping/>
+  </p:clrMapOvr>
+</p:sld>
+</file>
+
+<file path=ppt/slides/slide8.xml><?xml version="1.0" encoding="utf-8"?>
+<p:sld xmlns:a="http://schemas.openxmlformats.org/drawingml/2006/main" xmlns:r="http://schemas.openxmlformats.org/officeDocument/2006/relationships" xmlns:p="http://schemas.openxmlformats.org/presentationml/2006/main">
+  <p:cSld>
+    <p:spTree>
+      <p:nvGrpSpPr>
+        <p:cNvPr id="1" name=""/>
+        <p:cNvGrpSpPr/>
+        <p:nvPr/>
+      </p:nvGrpSpPr>
+      <p:grpSpPr>
+        <a:xfrm>
+          <a:off x="0" y="0"/>
+          <a:ext cx="0" cy="0"/>
+          <a:chOff x="0" y="0"/>
+          <a:chExt cx="0" cy="0"/>
+        </a:xfrm>
+      </p:grpSpPr>
+      <p:sp>
+        <p:nvSpPr>
+          <p:cNvPr id="3" name="Title 2"/>
+          <p:cNvSpPr>
+            <a:spLocks noGrp="1"/>
+          </p:cNvSpPr>
+          <p:nvPr>
+            <p:ph type="title"/>
+          </p:nvPr>
+        </p:nvSpPr>
+        <p:spPr>
+          <a:xfrm>
+            <a:off x="762000" y="2362200"/>
+            <a:ext cx="7756263" cy="2935044"/>
+          </a:xfrm>
+        </p:spPr>
+        <p:txBody>
+          <a:bodyPr/>
+          <a:lstStyle/>
+          <a:p>
+            <a:r>
+              <a:rPr lang="en-US" altLang="zh-CN" dirty="0" smtClean="0"/>
+              <a:t>THANKS!</a:t>
+            </a:r>
+            <a:endParaRPr lang="zh-CN" altLang="en-US" dirty="0"/>
+          </a:p>
+        </p:txBody>
+      </p:sp>
+    </p:spTree>
+    <p:extLst>
+      <p:ext uri="{BB962C8B-B14F-4D97-AF65-F5344CB8AC3E}">
+        <p14:creationId xmlns:p14="http://schemas.microsoft.com/office/powerpoint/2010/main" val="3248956468"/>
+      </p:ext>
+    </p:extLst>
+  </p:cSld>
+  <p:clrMapOvr>
+    <a:masterClrMapping/>
+  </p:clrMapOvr>
 </p:sld>
 </file>
 

--- a/doc/presentation.pptx
+++ b/doc/presentation.pptx
@@ -8,11 +8,12 @@
     <p:sldId id="256" r:id="rId2"/>
     <p:sldId id="257" r:id="rId3"/>
     <p:sldId id="258" r:id="rId4"/>
-    <p:sldId id="259" r:id="rId5"/>
-    <p:sldId id="260" r:id="rId6"/>
-    <p:sldId id="261" r:id="rId7"/>
-    <p:sldId id="262" r:id="rId8"/>
-    <p:sldId id="263" r:id="rId9"/>
+    <p:sldId id="264" r:id="rId5"/>
+    <p:sldId id="259" r:id="rId6"/>
+    <p:sldId id="260" r:id="rId7"/>
+    <p:sldId id="261" r:id="rId8"/>
+    <p:sldId id="262" r:id="rId9"/>
+    <p:sldId id="263" r:id="rId10"/>
   </p:sldIdLst>
   <p:sldSz cx="9144000" cy="6858000" type="screen4x3"/>
   <p:notesSz cx="6858000" cy="9144000"/>
@@ -186,7 +187,7 @@
             <a:fld id="{1D8BD707-D9CF-40AE-B4C6-C98DA3205C09}" type="datetimeFigureOut">
               <a:rPr lang="en-US" smtClean="0"/>
               <a:pPr/>
-              <a:t>4/11/2017</a:t>
+              <a:t>4/12/2017</a:t>
             </a:fld>
             <a:endParaRPr lang="en-US"/>
           </a:p>
@@ -713,7 +714,7 @@
             <a:fld id="{1D8BD707-D9CF-40AE-B4C6-C98DA3205C09}" type="datetimeFigureOut">
               <a:rPr lang="en-US" smtClean="0"/>
               <a:pPr/>
-              <a:t>4/11/2017</a:t>
+              <a:t>4/12/2017</a:t>
             </a:fld>
             <a:endParaRPr lang="en-US"/>
           </a:p>
@@ -1029,7 +1030,7 @@
             <a:fld id="{1D8BD707-D9CF-40AE-B4C6-C98DA3205C09}" type="datetimeFigureOut">
               <a:rPr lang="en-US" smtClean="0"/>
               <a:pPr/>
-              <a:t>4/11/2017</a:t>
+              <a:t>4/12/2017</a:t>
             </a:fld>
             <a:endParaRPr lang="en-US"/>
           </a:p>
@@ -1317,7 +1318,7 @@
             <a:fld id="{1D8BD707-D9CF-40AE-B4C6-C98DA3205C09}" type="datetimeFigureOut">
               <a:rPr lang="en-US" smtClean="0"/>
               <a:pPr/>
-              <a:t>4/11/2017</a:t>
+              <a:t>4/12/2017</a:t>
             </a:fld>
             <a:endParaRPr lang="en-US"/>
           </a:p>
@@ -1894,7 +1895,7 @@
             <a:fld id="{1D8BD707-D9CF-40AE-B4C6-C98DA3205C09}" type="datetimeFigureOut">
               <a:rPr lang="en-US" smtClean="0"/>
               <a:pPr/>
-              <a:t>4/11/2017</a:t>
+              <a:t>4/12/2017</a:t>
             </a:fld>
             <a:endParaRPr lang="en-US"/>
           </a:p>
@@ -1986,7 +1987,7 @@
             <a:fld id="{1D8BD707-D9CF-40AE-B4C6-C98DA3205C09}" type="datetimeFigureOut">
               <a:rPr lang="en-US" smtClean="0"/>
               <a:pPr/>
-              <a:t>4/11/2017</a:t>
+              <a:t>4/12/2017</a:t>
             </a:fld>
             <a:endParaRPr lang="en-US"/>
           </a:p>
@@ -2697,7 +2698,7 @@
             <a:fld id="{1D8BD707-D9CF-40AE-B4C6-C98DA3205C09}" type="datetimeFigureOut">
               <a:rPr lang="en-US" smtClean="0"/>
               <a:pPr/>
-              <a:t>4/11/2017</a:t>
+              <a:t>4/12/2017</a:t>
             </a:fld>
             <a:endParaRPr lang="en-US"/>
           </a:p>
@@ -2951,7 +2952,7 @@
             <a:fld id="{1D8BD707-D9CF-40AE-B4C6-C98DA3205C09}" type="datetimeFigureOut">
               <a:rPr lang="en-US" smtClean="0"/>
               <a:pPr/>
-              <a:t>4/11/2017</a:t>
+              <a:t>4/12/2017</a:t>
             </a:fld>
             <a:endParaRPr lang="en-US"/>
           </a:p>
@@ -3182,7 +3183,7 @@
             <a:fld id="{1D8BD707-D9CF-40AE-B4C6-C98DA3205C09}" type="datetimeFigureOut">
               <a:rPr lang="en-US" smtClean="0"/>
               <a:pPr/>
-              <a:t>4/11/2017</a:t>
+              <a:t>4/12/2017</a:t>
             </a:fld>
             <a:endParaRPr lang="en-US"/>
           </a:p>
@@ -3458,7 +3459,7 @@
             <a:fld id="{1D8BD707-D9CF-40AE-B4C6-C98DA3205C09}" type="datetimeFigureOut">
               <a:rPr lang="en-US" smtClean="0"/>
               <a:pPr/>
-              <a:t>4/11/2017</a:t>
+              <a:t>4/12/2017</a:t>
             </a:fld>
             <a:endParaRPr lang="en-US"/>
           </a:p>
@@ -3746,7 +3747,7 @@
             <a:fld id="{1D8BD707-D9CF-40AE-B4C6-C98DA3205C09}" type="datetimeFigureOut">
               <a:rPr lang="en-US" smtClean="0"/>
               <a:pPr/>
-              <a:t>4/11/2017</a:t>
+              <a:t>4/12/2017</a:t>
             </a:fld>
             <a:endParaRPr lang="en-US"/>
           </a:p>
@@ -4016,7 +4017,7 @@
             <a:fld id="{1D8BD707-D9CF-40AE-B4C6-C98DA3205C09}" type="datetimeFigureOut">
               <a:rPr lang="en-US" smtClean="0"/>
               <a:pPr/>
-              <a:t>4/11/2017</a:t>
+              <a:t>4/12/2017</a:t>
             </a:fld>
             <a:endParaRPr lang="en-US"/>
           </a:p>
@@ -4770,45 +4771,35 @@
           <a:chExt cx="0" cy="0"/>
         </a:xfrm>
       </p:grpSpPr>
-      <p:sp>
-        <p:nvSpPr>
-          <p:cNvPr id="2" name="Content Placeholder 1"/>
-          <p:cNvSpPr>
-            <a:spLocks noGrp="1"/>
-          </p:cNvSpPr>
+      <p:pic>
+        <p:nvPicPr>
+          <p:cNvPr id="4" name="Content Placeholder 3"/>
+          <p:cNvPicPr>
+            <a:picLocks noGrp="1" noChangeAspect="1"/>
+          </p:cNvPicPr>
           <p:nvPr>
             <p:ph idx="1"/>
           </p:nvPr>
-        </p:nvSpPr>
-        <p:spPr/>
-        <p:txBody>
-          <a:bodyPr/>
-          <a:lstStyle/>
-          <a:p>
-            <a:r>
-              <a:rPr lang="en-US" altLang="zh-CN" dirty="0" smtClean="0"/>
-              <a:t>This algorithms uses the </a:t>
-            </a:r>
-            <a:r>
-              <a:rPr lang="en-US" altLang="zh-CN" dirty="0" err="1" smtClean="0"/>
-              <a:t>eigenstructure</a:t>
-            </a:r>
-            <a:r>
-              <a:rPr lang="en-US" altLang="zh-CN" dirty="0" smtClean="0"/>
-              <a:t> of the gram matrix,  performing a “dimension reduction like” </a:t>
-            </a:r>
-            <a:r>
-              <a:rPr lang="en-US" altLang="zh-CN" dirty="0" err="1" smtClean="0"/>
-              <a:t>transfomration</a:t>
-            </a:r>
-            <a:r>
-              <a:rPr lang="en-US" altLang="zh-CN" smtClean="0"/>
-              <a:t> fro</a:t>
-            </a:r>
-            <a:endParaRPr lang="zh-CN" altLang="en-US" dirty="0"/>
-          </a:p>
-        </p:txBody>
-      </p:sp>
+        </p:nvPicPr>
+        <p:blipFill>
+          <a:blip r:embed="rId2">
+            <a:extLst>
+              <a:ext uri="{28A0092B-C50C-407E-A947-70E740481C1C}">
+                <a14:useLocalDpi xmlns:a14="http://schemas.microsoft.com/office/drawing/2010/main" val="0"/>
+              </a:ext>
+            </a:extLst>
+          </a:blip>
+          <a:stretch>
+            <a:fillRect/>
+          </a:stretch>
+        </p:blipFill>
+        <p:spPr>
+          <a:xfrm>
+            <a:off x="1034809" y="2247900"/>
+            <a:ext cx="7074381" cy="3878263"/>
+          </a:xfrm>
+        </p:spPr>
+      </p:pic>
       <p:sp>
         <p:nvSpPr>
           <p:cNvPr id="3" name="Title 2"/>
@@ -4871,50 +4862,60 @@
       </p:grpSpPr>
       <p:sp>
         <p:nvSpPr>
-          <p:cNvPr id="2" name="Content Placeholder 1"/>
-          <p:cNvSpPr>
-            <a:spLocks noGrp="1"/>
-          </p:cNvSpPr>
+          <p:cNvPr id="3" name="Title 2"/>
+          <p:cNvSpPr>
+            <a:spLocks noGrp="1"/>
+          </p:cNvSpPr>
+          <p:nvPr>
+            <p:ph type="title"/>
+          </p:nvPr>
+        </p:nvSpPr>
+        <p:spPr/>
+        <p:txBody>
+          <a:bodyPr/>
+          <a:lstStyle/>
+          <a:p>
+            <a:r>
+              <a:rPr lang="en-US" altLang="zh-CN" sz="3000" dirty="0"/>
+              <a:t>Spectral Clustering Using QR Decomposition</a:t>
+            </a:r>
+            <a:endParaRPr lang="zh-CN" altLang="en-US" sz="3000" dirty="0"/>
+          </a:p>
+        </p:txBody>
+      </p:sp>
+      <p:pic>
+        <p:nvPicPr>
+          <p:cNvPr id="6" name="Content Placeholder 5"/>
+          <p:cNvPicPr>
+            <a:picLocks noGrp="1" noChangeAspect="1"/>
+          </p:cNvPicPr>
           <p:nvPr>
             <p:ph idx="1"/>
           </p:nvPr>
-        </p:nvSpPr>
-        <p:spPr/>
-        <p:txBody>
-          <a:bodyPr/>
-          <a:lstStyle/>
-          <a:p>
-            <a:endParaRPr lang="zh-CN" altLang="en-US"/>
-          </a:p>
-        </p:txBody>
-      </p:sp>
-      <p:sp>
-        <p:nvSpPr>
-          <p:cNvPr id="3" name="Title 2"/>
-          <p:cNvSpPr>
-            <a:spLocks noGrp="1"/>
-          </p:cNvSpPr>
-          <p:nvPr>
-            <p:ph type="title"/>
-          </p:nvPr>
-        </p:nvSpPr>
-        <p:spPr/>
-        <p:txBody>
-          <a:bodyPr/>
-          <a:lstStyle/>
-          <a:p>
-            <a:r>
-              <a:rPr lang="en-US" altLang="zh-CN" dirty="0" smtClean="0"/>
-              <a:t>Algorithm B</a:t>
-            </a:r>
-            <a:endParaRPr lang="zh-CN" altLang="en-US" dirty="0"/>
-          </a:p>
-        </p:txBody>
-      </p:sp>
+        </p:nvPicPr>
+        <p:blipFill>
+          <a:blip r:embed="rId2">
+            <a:extLst>
+              <a:ext uri="{28A0092B-C50C-407E-A947-70E740481C1C}">
+                <a14:useLocalDpi xmlns:a14="http://schemas.microsoft.com/office/drawing/2010/main" val="0"/>
+              </a:ext>
+            </a:extLst>
+          </a:blip>
+          <a:stretch>
+            <a:fillRect/>
+          </a:stretch>
+        </p:blipFill>
+        <p:spPr>
+          <a:xfrm>
+            <a:off x="698500" y="2286000"/>
+            <a:ext cx="7747000" cy="3657600"/>
+          </a:xfrm>
+        </p:spPr>
+      </p:pic>
     </p:spTree>
     <p:extLst>
       <p:ext uri="{BB962C8B-B14F-4D97-AF65-F5344CB8AC3E}">
-        <p14:creationId xmlns:p14="http://schemas.microsoft.com/office/powerpoint/2010/main" val="3343733855"/>
+        <p14:creationId xmlns:p14="http://schemas.microsoft.com/office/powerpoint/2010/main" val="75657126"/>
       </p:ext>
     </p:extLst>
   </p:cSld>
@@ -4983,17 +4984,17 @@
           <a:lstStyle/>
           <a:p>
             <a:r>
-              <a:rPr lang="en-US" altLang="zh-CN" sz="3000" dirty="0" smtClean="0"/>
-              <a:t>Evaluation Method</a:t>
-            </a:r>
-            <a:endParaRPr lang="zh-CN" altLang="en-US" sz="3000" dirty="0"/>
+              <a:rPr lang="en-US" altLang="zh-CN" dirty="0" smtClean="0"/>
+              <a:t>Algorithm B</a:t>
+            </a:r>
+            <a:endParaRPr lang="zh-CN" altLang="en-US" dirty="0"/>
           </a:p>
         </p:txBody>
       </p:sp>
     </p:spTree>
     <p:extLst>
       <p:ext uri="{BB962C8B-B14F-4D97-AF65-F5344CB8AC3E}">
-        <p14:creationId xmlns:p14="http://schemas.microsoft.com/office/powerpoint/2010/main" val="3807841117"/>
+        <p14:creationId xmlns:p14="http://schemas.microsoft.com/office/powerpoint/2010/main" val="3343733855"/>
       </p:ext>
     </p:extLst>
   </p:cSld>
@@ -5042,7 +5043,11 @@
           <a:bodyPr/>
           <a:lstStyle/>
           <a:p>
-            <a:endParaRPr lang="zh-CN" altLang="en-US"/>
+            <a:r>
+              <a:rPr lang="en-US" altLang="zh-CN" dirty="0" smtClean="0"/>
+              <a:t>Gold Standard Method</a:t>
+            </a:r>
+            <a:endParaRPr lang="zh-CN" altLang="en-US" dirty="0"/>
           </a:p>
         </p:txBody>
       </p:sp>
@@ -5063,7 +5068,7 @@
           <a:p>
             <a:r>
               <a:rPr lang="en-US" altLang="zh-CN" sz="3000" dirty="0" smtClean="0"/>
-              <a:t>Our Results</a:t>
+              <a:t>Evaluation Method</a:t>
             </a:r>
             <a:endParaRPr lang="zh-CN" altLang="en-US" sz="3000" dirty="0"/>
           </a:p>
@@ -5072,13 +5077,20 @@
     </p:spTree>
     <p:extLst>
       <p:ext uri="{BB962C8B-B14F-4D97-AF65-F5344CB8AC3E}">
-        <p14:creationId xmlns:p14="http://schemas.microsoft.com/office/powerpoint/2010/main" val="2733649549"/>
+        <p14:creationId xmlns:p14="http://schemas.microsoft.com/office/powerpoint/2010/main" val="3807841117"/>
       </p:ext>
     </p:extLst>
   </p:cSld>
   <p:clrMapOvr>
     <a:masterClrMapping/>
   </p:clrMapOvr>
+  <p:timing>
+    <p:tnLst>
+      <p:par>
+        <p:cTn id="1" dur="indefinite" restart="never" nodeType="tmRoot"/>
+      </p:par>
+    </p:tnLst>
+  </p:timing>
 </p:sld>
 </file>
 
@@ -5134,6 +5146,85 @@
           <a:lstStyle/>
           <a:p>
             <a:r>
+              <a:rPr lang="en-US" altLang="zh-CN" sz="3000" dirty="0" smtClean="0"/>
+              <a:t>Our Results</a:t>
+            </a:r>
+            <a:endParaRPr lang="zh-CN" altLang="en-US" sz="3000" dirty="0"/>
+          </a:p>
+        </p:txBody>
+      </p:sp>
+    </p:spTree>
+    <p:extLst>
+      <p:ext uri="{BB962C8B-B14F-4D97-AF65-F5344CB8AC3E}">
+        <p14:creationId xmlns:p14="http://schemas.microsoft.com/office/powerpoint/2010/main" val="2733649549"/>
+      </p:ext>
+    </p:extLst>
+  </p:cSld>
+  <p:clrMapOvr>
+    <a:masterClrMapping/>
+  </p:clrMapOvr>
+  <p:timing>
+    <p:tnLst>
+      <p:par>
+        <p:cTn id="1" dur="indefinite" restart="never" nodeType="tmRoot"/>
+      </p:par>
+    </p:tnLst>
+  </p:timing>
+</p:sld>
+</file>
+
+<file path=ppt/slides/slide8.xml><?xml version="1.0" encoding="utf-8"?>
+<p:sld xmlns:a="http://schemas.openxmlformats.org/drawingml/2006/main" xmlns:r="http://schemas.openxmlformats.org/officeDocument/2006/relationships" xmlns:p="http://schemas.openxmlformats.org/presentationml/2006/main">
+  <p:cSld>
+    <p:spTree>
+      <p:nvGrpSpPr>
+        <p:cNvPr id="1" name=""/>
+        <p:cNvGrpSpPr/>
+        <p:nvPr/>
+      </p:nvGrpSpPr>
+      <p:grpSpPr>
+        <a:xfrm>
+          <a:off x="0" y="0"/>
+          <a:ext cx="0" cy="0"/>
+          <a:chOff x="0" y="0"/>
+          <a:chExt cx="0" cy="0"/>
+        </a:xfrm>
+      </p:grpSpPr>
+      <p:sp>
+        <p:nvSpPr>
+          <p:cNvPr id="2" name="Content Placeholder 1"/>
+          <p:cNvSpPr>
+            <a:spLocks noGrp="1"/>
+          </p:cNvSpPr>
+          <p:nvPr>
+            <p:ph idx="1"/>
+          </p:nvPr>
+        </p:nvSpPr>
+        <p:spPr/>
+        <p:txBody>
+          <a:bodyPr/>
+          <a:lstStyle/>
+          <a:p>
+            <a:endParaRPr lang="zh-CN" altLang="en-US"/>
+          </a:p>
+        </p:txBody>
+      </p:sp>
+      <p:sp>
+        <p:nvSpPr>
+          <p:cNvPr id="3" name="Title 2"/>
+          <p:cNvSpPr>
+            <a:spLocks noGrp="1"/>
+          </p:cNvSpPr>
+          <p:nvPr>
+            <p:ph type="title"/>
+          </p:nvPr>
+        </p:nvSpPr>
+        <p:spPr/>
+        <p:txBody>
+          <a:bodyPr/>
+          <a:lstStyle/>
+          <a:p>
+            <a:r>
               <a:rPr lang="en-US" altLang="zh-CN" dirty="0" smtClean="0"/>
               <a:t>Questions</a:t>
             </a:r>
@@ -5154,7 +5245,7 @@
 </p:sld>
 </file>
 
-<file path=ppt/slides/slide8.xml><?xml version="1.0" encoding="utf-8"?>
+<file path=ppt/slides/slide9.xml><?xml version="1.0" encoding="utf-8"?>
 <p:sld xmlns:a="http://schemas.openxmlformats.org/drawingml/2006/main" xmlns:r="http://schemas.openxmlformats.org/officeDocument/2006/relationships" xmlns:p="http://schemas.openxmlformats.org/presentationml/2006/main">
   <p:cSld>
     <p:spTree>

--- a/doc/presentation.pptx
+++ b/doc/presentation.pptx
@@ -10,10 +10,14 @@
     <p:sldId id="258" r:id="rId4"/>
     <p:sldId id="264" r:id="rId5"/>
     <p:sldId id="259" r:id="rId6"/>
-    <p:sldId id="260" r:id="rId7"/>
-    <p:sldId id="261" r:id="rId8"/>
-    <p:sldId id="262" r:id="rId9"/>
-    <p:sldId id="263" r:id="rId10"/>
+    <p:sldId id="265" r:id="rId7"/>
+    <p:sldId id="260" r:id="rId8"/>
+    <p:sldId id="266" r:id="rId9"/>
+    <p:sldId id="261" r:id="rId10"/>
+    <p:sldId id="267" r:id="rId11"/>
+    <p:sldId id="268" r:id="rId12"/>
+    <p:sldId id="262" r:id="rId13"/>
+    <p:sldId id="263" r:id="rId14"/>
   </p:sldIdLst>
   <p:sldSz cx="9144000" cy="6858000" type="screen4x3"/>
   <p:notesSz cx="6858000" cy="9144000"/>
@@ -4644,6 +4648,272 @@
 </p:sld>
 </file>
 
+<file path=ppt/slides/slide10.xml><?xml version="1.0" encoding="utf-8"?>
+<p:sld xmlns:a="http://schemas.openxmlformats.org/drawingml/2006/main" xmlns:r="http://schemas.openxmlformats.org/officeDocument/2006/relationships" xmlns:p="http://schemas.openxmlformats.org/presentationml/2006/main">
+  <p:cSld>
+    <p:spTree>
+      <p:nvGrpSpPr>
+        <p:cNvPr id="1" name=""/>
+        <p:cNvGrpSpPr/>
+        <p:nvPr/>
+      </p:nvGrpSpPr>
+      <p:grpSpPr>
+        <a:xfrm>
+          <a:off x="0" y="0"/>
+          <a:ext cx="0" cy="0"/>
+          <a:chOff x="0" y="0"/>
+          <a:chExt cx="0" cy="0"/>
+        </a:xfrm>
+      </p:grpSpPr>
+      <p:sp>
+        <p:nvSpPr>
+          <p:cNvPr id="2" name="Content Placeholder 1"/>
+          <p:cNvSpPr>
+            <a:spLocks noGrp="1"/>
+          </p:cNvSpPr>
+          <p:nvPr>
+            <p:ph idx="1"/>
+          </p:nvPr>
+        </p:nvSpPr>
+        <p:spPr/>
+        <p:txBody>
+          <a:bodyPr/>
+          <a:lstStyle/>
+          <a:p>
+            <a:endParaRPr lang="zh-CN" altLang="en-US"/>
+          </a:p>
+        </p:txBody>
+      </p:sp>
+      <p:sp>
+        <p:nvSpPr>
+          <p:cNvPr id="3" name="Title 2"/>
+          <p:cNvSpPr>
+            <a:spLocks noGrp="1"/>
+          </p:cNvSpPr>
+          <p:nvPr>
+            <p:ph type="title"/>
+          </p:nvPr>
+        </p:nvSpPr>
+        <p:spPr/>
+        <p:txBody>
+          <a:bodyPr/>
+          <a:lstStyle/>
+          <a:p>
+            <a:endParaRPr lang="zh-CN" altLang="en-US"/>
+          </a:p>
+        </p:txBody>
+      </p:sp>
+    </p:spTree>
+    <p:extLst>
+      <p:ext uri="{BB962C8B-B14F-4D97-AF65-F5344CB8AC3E}">
+        <p14:creationId xmlns:p14="http://schemas.microsoft.com/office/powerpoint/2010/main" val="4146377770"/>
+      </p:ext>
+    </p:extLst>
+  </p:cSld>
+  <p:clrMapOvr>
+    <a:masterClrMapping/>
+  </p:clrMapOvr>
+</p:sld>
+</file>
+
+<file path=ppt/slides/slide11.xml><?xml version="1.0" encoding="utf-8"?>
+<p:sld xmlns:a="http://schemas.openxmlformats.org/drawingml/2006/main" xmlns:r="http://schemas.openxmlformats.org/officeDocument/2006/relationships" xmlns:p="http://schemas.openxmlformats.org/presentationml/2006/main">
+  <p:cSld>
+    <p:spTree>
+      <p:nvGrpSpPr>
+        <p:cNvPr id="1" name=""/>
+        <p:cNvGrpSpPr/>
+        <p:nvPr/>
+      </p:nvGrpSpPr>
+      <p:grpSpPr>
+        <a:xfrm>
+          <a:off x="0" y="0"/>
+          <a:ext cx="0" cy="0"/>
+          <a:chOff x="0" y="0"/>
+          <a:chExt cx="0" cy="0"/>
+        </a:xfrm>
+      </p:grpSpPr>
+      <p:sp>
+        <p:nvSpPr>
+          <p:cNvPr id="2" name="Content Placeholder 1"/>
+          <p:cNvSpPr>
+            <a:spLocks noGrp="1"/>
+          </p:cNvSpPr>
+          <p:nvPr>
+            <p:ph idx="1"/>
+          </p:nvPr>
+        </p:nvSpPr>
+        <p:spPr/>
+        <p:txBody>
+          <a:bodyPr/>
+          <a:lstStyle/>
+          <a:p>
+            <a:endParaRPr lang="zh-CN" altLang="en-US"/>
+          </a:p>
+        </p:txBody>
+      </p:sp>
+      <p:sp>
+        <p:nvSpPr>
+          <p:cNvPr id="3" name="Title 2"/>
+          <p:cNvSpPr>
+            <a:spLocks noGrp="1"/>
+          </p:cNvSpPr>
+          <p:nvPr>
+            <p:ph type="title"/>
+          </p:nvPr>
+        </p:nvSpPr>
+        <p:spPr/>
+        <p:txBody>
+          <a:bodyPr/>
+          <a:lstStyle/>
+          <a:p>
+            <a:endParaRPr lang="zh-CN" altLang="en-US"/>
+          </a:p>
+        </p:txBody>
+      </p:sp>
+    </p:spTree>
+    <p:extLst>
+      <p:ext uri="{BB962C8B-B14F-4D97-AF65-F5344CB8AC3E}">
+        <p14:creationId xmlns:p14="http://schemas.microsoft.com/office/powerpoint/2010/main" val="2720970347"/>
+      </p:ext>
+    </p:extLst>
+  </p:cSld>
+  <p:clrMapOvr>
+    <a:masterClrMapping/>
+  </p:clrMapOvr>
+</p:sld>
+</file>
+
+<file path=ppt/slides/slide12.xml><?xml version="1.0" encoding="utf-8"?>
+<p:sld xmlns:a="http://schemas.openxmlformats.org/drawingml/2006/main" xmlns:r="http://schemas.openxmlformats.org/officeDocument/2006/relationships" xmlns:p="http://schemas.openxmlformats.org/presentationml/2006/main">
+  <p:cSld>
+    <p:spTree>
+      <p:nvGrpSpPr>
+        <p:cNvPr id="1" name=""/>
+        <p:cNvGrpSpPr/>
+        <p:nvPr/>
+      </p:nvGrpSpPr>
+      <p:grpSpPr>
+        <a:xfrm>
+          <a:off x="0" y="0"/>
+          <a:ext cx="0" cy="0"/>
+          <a:chOff x="0" y="0"/>
+          <a:chExt cx="0" cy="0"/>
+        </a:xfrm>
+      </p:grpSpPr>
+      <p:sp>
+        <p:nvSpPr>
+          <p:cNvPr id="2" name="Content Placeholder 1"/>
+          <p:cNvSpPr>
+            <a:spLocks noGrp="1"/>
+          </p:cNvSpPr>
+          <p:nvPr>
+            <p:ph idx="1"/>
+          </p:nvPr>
+        </p:nvSpPr>
+        <p:spPr/>
+        <p:txBody>
+          <a:bodyPr/>
+          <a:lstStyle/>
+          <a:p>
+            <a:endParaRPr lang="zh-CN" altLang="en-US"/>
+          </a:p>
+        </p:txBody>
+      </p:sp>
+      <p:sp>
+        <p:nvSpPr>
+          <p:cNvPr id="3" name="Title 2"/>
+          <p:cNvSpPr>
+            <a:spLocks noGrp="1"/>
+          </p:cNvSpPr>
+          <p:nvPr>
+            <p:ph type="title"/>
+          </p:nvPr>
+        </p:nvSpPr>
+        <p:spPr/>
+        <p:txBody>
+          <a:bodyPr/>
+          <a:lstStyle/>
+          <a:p>
+            <a:r>
+              <a:rPr lang="en-US" altLang="zh-CN" dirty="0" smtClean="0"/>
+              <a:t>Questions</a:t>
+            </a:r>
+            <a:endParaRPr lang="zh-CN" altLang="en-US" dirty="0"/>
+          </a:p>
+        </p:txBody>
+      </p:sp>
+    </p:spTree>
+    <p:extLst>
+      <p:ext uri="{BB962C8B-B14F-4D97-AF65-F5344CB8AC3E}">
+        <p14:creationId xmlns:p14="http://schemas.microsoft.com/office/powerpoint/2010/main" val="601554409"/>
+      </p:ext>
+    </p:extLst>
+  </p:cSld>
+  <p:clrMapOvr>
+    <a:masterClrMapping/>
+  </p:clrMapOvr>
+</p:sld>
+</file>
+
+<file path=ppt/slides/slide13.xml><?xml version="1.0" encoding="utf-8"?>
+<p:sld xmlns:a="http://schemas.openxmlformats.org/drawingml/2006/main" xmlns:r="http://schemas.openxmlformats.org/officeDocument/2006/relationships" xmlns:p="http://schemas.openxmlformats.org/presentationml/2006/main">
+  <p:cSld>
+    <p:spTree>
+      <p:nvGrpSpPr>
+        <p:cNvPr id="1" name=""/>
+        <p:cNvGrpSpPr/>
+        <p:nvPr/>
+      </p:nvGrpSpPr>
+      <p:grpSpPr>
+        <a:xfrm>
+          <a:off x="0" y="0"/>
+          <a:ext cx="0" cy="0"/>
+          <a:chOff x="0" y="0"/>
+          <a:chExt cx="0" cy="0"/>
+        </a:xfrm>
+      </p:grpSpPr>
+      <p:sp>
+        <p:nvSpPr>
+          <p:cNvPr id="3" name="Title 2"/>
+          <p:cNvSpPr>
+            <a:spLocks noGrp="1"/>
+          </p:cNvSpPr>
+          <p:nvPr>
+            <p:ph type="title"/>
+          </p:nvPr>
+        </p:nvSpPr>
+        <p:spPr>
+          <a:xfrm>
+            <a:off x="762000" y="2362200"/>
+            <a:ext cx="7756263" cy="2935044"/>
+          </a:xfrm>
+        </p:spPr>
+        <p:txBody>
+          <a:bodyPr/>
+          <a:lstStyle/>
+          <a:p>
+            <a:r>
+              <a:rPr lang="en-US" altLang="zh-CN" dirty="0" smtClean="0"/>
+              <a:t>THANKS!</a:t>
+            </a:r>
+            <a:endParaRPr lang="zh-CN" altLang="en-US" dirty="0"/>
+          </a:p>
+        </p:txBody>
+      </p:sp>
+    </p:spTree>
+    <p:extLst>
+      <p:ext uri="{BB962C8B-B14F-4D97-AF65-F5344CB8AC3E}">
+        <p14:creationId xmlns:p14="http://schemas.microsoft.com/office/powerpoint/2010/main" val="3248956468"/>
+      </p:ext>
+    </p:extLst>
+  </p:cSld>
+  <p:clrMapOvr>
+    <a:masterClrMapping/>
+  </p:clrMapOvr>
+</p:sld>
+</file>
+
 <file path=ppt/slides/slide2.xml><?xml version="1.0" encoding="utf-8"?>
 <p:sld xmlns:a="http://schemas.openxmlformats.org/drawingml/2006/main" xmlns:r="http://schemas.openxmlformats.org/officeDocument/2006/relationships" xmlns:p="http://schemas.openxmlformats.org/presentationml/2006/main">
   <p:cSld>
@@ -4959,12 +5229,171 @@
             <p:ph idx="1"/>
           </p:nvPr>
         </p:nvSpPr>
-        <p:spPr/>
-        <p:txBody>
-          <a:bodyPr/>
-          <a:lstStyle/>
-          <a:p>
-            <a:endParaRPr lang="zh-CN" altLang="en-US"/>
+        <p:spPr>
+          <a:xfrm>
+            <a:off x="228600" y="76200"/>
+            <a:ext cx="8915400" cy="6781800"/>
+          </a:xfrm>
+        </p:spPr>
+        <p:txBody>
+          <a:bodyPr>
+            <a:normAutofit/>
+          </a:bodyPr>
+          <a:lstStyle/>
+          <a:p>
+            <a:endParaRPr lang="en-US" altLang="zh-CN" dirty="0" smtClean="0"/>
+          </a:p>
+          <a:p>
+            <a:r>
+              <a:rPr lang="en-US" altLang="zh-CN" dirty="0" err="1" smtClean="0"/>
+              <a:t>Initlization</a:t>
+            </a:r>
+            <a:r>
+              <a:rPr lang="en-US" altLang="zh-CN" dirty="0" smtClean="0"/>
+              <a:t> cluster assignment based on c2 constraint(two </a:t>
+            </a:r>
+            <a:r>
+              <a:rPr lang="en-US" altLang="zh-CN" dirty="0" err="1" smtClean="0"/>
+              <a:t>citataion</a:t>
+            </a:r>
+            <a:r>
+              <a:rPr lang="en-US" altLang="zh-CN" dirty="0" smtClean="0"/>
+              <a:t> </a:t>
+            </a:r>
+            <a:r>
+              <a:rPr lang="en-US" altLang="zh-CN" dirty="0" err="1" smtClean="0"/>
+              <a:t>vecotrs</a:t>
+            </a:r>
+            <a:r>
+              <a:rPr lang="en-US" altLang="zh-CN" dirty="0" smtClean="0"/>
+              <a:t> has the same </a:t>
+            </a:r>
+            <a:r>
+              <a:rPr lang="en-US" altLang="zh-CN" dirty="0" err="1" smtClean="0"/>
+              <a:t>coathor</a:t>
+            </a:r>
+            <a:r>
+              <a:rPr lang="en-US" altLang="zh-CN" dirty="0" smtClean="0"/>
+              <a:t>)</a:t>
+            </a:r>
+          </a:p>
+          <a:p>
+            <a:endParaRPr lang="en-US" altLang="zh-CN" dirty="0"/>
+          </a:p>
+          <a:p>
+            <a:r>
+              <a:rPr lang="en-US" altLang="zh-CN" dirty="0" smtClean="0"/>
+              <a:t>Lambda &gt; k </a:t>
+            </a:r>
+          </a:p>
+          <a:p>
+            <a:r>
+              <a:rPr lang="en-US" altLang="zh-CN" dirty="0" smtClean="0"/>
+              <a:t>Cluster the </a:t>
+            </a:r>
+            <a:r>
+              <a:rPr lang="en-US" altLang="zh-CN" dirty="0" err="1" smtClean="0"/>
+              <a:t>nearnest</a:t>
+            </a:r>
+            <a:r>
+              <a:rPr lang="en-US" altLang="zh-CN" dirty="0" smtClean="0"/>
+              <a:t> group </a:t>
+            </a:r>
+            <a:r>
+              <a:rPr lang="en-US" altLang="zh-CN" dirty="0" err="1" smtClean="0"/>
+              <a:t>umtil</a:t>
+            </a:r>
+            <a:r>
+              <a:rPr lang="en-US" altLang="zh-CN" dirty="0" smtClean="0"/>
+              <a:t> there are only K groups left</a:t>
+            </a:r>
+          </a:p>
+          <a:p>
+            <a:r>
+              <a:rPr lang="en-US" altLang="zh-CN" dirty="0" smtClean="0"/>
+              <a:t>Lambda &lt; k random </a:t>
+            </a:r>
+            <a:r>
+              <a:rPr lang="en-US" altLang="zh-CN" dirty="0" err="1" smtClean="0"/>
+              <a:t>pertubations</a:t>
+            </a:r>
+            <a:r>
+              <a:rPr lang="en-US" altLang="zh-CN" dirty="0" smtClean="0"/>
+              <a:t> of the global centroid</a:t>
+            </a:r>
+          </a:p>
+          <a:p>
+            <a:endParaRPr lang="en-US" altLang="zh-CN" dirty="0" smtClean="0"/>
+          </a:p>
+          <a:p>
+            <a:r>
+              <a:rPr lang="en-US" altLang="zh-CN" dirty="0" smtClean="0"/>
+              <a:t>M step:</a:t>
+            </a:r>
+          </a:p>
+          <a:p>
+            <a:r>
+              <a:rPr lang="en-US" altLang="zh-CN" dirty="0" smtClean="0"/>
+              <a:t> update diagonal elements of A </a:t>
+            </a:r>
+            <a:r>
+              <a:rPr lang="en-US" altLang="zh-CN" dirty="0" err="1" smtClean="0"/>
+              <a:t>cuz</a:t>
+            </a:r>
+            <a:r>
+              <a:rPr lang="en-US" altLang="zh-CN" dirty="0" smtClean="0"/>
+              <a:t> get the </a:t>
+            </a:r>
+            <a:r>
+              <a:rPr lang="en-US" altLang="zh-CN" dirty="0" err="1" smtClean="0"/>
+              <a:t>dist</a:t>
+            </a:r>
+            <a:r>
+              <a:rPr lang="en-US" altLang="zh-CN" dirty="0" smtClean="0"/>
+              <a:t> </a:t>
+            </a:r>
+            <a:endParaRPr lang="en-US" altLang="zh-CN" dirty="0" smtClean="0"/>
+          </a:p>
+          <a:p>
+            <a:r>
+              <a:rPr lang="en-US" altLang="zh-CN" dirty="0" smtClean="0"/>
+              <a:t>E</a:t>
+            </a:r>
+          </a:p>
+          <a:p>
+            <a:r>
+              <a:rPr lang="en-US" altLang="zh-CN" dirty="0" smtClean="0"/>
+              <a:t>Reassign xi to minimize the </a:t>
+            </a:r>
+            <a:r>
+              <a:rPr lang="en-US" altLang="zh-CN" dirty="0" err="1" smtClean="0"/>
+              <a:t>obj</a:t>
+            </a:r>
+            <a:r>
+              <a:rPr lang="en-US" altLang="zh-CN" dirty="0" smtClean="0"/>
+              <a:t> fun</a:t>
+            </a:r>
+          </a:p>
+          <a:p>
+            <a:r>
+              <a:rPr lang="en-US" altLang="zh-CN" dirty="0" smtClean="0"/>
+              <a:t>Stop when no paper change its assignment </a:t>
+            </a:r>
+            <a:r>
+              <a:rPr lang="en-US" altLang="zh-CN" dirty="0" err="1" smtClean="0"/>
+              <a:t>betweeen</a:t>
+            </a:r>
+            <a:r>
+              <a:rPr lang="en-US" altLang="zh-CN" dirty="0" smtClean="0"/>
+              <a:t> two successive iterations.</a:t>
+            </a:r>
+          </a:p>
+          <a:p>
+            <a:r>
+              <a:rPr lang="en-US" altLang="zh-CN" dirty="0" smtClean="0"/>
+              <a:t>end</a:t>
+            </a:r>
+            <a:endParaRPr lang="zh-CN" altLang="en-US" dirty="0"/>
           </a:p>
         </p:txBody>
       </p:sp>
@@ -5044,8 +5473,12 @@
           <a:lstStyle/>
           <a:p>
             <a:r>
+              <a:rPr lang="en-US" altLang="zh-CN" dirty="0" err="1" smtClean="0"/>
+              <a:t>Initilization</a:t>
+            </a:r>
+            <a:r>
               <a:rPr lang="en-US" altLang="zh-CN" dirty="0" smtClean="0"/>
-              <a:t>Gold Standard Method</a:t>
+              <a:t> </a:t>
             </a:r>
             <a:endParaRPr lang="zh-CN" altLang="en-US" dirty="0"/>
           </a:p>
@@ -5066,31 +5499,20 @@
           <a:bodyPr/>
           <a:lstStyle/>
           <a:p>
-            <a:r>
-              <a:rPr lang="en-US" altLang="zh-CN" sz="3000" dirty="0" smtClean="0"/>
-              <a:t>Evaluation Method</a:t>
-            </a:r>
-            <a:endParaRPr lang="zh-CN" altLang="en-US" sz="3000" dirty="0"/>
+            <a:endParaRPr lang="zh-CN" altLang="en-US"/>
           </a:p>
         </p:txBody>
       </p:sp>
     </p:spTree>
     <p:extLst>
       <p:ext uri="{BB962C8B-B14F-4D97-AF65-F5344CB8AC3E}">
-        <p14:creationId xmlns:p14="http://schemas.microsoft.com/office/powerpoint/2010/main" val="3807841117"/>
+        <p14:creationId xmlns:p14="http://schemas.microsoft.com/office/powerpoint/2010/main" val="3376347571"/>
       </p:ext>
     </p:extLst>
   </p:cSld>
   <p:clrMapOvr>
     <a:masterClrMapping/>
   </p:clrMapOvr>
-  <p:timing>
-    <p:tnLst>
-      <p:par>
-        <p:cTn id="1" dur="indefinite" restart="never" nodeType="tmRoot"/>
-      </p:par>
-    </p:tnLst>
-  </p:timing>
 </p:sld>
 </file>
 
@@ -5126,7 +5548,11 @@
           <a:bodyPr/>
           <a:lstStyle/>
           <a:p>
-            <a:endParaRPr lang="zh-CN" altLang="en-US"/>
+            <a:r>
+              <a:rPr lang="en-US" altLang="zh-CN" dirty="0" smtClean="0"/>
+              <a:t>Gold Standard Method</a:t>
+            </a:r>
+            <a:endParaRPr lang="zh-CN" altLang="en-US" dirty="0"/>
           </a:p>
         </p:txBody>
       </p:sp>
@@ -5147,7 +5573,7 @@
           <a:p>
             <a:r>
               <a:rPr lang="en-US" altLang="zh-CN" sz="3000" dirty="0" smtClean="0"/>
-              <a:t>Our Results</a:t>
+              <a:t>Evaluation Method</a:t>
             </a:r>
             <a:endParaRPr lang="zh-CN" altLang="en-US" sz="3000" dirty="0"/>
           </a:p>
@@ -5156,7 +5582,7 @@
     </p:spTree>
     <p:extLst>
       <p:ext uri="{BB962C8B-B14F-4D97-AF65-F5344CB8AC3E}">
-        <p14:creationId xmlns:p14="http://schemas.microsoft.com/office/powerpoint/2010/main" val="2733649549"/>
+        <p14:creationId xmlns:p14="http://schemas.microsoft.com/office/powerpoint/2010/main" val="3807841117"/>
       </p:ext>
     </p:extLst>
   </p:cSld>
@@ -5224,18 +5650,14 @@
           <a:bodyPr/>
           <a:lstStyle/>
           <a:p>
-            <a:r>
-              <a:rPr lang="en-US" altLang="zh-CN" dirty="0" smtClean="0"/>
-              <a:t>Questions</a:t>
-            </a:r>
-            <a:endParaRPr lang="zh-CN" altLang="en-US" dirty="0"/>
+            <a:endParaRPr lang="zh-CN" altLang="en-US"/>
           </a:p>
         </p:txBody>
       </p:sp>
     </p:spTree>
     <p:extLst>
       <p:ext uri="{BB962C8B-B14F-4D97-AF65-F5344CB8AC3E}">
-        <p14:creationId xmlns:p14="http://schemas.microsoft.com/office/powerpoint/2010/main" val="601554409"/>
+        <p14:creationId xmlns:p14="http://schemas.microsoft.com/office/powerpoint/2010/main" val="3610665297"/>
       </p:ext>
     </p:extLst>
   </p:cSld>
@@ -5264,6 +5686,25 @@
       </p:grpSpPr>
       <p:sp>
         <p:nvSpPr>
+          <p:cNvPr id="2" name="Content Placeholder 1"/>
+          <p:cNvSpPr>
+            <a:spLocks noGrp="1"/>
+          </p:cNvSpPr>
+          <p:nvPr>
+            <p:ph idx="1"/>
+          </p:nvPr>
+        </p:nvSpPr>
+        <p:spPr/>
+        <p:txBody>
+          <a:bodyPr/>
+          <a:lstStyle/>
+          <a:p>
+            <a:endParaRPr lang="zh-CN" altLang="en-US"/>
+          </a:p>
+        </p:txBody>
+      </p:sp>
+      <p:sp>
+        <p:nvSpPr>
           <p:cNvPr id="3" name="Title 2"/>
           <p:cNvSpPr>
             <a:spLocks noGrp="1"/>
@@ -5272,34 +5713,36 @@
             <p:ph type="title"/>
           </p:nvPr>
         </p:nvSpPr>
-        <p:spPr>
-          <a:xfrm>
-            <a:off x="762000" y="2362200"/>
-            <a:ext cx="7756263" cy="2935044"/>
-          </a:xfrm>
-        </p:spPr>
-        <p:txBody>
-          <a:bodyPr/>
-          <a:lstStyle/>
-          <a:p>
-            <a:r>
-              <a:rPr lang="en-US" altLang="zh-CN" dirty="0" smtClean="0"/>
-              <a:t>THANKS!</a:t>
-            </a:r>
-            <a:endParaRPr lang="zh-CN" altLang="en-US" dirty="0"/>
+        <p:spPr/>
+        <p:txBody>
+          <a:bodyPr/>
+          <a:lstStyle/>
+          <a:p>
+            <a:r>
+              <a:rPr lang="en-US" altLang="zh-CN" sz="3000" dirty="0" smtClean="0"/>
+              <a:t>Our Results</a:t>
+            </a:r>
+            <a:endParaRPr lang="zh-CN" altLang="en-US" sz="3000" dirty="0"/>
           </a:p>
         </p:txBody>
       </p:sp>
     </p:spTree>
     <p:extLst>
       <p:ext uri="{BB962C8B-B14F-4D97-AF65-F5344CB8AC3E}">
-        <p14:creationId xmlns:p14="http://schemas.microsoft.com/office/powerpoint/2010/main" val="3248956468"/>
+        <p14:creationId xmlns:p14="http://schemas.microsoft.com/office/powerpoint/2010/main" val="2733649549"/>
       </p:ext>
     </p:extLst>
   </p:cSld>
   <p:clrMapOvr>
     <a:masterClrMapping/>
   </p:clrMapOvr>
+  <p:timing>
+    <p:tnLst>
+      <p:par>
+        <p:cTn id="1" dur="indefinite" restart="never" nodeType="tmRoot"/>
+      </p:par>
+    </p:tnLst>
+  </p:timing>
 </p:sld>
 </file>
 

--- a/doc/presentation.pptx
+++ b/doc/presentation.pptx
@@ -11,12 +11,11 @@
     <p:sldId id="257" r:id="rId5"/>
     <p:sldId id="263" r:id="rId6"/>
     <p:sldId id="261" r:id="rId7"/>
-    <p:sldId id="264" r:id="rId8"/>
+    <p:sldId id="271" r:id="rId8"/>
     <p:sldId id="265" r:id="rId9"/>
-    <p:sldId id="266" r:id="rId10"/>
-    <p:sldId id="267" r:id="rId11"/>
-    <p:sldId id="268" r:id="rId12"/>
-    <p:sldId id="270" r:id="rId13"/>
+    <p:sldId id="267" r:id="rId10"/>
+    <p:sldId id="268" r:id="rId11"/>
+    <p:sldId id="270" r:id="rId12"/>
   </p:sldIdLst>
   <p:sldSz cx="9144000" cy="6858000" type="screen4x3"/>
   <p:notesSz cx="6858000" cy="9144000"/>
@@ -117,7 +116,7 @@
   </p:defaultTextStyle>
   <p:extLst>
     <p:ext uri="{EFAFB233-063F-42B5-8137-9DF3F51BA10A}">
-      <p15:sldGuideLst xmlns:p15="http://schemas.microsoft.com/office/powerpoint/2012/main">
+      <p15:sldGuideLst xmlns:p15="http://schemas.microsoft.com/office/powerpoint/2012/main" xmlns="">
         <p15:guide id="1" orient="horz" pos="2160">
           <p15:clr>
             <a:srgbClr val="A4A3A4"/>
@@ -724,9 +723,9 @@
           <a:p>
             <a:fld id="{18DCCD61-643D-44A5-A450-3A42A50CBC1E}" type="datetimeFigureOut">
               <a:rPr lang="en-US" smtClean="0"/>
-              <a:t>4/12/17</a:t>
+              <a:t>4/12/2017</a:t>
             </a:fld>
-            <a:endParaRPr lang="en-US"/>
+            <a:endParaRPr lang="en-US" dirty="0"/>
           </a:p>
         </p:txBody>
       </p:sp>
@@ -745,7 +744,7 @@
           <a:bodyPr/>
           <a:lstStyle/>
           <a:p>
-            <a:endParaRPr lang="en-US"/>
+            <a:endParaRPr lang="en-US" dirty="0"/>
           </a:p>
         </p:txBody>
       </p:sp>
@@ -768,7 +767,7 @@
               <a:rPr lang="en-US" smtClean="0"/>
               <a:t>‹#›</a:t>
             </a:fld>
-            <a:endParaRPr lang="en-US"/>
+            <a:endParaRPr lang="en-US" dirty="0"/>
           </a:p>
         </p:txBody>
       </p:sp>
@@ -1001,9 +1000,9 @@
           <a:p>
             <a:fld id="{18DCCD61-643D-44A5-A450-3A42A50CBC1E}" type="datetimeFigureOut">
               <a:rPr lang="en-US" smtClean="0"/>
-              <a:t>4/12/17</a:t>
+              <a:t>4/12/2017</a:t>
             </a:fld>
-            <a:endParaRPr lang="en-US"/>
+            <a:endParaRPr lang="en-US" dirty="0"/>
           </a:p>
         </p:txBody>
       </p:sp>
@@ -1022,7 +1021,7 @@
           <a:bodyPr/>
           <a:lstStyle/>
           <a:p>
-            <a:endParaRPr lang="en-US"/>
+            <a:endParaRPr lang="en-US" dirty="0"/>
           </a:p>
         </p:txBody>
       </p:sp>
@@ -1045,7 +1044,7 @@
               <a:rPr lang="en-US" smtClean="0"/>
               <a:t>‹#›</a:t>
             </a:fld>
-            <a:endParaRPr lang="en-US"/>
+            <a:endParaRPr lang="en-US" dirty="0"/>
           </a:p>
         </p:txBody>
       </p:sp>
@@ -1168,7 +1167,7 @@
             </a:lvl9pPr>
           </a:lstStyle>
           <a:p>
-            <a:endParaRPr lang="en-US"/>
+            <a:endParaRPr lang="en-US" dirty="0"/>
           </a:p>
         </p:txBody>
       </p:sp>
@@ -1254,9 +1253,9 @@
           <a:p>
             <a:fld id="{18DCCD61-643D-44A5-A450-3A42A50CBC1E}" type="datetimeFigureOut">
               <a:rPr lang="en-US" smtClean="0"/>
-              <a:t>4/12/17</a:t>
+              <a:t>4/12/2017</a:t>
             </a:fld>
-            <a:endParaRPr lang="en-US"/>
+            <a:endParaRPr lang="en-US" dirty="0"/>
           </a:p>
         </p:txBody>
       </p:sp>
@@ -1275,7 +1274,7 @@
           <a:bodyPr/>
           <a:lstStyle/>
           <a:p>
-            <a:endParaRPr lang="en-US"/>
+            <a:endParaRPr lang="en-US" dirty="0"/>
           </a:p>
         </p:txBody>
       </p:sp>
@@ -1298,7 +1297,7 @@
               <a:rPr lang="en-US" smtClean="0"/>
               <a:t>‹#›</a:t>
             </a:fld>
-            <a:endParaRPr lang="en-US"/>
+            <a:endParaRPr lang="en-US" dirty="0"/>
           </a:p>
         </p:txBody>
       </p:sp>
@@ -1424,9 +1423,9 @@
           <a:p>
             <a:fld id="{18DCCD61-643D-44A5-A450-3A42A50CBC1E}" type="datetimeFigureOut">
               <a:rPr lang="en-US" smtClean="0"/>
-              <a:t>4/12/17</a:t>
+              <a:t>4/12/2017</a:t>
             </a:fld>
-            <a:endParaRPr lang="en-US"/>
+            <a:endParaRPr lang="en-US" dirty="0"/>
           </a:p>
         </p:txBody>
       </p:sp>
@@ -1445,7 +1444,7 @@
           <a:bodyPr/>
           <a:lstStyle/>
           <a:p>
-            <a:endParaRPr lang="en-US"/>
+            <a:endParaRPr lang="en-US" dirty="0"/>
           </a:p>
         </p:txBody>
       </p:sp>
@@ -1468,7 +1467,7 @@
               <a:rPr lang="en-US" smtClean="0"/>
               <a:t>‹#›</a:t>
             </a:fld>
-            <a:endParaRPr lang="en-US"/>
+            <a:endParaRPr lang="en-US" dirty="0"/>
           </a:p>
         </p:txBody>
       </p:sp>
@@ -1604,9 +1603,9 @@
           <a:p>
             <a:fld id="{18DCCD61-643D-44A5-A450-3A42A50CBC1E}" type="datetimeFigureOut">
               <a:rPr lang="en-US" smtClean="0"/>
-              <a:t>4/12/17</a:t>
+              <a:t>4/12/2017</a:t>
             </a:fld>
-            <a:endParaRPr lang="en-US"/>
+            <a:endParaRPr lang="en-US" dirty="0"/>
           </a:p>
         </p:txBody>
       </p:sp>
@@ -1625,7 +1624,7 @@
           <a:bodyPr/>
           <a:lstStyle/>
           <a:p>
-            <a:endParaRPr lang="en-US"/>
+            <a:endParaRPr lang="en-US" dirty="0"/>
           </a:p>
         </p:txBody>
       </p:sp>
@@ -1648,7 +1647,7 @@
               <a:rPr lang="en-US" smtClean="0"/>
               <a:t>‹#›</a:t>
             </a:fld>
-            <a:endParaRPr lang="en-US"/>
+            <a:endParaRPr lang="en-US" dirty="0"/>
           </a:p>
         </p:txBody>
       </p:sp>
@@ -2194,9 +2193,9 @@
           <a:p>
             <a:fld id="{18DCCD61-643D-44A5-A450-3A42A50CBC1E}" type="datetimeFigureOut">
               <a:rPr lang="en-US" smtClean="0"/>
-              <a:t>4/12/17</a:t>
+              <a:t>4/12/2017</a:t>
             </a:fld>
-            <a:endParaRPr lang="en-US"/>
+            <a:endParaRPr lang="en-US" dirty="0"/>
           </a:p>
         </p:txBody>
       </p:sp>
@@ -2215,7 +2214,7 @@
           <a:bodyPr/>
           <a:lstStyle/>
           <a:p>
-            <a:endParaRPr lang="en-US"/>
+            <a:endParaRPr lang="en-US" dirty="0"/>
           </a:p>
         </p:txBody>
       </p:sp>
@@ -2238,7 +2237,7 @@
               <a:rPr lang="en-US" smtClean="0"/>
               <a:t>‹#›</a:t>
             </a:fld>
-            <a:endParaRPr lang="en-US"/>
+            <a:endParaRPr lang="en-US" dirty="0"/>
           </a:p>
         </p:txBody>
       </p:sp>
@@ -2364,9 +2363,9 @@
           <a:p>
             <a:fld id="{18DCCD61-643D-44A5-A450-3A42A50CBC1E}" type="datetimeFigureOut">
               <a:rPr lang="en-US" smtClean="0"/>
-              <a:t>4/12/17</a:t>
+              <a:t>4/12/2017</a:t>
             </a:fld>
-            <a:endParaRPr lang="en-US"/>
+            <a:endParaRPr lang="en-US" dirty="0"/>
           </a:p>
         </p:txBody>
       </p:sp>
@@ -2385,7 +2384,7 @@
           <a:bodyPr/>
           <a:lstStyle/>
           <a:p>
-            <a:endParaRPr lang="en-US"/>
+            <a:endParaRPr lang="en-US" dirty="0"/>
           </a:p>
         </p:txBody>
       </p:sp>
@@ -2408,7 +2407,7 @@
               <a:rPr lang="en-US" smtClean="0"/>
               <a:t>‹#›</a:t>
             </a:fld>
-            <a:endParaRPr lang="en-US"/>
+            <a:endParaRPr lang="en-US" dirty="0"/>
           </a:p>
         </p:txBody>
       </p:sp>
@@ -2610,9 +2609,9 @@
           <a:p>
             <a:fld id="{18DCCD61-643D-44A5-A450-3A42A50CBC1E}" type="datetimeFigureOut">
               <a:rPr lang="en-US" smtClean="0"/>
-              <a:t>4/12/17</a:t>
+              <a:t>4/12/2017</a:t>
             </a:fld>
-            <a:endParaRPr lang="en-US"/>
+            <a:endParaRPr lang="en-US" dirty="0"/>
           </a:p>
         </p:txBody>
       </p:sp>
@@ -2631,7 +2630,7 @@
           <a:bodyPr/>
           <a:lstStyle/>
           <a:p>
-            <a:endParaRPr lang="en-US"/>
+            <a:endParaRPr lang="en-US" dirty="0"/>
           </a:p>
         </p:txBody>
       </p:sp>
@@ -2654,7 +2653,7 @@
               <a:rPr lang="en-US" smtClean="0"/>
               <a:t>‹#›</a:t>
             </a:fld>
-            <a:endParaRPr lang="en-US"/>
+            <a:endParaRPr lang="en-US" dirty="0"/>
           </a:p>
         </p:txBody>
       </p:sp>
@@ -2898,9 +2897,9 @@
           <a:p>
             <a:fld id="{18DCCD61-643D-44A5-A450-3A42A50CBC1E}" type="datetimeFigureOut">
               <a:rPr lang="en-US" smtClean="0"/>
-              <a:t>4/12/17</a:t>
+              <a:t>4/12/2017</a:t>
             </a:fld>
-            <a:endParaRPr lang="en-US"/>
+            <a:endParaRPr lang="en-US" dirty="0"/>
           </a:p>
         </p:txBody>
       </p:sp>
@@ -2919,7 +2918,7 @@
           <a:bodyPr/>
           <a:lstStyle/>
           <a:p>
-            <a:endParaRPr lang="en-US"/>
+            <a:endParaRPr lang="en-US" dirty="0"/>
           </a:p>
         </p:txBody>
       </p:sp>
@@ -2942,7 +2941,7 @@
               <a:rPr lang="en-US" smtClean="0"/>
               <a:t>‹#›</a:t>
             </a:fld>
-            <a:endParaRPr lang="en-US"/>
+            <a:endParaRPr lang="en-US" dirty="0"/>
           </a:p>
         </p:txBody>
       </p:sp>
@@ -3320,9 +3319,9 @@
           <a:p>
             <a:fld id="{18DCCD61-643D-44A5-A450-3A42A50CBC1E}" type="datetimeFigureOut">
               <a:rPr lang="en-US" smtClean="0"/>
-              <a:t>4/12/17</a:t>
+              <a:t>4/12/2017</a:t>
             </a:fld>
-            <a:endParaRPr lang="en-US"/>
+            <a:endParaRPr lang="en-US" dirty="0"/>
           </a:p>
         </p:txBody>
       </p:sp>
@@ -3341,7 +3340,7 @@
           <a:bodyPr/>
           <a:lstStyle/>
           <a:p>
-            <a:endParaRPr lang="en-US"/>
+            <a:endParaRPr lang="en-US" dirty="0"/>
           </a:p>
         </p:txBody>
       </p:sp>
@@ -3364,7 +3363,7 @@
               <a:rPr lang="en-US" smtClean="0"/>
               <a:t>‹#›</a:t>
             </a:fld>
-            <a:endParaRPr lang="en-US"/>
+            <a:endParaRPr lang="en-US" dirty="0"/>
           </a:p>
         </p:txBody>
       </p:sp>
@@ -3438,9 +3437,9 @@
           <a:p>
             <a:fld id="{18DCCD61-643D-44A5-A450-3A42A50CBC1E}" type="datetimeFigureOut">
               <a:rPr lang="en-US" smtClean="0"/>
-              <a:t>4/12/17</a:t>
+              <a:t>4/12/2017</a:t>
             </a:fld>
-            <a:endParaRPr lang="en-US"/>
+            <a:endParaRPr lang="en-US" dirty="0"/>
           </a:p>
         </p:txBody>
       </p:sp>
@@ -3459,7 +3458,7 @@
           <a:bodyPr/>
           <a:lstStyle/>
           <a:p>
-            <a:endParaRPr lang="en-US"/>
+            <a:endParaRPr lang="en-US" dirty="0"/>
           </a:p>
         </p:txBody>
       </p:sp>
@@ -3482,7 +3481,7 @@
               <a:rPr lang="en-US" smtClean="0"/>
               <a:t>‹#›</a:t>
             </a:fld>
-            <a:endParaRPr lang="en-US"/>
+            <a:endParaRPr lang="en-US" dirty="0"/>
           </a:p>
         </p:txBody>
       </p:sp>
@@ -3942,9 +3941,9 @@
           <a:p>
             <a:fld id="{18DCCD61-643D-44A5-A450-3A42A50CBC1E}" type="datetimeFigureOut">
               <a:rPr lang="en-US" smtClean="0"/>
-              <a:t>4/12/17</a:t>
+              <a:t>4/12/2017</a:t>
             </a:fld>
-            <a:endParaRPr lang="en-US"/>
+            <a:endParaRPr lang="en-US" dirty="0"/>
           </a:p>
         </p:txBody>
       </p:sp>
@@ -3981,7 +3980,7 @@
             </a:lvl1pPr>
           </a:lstStyle>
           <a:p>
-            <a:endParaRPr lang="en-US"/>
+            <a:endParaRPr lang="en-US" dirty="0"/>
           </a:p>
         </p:txBody>
       </p:sp>
@@ -4022,7 +4021,7 @@
               <a:rPr lang="en-US" smtClean="0"/>
               <a:t>‹#›</a:t>
             </a:fld>
-            <a:endParaRPr lang="en-US"/>
+            <a:endParaRPr lang="en-US" dirty="0"/>
           </a:p>
         </p:txBody>
       </p:sp>
@@ -4384,8 +4383,8 @@
         </p:nvSpPr>
         <p:spPr bwMode="auto">
           <a:xfrm>
-            <a:off x="1907704" y="1745899"/>
-            <a:ext cx="6192688" cy="707886"/>
+            <a:off x="1331640" y="1745899"/>
+            <a:ext cx="6768752" cy="707886"/>
           </a:xfrm>
           <a:prstGeom prst="rect">
             <a:avLst/>
@@ -4486,8 +4485,8 @@
         </p:nvSpPr>
         <p:spPr>
           <a:xfrm>
-            <a:off x="3673165" y="2852936"/>
-            <a:ext cx="2013693" cy="3145476"/>
+            <a:off x="2123728" y="3019828"/>
+            <a:ext cx="4968552" cy="3145476"/>
           </a:xfrm>
           <a:prstGeom prst="rect">
             <a:avLst/>
@@ -4495,7 +4494,7 @@
           <a:noFill/>
         </p:spPr>
         <p:txBody>
-          <a:bodyPr wrap="none" rtlCol="0">
+          <a:bodyPr wrap="square" rtlCol="0">
             <a:spAutoFit/>
           </a:bodyPr>
           <a:lstStyle/>
@@ -4555,19 +4554,6 @@
               </a:buClr>
             </a:pPr>
             <a:r>
-              <a:rPr lang="en-US" altLang="zh-CN" sz="2200" b="1" i="1" dirty="0" err="1">
-                <a:effectLst>
-                  <a:outerShdw blurRad="34925" dist="12700" dir="14400000" rotWithShape="0">
-                    <a:prstClr val="black">
-                      <a:alpha val="21000"/>
-                    </a:prstClr>
-                  </a:outerShdw>
-                </a:effectLst>
-                <a:latin typeface="Book Antiqua"/>
-              </a:rPr>
-              <a:t>Boxuan</a:t>
-            </a:r>
-            <a:r>
               <a:rPr lang="en-US" altLang="zh-CN" sz="2200" b="1" i="1" dirty="0">
                 <a:effectLst>
                   <a:outerShdw blurRad="34925" dist="12700" dir="14400000" rotWithShape="0">
@@ -4578,30 +4564,7 @@
                 </a:effectLst>
                 <a:latin typeface="Book Antiqua"/>
               </a:rPr>
-              <a:t> Zhao</a:t>
-            </a:r>
-          </a:p>
-          <a:p>
-            <a:pPr lvl="0" algn="ctr" latinLnBrk="0">
-              <a:spcBef>
-                <a:spcPct val="20000"/>
-              </a:spcBef>
-              <a:buClr>
-                <a:srgbClr val="873624"/>
-              </a:buClr>
-            </a:pPr>
-            <a:r>
-              <a:rPr lang="en-US" altLang="zh-CN" sz="2200" b="1" i="1" dirty="0" err="1">
-                <a:effectLst>
-                  <a:outerShdw blurRad="34925" dist="12700" dir="14400000" rotWithShape="0">
-                    <a:prstClr val="black">
-                      <a:alpha val="21000"/>
-                    </a:prstClr>
-                  </a:outerShdw>
-                </a:effectLst>
-                <a:latin typeface="Book Antiqua"/>
-              </a:rPr>
-              <a:t>Zixuan</a:t>
+              <a:t>Boxuan</a:t>
             </a:r>
             <a:r>
               <a:rPr lang="en-US" altLang="zh-CN" sz="2200" b="1" i="1" dirty="0">
@@ -4614,7 +4577,20 @@
                 </a:effectLst>
                 <a:latin typeface="Book Antiqua"/>
               </a:rPr>
-              <a:t> Guan</a:t>
+              <a:t> </a:t>
+            </a:r>
+            <a:r>
+              <a:rPr lang="en-US" altLang="zh-CN" sz="2200" b="1" i="1" dirty="0" smtClean="0">
+                <a:effectLst>
+                  <a:outerShdw blurRad="34925" dist="12700" dir="14400000" rotWithShape="0">
+                    <a:prstClr val="black">
+                      <a:alpha val="21000"/>
+                    </a:prstClr>
+                  </a:outerShdw>
+                </a:effectLst>
+                <a:latin typeface="Book Antiqua"/>
+              </a:rPr>
+              <a:t>Zhao</a:t>
             </a:r>
           </a:p>
           <a:p>
@@ -4627,7 +4603,7 @@
               </a:buClr>
             </a:pPr>
             <a:r>
-              <a:rPr lang="en-US" altLang="zh-CN" sz="2200" b="1" i="1" dirty="0" err="1">
+              <a:rPr lang="en-US" altLang="zh-CN" sz="2200" b="1" i="1" dirty="0" smtClean="0">
                 <a:effectLst>
                   <a:outerShdw blurRad="34925" dist="12700" dir="14400000" rotWithShape="0">
                     <a:prstClr val="black">
@@ -4637,7 +4613,128 @@
                 </a:effectLst>
                 <a:latin typeface="Book Antiqua"/>
               </a:rPr>
+              <a:t>Zixuan</a:t>
+            </a:r>
+            <a:r>
+              <a:rPr lang="en-US" altLang="zh-CN" sz="2200" b="1" i="1" dirty="0" smtClean="0">
+                <a:effectLst>
+                  <a:outerShdw blurRad="34925" dist="12700" dir="14400000" rotWithShape="0">
+                    <a:prstClr val="black">
+                      <a:alpha val="21000"/>
+                    </a:prstClr>
+                  </a:outerShdw>
+                </a:effectLst>
+                <a:latin typeface="Book Antiqua"/>
+              </a:rPr>
+              <a:t> Guan</a:t>
+            </a:r>
+          </a:p>
+          <a:p>
+            <a:pPr lvl="0" algn="ctr" latinLnBrk="0">
+              <a:spcBef>
+                <a:spcPct val="20000"/>
+              </a:spcBef>
+              <a:buClr>
+                <a:srgbClr val="873624"/>
+              </a:buClr>
+            </a:pPr>
+            <a:r>
+              <a:rPr lang="en-US" altLang="zh-CN" sz="2200" b="1" i="1" dirty="0" smtClean="0">
+                <a:effectLst>
+                  <a:outerShdw blurRad="34925" dist="12700" dir="14400000" rotWithShape="0">
+                    <a:prstClr val="black">
+                      <a:alpha val="21000"/>
+                    </a:prstClr>
+                  </a:outerShdw>
+                </a:effectLst>
+                <a:latin typeface="Book Antiqua"/>
+              </a:rPr>
               <a:t>Zheren</a:t>
+            </a:r>
+            <a:r>
+              <a:rPr lang="en-US" altLang="zh-CN" sz="2200" b="1" i="1" dirty="0" smtClean="0">
+                <a:effectLst>
+                  <a:outerShdw blurRad="34925" dist="12700" dir="14400000" rotWithShape="0">
+                    <a:prstClr val="black">
+                      <a:alpha val="21000"/>
+                    </a:prstClr>
+                  </a:outerShdw>
+                </a:effectLst>
+                <a:latin typeface="Book Antiqua"/>
+              </a:rPr>
+              <a:t> Tang</a:t>
+            </a:r>
+          </a:p>
+          <a:p>
+            <a:pPr lvl="0" algn="ctr" latinLnBrk="0">
+              <a:spcBef>
+                <a:spcPct val="20000"/>
+              </a:spcBef>
+              <a:buClr>
+                <a:srgbClr val="873624"/>
+              </a:buClr>
+            </a:pPr>
+            <a:r>
+              <a:rPr lang="en-US" altLang="zh-CN" sz="2200" b="1" i="1" dirty="0" smtClean="0">
+                <a:effectLst>
+                  <a:outerShdw blurRad="34925" dist="12700" dir="14400000" rotWithShape="0">
+                    <a:prstClr val="black">
+                      <a:alpha val="21000"/>
+                    </a:prstClr>
+                  </a:outerShdw>
+                </a:effectLst>
+                <a:latin typeface="Book Antiqua"/>
+              </a:rPr>
+              <a:t>Jihan</a:t>
+            </a:r>
+            <a:r>
+              <a:rPr lang="en-US" altLang="zh-CN" sz="2200" b="1" i="1" dirty="0" smtClean="0">
+                <a:effectLst>
+                  <a:outerShdw blurRad="34925" dist="12700" dir="14400000" rotWithShape="0">
+                    <a:prstClr val="black">
+                      <a:alpha val="21000"/>
+                    </a:prstClr>
+                  </a:outerShdw>
+                </a:effectLst>
+                <a:latin typeface="Book Antiqua"/>
+              </a:rPr>
+              <a:t> Wei</a:t>
+            </a:r>
+          </a:p>
+          <a:p>
+            <a:pPr lvl="0" algn="ctr" latinLnBrk="0">
+              <a:spcBef>
+                <a:spcPct val="20000"/>
+              </a:spcBef>
+              <a:buClr>
+                <a:srgbClr val="873624"/>
+              </a:buClr>
+            </a:pPr>
+            <a:r>
+              <a:rPr lang="en-US" altLang="zh-CN" sz="2200" b="1" i="1" dirty="0" smtClean="0">
+                <a:effectLst>
+                  <a:outerShdw blurRad="34925" dist="12700" dir="14400000" rotWithShape="0">
+                    <a:prstClr val="black">
+                      <a:alpha val="21000"/>
+                    </a:prstClr>
+                  </a:outerShdw>
+                </a:effectLst>
+                <a:latin typeface="Book Antiqua"/>
+              </a:rPr>
+              <a:t>Yingxin</a:t>
+            </a:r>
+            <a:r>
+              <a:rPr lang="en-US" altLang="zh-CN" sz="2200" b="1" i="1" dirty="0" smtClean="0">
+                <a:effectLst>
+                  <a:outerShdw blurRad="34925" dist="12700" dir="14400000" rotWithShape="0">
+                    <a:prstClr val="black">
+                      <a:alpha val="21000"/>
+                    </a:prstClr>
+                  </a:outerShdw>
+                </a:effectLst>
+                <a:latin typeface="Book Antiqua"/>
+              </a:rPr>
+              <a:t> </a:t>
             </a:r>
             <a:r>
               <a:rPr lang="en-US" altLang="zh-CN" sz="2200" b="1" i="1" dirty="0">
@@ -4650,79 +4747,7 @@
                 </a:effectLst>
                 <a:latin typeface="Book Antiqua"/>
               </a:rPr>
-              <a:t> Tang</a:t>
-            </a:r>
-          </a:p>
-          <a:p>
-            <a:pPr lvl="0" algn="ctr" latinLnBrk="0">
-              <a:spcBef>
-                <a:spcPct val="20000"/>
-              </a:spcBef>
-              <a:buClr>
-                <a:srgbClr val="873624"/>
-              </a:buClr>
-            </a:pPr>
-            <a:r>
-              <a:rPr lang="en-US" altLang="zh-CN" sz="2200" b="1" i="1" dirty="0" err="1">
-                <a:effectLst>
-                  <a:outerShdw blurRad="34925" dist="12700" dir="14400000" rotWithShape="0">
-                    <a:prstClr val="black">
-                      <a:alpha val="21000"/>
-                    </a:prstClr>
-                  </a:outerShdw>
-                </a:effectLst>
-                <a:latin typeface="Book Antiqua"/>
-              </a:rPr>
-              <a:t>Jihan</a:t>
-            </a:r>
-            <a:r>
-              <a:rPr lang="en-US" altLang="zh-CN" sz="2200" b="1" i="1" dirty="0">
-                <a:effectLst>
-                  <a:outerShdw blurRad="34925" dist="12700" dir="14400000" rotWithShape="0">
-                    <a:prstClr val="black">
-                      <a:alpha val="21000"/>
-                    </a:prstClr>
-                  </a:outerShdw>
-                </a:effectLst>
-                <a:latin typeface="Book Antiqua"/>
-              </a:rPr>
-              <a:t> Wei</a:t>
-            </a:r>
-          </a:p>
-          <a:p>
-            <a:pPr lvl="0" algn="ctr" latinLnBrk="0">
-              <a:spcBef>
-                <a:spcPct val="20000"/>
-              </a:spcBef>
-              <a:buClr>
-                <a:srgbClr val="873624"/>
-              </a:buClr>
-            </a:pPr>
-            <a:r>
-              <a:rPr lang="en-US" altLang="zh-CN" sz="2200" b="1" i="1" dirty="0" err="1">
-                <a:effectLst>
-                  <a:outerShdw blurRad="34925" dist="12700" dir="14400000" rotWithShape="0">
-                    <a:prstClr val="black">
-                      <a:alpha val="21000"/>
-                    </a:prstClr>
-                  </a:outerShdw>
-                </a:effectLst>
-                <a:latin typeface="Book Antiqua"/>
-              </a:rPr>
-              <a:t>Yingxin</a:t>
-            </a:r>
-            <a:r>
-              <a:rPr lang="en-US" altLang="zh-CN" sz="2200" b="1" i="1" dirty="0">
-                <a:effectLst>
-                  <a:outerShdw blurRad="34925" dist="12700" dir="14400000" rotWithShape="0">
-                    <a:prstClr val="black">
-                      <a:alpha val="21000"/>
-                    </a:prstClr>
-                  </a:outerShdw>
-                </a:effectLst>
-                <a:latin typeface="Book Antiqua"/>
-              </a:rPr>
-              <a:t> Zhang</a:t>
+              <a:t>Zhang</a:t>
             </a:r>
           </a:p>
           <a:p>
@@ -4740,6 +4765,13 @@
   <p:clrMapOvr>
     <a:masterClrMapping/>
   </p:clrMapOvr>
+  <p:timing>
+    <p:tnLst>
+      <p:par>
+        <p:cTn id="1" dur="indefinite" restart="never" nodeType="tmRoot"/>
+      </p:par>
+    </p:tnLst>
+  </p:timing>
 </p:sld>
 </file>
 
@@ -4762,131 +4794,6 @@
       </p:grpSpPr>
       <p:sp>
         <p:nvSpPr>
-          <p:cNvPr id="4" name="Title 3"/>
-          <p:cNvSpPr>
-            <a:spLocks noGrp="1"/>
-          </p:cNvSpPr>
-          <p:nvPr>
-            <p:ph type="title"/>
-          </p:nvPr>
-        </p:nvSpPr>
-        <p:spPr/>
-        <p:txBody>
-          <a:bodyPr>
-            <a:normAutofit/>
-          </a:bodyPr>
-          <a:lstStyle/>
-          <a:p>
-            <a:pPr algn="ctr"/>
-            <a:r>
-              <a:rPr lang="en-US" altLang="zh-CN" dirty="0"/>
-              <a:t>Questions</a:t>
-            </a:r>
-            <a:endParaRPr lang="ko-KR" altLang="en-US" sz="3200" dirty="0">
-              <a:latin typeface="Times New Roman" charset="0"/>
-              <a:ea typeface="Times New Roman" charset="0"/>
-              <a:cs typeface="Times New Roman" charset="0"/>
-            </a:endParaRPr>
-          </a:p>
-        </p:txBody>
-      </p:sp>
-      <p:sp>
-        <p:nvSpPr>
-          <p:cNvPr id="6" name="Content Placeholder 5"/>
-          <p:cNvSpPr>
-            <a:spLocks noGrp="1"/>
-          </p:cNvSpPr>
-          <p:nvPr>
-            <p:ph idx="1"/>
-          </p:nvPr>
-        </p:nvSpPr>
-        <p:spPr/>
-        <p:txBody>
-          <a:bodyPr/>
-          <a:lstStyle/>
-          <a:p>
-            <a:r>
-              <a:rPr lang="en-US" altLang="ko-KR" b="1" dirty="0" smtClean="0">
-                <a:solidFill>
-                  <a:schemeClr val="tx1">
-                    <a:lumMod val="75000"/>
-                    <a:lumOff val="25000"/>
-                  </a:schemeClr>
-                </a:solidFill>
-                <a:latin typeface="Arial" pitchFamily="34" charset="0"/>
-                <a:cs typeface="Arial" pitchFamily="34" charset="0"/>
-              </a:rPr>
-              <a:t> </a:t>
-            </a:r>
-            <a:endParaRPr lang="en-US" altLang="ko-KR" b="1" dirty="0">
-              <a:solidFill>
-                <a:schemeClr val="tx1">
-                  <a:lumMod val="75000"/>
-                  <a:lumOff val="25000"/>
-                </a:schemeClr>
-              </a:solidFill>
-              <a:latin typeface="Arial" pitchFamily="34" charset="0"/>
-              <a:cs typeface="Arial" pitchFamily="34" charset="0"/>
-            </a:endParaRPr>
-          </a:p>
-        </p:txBody>
-      </p:sp>
-      <p:sp>
-        <p:nvSpPr>
-          <p:cNvPr id="2" name="Content Placeholder 1"/>
-          <p:cNvSpPr>
-            <a:spLocks noGrp="1"/>
-          </p:cNvSpPr>
-          <p:nvPr>
-            <p:ph idx="10"/>
-          </p:nvPr>
-        </p:nvSpPr>
-        <p:spPr>
-          <a:xfrm>
-            <a:off x="323528" y="1268760"/>
-            <a:ext cx="8229600" cy="3600400"/>
-          </a:xfrm>
-        </p:spPr>
-        <p:txBody>
-          <a:bodyPr/>
-          <a:lstStyle/>
-          <a:p>
-            <a:endParaRPr lang="en-US" dirty="0"/>
-          </a:p>
-        </p:txBody>
-      </p:sp>
-    </p:spTree>
-    <p:extLst>
-      <p:ext uri="{BB962C8B-B14F-4D97-AF65-F5344CB8AC3E}">
-        <p14:creationId xmlns:p14="http://schemas.microsoft.com/office/powerpoint/2010/main" val="866264384"/>
-      </p:ext>
-    </p:extLst>
-  </p:cSld>
-  <p:clrMapOvr>
-    <a:masterClrMapping/>
-  </p:clrMapOvr>
-</p:sld>
-</file>
-
-<file path=ppt/slides/slide11.xml><?xml version="1.0" encoding="utf-8"?>
-<p:sld xmlns:a="http://schemas.openxmlformats.org/drawingml/2006/main" xmlns:r="http://schemas.openxmlformats.org/officeDocument/2006/relationships" xmlns:p="http://schemas.openxmlformats.org/presentationml/2006/main">
-  <p:cSld>
-    <p:spTree>
-      <p:nvGrpSpPr>
-        <p:cNvPr id="1" name=""/>
-        <p:cNvGrpSpPr/>
-        <p:nvPr/>
-      </p:nvGrpSpPr>
-      <p:grpSpPr>
-        <a:xfrm>
-          <a:off x="0" y="0"/>
-          <a:ext cx="0" cy="0"/>
-          <a:chOff x="0" y="0"/>
-          <a:chExt cx="0" cy="0"/>
-        </a:xfrm>
-      </p:grpSpPr>
-      <p:sp>
-        <p:nvSpPr>
           <p:cNvPr id="4" name="TextBox 3"/>
           <p:cNvSpPr txBox="1"/>
           <p:nvPr/>
@@ -5109,6 +5016,13 @@
   <p:clrMapOvr>
     <a:masterClrMapping/>
   </p:clrMapOvr>
+  <p:timing>
+    <p:tnLst>
+      <p:par>
+        <p:cTn id="1" dur="indefinite" restart="never" nodeType="tmRoot"/>
+      </p:par>
+    </p:tnLst>
+  </p:timing>
 </p:sld>
 </file>
 
@@ -5337,6 +5251,13 @@
   <p:clrMapOvr>
     <a:masterClrMapping/>
   </p:clrMapOvr>
+  <p:timing>
+    <p:tnLst>
+      <p:par>
+        <p:cTn id="1" dur="indefinite" restart="never" nodeType="tmRoot"/>
+      </p:par>
+    </p:tnLst>
+  </p:timing>
 </p:sld>
 </file>
 
@@ -5506,6 +5427,13 @@
   <p:clrMapOvr>
     <a:masterClrMapping/>
   </p:clrMapOvr>
+  <p:timing>
+    <p:tnLst>
+      <p:par>
+        <p:cTn id="1" dur="indefinite" restart="never" nodeType="tmRoot"/>
+      </p:par>
+    </p:tnLst>
+  </p:timing>
 </p:sld>
 </file>
 
@@ -5539,58 +5467,46 @@
         <p:spPr/>
         <p:txBody>
           <a:bodyPr>
-            <a:normAutofit fontScale="90000"/>
+            <a:normAutofit/>
           </a:bodyPr>
           <a:lstStyle/>
           <a:p>
-            <a:pPr algn="ctr"/>
-            <a:r>
-              <a:rPr lang="en-US" altLang="ko-KR" dirty="0" smtClean="0"/>
-              <a:t> </a:t>
-            </a:r>
-            <a:r>
-              <a:rPr lang="en-US" altLang="ko-KR" sz="3200" dirty="0">
-                <a:latin typeface="Times New Roman" charset="0"/>
-                <a:ea typeface="Times New Roman" charset="0"/>
-                <a:cs typeface="Times New Roman" charset="0"/>
-              </a:rPr>
-              <a:t>Spectral Clustering Using </a:t>
-            </a:r>
-            <a:r>
-              <a:rPr lang="en-US" altLang="ko-KR" sz="3200" dirty="0" smtClean="0">
-                <a:latin typeface="Times New Roman" charset="0"/>
-                <a:ea typeface="Times New Roman" charset="0"/>
-                <a:cs typeface="Times New Roman" charset="0"/>
-              </a:rPr>
-              <a:t>QR</a:t>
-            </a:r>
-            <a:br>
-              <a:rPr lang="en-US" altLang="ko-KR" sz="3200" dirty="0" smtClean="0">
-                <a:latin typeface="Times New Roman" charset="0"/>
-                <a:ea typeface="Times New Roman" charset="0"/>
-                <a:cs typeface="Times New Roman" charset="0"/>
-              </a:rPr>
-            </a:br>
-            <a:r>
-              <a:rPr lang="en-US" altLang="ko-KR" sz="3200" dirty="0" smtClean="0">
-                <a:latin typeface="Times New Roman" charset="0"/>
-                <a:ea typeface="Times New Roman" charset="0"/>
-                <a:cs typeface="Times New Roman" charset="0"/>
-              </a:rPr>
-              <a:t> </a:t>
-            </a:r>
-            <a:r>
-              <a:rPr lang="en-US" altLang="ko-KR" sz="3200" dirty="0">
-                <a:latin typeface="Times New Roman" charset="0"/>
-                <a:ea typeface="Times New Roman" charset="0"/>
-                <a:cs typeface="Times New Roman" charset="0"/>
+            <a:r>
+              <a:rPr lang="en-US" altLang="ko-KR" sz="3000" dirty="0" smtClean="0">
+                <a:latin typeface="Times New Roman Uni" panose="02020603050405020304" pitchFamily="18" charset="-122"/>
+                <a:ea typeface="Times New Roman Uni" panose="02020603050405020304" pitchFamily="18" charset="-122"/>
+                <a:cs typeface="Times New Roman Uni" panose="02020603050405020304" pitchFamily="18" charset="-122"/>
+              </a:rPr>
+              <a:t>Spectral </a:t>
+            </a:r>
+            <a:r>
+              <a:rPr lang="en-US" altLang="ko-KR" sz="3000" dirty="0">
+                <a:latin typeface="Times New Roman Uni" panose="02020603050405020304" pitchFamily="18" charset="-122"/>
+                <a:ea typeface="Times New Roman Uni" panose="02020603050405020304" pitchFamily="18" charset="-122"/>
+                <a:cs typeface="Times New Roman Uni" panose="02020603050405020304" pitchFamily="18" charset="-122"/>
+              </a:rPr>
+              <a:t>Clustering Using </a:t>
+            </a:r>
+            <a:r>
+              <a:rPr lang="en-US" altLang="ko-KR" sz="3000" dirty="0" smtClean="0">
+                <a:latin typeface="Times New Roman Uni" panose="02020603050405020304" pitchFamily="18" charset="-122"/>
+                <a:ea typeface="Times New Roman Uni" panose="02020603050405020304" pitchFamily="18" charset="-122"/>
+                <a:cs typeface="Times New Roman Uni" panose="02020603050405020304" pitchFamily="18" charset="-122"/>
+              </a:rPr>
+              <a:t>QR </a:t>
+            </a:r>
+            <a:r>
+              <a:rPr lang="en-US" altLang="ko-KR" sz="3000" dirty="0">
+                <a:latin typeface="Times New Roman Uni" panose="02020603050405020304" pitchFamily="18" charset="-122"/>
+                <a:ea typeface="Times New Roman Uni" panose="02020603050405020304" pitchFamily="18" charset="-122"/>
+                <a:cs typeface="Times New Roman Uni" panose="02020603050405020304" pitchFamily="18" charset="-122"/>
               </a:rPr>
               <a:t>Decomposition</a:t>
             </a:r>
-            <a:endParaRPr lang="ko-KR" altLang="en-US" sz="3200" dirty="0">
-              <a:latin typeface="Times New Roman" charset="0"/>
-              <a:ea typeface="Times New Roman" charset="0"/>
-              <a:cs typeface="Times New Roman" charset="0"/>
+            <a:endParaRPr lang="ko-KR" altLang="en-US" sz="3000" dirty="0">
+              <a:latin typeface="Times New Roman Uni" panose="02020603050405020304" pitchFamily="18" charset="-122"/>
+              <a:ea typeface="Times New Roman Uni" panose="02020603050405020304" pitchFamily="18" charset="-122"/>
+              <a:cs typeface="Times New Roman Uni" panose="02020603050405020304" pitchFamily="18" charset="-122"/>
             </a:endParaRPr>
           </a:p>
         </p:txBody>
@@ -5681,8 +5597,8 @@
         </p:blipFill>
         <p:spPr>
           <a:xfrm>
-            <a:off x="430148" y="1830525"/>
-            <a:ext cx="8833952" cy="3412975"/>
+            <a:off x="179512" y="1340769"/>
+            <a:ext cx="8833952" cy="3902732"/>
           </a:xfrm>
           <a:prstGeom prst="rect">
             <a:avLst/>
@@ -5699,6 +5615,13 @@
   <p:clrMapOvr>
     <a:masterClrMapping/>
   </p:clrMapOvr>
+  <p:timing>
+    <p:tnLst>
+      <p:par>
+        <p:cTn id="1" dur="indefinite" restart="never" nodeType="tmRoot"/>
+      </p:par>
+    </p:tnLst>
+  </p:timing>
 </p:sld>
 </file>
 
@@ -5729,183 +5652,142 @@
             <p:ph type="title"/>
           </p:nvPr>
         </p:nvSpPr>
+        <p:spPr>
+          <a:xfrm>
+            <a:off x="0" y="0"/>
+            <a:ext cx="9144000" cy="1052736"/>
+          </a:xfrm>
+        </p:spPr>
+        <p:txBody>
+          <a:bodyPr/>
+          <a:lstStyle/>
+          <a:p>
+            <a:r>
+              <a:rPr lang="en-US" altLang="zh-CN" sz="3000" dirty="0" smtClean="0">
+                <a:latin typeface="Times New Roman Uni" panose="02020603050405020304" pitchFamily="18" charset="-122"/>
+                <a:ea typeface="Times New Roman Uni" panose="02020603050405020304" pitchFamily="18" charset="-122"/>
+                <a:cs typeface="Times New Roman Uni" panose="02020603050405020304" pitchFamily="18" charset="-122"/>
+              </a:rPr>
+              <a:t>A Constraint-Based </a:t>
+            </a:r>
+            <a:r>
+              <a:rPr lang="en-US" altLang="zh-CN" sz="3000" dirty="0">
+                <a:latin typeface="Times New Roman Uni" panose="02020603050405020304" pitchFamily="18" charset="-122"/>
+                <a:ea typeface="Times New Roman Uni" panose="02020603050405020304" pitchFamily="18" charset="-122"/>
+                <a:cs typeface="Times New Roman Uni" panose="02020603050405020304" pitchFamily="18" charset="-122"/>
+              </a:rPr>
+              <a:t>Probabilistic Framework</a:t>
+            </a:r>
+            <a:r>
+              <a:rPr lang="en-US" sz="3000" dirty="0" smtClean="0">
+                <a:latin typeface="Times New Roman Uni" panose="02020603050405020304" pitchFamily="18" charset="-122"/>
+                <a:ea typeface="Times New Roman Uni" panose="02020603050405020304" pitchFamily="18" charset="-122"/>
+                <a:cs typeface="Times New Roman Uni" panose="02020603050405020304" pitchFamily="18" charset="-122"/>
+              </a:rPr>
+              <a:t> approach</a:t>
+            </a:r>
+            <a:endParaRPr lang="en-US" sz="3000" dirty="0">
+              <a:latin typeface="Times New Roman Uni" panose="02020603050405020304" pitchFamily="18" charset="-122"/>
+              <a:ea typeface="Times New Roman Uni" panose="02020603050405020304" pitchFamily="18" charset="-122"/>
+              <a:cs typeface="Times New Roman Uni" panose="02020603050405020304" pitchFamily="18" charset="-122"/>
+            </a:endParaRPr>
+          </a:p>
+        </p:txBody>
+      </p:sp>
+      <p:sp>
+        <p:nvSpPr>
+          <p:cNvPr id="3" name="Content Placeholder 2"/>
+          <p:cNvSpPr>
+            <a:spLocks noGrp="1"/>
+          </p:cNvSpPr>
+          <p:nvPr>
+            <p:ph idx="1"/>
+          </p:nvPr>
+        </p:nvSpPr>
         <p:spPr/>
         <p:txBody>
           <a:bodyPr/>
           <a:lstStyle/>
           <a:p>
-            <a:pPr algn="ctr"/>
-            <a:r>
-              <a:rPr lang="en-US" altLang="zh-CN" dirty="0">
+            <a:r>
+              <a:rPr lang="en-US" dirty="0" smtClean="0"/>
+              <a:t> </a:t>
+            </a:r>
+            <a:endParaRPr lang="en-US" dirty="0"/>
+          </a:p>
+        </p:txBody>
+      </p:sp>
+      <p:sp>
+        <p:nvSpPr>
+          <p:cNvPr id="4" name="Content Placeholder 3"/>
+          <p:cNvSpPr>
+            <a:spLocks noGrp="1"/>
+          </p:cNvSpPr>
+          <p:nvPr>
+            <p:ph idx="10"/>
+          </p:nvPr>
+        </p:nvSpPr>
+        <p:spPr>
+          <a:xfrm>
+            <a:off x="251520" y="1196752"/>
+            <a:ext cx="8640960" cy="5661248"/>
+          </a:xfrm>
+        </p:spPr>
+        <p:txBody>
+          <a:bodyPr/>
+          <a:lstStyle/>
+          <a:p>
+            <a:pPr marL="285750" indent="-285750">
+              <a:buFont typeface="Wingdings" charset="2"/>
+              <a:buChar char="Ø"/>
+            </a:pPr>
+            <a:r>
+              <a:rPr lang="en-US" altLang="zh-CN" sz="2000" dirty="0" smtClean="0">
                 <a:latin typeface="Times New Roman" charset="0"/>
                 <a:ea typeface="Times New Roman" charset="0"/>
                 <a:cs typeface="Times New Roman" charset="0"/>
               </a:rPr>
-              <a:t>Algorithm B</a:t>
-            </a:r>
-            <a:endParaRPr lang="en-US" dirty="0">
+              <a:t>An EM algorithm who aims to minimize</a:t>
+            </a:r>
+          </a:p>
+          <a:p>
+            <a:pPr marL="285750" indent="-285750">
+              <a:buFont typeface="Wingdings" charset="2"/>
+              <a:buChar char="Ø"/>
+            </a:pPr>
+            <a:endParaRPr lang="en-US" altLang="zh-CN" sz="1800" dirty="0" smtClean="0">
               <a:latin typeface="Times New Roman" charset="0"/>
               <a:ea typeface="Times New Roman" charset="0"/>
               <a:cs typeface="Times New Roman" charset="0"/>
             </a:endParaRPr>
           </a:p>
-        </p:txBody>
-      </p:sp>
-      <p:sp>
-        <p:nvSpPr>
-          <p:cNvPr id="3" name="Content Placeholder 2"/>
-          <p:cNvSpPr>
-            <a:spLocks noGrp="1"/>
-          </p:cNvSpPr>
-          <p:nvPr>
-            <p:ph idx="1"/>
-          </p:nvPr>
-        </p:nvSpPr>
-        <p:spPr/>
-        <p:txBody>
-          <a:bodyPr/>
-          <a:lstStyle/>
-          <a:p>
-            <a:r>
-              <a:rPr lang="en-US" dirty="0" smtClean="0"/>
-              <a:t> </a:t>
-            </a:r>
-            <a:endParaRPr lang="en-US" dirty="0"/>
-          </a:p>
-        </p:txBody>
-      </p:sp>
-      <p:sp>
-        <p:nvSpPr>
-          <p:cNvPr id="4" name="Content Placeholder 3"/>
-          <p:cNvSpPr>
-            <a:spLocks noGrp="1"/>
-          </p:cNvSpPr>
-          <p:nvPr>
-            <p:ph idx="10"/>
-          </p:nvPr>
-        </p:nvSpPr>
-        <p:spPr>
-          <a:xfrm>
-            <a:off x="467544" y="1196752"/>
-            <a:ext cx="8229600" cy="4968552"/>
-          </a:xfrm>
-        </p:spPr>
-        <p:txBody>
-          <a:bodyPr/>
-          <a:lstStyle/>
           <a:p>
             <a:pPr marL="285750" indent="-285750">
               <a:buFont typeface="Wingdings" charset="2"/>
               <a:buChar char="Ø"/>
             </a:pPr>
-            <a:r>
-              <a:rPr lang="en-US" altLang="zh-CN" sz="1800" dirty="0" err="1" smtClean="0">
-                <a:latin typeface="Times New Roman" charset="0"/>
-                <a:ea typeface="Times New Roman" charset="0"/>
-                <a:cs typeface="Times New Roman" charset="0"/>
-              </a:rPr>
-              <a:t>Initlization</a:t>
-            </a:r>
-            <a:r>
-              <a:rPr lang="en-US" altLang="zh-CN" sz="1800" dirty="0" smtClean="0">
-                <a:latin typeface="Times New Roman" charset="0"/>
-                <a:ea typeface="Times New Roman" charset="0"/>
-                <a:cs typeface="Times New Roman" charset="0"/>
-              </a:rPr>
-              <a:t> </a:t>
-            </a:r>
-            <a:r>
-              <a:rPr lang="en-US" altLang="zh-CN" sz="1800" dirty="0">
-                <a:latin typeface="Times New Roman" charset="0"/>
-                <a:ea typeface="Times New Roman" charset="0"/>
-                <a:cs typeface="Times New Roman" charset="0"/>
-              </a:rPr>
-              <a:t>cluster assignment based on c2 </a:t>
-            </a:r>
-            <a:r>
-              <a:rPr lang="en-US" altLang="zh-CN" sz="1800" dirty="0" smtClean="0">
-                <a:latin typeface="Times New Roman" charset="0"/>
-                <a:ea typeface="Times New Roman" charset="0"/>
-                <a:cs typeface="Times New Roman" charset="0"/>
-              </a:rPr>
-              <a:t>constraint</a:t>
-            </a:r>
-          </a:p>
-          <a:p>
-            <a:r>
-              <a:rPr lang="en-US" altLang="zh-CN" sz="1800" dirty="0">
-                <a:latin typeface="Times New Roman" charset="0"/>
-                <a:ea typeface="Times New Roman" charset="0"/>
-                <a:cs typeface="Times New Roman" charset="0"/>
-              </a:rPr>
-              <a:t> </a:t>
-            </a:r>
-            <a:r>
-              <a:rPr lang="en-US" altLang="zh-CN" sz="1800" dirty="0" smtClean="0">
-                <a:latin typeface="Times New Roman" charset="0"/>
-                <a:ea typeface="Times New Roman" charset="0"/>
-                <a:cs typeface="Times New Roman" charset="0"/>
-              </a:rPr>
-              <a:t>     (</a:t>
-            </a:r>
-            <a:r>
-              <a:rPr lang="en-US" altLang="zh-CN" sz="1800" dirty="0">
-                <a:latin typeface="Times New Roman" charset="0"/>
-                <a:ea typeface="Times New Roman" charset="0"/>
-                <a:cs typeface="Times New Roman" charset="0"/>
-              </a:rPr>
-              <a:t>two </a:t>
-            </a:r>
-            <a:r>
-              <a:rPr lang="en-US" altLang="zh-CN" sz="1800" dirty="0" err="1">
-                <a:latin typeface="Times New Roman" charset="0"/>
-                <a:ea typeface="Times New Roman" charset="0"/>
-                <a:cs typeface="Times New Roman" charset="0"/>
-              </a:rPr>
-              <a:t>citataion</a:t>
-            </a:r>
-            <a:r>
-              <a:rPr lang="en-US" altLang="zh-CN" sz="1800" dirty="0">
-                <a:latin typeface="Times New Roman" charset="0"/>
-                <a:ea typeface="Times New Roman" charset="0"/>
-                <a:cs typeface="Times New Roman" charset="0"/>
-              </a:rPr>
-              <a:t> </a:t>
-            </a:r>
-            <a:r>
-              <a:rPr lang="en-US" altLang="zh-CN" sz="1800" dirty="0" err="1">
-                <a:latin typeface="Times New Roman" charset="0"/>
-                <a:ea typeface="Times New Roman" charset="0"/>
-                <a:cs typeface="Times New Roman" charset="0"/>
-              </a:rPr>
-              <a:t>vecotrs</a:t>
-            </a:r>
-            <a:r>
-              <a:rPr lang="en-US" altLang="zh-CN" sz="1800" dirty="0">
-                <a:latin typeface="Times New Roman" charset="0"/>
-                <a:ea typeface="Times New Roman" charset="0"/>
-                <a:cs typeface="Times New Roman" charset="0"/>
-              </a:rPr>
-              <a:t> has the same </a:t>
-            </a:r>
-            <a:r>
-              <a:rPr lang="en-US" altLang="zh-CN" sz="1800" dirty="0" err="1">
-                <a:latin typeface="Times New Roman" charset="0"/>
-                <a:ea typeface="Times New Roman" charset="0"/>
-                <a:cs typeface="Times New Roman" charset="0"/>
-              </a:rPr>
-              <a:t>coathor</a:t>
-            </a:r>
-            <a:r>
-              <a:rPr lang="en-US" altLang="zh-CN" sz="1800" dirty="0">
-                <a:latin typeface="Times New Roman" charset="0"/>
-                <a:ea typeface="Times New Roman" charset="0"/>
-                <a:cs typeface="Times New Roman" charset="0"/>
-              </a:rPr>
-              <a:t>)</a:t>
-            </a:r>
-          </a:p>
-          <a:p>
+            <a:endParaRPr lang="en-US" altLang="zh-CN" sz="1800" dirty="0" smtClean="0">
+              <a:latin typeface="Times New Roman" charset="0"/>
+              <a:ea typeface="Times New Roman" charset="0"/>
+              <a:cs typeface="Times New Roman" charset="0"/>
+            </a:endParaRPr>
+          </a:p>
+          <a:p>
+            <a:pPr marL="285750" indent="-285750">
+              <a:buFont typeface="Wingdings" charset="2"/>
+              <a:buChar char="Ø"/>
+            </a:pPr>
+            <a:endParaRPr lang="en-US" altLang="zh-CN" sz="1800" dirty="0" smtClean="0">
+              <a:latin typeface="Times New Roman" charset="0"/>
+              <a:ea typeface="Times New Roman" charset="0"/>
+              <a:cs typeface="Times New Roman" charset="0"/>
+            </a:endParaRPr>
+          </a:p>
+          <a:p>
+            <a:pPr marL="285750" indent="-285750">
+              <a:buFont typeface="Wingdings" charset="2"/>
+              <a:buChar char="Ø"/>
+            </a:pPr>
             <a:endParaRPr lang="en-US" altLang="zh-CN" sz="1800" dirty="0">
               <a:latin typeface="Times New Roman" charset="0"/>
               <a:ea typeface="Times New Roman" charset="0"/>
@@ -5917,82 +5799,6 @@
               <a:buFont typeface="Wingdings" charset="2"/>
               <a:buChar char="Ø"/>
             </a:pPr>
-            <a:r>
-              <a:rPr lang="en-US" altLang="zh-CN" sz="1800" dirty="0">
-                <a:latin typeface="Times New Roman" charset="0"/>
-                <a:ea typeface="Times New Roman" charset="0"/>
-                <a:cs typeface="Times New Roman" charset="0"/>
-              </a:rPr>
-              <a:t>Lambda &gt; k </a:t>
-            </a:r>
-          </a:p>
-          <a:p>
-            <a:r>
-              <a:rPr lang="en-US" altLang="zh-CN" sz="1800" dirty="0" smtClean="0">
-                <a:latin typeface="Times New Roman" charset="0"/>
-                <a:ea typeface="Times New Roman" charset="0"/>
-                <a:cs typeface="Times New Roman" charset="0"/>
-              </a:rPr>
-              <a:t>     Cluster </a:t>
-            </a:r>
-            <a:r>
-              <a:rPr lang="en-US" altLang="zh-CN" sz="1800" dirty="0">
-                <a:latin typeface="Times New Roman" charset="0"/>
-                <a:ea typeface="Times New Roman" charset="0"/>
-                <a:cs typeface="Times New Roman" charset="0"/>
-              </a:rPr>
-              <a:t>the </a:t>
-            </a:r>
-            <a:r>
-              <a:rPr lang="en-US" altLang="zh-CN" sz="1800" dirty="0" err="1">
-                <a:latin typeface="Times New Roman" charset="0"/>
-                <a:ea typeface="Times New Roman" charset="0"/>
-                <a:cs typeface="Times New Roman" charset="0"/>
-              </a:rPr>
-              <a:t>nearnest</a:t>
-            </a:r>
-            <a:r>
-              <a:rPr lang="en-US" altLang="zh-CN" sz="1800" dirty="0">
-                <a:latin typeface="Times New Roman" charset="0"/>
-                <a:ea typeface="Times New Roman" charset="0"/>
-                <a:cs typeface="Times New Roman" charset="0"/>
-              </a:rPr>
-              <a:t> group </a:t>
-            </a:r>
-            <a:r>
-              <a:rPr lang="en-US" altLang="zh-CN" sz="1800" dirty="0" err="1">
-                <a:latin typeface="Times New Roman" charset="0"/>
-                <a:ea typeface="Times New Roman" charset="0"/>
-                <a:cs typeface="Times New Roman" charset="0"/>
-              </a:rPr>
-              <a:t>umtil</a:t>
-            </a:r>
-            <a:r>
-              <a:rPr lang="en-US" altLang="zh-CN" sz="1800" dirty="0">
-                <a:latin typeface="Times New Roman" charset="0"/>
-                <a:ea typeface="Times New Roman" charset="0"/>
-                <a:cs typeface="Times New Roman" charset="0"/>
-              </a:rPr>
-              <a:t> there are only K groups left</a:t>
-            </a:r>
-          </a:p>
-          <a:p>
-            <a:r>
-              <a:rPr lang="en-US" altLang="zh-CN" sz="1800" dirty="0" smtClean="0">
-                <a:latin typeface="Times New Roman" charset="0"/>
-                <a:ea typeface="Times New Roman" charset="0"/>
-                <a:cs typeface="Times New Roman" charset="0"/>
-              </a:rPr>
-              <a:t>     Lambda </a:t>
-            </a:r>
-            <a:r>
-              <a:rPr lang="en-US" altLang="zh-CN" sz="1800" dirty="0">
-                <a:latin typeface="Times New Roman" charset="0"/>
-                <a:ea typeface="Times New Roman" charset="0"/>
-                <a:cs typeface="Times New Roman" charset="0"/>
-              </a:rPr>
-              <a:t>&lt; k </a:t>
-            </a:r>
             <a:endParaRPr lang="en-US" altLang="zh-CN" sz="1800" dirty="0" smtClean="0">
               <a:latin typeface="Times New Roman" charset="0"/>
               <a:ea typeface="Times New Roman" charset="0"/>
@@ -6000,41 +5806,99 @@
             </a:endParaRPr>
           </a:p>
           <a:p>
-            <a:r>
-              <a:rPr lang="en-US" altLang="zh-CN" sz="1800" dirty="0">
-                <a:latin typeface="Times New Roman" charset="0"/>
-                <a:ea typeface="Times New Roman" charset="0"/>
-                <a:cs typeface="Times New Roman" charset="0"/>
-              </a:rPr>
-              <a:t> </a:t>
-            </a:r>
+            <a:pPr marL="285750" indent="-285750">
+              <a:buFont typeface="Wingdings" charset="2"/>
+              <a:buChar char="Ø"/>
+            </a:pPr>
             <a:r>
               <a:rPr lang="en-US" altLang="zh-CN" sz="1800" dirty="0" smtClean="0">
                 <a:latin typeface="Times New Roman" charset="0"/>
                 <a:ea typeface="Times New Roman" charset="0"/>
                 <a:cs typeface="Times New Roman" charset="0"/>
               </a:rPr>
-              <a:t>    Random </a:t>
-            </a:r>
-            <a:r>
-              <a:rPr lang="en-US" altLang="zh-CN" sz="1800" dirty="0" err="1">
+              <a:t>My team focus on the c2 criterion(whether two citation vectors have the same</a:t>
+            </a:r>
+          </a:p>
+          <a:p>
+            <a:r>
+              <a:rPr lang="en-US" altLang="zh-CN" sz="1800" dirty="0" smtClean="0">
                 <a:latin typeface="Times New Roman" charset="0"/>
                 <a:ea typeface="Times New Roman" charset="0"/>
                 <a:cs typeface="Times New Roman" charset="0"/>
               </a:rPr>
-              <a:t>pertubations</a:t>
-            </a:r>
-            <a:r>
-              <a:rPr lang="en-US" altLang="zh-CN" sz="1800" dirty="0">
+              <a:t> coauthor)</a:t>
+            </a:r>
+          </a:p>
+          <a:p>
+            <a:pPr marL="285750" indent="-285750">
+              <a:buFont typeface="Wingdings" charset="2"/>
+              <a:buChar char="Ø"/>
+            </a:pPr>
+            <a:r>
+              <a:rPr lang="en-US" altLang="zh-CN" sz="2000" dirty="0" smtClean="0">
                 <a:latin typeface="Times New Roman" charset="0"/>
                 <a:ea typeface="Times New Roman" charset="0"/>
                 <a:cs typeface="Times New Roman" charset="0"/>
               </a:rPr>
-              <a:t> of the global centroid</a:t>
-            </a:r>
-          </a:p>
-          <a:p>
-            <a:endParaRPr lang="en-US" altLang="zh-CN" sz="1800" dirty="0">
+              <a:t>Iterates until convergence criterion (i.e.. </a:t>
+            </a:r>
+            <a:r>
+              <a:rPr lang="en-US" altLang="zh-CN" sz="2000" dirty="0" smtClean="0">
+                <a:latin typeface="Times New Roman" charset="0"/>
+                <a:ea typeface="Times New Roman" charset="0"/>
+                <a:cs typeface="Times New Roman" charset="0"/>
+              </a:rPr>
+              <a:t>There is no change of cluster </a:t>
+            </a:r>
+          </a:p>
+          <a:p>
+            <a:r>
+              <a:rPr lang="en-US" altLang="zh-CN" sz="2000" dirty="0">
+                <a:latin typeface="Times New Roman" charset="0"/>
+                <a:ea typeface="Times New Roman" charset="0"/>
+                <a:cs typeface="Times New Roman" charset="0"/>
+              </a:rPr>
+              <a:t> </a:t>
+            </a:r>
+            <a:r>
+              <a:rPr lang="en-US" altLang="zh-CN" sz="2000" dirty="0" smtClean="0">
+                <a:latin typeface="Times New Roman" charset="0"/>
+                <a:ea typeface="Times New Roman" charset="0"/>
+                <a:cs typeface="Times New Roman" charset="0"/>
+              </a:rPr>
+              <a:t>assignment</a:t>
+            </a:r>
+            <a:r>
+              <a:rPr lang="en-US" altLang="zh-CN" sz="2000" dirty="0" smtClean="0">
+                <a:latin typeface="Times New Roman" charset="0"/>
+                <a:ea typeface="Times New Roman" charset="0"/>
+                <a:cs typeface="Times New Roman" charset="0"/>
+              </a:rPr>
+              <a:t>) has been satisfied</a:t>
+            </a:r>
+          </a:p>
+          <a:p>
+            <a:pPr marL="285750" indent="-285750">
+              <a:buFont typeface="Wingdings" charset="2"/>
+              <a:buChar char="Ø"/>
+            </a:pPr>
+            <a:r>
+              <a:rPr lang="en-US" altLang="zh-CN" sz="2000" dirty="0" smtClean="0">
+                <a:latin typeface="Times New Roman" charset="0"/>
+                <a:ea typeface="Times New Roman" charset="0"/>
+                <a:cs typeface="Times New Roman" charset="0"/>
+              </a:rPr>
+              <a:t>Have to tune the weight parameter </a:t>
+            </a:r>
+            <a:r>
+              <a:rPr lang="en-US" altLang="zh-CN" sz="2000" dirty="0" smtClean="0">
+                <a:latin typeface="Times New Roman" charset="0"/>
+                <a:ea typeface="Times New Roman" charset="0"/>
+                <a:cs typeface="Times New Roman" charset="0"/>
+              </a:rPr>
+              <a:t>Wk</a:t>
+            </a:r>
+            <a:endParaRPr lang="en-US" altLang="zh-CN" sz="2000" dirty="0" smtClean="0">
               <a:latin typeface="Times New Roman" charset="0"/>
               <a:ea typeface="Times New Roman" charset="0"/>
               <a:cs typeface="Times New Roman" charset="0"/>
@@ -6046,145 +5910,60 @@
               <a:buChar char="Ø"/>
             </a:pPr>
             <a:r>
-              <a:rPr lang="en-US" altLang="zh-CN" sz="1800" dirty="0">
+              <a:rPr lang="en-US" altLang="zh-CN" sz="2000" dirty="0" smtClean="0">
                 <a:latin typeface="Times New Roman" charset="0"/>
                 <a:ea typeface="Times New Roman" charset="0"/>
                 <a:cs typeface="Times New Roman" charset="0"/>
               </a:rPr>
-              <a:t>M step:</a:t>
-            </a:r>
-          </a:p>
-          <a:p>
-            <a:r>
-              <a:rPr lang="en-US" altLang="zh-CN" sz="1800" dirty="0" smtClean="0">
+              <a:t>Have to initialize cluster assignment L  for each citation vector</a:t>
+            </a:r>
+          </a:p>
+          <a:p>
+            <a:pPr marL="285750" indent="-285750">
+              <a:buFont typeface="Wingdings" charset="2"/>
+              <a:buChar char="Ø"/>
+            </a:pPr>
+            <a:r>
+              <a:rPr lang="en-US" altLang="zh-CN" sz="2000" dirty="0" smtClean="0">
                 <a:latin typeface="Times New Roman" charset="0"/>
                 <a:ea typeface="Times New Roman" charset="0"/>
                 <a:cs typeface="Times New Roman" charset="0"/>
               </a:rPr>
-              <a:t>     Update </a:t>
-            </a:r>
-            <a:r>
-              <a:rPr lang="en-US" altLang="zh-CN" sz="1800" dirty="0">
+              <a:t>Have to initialize a parameter matrix A for distance calculation</a:t>
+            </a:r>
+          </a:p>
+          <a:p>
+            <a:pPr marL="285750" indent="-285750">
+              <a:buFont typeface="Wingdings" charset="2"/>
+              <a:buChar char="Ø"/>
+            </a:pPr>
+            <a:r>
+              <a:rPr lang="en-US" altLang="zh-CN" sz="2000" dirty="0" smtClean="0">
                 <a:latin typeface="Times New Roman" charset="0"/>
                 <a:ea typeface="Times New Roman" charset="0"/>
                 <a:cs typeface="Times New Roman" charset="0"/>
               </a:rPr>
-              <a:t>diagonal elements of A </a:t>
-            </a:r>
-            <a:r>
-              <a:rPr lang="en-US" altLang="zh-CN" sz="1800" dirty="0" err="1">
+              <a:t>Think about the idea that you want to find cluster assignment that not only </a:t>
+            </a:r>
+          </a:p>
+          <a:p>
+            <a:r>
+              <a:rPr lang="en-US" altLang="zh-CN" sz="2000" dirty="0" smtClean="0">
                 <a:latin typeface="Times New Roman" charset="0"/>
                 <a:ea typeface="Times New Roman" charset="0"/>
                 <a:cs typeface="Times New Roman" charset="0"/>
               </a:rPr>
-              <a:t>cuz</a:t>
-            </a:r>
-            <a:r>
-              <a:rPr lang="en-US" altLang="zh-CN" sz="1800" dirty="0">
+              <a:t>minimize the distance between each point and its center, but also satisfies the </a:t>
+            </a:r>
+          </a:p>
+          <a:p>
+            <a:r>
+              <a:rPr lang="en-US" altLang="zh-CN" sz="2000" dirty="0" smtClean="0">
                 <a:latin typeface="Times New Roman" charset="0"/>
                 <a:ea typeface="Times New Roman" charset="0"/>
                 <a:cs typeface="Times New Roman" charset="0"/>
               </a:rPr>
-              <a:t> get the </a:t>
-            </a:r>
-            <a:r>
-              <a:rPr lang="en-US" altLang="zh-CN" sz="1800" dirty="0" err="1">
-                <a:latin typeface="Times New Roman" charset="0"/>
-                <a:ea typeface="Times New Roman" charset="0"/>
-                <a:cs typeface="Times New Roman" charset="0"/>
-              </a:rPr>
-              <a:t>dist</a:t>
-            </a:r>
-            <a:r>
-              <a:rPr lang="en-US" altLang="zh-CN" sz="1800" dirty="0">
-                <a:latin typeface="Times New Roman" charset="0"/>
-                <a:ea typeface="Times New Roman" charset="0"/>
-                <a:cs typeface="Times New Roman" charset="0"/>
-              </a:rPr>
-              <a:t> </a:t>
-            </a:r>
-          </a:p>
-          <a:p>
-            <a:r>
-              <a:rPr lang="en-US" altLang="zh-CN" sz="1800" dirty="0" smtClean="0">
-                <a:latin typeface="Times New Roman" charset="0"/>
-                <a:ea typeface="Times New Roman" charset="0"/>
-                <a:cs typeface="Times New Roman" charset="0"/>
-              </a:rPr>
-              <a:t>     E step:</a:t>
-            </a:r>
-            <a:endParaRPr lang="en-US" altLang="zh-CN" sz="1800" dirty="0">
-              <a:latin typeface="Times New Roman" charset="0"/>
-              <a:ea typeface="Times New Roman" charset="0"/>
-              <a:cs typeface="Times New Roman" charset="0"/>
-            </a:endParaRPr>
-          </a:p>
-          <a:p>
-            <a:r>
-              <a:rPr lang="en-US" altLang="zh-CN" sz="1800" dirty="0" smtClean="0">
-                <a:latin typeface="Times New Roman" charset="0"/>
-                <a:ea typeface="Times New Roman" charset="0"/>
-                <a:cs typeface="Times New Roman" charset="0"/>
-              </a:rPr>
-              <a:t>     Reassign </a:t>
-            </a:r>
-            <a:r>
-              <a:rPr lang="en-US" altLang="zh-CN" sz="1800" dirty="0">
-                <a:latin typeface="Times New Roman" charset="0"/>
-                <a:ea typeface="Times New Roman" charset="0"/>
-                <a:cs typeface="Times New Roman" charset="0"/>
-              </a:rPr>
-              <a:t>xi to minimize the </a:t>
-            </a:r>
-            <a:r>
-              <a:rPr lang="en-US" altLang="zh-CN" sz="1800" dirty="0" err="1">
-                <a:latin typeface="Times New Roman" charset="0"/>
-                <a:ea typeface="Times New Roman" charset="0"/>
-                <a:cs typeface="Times New Roman" charset="0"/>
-              </a:rPr>
-              <a:t>obj</a:t>
-            </a:r>
-            <a:r>
-              <a:rPr lang="en-US" altLang="zh-CN" sz="1800" dirty="0">
-                <a:latin typeface="Times New Roman" charset="0"/>
-                <a:ea typeface="Times New Roman" charset="0"/>
-                <a:cs typeface="Times New Roman" charset="0"/>
-              </a:rPr>
-              <a:t> fun</a:t>
-            </a:r>
-          </a:p>
-          <a:p>
-            <a:r>
-              <a:rPr lang="en-US" altLang="zh-CN" sz="1800" dirty="0" smtClean="0">
-                <a:latin typeface="Times New Roman" charset="0"/>
-                <a:ea typeface="Times New Roman" charset="0"/>
-                <a:cs typeface="Times New Roman" charset="0"/>
-              </a:rPr>
-              <a:t>     Stop </a:t>
-            </a:r>
-            <a:r>
-              <a:rPr lang="en-US" altLang="zh-CN" sz="1800" dirty="0">
-                <a:latin typeface="Times New Roman" charset="0"/>
-                <a:ea typeface="Times New Roman" charset="0"/>
-                <a:cs typeface="Times New Roman" charset="0"/>
-              </a:rPr>
-              <a:t>when no paper change its assignment </a:t>
-            </a:r>
-            <a:r>
-              <a:rPr lang="en-US" altLang="zh-CN" sz="1800" dirty="0" err="1">
-                <a:latin typeface="Times New Roman" charset="0"/>
-                <a:ea typeface="Times New Roman" charset="0"/>
-                <a:cs typeface="Times New Roman" charset="0"/>
-              </a:rPr>
-              <a:t>betweeen</a:t>
-            </a:r>
-            <a:r>
-              <a:rPr lang="en-US" altLang="zh-CN" sz="1800" dirty="0">
-                <a:latin typeface="Times New Roman" charset="0"/>
-                <a:ea typeface="Times New Roman" charset="0"/>
-                <a:cs typeface="Times New Roman" charset="0"/>
-              </a:rPr>
-              <a:t> two successive iterations.</a:t>
+              <a:t>c2 criterion.</a:t>
             </a:r>
           </a:p>
           <a:p>
@@ -6199,33 +5978,55 @@
               <a:buFont typeface="Wingdings" charset="2"/>
               <a:buChar char="Ø"/>
             </a:pPr>
-            <a:r>
-              <a:rPr lang="en-US" altLang="zh-CN" sz="1800" dirty="0">
-                <a:latin typeface="Times New Roman" charset="0"/>
-                <a:ea typeface="Times New Roman" charset="0"/>
-                <a:cs typeface="Times New Roman" charset="0"/>
-              </a:rPr>
-              <a:t>E</a:t>
-            </a:r>
-            <a:r>
-              <a:rPr lang="en-US" altLang="zh-CN" sz="1800" dirty="0" smtClean="0">
-                <a:latin typeface="Times New Roman" charset="0"/>
-                <a:ea typeface="Times New Roman" charset="0"/>
-                <a:cs typeface="Times New Roman" charset="0"/>
-              </a:rPr>
-              <a:t>nd</a:t>
-            </a:r>
-            <a:endParaRPr lang="zh-CN" altLang="en-US" sz="1800" dirty="0">
+            <a:endParaRPr lang="en-US" altLang="zh-CN" sz="1800" dirty="0" smtClean="0">
               <a:latin typeface="Times New Roman" charset="0"/>
               <a:ea typeface="Times New Roman" charset="0"/>
               <a:cs typeface="Times New Roman" charset="0"/>
             </a:endParaRPr>
           </a:p>
           <a:p>
-            <a:endParaRPr lang="en-US" dirty="0"/>
-          </a:p>
-        </p:txBody>
-      </p:sp>
+            <a:pPr marL="285750" indent="-285750">
+              <a:buFont typeface="Wingdings" charset="2"/>
+              <a:buChar char="Ø"/>
+            </a:pPr>
+            <a:endParaRPr lang="en-US" altLang="zh-CN" sz="1800" dirty="0" smtClean="0">
+              <a:latin typeface="Times New Roman" charset="0"/>
+              <a:ea typeface="Times New Roman" charset="0"/>
+              <a:cs typeface="Times New Roman" charset="0"/>
+            </a:endParaRPr>
+          </a:p>
+        </p:txBody>
+      </p:sp>
+      <p:pic>
+        <p:nvPicPr>
+          <p:cNvPr id="5" name="Picture 4"/>
+          <p:cNvPicPr>
+            <a:picLocks noChangeAspect="1"/>
+          </p:cNvPicPr>
+          <p:nvPr/>
+        </p:nvPicPr>
+        <p:blipFill>
+          <a:blip r:embed="rId2">
+            <a:extLst>
+              <a:ext uri="{28A0092B-C50C-407E-A947-70E740481C1C}">
+                <a14:useLocalDpi xmlns:a14="http://schemas.microsoft.com/office/drawing/2010/main" val="0"/>
+              </a:ext>
+            </a:extLst>
+          </a:blip>
+          <a:stretch>
+            <a:fillRect/>
+          </a:stretch>
+        </p:blipFill>
+        <p:spPr>
+          <a:xfrm>
+            <a:off x="713283" y="1697168"/>
+            <a:ext cx="7459117" cy="1371792"/>
+          </a:xfrm>
+          <a:prstGeom prst="rect">
+            <a:avLst/>
+          </a:prstGeom>
+        </p:spPr>
+      </p:pic>
     </p:spTree>
     <p:extLst>
       <p:ext uri="{BB962C8B-B14F-4D97-AF65-F5344CB8AC3E}">
@@ -6236,6 +6037,13 @@
   <p:clrMapOvr>
     <a:masterClrMapping/>
   </p:clrMapOvr>
+  <p:timing>
+    <p:tnLst>
+      <p:par>
+        <p:cTn id="1" dur="indefinite" restart="never" nodeType="tmRoot"/>
+      </p:par>
+    </p:tnLst>
+  </p:timing>
 </p:sld>
 </file>
 
@@ -6258,7 +6066,7 @@
       </p:grpSpPr>
       <p:sp>
         <p:nvSpPr>
-          <p:cNvPr id="4" name="Title 3"/>
+          <p:cNvPr id="2" name="Title 1"/>
           <p:cNvSpPr>
             <a:spLocks noGrp="1"/>
           </p:cNvSpPr>
@@ -6268,136 +6076,249 @@
         </p:nvSpPr>
         <p:spPr/>
         <p:txBody>
-          <a:bodyPr>
-            <a:normAutofit/>
-          </a:bodyPr>
-          <a:lstStyle/>
-          <a:p>
-            <a:pPr algn="ctr"/>
-            <a:endParaRPr lang="ko-KR" altLang="en-US" sz="3200" dirty="0">
+          <a:bodyPr/>
+          <a:lstStyle/>
+          <a:p>
+            <a:r>
+              <a:rPr lang="en-US" altLang="zh-CN" sz="3000" dirty="0">
+                <a:latin typeface="Times New Roman Uni" panose="02020603050405020304" pitchFamily="18" charset="-122"/>
+                <a:ea typeface="Times New Roman Uni" panose="02020603050405020304" pitchFamily="18" charset="-122"/>
+                <a:cs typeface="Times New Roman Uni" panose="02020603050405020304" pitchFamily="18" charset="-122"/>
+              </a:rPr>
+              <a:t>A Constraint-Based Probabilistic Framework approach</a:t>
+            </a:r>
+            <a:endParaRPr lang="zh-CN" altLang="en-US" sz="3000" dirty="0"/>
+          </a:p>
+        </p:txBody>
+      </p:sp>
+      <p:sp>
+        <p:nvSpPr>
+          <p:cNvPr id="4" name="Content Placeholder 3"/>
+          <p:cNvSpPr>
+            <a:spLocks noGrp="1"/>
+          </p:cNvSpPr>
+          <p:nvPr>
+            <p:ph idx="10"/>
+          </p:nvPr>
+        </p:nvSpPr>
+        <p:spPr>
+          <a:xfrm>
+            <a:off x="590872" y="2348880"/>
+            <a:ext cx="8229600" cy="4509120"/>
+          </a:xfrm>
+        </p:spPr>
+        <p:txBody>
+          <a:bodyPr/>
+          <a:lstStyle/>
+          <a:p>
+            <a:pPr marL="342900" indent="-342900">
+              <a:buFont typeface="Wingdings" panose="05000000000000000000" pitchFamily="2" charset="2"/>
+              <a:buChar char="Ø"/>
+            </a:pPr>
+            <a:r>
+              <a:rPr lang="en-US" altLang="zh-CN" sz="2000" dirty="0" smtClean="0">
+                <a:latin typeface="Times New Roman" charset="0"/>
+                <a:ea typeface="Times New Roman" charset="0"/>
+                <a:cs typeface="Times New Roman" charset="0"/>
+              </a:rPr>
+              <a:t>We initialize our cluster assignment based on C2 constraint, namely </a:t>
+            </a:r>
+          </a:p>
+          <a:p>
+            <a:r>
+              <a:rPr lang="en-US" altLang="zh-CN" sz="2000" dirty="0" smtClean="0">
+                <a:latin typeface="Times New Roman" charset="0"/>
+                <a:ea typeface="Times New Roman" charset="0"/>
+                <a:cs typeface="Times New Roman" charset="0"/>
+              </a:rPr>
+              <a:t>the two citation vectors that have the same coauthor will have the same </a:t>
+            </a:r>
+          </a:p>
+          <a:p>
+            <a:r>
+              <a:rPr lang="en-US" altLang="zh-CN" sz="2000" dirty="0" smtClean="0">
+                <a:latin typeface="Times New Roman" charset="0"/>
+                <a:ea typeface="Times New Roman" charset="0"/>
+                <a:cs typeface="Times New Roman" charset="0"/>
+              </a:rPr>
+              <a:t>cluster assignment</a:t>
+            </a:r>
+          </a:p>
+          <a:p>
+            <a:pPr marL="342900" indent="-342900">
+              <a:buFont typeface="Wingdings" panose="05000000000000000000" pitchFamily="2" charset="2"/>
+              <a:buChar char="Ø"/>
+            </a:pPr>
+            <a:r>
+              <a:rPr lang="en-US" altLang="zh-CN" sz="2000" dirty="0" smtClean="0">
+                <a:latin typeface="Times New Roman" charset="0"/>
+                <a:ea typeface="Times New Roman" charset="0"/>
+                <a:cs typeface="Times New Roman" charset="0"/>
+              </a:rPr>
+              <a:t>If  number of the resulting cluster is greater than our known cluster K, </a:t>
+            </a:r>
+          </a:p>
+          <a:p>
+            <a:r>
+              <a:rPr lang="en-US" altLang="zh-CN" sz="2000" dirty="0" smtClean="0">
+                <a:latin typeface="Times New Roman" charset="0"/>
+                <a:ea typeface="Times New Roman" charset="0"/>
+                <a:cs typeface="Times New Roman" charset="0"/>
+              </a:rPr>
+              <a:t>we cluster the nearest group until </a:t>
+            </a:r>
+            <a:r>
+              <a:rPr lang="en-US" altLang="zh-CN" sz="2000" dirty="0">
+                <a:latin typeface="Times New Roman" charset="0"/>
+                <a:ea typeface="Times New Roman" charset="0"/>
+                <a:cs typeface="Times New Roman" charset="0"/>
+              </a:rPr>
+              <a:t>K groups left. Otherwise, we randomly sample </a:t>
+            </a:r>
+            <a:r>
+              <a:rPr lang="en-US" altLang="zh-CN" sz="2000" dirty="0" smtClean="0">
+                <a:latin typeface="Times New Roman" charset="0"/>
+                <a:ea typeface="Times New Roman" charset="0"/>
+                <a:cs typeface="Times New Roman" charset="0"/>
+              </a:rPr>
+              <a:t>perturbations </a:t>
+            </a:r>
+            <a:r>
+              <a:rPr lang="en-US" altLang="zh-CN" sz="2000" dirty="0">
+                <a:latin typeface="Times New Roman" charset="0"/>
+                <a:ea typeface="Times New Roman" charset="0"/>
+                <a:cs typeface="Times New Roman" charset="0"/>
+              </a:rPr>
+              <a:t>of the global centroid to make it up</a:t>
+            </a:r>
+            <a:r>
+              <a:rPr lang="en-US" altLang="zh-CN" sz="2000" dirty="0" smtClean="0">
+                <a:latin typeface="Times New Roman" charset="0"/>
+                <a:ea typeface="Times New Roman" charset="0"/>
+                <a:cs typeface="Times New Roman" charset="0"/>
+              </a:rPr>
+              <a:t>.</a:t>
+            </a:r>
+          </a:p>
+          <a:p>
+            <a:pPr marL="342900" indent="-342900">
+              <a:buFont typeface="Wingdings" panose="05000000000000000000" pitchFamily="2" charset="2"/>
+              <a:buChar char="Ø"/>
+            </a:pPr>
+            <a:r>
+              <a:rPr lang="en-US" altLang="zh-CN" sz="2000" dirty="0" smtClean="0">
+                <a:latin typeface="Times New Roman" charset="0"/>
+                <a:ea typeface="Times New Roman" charset="0"/>
+                <a:cs typeface="Times New Roman" charset="0"/>
+              </a:rPr>
+              <a:t>Then, based on he current cluster assignment, we reassign each paper by </a:t>
+            </a:r>
+          </a:p>
+          <a:p>
+            <a:pPr marL="342900" indent="-342900">
+              <a:buFont typeface="Wingdings" panose="05000000000000000000" pitchFamily="2" charset="2"/>
+              <a:buChar char="Ø"/>
+            </a:pPr>
+            <a:r>
+              <a:rPr lang="en-US" altLang="zh-CN" sz="2000" dirty="0" smtClean="0">
+                <a:latin typeface="Times New Roman" charset="0"/>
+                <a:ea typeface="Times New Roman" charset="0"/>
+                <a:cs typeface="Times New Roman" charset="0"/>
+              </a:rPr>
+              <a:t>maximizing p(Y|X), and the cluster centers are also re-estimated from the assignment, with the same objective to maximize the p(Y|X), with the distance measure is also updated.</a:t>
+            </a:r>
+            <a:endParaRPr lang="en-US" altLang="zh-CN" sz="2000" dirty="0">
               <a:latin typeface="Times New Roman" charset="0"/>
               <a:ea typeface="Times New Roman" charset="0"/>
               <a:cs typeface="Times New Roman" charset="0"/>
             </a:endParaRPr>
           </a:p>
-        </p:txBody>
-      </p:sp>
-      <p:sp>
-        <p:nvSpPr>
-          <p:cNvPr id="6" name="Content Placeholder 5"/>
-          <p:cNvSpPr>
-            <a:spLocks noGrp="1"/>
-          </p:cNvSpPr>
+          <a:p>
+            <a:pPr marL="342900" indent="-342900">
+              <a:buFont typeface="Wingdings" panose="05000000000000000000" pitchFamily="2" charset="2"/>
+              <a:buChar char="Ø"/>
+            </a:pPr>
+            <a:r>
+              <a:rPr lang="en-US" altLang="zh-CN" sz="2000" dirty="0" smtClean="0">
+                <a:latin typeface="Times New Roman" charset="0"/>
+                <a:ea typeface="Times New Roman" charset="0"/>
+                <a:cs typeface="Times New Roman" charset="0"/>
+              </a:rPr>
+              <a:t>We can finally stop the algorithm when there is no further changes in </a:t>
+            </a:r>
+          </a:p>
+          <a:p>
+            <a:r>
+              <a:rPr lang="en-US" altLang="zh-CN" sz="2000" dirty="0" smtClean="0">
+                <a:latin typeface="Times New Roman" charset="0"/>
+                <a:ea typeface="Times New Roman" charset="0"/>
+                <a:cs typeface="Times New Roman" charset="0"/>
+              </a:rPr>
+              <a:t>      cluster assignment.</a:t>
+            </a:r>
+            <a:endParaRPr lang="en-US" altLang="zh-CN" sz="2000" dirty="0">
+              <a:latin typeface="Times New Roman" charset="0"/>
+              <a:ea typeface="Times New Roman" charset="0"/>
+              <a:cs typeface="Times New Roman" charset="0"/>
+            </a:endParaRPr>
+          </a:p>
+          <a:p>
+            <a:endParaRPr lang="en-US" altLang="zh-CN" dirty="0"/>
+          </a:p>
+          <a:p>
+            <a:endParaRPr lang="zh-CN" altLang="en-US" dirty="0"/>
+          </a:p>
+        </p:txBody>
+      </p:sp>
+      <p:pic>
+        <p:nvPicPr>
+          <p:cNvPr id="5" name="Content Placeholder 4"/>
+          <p:cNvPicPr>
+            <a:picLocks noGrp="1" noChangeAspect="1"/>
+          </p:cNvPicPr>
           <p:nvPr>
             <p:ph idx="1"/>
           </p:nvPr>
-        </p:nvSpPr>
-        <p:spPr/>
-        <p:txBody>
-          <a:bodyPr/>
-          <a:lstStyle/>
-          <a:p>
-            <a:r>
-              <a:rPr lang="en-US" altLang="ko-KR" b="1" dirty="0" smtClean="0">
-                <a:solidFill>
-                  <a:schemeClr val="tx1">
-                    <a:lumMod val="75000"/>
-                    <a:lumOff val="25000"/>
-                  </a:schemeClr>
-                </a:solidFill>
-                <a:latin typeface="Arial" pitchFamily="34" charset="0"/>
-                <a:cs typeface="Arial" pitchFamily="34" charset="0"/>
-              </a:rPr>
-              <a:t> </a:t>
-            </a:r>
-            <a:endParaRPr lang="en-US" altLang="ko-KR" b="1" dirty="0">
-              <a:solidFill>
-                <a:schemeClr val="tx1">
-                  <a:lumMod val="75000"/>
-                  <a:lumOff val="25000"/>
-                </a:schemeClr>
-              </a:solidFill>
-              <a:latin typeface="Arial" pitchFamily="34" charset="0"/>
-              <a:cs typeface="Arial" pitchFamily="34" charset="0"/>
-            </a:endParaRPr>
-          </a:p>
-        </p:txBody>
-      </p:sp>
-      <p:sp>
-        <p:nvSpPr>
-          <p:cNvPr id="2" name="Content Placeholder 1"/>
-          <p:cNvSpPr>
-            <a:spLocks noGrp="1"/>
-          </p:cNvSpPr>
-          <p:nvPr>
-            <p:ph idx="10"/>
-          </p:nvPr>
-        </p:nvSpPr>
-        <p:spPr/>
-        <p:txBody>
-          <a:bodyPr/>
-          <a:lstStyle/>
-          <a:p>
-            <a:r>
-              <a:rPr lang="en-US" dirty="0" smtClean="0"/>
-              <a:t> </a:t>
-            </a:r>
-            <a:endParaRPr lang="en-US" dirty="0"/>
-          </a:p>
-        </p:txBody>
-      </p:sp>
-      <p:sp>
-        <p:nvSpPr>
-          <p:cNvPr id="3" name="TextBox 2"/>
-          <p:cNvSpPr txBox="1"/>
-          <p:nvPr/>
-        </p:nvSpPr>
+        </p:nvPicPr>
+        <p:blipFill>
+          <a:blip r:embed="rId2">
+            <a:extLst>
+              <a:ext uri="{28A0092B-C50C-407E-A947-70E740481C1C}">
+                <a14:useLocalDpi xmlns:a14="http://schemas.microsoft.com/office/drawing/2010/main" val="0"/>
+              </a:ext>
+            </a:extLst>
+          </a:blip>
+          <a:stretch>
+            <a:fillRect/>
+          </a:stretch>
+        </p:blipFill>
         <p:spPr>
           <a:xfrm>
-            <a:off x="899592" y="1645641"/>
-            <a:ext cx="2476960" cy="523220"/>
+            <a:off x="899592" y="1124744"/>
+            <a:ext cx="7632848" cy="1224136"/>
           </a:xfrm>
           <a:prstGeom prst="rect">
             <a:avLst/>
           </a:prstGeom>
-          <a:noFill/>
         </p:spPr>
-        <p:txBody>
-          <a:bodyPr wrap="none" rtlCol="0">
-            <a:spAutoFit/>
-          </a:bodyPr>
-          <a:lstStyle/>
-          <a:p>
-            <a:pPr marL="457200" indent="-457200">
-              <a:buFont typeface="Wingdings" charset="2"/>
-              <a:buChar char="Ø"/>
-            </a:pPr>
-            <a:r>
-              <a:rPr lang="en-US" sz="2800" dirty="0" smtClean="0">
-                <a:latin typeface="Times New Roman" charset="0"/>
-                <a:ea typeface="Times New Roman" charset="0"/>
-                <a:cs typeface="Times New Roman" charset="0"/>
-              </a:rPr>
-              <a:t>Initialization</a:t>
-            </a:r>
-            <a:endParaRPr lang="en-US" sz="2800" dirty="0">
-              <a:latin typeface="Times New Roman" charset="0"/>
-              <a:ea typeface="Times New Roman" charset="0"/>
-              <a:cs typeface="Times New Roman" charset="0"/>
-            </a:endParaRPr>
-          </a:p>
-        </p:txBody>
-      </p:sp>
+      </p:pic>
     </p:spTree>
     <p:extLst>
       <p:ext uri="{BB962C8B-B14F-4D97-AF65-F5344CB8AC3E}">
-        <p14:creationId xmlns:p14="http://schemas.microsoft.com/office/powerpoint/2010/main" val="241727309"/>
+        <p14:creationId xmlns:p14="http://schemas.microsoft.com/office/powerpoint/2010/main" val="3432150041"/>
       </p:ext>
     </p:extLst>
   </p:cSld>
   <p:clrMapOvr>
     <a:masterClrMapping/>
   </p:clrMapOvr>
+  <p:timing>
+    <p:tnLst>
+      <p:par>
+        <p:cTn id="1" dur="indefinite" restart="never" nodeType="tmRoot"/>
+      </p:par>
+    </p:tnLst>
+  </p:timing>
 </p:sld>
 </file>
 
@@ -6539,9 +6460,19 @@
                 <a:ea typeface="Times New Roman" charset="0"/>
                 <a:cs typeface="Times New Roman" charset="0"/>
               </a:rPr>
-              <a:t>Gold Standard Method</a:t>
-            </a:r>
-            <a:endParaRPr lang="zh-CN" altLang="en-US" sz="2800" dirty="0">
+              <a:t>Gold Standard </a:t>
+            </a:r>
+            <a:r>
+              <a:rPr lang="en-US" altLang="zh-CN" sz="2800" dirty="0" smtClean="0">
+                <a:latin typeface="Times New Roman" charset="0"/>
+                <a:ea typeface="Times New Roman" charset="0"/>
+                <a:cs typeface="Times New Roman" charset="0"/>
+              </a:rPr>
+              <a:t>Method</a:t>
+            </a:r>
+          </a:p>
+          <a:p>
+            <a:endParaRPr lang="en-US" altLang="zh-CN" sz="2800" dirty="0" smtClean="0">
               <a:latin typeface="Times New Roman" charset="0"/>
               <a:ea typeface="Times New Roman" charset="0"/>
               <a:cs typeface="Times New Roman" charset="0"/>
@@ -6562,6 +6493,13 @@
   <p:clrMapOvr>
     <a:masterClrMapping/>
   </p:clrMapOvr>
+  <p:timing>
+    <p:tnLst>
+      <p:par>
+        <p:cTn id="1" dur="indefinite" restart="never" nodeType="tmRoot"/>
+      </p:par>
+    </p:tnLst>
+  </p:timing>
 </p:sld>
 </file>
 
@@ -6600,6 +6538,14 @@
           <a:lstStyle/>
           <a:p>
             <a:pPr algn="ctr"/>
+            <a:r>
+              <a:rPr lang="en-US" altLang="zh-CN" dirty="0">
+                <a:latin typeface="Times New Roman" charset="0"/>
+                <a:ea typeface="Times New Roman" charset="0"/>
+                <a:cs typeface="Times New Roman" charset="0"/>
+              </a:rPr>
+              <a:t>Our Results</a:t>
+            </a:r>
             <a:endParaRPr lang="ko-KR" altLang="en-US" sz="3200" dirty="0">
               <a:latin typeface="Times New Roman" charset="0"/>
               <a:ea typeface="Times New Roman" charset="0"/>
@@ -6676,13 +6622,20 @@
     </p:spTree>
     <p:extLst>
       <p:ext uri="{BB962C8B-B14F-4D97-AF65-F5344CB8AC3E}">
-        <p14:creationId xmlns:p14="http://schemas.microsoft.com/office/powerpoint/2010/main" val="1801076208"/>
+        <p14:creationId xmlns:p14="http://schemas.microsoft.com/office/powerpoint/2010/main" val="1455137532"/>
       </p:ext>
     </p:extLst>
   </p:cSld>
   <p:clrMapOvr>
     <a:masterClrMapping/>
   </p:clrMapOvr>
+  <p:timing>
+    <p:tnLst>
+      <p:par>
+        <p:cTn id="1" dur="indefinite" restart="never" nodeType="tmRoot"/>
+      </p:par>
+    </p:tnLst>
+  </p:timing>
 </p:sld>
 </file>
 
@@ -6722,12 +6675,8 @@
           <a:p>
             <a:pPr algn="ctr"/>
             <a:r>
-              <a:rPr lang="en-US" altLang="zh-CN" dirty="0">
-                <a:latin typeface="Times New Roman" charset="0"/>
-                <a:ea typeface="Times New Roman" charset="0"/>
-                <a:cs typeface="Times New Roman" charset="0"/>
-              </a:rPr>
-              <a:t>Our Results</a:t>
+              <a:rPr lang="en-US" altLang="zh-CN" dirty="0"/>
+              <a:t>Questions</a:t>
             </a:r>
             <a:endParaRPr lang="ko-KR" altLang="en-US" sz="3200" dirty="0">
               <a:latin typeface="Times New Roman" charset="0"/>
@@ -6805,13 +6754,20 @@
     </p:spTree>
     <p:extLst>
       <p:ext uri="{BB962C8B-B14F-4D97-AF65-F5344CB8AC3E}">
-        <p14:creationId xmlns:p14="http://schemas.microsoft.com/office/powerpoint/2010/main" val="1455137532"/>
+        <p14:creationId xmlns:p14="http://schemas.microsoft.com/office/powerpoint/2010/main" val="866264384"/>
       </p:ext>
     </p:extLst>
   </p:cSld>
   <p:clrMapOvr>
     <a:masterClrMapping/>
   </p:clrMapOvr>
+  <p:timing>
+    <p:tnLst>
+      <p:par>
+        <p:cTn id="1" dur="indefinite" restart="never" nodeType="tmRoot"/>
+      </p:par>
+    </p:tnLst>
+  </p:timing>
 </p:sld>
 </file>
 

--- a/doc/presentation.pptx
+++ b/doc/presentation.pptx
@@ -14,8 +14,9 @@
     <p:sldId id="271" r:id="rId8"/>
     <p:sldId id="265" r:id="rId9"/>
     <p:sldId id="267" r:id="rId10"/>
-    <p:sldId id="268" r:id="rId11"/>
-    <p:sldId id="270" r:id="rId12"/>
+    <p:sldId id="272" r:id="rId11"/>
+    <p:sldId id="268" r:id="rId12"/>
+    <p:sldId id="270" r:id="rId13"/>
   </p:sldIdLst>
   <p:sldSz cx="9144000" cy="6858000" type="screen4x3"/>
   <p:notesSz cx="6858000" cy="9144000"/>
@@ -4405,7 +4406,7 @@
           <a:p>
             <a:pPr algn="ctr"/>
             <a:r>
-              <a:rPr lang="en-US" altLang="zh-CN" sz="4000" dirty="0">
+              <a:rPr lang="en-US" altLang="zh-CN" sz="4000" b="1" dirty="0">
                 <a:latin typeface="Times New Roman Uni" panose="02020603050405020304" pitchFamily="18" charset="-122"/>
                 <a:ea typeface="Times New Roman Uni" panose="02020603050405020304" pitchFamily="18" charset="-122"/>
                 <a:cs typeface="Times New Roman Uni" panose="02020603050405020304" pitchFamily="18" charset="-122"/>
@@ -4794,6 +4795,138 @@
       </p:grpSpPr>
       <p:sp>
         <p:nvSpPr>
+          <p:cNvPr id="4" name="Title 3"/>
+          <p:cNvSpPr>
+            <a:spLocks noGrp="1"/>
+          </p:cNvSpPr>
+          <p:nvPr>
+            <p:ph type="title"/>
+          </p:nvPr>
+        </p:nvSpPr>
+        <p:spPr/>
+        <p:txBody>
+          <a:bodyPr>
+            <a:normAutofit/>
+          </a:bodyPr>
+          <a:lstStyle/>
+          <a:p>
+            <a:pPr algn="ctr"/>
+            <a:r>
+              <a:rPr lang="en-US" altLang="zh-CN" sz="2900" dirty="0"/>
+              <a:t>Questions</a:t>
+            </a:r>
+            <a:endParaRPr lang="ko-KR" altLang="en-US" sz="2900" dirty="0">
+              <a:latin typeface="Times New Roman" charset="0"/>
+              <a:ea typeface="Times New Roman" charset="0"/>
+              <a:cs typeface="Times New Roman" charset="0"/>
+            </a:endParaRPr>
+          </a:p>
+        </p:txBody>
+      </p:sp>
+      <p:sp>
+        <p:nvSpPr>
+          <p:cNvPr id="6" name="Content Placeholder 5"/>
+          <p:cNvSpPr>
+            <a:spLocks noGrp="1"/>
+          </p:cNvSpPr>
+          <p:nvPr>
+            <p:ph idx="1"/>
+          </p:nvPr>
+        </p:nvSpPr>
+        <p:spPr/>
+        <p:txBody>
+          <a:bodyPr/>
+          <a:lstStyle/>
+          <a:p>
+            <a:r>
+              <a:rPr lang="en-US" altLang="ko-KR" b="1" dirty="0" smtClean="0">
+                <a:solidFill>
+                  <a:schemeClr val="tx1">
+                    <a:lumMod val="75000"/>
+                    <a:lumOff val="25000"/>
+                  </a:schemeClr>
+                </a:solidFill>
+                <a:latin typeface="Arial" pitchFamily="34" charset="0"/>
+                <a:cs typeface="Arial" pitchFamily="34" charset="0"/>
+              </a:rPr>
+              <a:t> </a:t>
+            </a:r>
+            <a:endParaRPr lang="en-US" altLang="ko-KR" b="1" dirty="0">
+              <a:solidFill>
+                <a:schemeClr val="tx1">
+                  <a:lumMod val="75000"/>
+                  <a:lumOff val="25000"/>
+                </a:schemeClr>
+              </a:solidFill>
+              <a:latin typeface="Arial" pitchFamily="34" charset="0"/>
+              <a:cs typeface="Arial" pitchFamily="34" charset="0"/>
+            </a:endParaRPr>
+          </a:p>
+        </p:txBody>
+      </p:sp>
+      <p:sp>
+        <p:nvSpPr>
+          <p:cNvPr id="2" name="Content Placeholder 1"/>
+          <p:cNvSpPr>
+            <a:spLocks noGrp="1"/>
+          </p:cNvSpPr>
+          <p:nvPr>
+            <p:ph idx="10"/>
+          </p:nvPr>
+        </p:nvSpPr>
+        <p:spPr>
+          <a:xfrm>
+            <a:off x="323528" y="1268760"/>
+            <a:ext cx="8229600" cy="3600400"/>
+          </a:xfrm>
+        </p:spPr>
+        <p:txBody>
+          <a:bodyPr/>
+          <a:lstStyle/>
+          <a:p>
+            <a:endParaRPr lang="en-US" dirty="0"/>
+          </a:p>
+        </p:txBody>
+      </p:sp>
+    </p:spTree>
+    <p:extLst>
+      <p:ext uri="{BB962C8B-B14F-4D97-AF65-F5344CB8AC3E}">
+        <p14:creationId xmlns:p14="http://schemas.microsoft.com/office/powerpoint/2010/main" val="866264384"/>
+      </p:ext>
+    </p:extLst>
+  </p:cSld>
+  <p:clrMapOvr>
+    <a:masterClrMapping/>
+  </p:clrMapOvr>
+  <p:timing>
+    <p:tnLst>
+      <p:par>
+        <p:cTn id="1" dur="indefinite" restart="never" nodeType="tmRoot"/>
+      </p:par>
+    </p:tnLst>
+  </p:timing>
+</p:sld>
+</file>
+
+<file path=ppt/slides/slide11.xml><?xml version="1.0" encoding="utf-8"?>
+<p:sld xmlns:a="http://schemas.openxmlformats.org/drawingml/2006/main" xmlns:r="http://schemas.openxmlformats.org/officeDocument/2006/relationships" xmlns:p="http://schemas.openxmlformats.org/presentationml/2006/main">
+  <p:cSld>
+    <p:spTree>
+      <p:nvGrpSpPr>
+        <p:cNvPr id="1" name=""/>
+        <p:cNvGrpSpPr/>
+        <p:nvPr/>
+      </p:nvGrpSpPr>
+      <p:grpSpPr>
+        <a:xfrm>
+          <a:off x="0" y="0"/>
+          <a:ext cx="0" cy="0"/>
+          <a:chOff x="0" y="0"/>
+          <a:chExt cx="0" cy="0"/>
+        </a:xfrm>
+      </p:grpSpPr>
+      <p:sp>
+        <p:nvSpPr>
           <p:cNvPr id="4" name="TextBox 3"/>
           <p:cNvSpPr txBox="1"/>
           <p:nvPr/>
@@ -5072,14 +5205,14 @@
               <a:t> </a:t>
             </a:r>
             <a:r>
-              <a:rPr lang="en-US" altLang="zh-CN" dirty="0" smtClean="0">
+              <a:rPr lang="en-US" altLang="zh-CN" sz="2900" dirty="0" smtClean="0">
                 <a:latin typeface="Times New Roman" charset="0"/>
                 <a:ea typeface="Times New Roman" charset="0"/>
                 <a:cs typeface="Times New Roman" charset="0"/>
               </a:rPr>
               <a:t>Outline</a:t>
             </a:r>
-            <a:endParaRPr lang="ko-KR" altLang="en-US" dirty="0">
+            <a:endParaRPr lang="ko-KR" altLang="en-US" sz="2900" dirty="0">
               <a:latin typeface="Times New Roman" charset="0"/>
               <a:ea typeface="Times New Roman" charset="0"/>
               <a:cs typeface="Times New Roman" charset="0"/>
@@ -6358,7 +6491,7 @@
           <a:p>
             <a:pPr algn="ctr"/>
             <a:r>
-              <a:rPr lang="en-US" altLang="zh-CN" dirty="0">
+              <a:rPr lang="en-US" altLang="zh-CN" sz="2900" dirty="0">
                 <a:latin typeface="Times New Roman" charset="0"/>
                 <a:ea typeface="Times New Roman" charset="0"/>
                 <a:cs typeface="Times New Roman" charset="0"/>
@@ -6366,14 +6499,14 @@
               <a:t>Evaluation Method</a:t>
             </a:r>
             <a:r>
-              <a:rPr lang="en-US" altLang="ko-KR" dirty="0" smtClean="0">
+              <a:rPr lang="en-US" altLang="ko-KR" sz="2900" dirty="0" smtClean="0">
                 <a:latin typeface="Times New Roman" charset="0"/>
                 <a:ea typeface="Times New Roman" charset="0"/>
                 <a:cs typeface="Times New Roman" charset="0"/>
               </a:rPr>
               <a:t> </a:t>
             </a:r>
-            <a:endParaRPr lang="ko-KR" altLang="en-US" sz="3200" dirty="0">
+            <a:endParaRPr lang="ko-KR" altLang="en-US" sz="2900" dirty="0">
               <a:latin typeface="Times New Roman" charset="0"/>
               <a:ea typeface="Times New Roman" charset="0"/>
               <a:cs typeface="Times New Roman" charset="0"/>
@@ -6391,7 +6524,12 @@
             <p:ph idx="1"/>
           </p:nvPr>
         </p:nvSpPr>
-        <p:spPr/>
+        <p:spPr>
+          <a:xfrm>
+            <a:off x="914400" y="2924944"/>
+            <a:ext cx="8229600" cy="460648"/>
+          </a:xfrm>
+        </p:spPr>
         <p:txBody>
           <a:bodyPr/>
           <a:lstStyle/>
@@ -6442,34 +6580,39 @@
           <a:bodyPr/>
           <a:lstStyle/>
           <a:p>
-            <a:pPr marL="457200" indent="-457200">
-              <a:buFont typeface="Wingdings" charset="2"/>
-              <a:buChar char="Ø"/>
-            </a:pPr>
-            <a:r>
-              <a:rPr lang="en-US" sz="2800" dirty="0" smtClean="0">
+            <a:r>
+              <a:rPr lang="en-US" sz="2000" dirty="0" smtClean="0">
                 <a:latin typeface="Times New Roman" charset="0"/>
                 <a:ea typeface="Times New Roman" charset="0"/>
                 <a:cs typeface="Times New Roman" charset="0"/>
               </a:rPr>
-              <a:t> </a:t>
-            </a:r>
-            <a:r>
-              <a:rPr lang="en-US" altLang="zh-CN" sz="2800" dirty="0">
+              <a:t>We evaluate the two algorithms using gold standard clusters</a:t>
+            </a:r>
+          </a:p>
+          <a:p>
+            <a:r>
+              <a:rPr lang="en-US" altLang="zh-CN" sz="2000" dirty="0" smtClean="0">
                 <a:latin typeface="Times New Roman" charset="0"/>
                 <a:ea typeface="Times New Roman" charset="0"/>
                 <a:cs typeface="Times New Roman" charset="0"/>
               </a:rPr>
-              <a:t>Gold Standard </a:t>
-            </a:r>
-            <a:r>
-              <a:rPr lang="en-US" altLang="zh-CN" sz="2800" dirty="0" smtClean="0">
+              <a:t>Follow the instructions of the two papers, we calculate the values using </a:t>
+            </a:r>
+          </a:p>
+          <a:p>
+            <a:r>
+              <a:rPr lang="en-US" altLang="zh-CN" sz="2000" dirty="0" smtClean="0">
                 <a:latin typeface="Times New Roman" charset="0"/>
                 <a:ea typeface="Times New Roman" charset="0"/>
                 <a:cs typeface="Times New Roman" charset="0"/>
               </a:rPr>
-              <a:t>Method</a:t>
-            </a:r>
+              <a:t>all features, or only one of them</a:t>
+            </a:r>
+            <a:endParaRPr lang="en-US" altLang="zh-CN" sz="2000" dirty="0" smtClean="0">
+              <a:latin typeface="Times New Roman" charset="0"/>
+              <a:ea typeface="Times New Roman" charset="0"/>
+              <a:cs typeface="Times New Roman" charset="0"/>
+            </a:endParaRPr>
           </a:p>
           <a:p>
             <a:endParaRPr lang="en-US" altLang="zh-CN" sz="2800" dirty="0" smtClean="0">
@@ -6539,14 +6682,14 @@
           <a:p>
             <a:pPr algn="ctr"/>
             <a:r>
-              <a:rPr lang="en-US" altLang="zh-CN" dirty="0">
+              <a:rPr lang="en-US" altLang="zh-CN" sz="2900" dirty="0">
                 <a:latin typeface="Times New Roman" charset="0"/>
                 <a:ea typeface="Times New Roman" charset="0"/>
                 <a:cs typeface="Times New Roman" charset="0"/>
               </a:rPr>
               <a:t>Our Results</a:t>
             </a:r>
-            <a:endParaRPr lang="ko-KR" altLang="en-US" sz="3200" dirty="0">
+            <a:endParaRPr lang="ko-KR" altLang="en-US" sz="2900" dirty="0">
               <a:latin typeface="Times New Roman" charset="0"/>
               <a:ea typeface="Times New Roman" charset="0"/>
               <a:cs typeface="Times New Roman" charset="0"/>
@@ -6658,7 +6801,7 @@
       </p:grpSpPr>
       <p:sp>
         <p:nvSpPr>
-          <p:cNvPr id="4" name="Title 3"/>
+          <p:cNvPr id="2" name="Title 1"/>
           <p:cNvSpPr>
             <a:spLocks noGrp="1"/>
           </p:cNvSpPr>
@@ -6668,27 +6811,16 @@
         </p:nvSpPr>
         <p:spPr/>
         <p:txBody>
-          <a:bodyPr>
-            <a:normAutofit/>
-          </a:bodyPr>
-          <a:lstStyle/>
-          <a:p>
-            <a:pPr algn="ctr"/>
-            <a:r>
-              <a:rPr lang="en-US" altLang="zh-CN" dirty="0"/>
-              <a:t>Questions</a:t>
-            </a:r>
-            <a:endParaRPr lang="ko-KR" altLang="en-US" sz="3200" dirty="0">
-              <a:latin typeface="Times New Roman" charset="0"/>
-              <a:ea typeface="Times New Roman" charset="0"/>
-              <a:cs typeface="Times New Roman" charset="0"/>
-            </a:endParaRPr>
-          </a:p>
-        </p:txBody>
-      </p:sp>
-      <p:sp>
-        <p:nvSpPr>
-          <p:cNvPr id="6" name="Content Placeholder 5"/>
+          <a:bodyPr/>
+          <a:lstStyle/>
+          <a:p>
+            <a:endParaRPr lang="zh-CN" altLang="en-US"/>
+          </a:p>
+        </p:txBody>
+      </p:sp>
+      <p:sp>
+        <p:nvSpPr>
+          <p:cNvPr id="3" name="Content Placeholder 2"/>
           <p:cNvSpPr>
             <a:spLocks noGrp="1"/>
           </p:cNvSpPr>
@@ -6701,35 +6833,13 @@
           <a:bodyPr/>
           <a:lstStyle/>
           <a:p>
-            <a:r>
-              <a:rPr lang="en-US" altLang="ko-KR" b="1" dirty="0" smtClean="0">
-                <a:solidFill>
-                  <a:schemeClr val="tx1">
-                    <a:lumMod val="75000"/>
-                    <a:lumOff val="25000"/>
-                  </a:schemeClr>
-                </a:solidFill>
-                <a:latin typeface="Arial" pitchFamily="34" charset="0"/>
-                <a:cs typeface="Arial" pitchFamily="34" charset="0"/>
-              </a:rPr>
-              <a:t> </a:t>
-            </a:r>
-            <a:endParaRPr lang="en-US" altLang="ko-KR" b="1" dirty="0">
-              <a:solidFill>
-                <a:schemeClr val="tx1">
-                  <a:lumMod val="75000"/>
-                  <a:lumOff val="25000"/>
-                </a:schemeClr>
-              </a:solidFill>
-              <a:latin typeface="Arial" pitchFamily="34" charset="0"/>
-              <a:cs typeface="Arial" pitchFamily="34" charset="0"/>
-            </a:endParaRPr>
-          </a:p>
-        </p:txBody>
-      </p:sp>
-      <p:sp>
-        <p:nvSpPr>
-          <p:cNvPr id="2" name="Content Placeholder 1"/>
+            <a:endParaRPr lang="zh-CN" altLang="en-US"/>
+          </a:p>
+        </p:txBody>
+      </p:sp>
+      <p:sp>
+        <p:nvSpPr>
+          <p:cNvPr id="4" name="Content Placeholder 3"/>
           <p:cNvSpPr>
             <a:spLocks noGrp="1"/>
           </p:cNvSpPr>
@@ -6737,37 +6847,25 @@
             <p:ph idx="10"/>
           </p:nvPr>
         </p:nvSpPr>
-        <p:spPr>
-          <a:xfrm>
-            <a:off x="323528" y="1268760"/>
-            <a:ext cx="8229600" cy="3600400"/>
-          </a:xfrm>
-        </p:spPr>
+        <p:spPr/>
         <p:txBody>
           <a:bodyPr/>
           <a:lstStyle/>
           <a:p>
-            <a:endParaRPr lang="en-US" dirty="0"/>
+            <a:endParaRPr lang="zh-CN" altLang="en-US"/>
           </a:p>
         </p:txBody>
       </p:sp>
     </p:spTree>
     <p:extLst>
       <p:ext uri="{BB962C8B-B14F-4D97-AF65-F5344CB8AC3E}">
-        <p14:creationId xmlns:p14="http://schemas.microsoft.com/office/powerpoint/2010/main" val="866264384"/>
+        <p14:creationId xmlns:p14="http://schemas.microsoft.com/office/powerpoint/2010/main" val="826635970"/>
       </p:ext>
     </p:extLst>
   </p:cSld>
   <p:clrMapOvr>
     <a:masterClrMapping/>
   </p:clrMapOvr>
-  <p:timing>
-    <p:tnLst>
-      <p:par>
-        <p:cTn id="1" dur="indefinite" restart="never" nodeType="tmRoot"/>
-      </p:par>
-    </p:tnLst>
-  </p:timing>
 </p:sld>
 </file>
 

--- a/doc/presentation.pptx
+++ b/doc/presentation.pptx
@@ -117,7 +117,7 @@
   </p:defaultTextStyle>
   <p:extLst>
     <p:ext uri="{EFAFB233-063F-42B5-8137-9DF3F51BA10A}">
-      <p15:sldGuideLst xmlns:p15="http://schemas.microsoft.com/office/powerpoint/2012/main" xmlns="">
+      <p15:sldGuideLst xmlns="" xmlns:p15="http://schemas.microsoft.com/office/powerpoint/2012/main">
         <p15:guide id="1" orient="horz" pos="2160">
           <p15:clr>
             <a:srgbClr val="A4A3A4"/>
@@ -4565,20 +4565,7 @@
                 </a:effectLst>
                 <a:latin typeface="Book Antiqua"/>
               </a:rPr>
-              <a:t>Boxuan</a:t>
-            </a:r>
-            <a:r>
-              <a:rPr lang="en-US" altLang="zh-CN" sz="2200" b="1" i="1" dirty="0">
-                <a:effectLst>
-                  <a:outerShdw blurRad="34925" dist="12700" dir="14400000" rotWithShape="0">
-                    <a:prstClr val="black">
-                      <a:alpha val="21000"/>
-                    </a:prstClr>
-                  </a:outerShdw>
-                </a:effectLst>
-                <a:latin typeface="Book Antiqua"/>
-              </a:rPr>
-              <a:t> </a:t>
+              <a:t>Boxuan </a:t>
             </a:r>
             <a:r>
               <a:rPr lang="en-US" altLang="zh-CN" sz="2200" b="1" i="1" dirty="0" smtClean="0">
@@ -4614,8 +4601,18 @@
                 </a:effectLst>
                 <a:latin typeface="Book Antiqua"/>
               </a:rPr>
-              <a:t>Zixuan</a:t>
-            </a:r>
+              <a:t>Zixuan Guan</a:t>
+            </a:r>
+          </a:p>
+          <a:p>
+            <a:pPr lvl="0" algn="ctr" latinLnBrk="0">
+              <a:spcBef>
+                <a:spcPct val="20000"/>
+              </a:spcBef>
+              <a:buClr>
+                <a:srgbClr val="873624"/>
+              </a:buClr>
+            </a:pPr>
             <a:r>
               <a:rPr lang="en-US" altLang="zh-CN" sz="2200" b="1" i="1" dirty="0" smtClean="0">
                 <a:effectLst>
@@ -4627,7 +4624,7 @@
                 </a:effectLst>
                 <a:latin typeface="Book Antiqua"/>
               </a:rPr>
-              <a:t> Guan</a:t>
+              <a:t>Zheren Tang</a:t>
             </a:r>
           </a:p>
           <a:p>
@@ -4650,8 +4647,18 @@
                 </a:effectLst>
                 <a:latin typeface="Book Antiqua"/>
               </a:rPr>
-              <a:t>Zheren</a:t>
-            </a:r>
+              <a:t>Jihan Wei</a:t>
+            </a:r>
+          </a:p>
+          <a:p>
+            <a:pPr lvl="0" algn="ctr" latinLnBrk="0">
+              <a:spcBef>
+                <a:spcPct val="20000"/>
+              </a:spcBef>
+              <a:buClr>
+                <a:srgbClr val="873624"/>
+              </a:buClr>
+            </a:pPr>
             <a:r>
               <a:rPr lang="en-US" altLang="zh-CN" sz="2200" b="1" i="1" dirty="0" smtClean="0">
                 <a:effectLst>
@@ -4663,79 +4670,7 @@
                 </a:effectLst>
                 <a:latin typeface="Book Antiqua"/>
               </a:rPr>
-              <a:t> Tang</a:t>
-            </a:r>
-          </a:p>
-          <a:p>
-            <a:pPr lvl="0" algn="ctr" latinLnBrk="0">
-              <a:spcBef>
-                <a:spcPct val="20000"/>
-              </a:spcBef>
-              <a:buClr>
-                <a:srgbClr val="873624"/>
-              </a:buClr>
-            </a:pPr>
-            <a:r>
-              <a:rPr lang="en-US" altLang="zh-CN" sz="2200" b="1" i="1" dirty="0" smtClean="0">
-                <a:effectLst>
-                  <a:outerShdw blurRad="34925" dist="12700" dir="14400000" rotWithShape="0">
-                    <a:prstClr val="black">
-                      <a:alpha val="21000"/>
-                    </a:prstClr>
-                  </a:outerShdw>
-                </a:effectLst>
-                <a:latin typeface="Book Antiqua"/>
-              </a:rPr>
-              <a:t>Jihan</a:t>
-            </a:r>
-            <a:r>
-              <a:rPr lang="en-US" altLang="zh-CN" sz="2200" b="1" i="1" dirty="0" smtClean="0">
-                <a:effectLst>
-                  <a:outerShdw blurRad="34925" dist="12700" dir="14400000" rotWithShape="0">
-                    <a:prstClr val="black">
-                      <a:alpha val="21000"/>
-                    </a:prstClr>
-                  </a:outerShdw>
-                </a:effectLst>
-                <a:latin typeface="Book Antiqua"/>
-              </a:rPr>
-              <a:t> Wei</a:t>
-            </a:r>
-          </a:p>
-          <a:p>
-            <a:pPr lvl="0" algn="ctr" latinLnBrk="0">
-              <a:spcBef>
-                <a:spcPct val="20000"/>
-              </a:spcBef>
-              <a:buClr>
-                <a:srgbClr val="873624"/>
-              </a:buClr>
-            </a:pPr>
-            <a:r>
-              <a:rPr lang="en-US" altLang="zh-CN" sz="2200" b="1" i="1" dirty="0" smtClean="0">
-                <a:effectLst>
-                  <a:outerShdw blurRad="34925" dist="12700" dir="14400000" rotWithShape="0">
-                    <a:prstClr val="black">
-                      <a:alpha val="21000"/>
-                    </a:prstClr>
-                  </a:outerShdw>
-                </a:effectLst>
-                <a:latin typeface="Book Antiqua"/>
-              </a:rPr>
-              <a:t>Yingxin</a:t>
-            </a:r>
-            <a:r>
-              <a:rPr lang="en-US" altLang="zh-CN" sz="2200" b="1" i="1" dirty="0" smtClean="0">
-                <a:effectLst>
-                  <a:outerShdw blurRad="34925" dist="12700" dir="14400000" rotWithShape="0">
-                    <a:prstClr val="black">
-                      <a:alpha val="21000"/>
-                    </a:prstClr>
-                  </a:outerShdw>
-                </a:effectLst>
-                <a:latin typeface="Book Antiqua"/>
-              </a:rPr>
-              <a:t> </a:t>
+              <a:t>Yingxin </a:t>
             </a:r>
             <a:r>
               <a:rPr lang="en-US" altLang="zh-CN" sz="2200" b="1" i="1" dirty="0">
@@ -4811,10 +4746,6 @@
           <a:lstStyle/>
           <a:p>
             <a:pPr algn="ctr"/>
-            <a:r>
-              <a:rPr lang="en-US" altLang="zh-CN" sz="2900" dirty="0"/>
-              <a:t>Questions</a:t>
-            </a:r>
             <a:endParaRPr lang="ko-KR" altLang="en-US" sz="2900" dirty="0">
               <a:latin typeface="Times New Roman" charset="0"/>
               <a:ea typeface="Times New Roman" charset="0"/>
@@ -4884,7 +4815,44 @@
           <a:bodyPr/>
           <a:lstStyle/>
           <a:p>
-            <a:endParaRPr lang="en-US" dirty="0"/>
+            <a:pPr algn="ctr"/>
+            <a:endParaRPr lang="en-US" sz="2900" dirty="0" smtClean="0">
+              <a:latin typeface="Times New Roman Uni" panose="02020603050405020304" pitchFamily="18" charset="-122"/>
+              <a:ea typeface="Times New Roman Uni" panose="02020603050405020304" pitchFamily="18" charset="-122"/>
+              <a:cs typeface="Times New Roman Uni" panose="02020603050405020304" pitchFamily="18" charset="-122"/>
+            </a:endParaRPr>
+          </a:p>
+          <a:p>
+            <a:pPr algn="ctr"/>
+            <a:endParaRPr lang="en-US" sz="2900" dirty="0">
+              <a:latin typeface="Times New Roman Uni" panose="02020603050405020304" pitchFamily="18" charset="-122"/>
+              <a:ea typeface="Times New Roman Uni" panose="02020603050405020304" pitchFamily="18" charset="-122"/>
+              <a:cs typeface="Times New Roman Uni" panose="02020603050405020304" pitchFamily="18" charset="-122"/>
+            </a:endParaRPr>
+          </a:p>
+          <a:p>
+            <a:pPr algn="ctr"/>
+            <a:endParaRPr lang="en-US" sz="2900" dirty="0" smtClean="0">
+              <a:latin typeface="Times New Roman Uni" panose="02020603050405020304" pitchFamily="18" charset="-122"/>
+              <a:ea typeface="Times New Roman Uni" panose="02020603050405020304" pitchFamily="18" charset="-122"/>
+              <a:cs typeface="Times New Roman Uni" panose="02020603050405020304" pitchFamily="18" charset="-122"/>
+            </a:endParaRPr>
+          </a:p>
+          <a:p>
+            <a:pPr algn="ctr"/>
+            <a:r>
+              <a:rPr lang="en-US" sz="4000" b="1" i="1" dirty="0" smtClean="0">
+                <a:latin typeface="Times New Roman Uni" panose="02020603050405020304" pitchFamily="18" charset="-122"/>
+                <a:ea typeface="Times New Roman Uni" panose="02020603050405020304" pitchFamily="18" charset="-122"/>
+                <a:cs typeface="Times New Roman Uni" panose="02020603050405020304" pitchFamily="18" charset="-122"/>
+              </a:rPr>
+              <a:t>Any Questions?</a:t>
+            </a:r>
+            <a:endParaRPr lang="en-US" sz="4000" b="1" i="1" dirty="0">
+              <a:latin typeface="Times New Roman Uni" panose="02020603050405020304" pitchFamily="18" charset="-122"/>
+              <a:ea typeface="Times New Roman Uni" panose="02020603050405020304" pitchFamily="18" charset="-122"/>
+              <a:cs typeface="Times New Roman Uni" panose="02020603050405020304" pitchFamily="18" charset="-122"/>
+            </a:endParaRPr>
           </a:p>
         </p:txBody>
       </p:sp>
@@ -5973,7 +5941,17 @@
                 <a:ea typeface="Times New Roman" charset="0"/>
                 <a:cs typeface="Times New Roman" charset="0"/>
               </a:rPr>
-              <a:t>Iterates until convergence criterion (i.e.. </a:t>
+              <a:t>Iterates until convergence criterion (i.e.. There is no change of cluster </a:t>
+            </a:r>
+          </a:p>
+          <a:p>
+            <a:r>
+              <a:rPr lang="en-US" altLang="zh-CN" sz="2000" dirty="0">
+                <a:latin typeface="Times New Roman" charset="0"/>
+                <a:ea typeface="Times New Roman" charset="0"/>
+                <a:cs typeface="Times New Roman" charset="0"/>
+              </a:rPr>
+              <a:t> </a:t>
             </a:r>
             <a:r>
               <a:rPr lang="en-US" altLang="zh-CN" sz="2000" dirty="0" smtClean="0">
@@ -5981,61 +5959,22 @@
                 <a:ea typeface="Times New Roman" charset="0"/>
                 <a:cs typeface="Times New Roman" charset="0"/>
               </a:rPr>
-              <a:t>There is no change of cluster </a:t>
-            </a:r>
-          </a:p>
-          <a:p>
-            <a:r>
-              <a:rPr lang="en-US" altLang="zh-CN" sz="2000" dirty="0">
-                <a:latin typeface="Times New Roman" charset="0"/>
-                <a:ea typeface="Times New Roman" charset="0"/>
-                <a:cs typeface="Times New Roman" charset="0"/>
-              </a:rPr>
-              <a:t> </a:t>
-            </a:r>
+              <a:t>assignment) has been satisfied</a:t>
+            </a:r>
+          </a:p>
+          <a:p>
+            <a:pPr marL="285750" indent="-285750">
+              <a:buFont typeface="Wingdings" charset="2"/>
+              <a:buChar char="Ø"/>
+            </a:pPr>
             <a:r>
               <a:rPr lang="en-US" altLang="zh-CN" sz="2000" dirty="0" smtClean="0">
                 <a:latin typeface="Times New Roman" charset="0"/>
                 <a:ea typeface="Times New Roman" charset="0"/>
                 <a:cs typeface="Times New Roman" charset="0"/>
               </a:rPr>
-              <a:t>assignment</a:t>
-            </a:r>
-            <a:r>
-              <a:rPr lang="en-US" altLang="zh-CN" sz="2000" dirty="0" smtClean="0">
-                <a:latin typeface="Times New Roman" charset="0"/>
-                <a:ea typeface="Times New Roman" charset="0"/>
-                <a:cs typeface="Times New Roman" charset="0"/>
-              </a:rPr>
-              <a:t>) has been satisfied</a:t>
-            </a:r>
-          </a:p>
-          <a:p>
-            <a:pPr marL="285750" indent="-285750">
-              <a:buFont typeface="Wingdings" charset="2"/>
-              <a:buChar char="Ø"/>
-            </a:pPr>
-            <a:r>
-              <a:rPr lang="en-US" altLang="zh-CN" sz="2000" dirty="0" smtClean="0">
-                <a:latin typeface="Times New Roman" charset="0"/>
-                <a:ea typeface="Times New Roman" charset="0"/>
-                <a:cs typeface="Times New Roman" charset="0"/>
-              </a:rPr>
-              <a:t>Have to tune the weight parameter </a:t>
-            </a:r>
-            <a:r>
-              <a:rPr lang="en-US" altLang="zh-CN" sz="2000" dirty="0" smtClean="0">
-                <a:latin typeface="Times New Roman" charset="0"/>
-                <a:ea typeface="Times New Roman" charset="0"/>
-                <a:cs typeface="Times New Roman" charset="0"/>
-              </a:rPr>
-              <a:t>Wk</a:t>
-            </a:r>
-            <a:endParaRPr lang="en-US" altLang="zh-CN" sz="2000" dirty="0" smtClean="0">
-              <a:latin typeface="Times New Roman" charset="0"/>
-              <a:ea typeface="Times New Roman" charset="0"/>
-              <a:cs typeface="Times New Roman" charset="0"/>
-            </a:endParaRPr>
+              <a:t>Have to tune the weight parameter Wk</a:t>
+            </a:r>
           </a:p>
           <a:p>
             <a:pPr marL="285750" indent="-285750">
@@ -6358,7 +6297,53 @@
                 <a:ea typeface="Times New Roman" charset="0"/>
                 <a:cs typeface="Times New Roman" charset="0"/>
               </a:rPr>
-              <a:t>maximizing p(Y|X), and the cluster centers are also re-estimated from the assignment, with the same objective to maximize the p(Y|X), with the distance measure is also updated.</a:t>
+              <a:t>maximizing p(Y|X), and the cluster centers are also re-estimated from </a:t>
+            </a:r>
+            <a:endParaRPr lang="en-US" altLang="zh-CN" sz="2000" dirty="0" smtClean="0">
+              <a:latin typeface="Times New Roman" charset="0"/>
+              <a:ea typeface="Times New Roman" charset="0"/>
+              <a:cs typeface="Times New Roman" charset="0"/>
+            </a:endParaRPr>
+          </a:p>
+          <a:p>
+            <a:r>
+              <a:rPr lang="en-US" altLang="zh-CN" sz="2000" dirty="0" smtClean="0">
+                <a:latin typeface="Times New Roman" charset="0"/>
+                <a:ea typeface="Times New Roman" charset="0"/>
+                <a:cs typeface="Times New Roman" charset="0"/>
+              </a:rPr>
+              <a:t>the </a:t>
+            </a:r>
+            <a:r>
+              <a:rPr lang="en-US" altLang="zh-CN" sz="2000" dirty="0" smtClean="0">
+                <a:latin typeface="Times New Roman" charset="0"/>
+                <a:ea typeface="Times New Roman" charset="0"/>
+                <a:cs typeface="Times New Roman" charset="0"/>
+              </a:rPr>
+              <a:t>assignment, with the same objective to maximize the p(Y|X), with the </a:t>
+            </a:r>
+            <a:endParaRPr lang="en-US" altLang="zh-CN" sz="2000" dirty="0" smtClean="0">
+              <a:latin typeface="Times New Roman" charset="0"/>
+              <a:ea typeface="Times New Roman" charset="0"/>
+              <a:cs typeface="Times New Roman" charset="0"/>
+            </a:endParaRPr>
+          </a:p>
+          <a:p>
+            <a:r>
+              <a:rPr lang="en-US" altLang="zh-CN" sz="2000" dirty="0" smtClean="0">
+                <a:latin typeface="Times New Roman" charset="0"/>
+                <a:ea typeface="Times New Roman" charset="0"/>
+                <a:cs typeface="Times New Roman" charset="0"/>
+              </a:rPr>
+              <a:t>distance </a:t>
+            </a:r>
+            <a:r>
+              <a:rPr lang="en-US" altLang="zh-CN" sz="2000" dirty="0" smtClean="0">
+                <a:latin typeface="Times New Roman" charset="0"/>
+                <a:ea typeface="Times New Roman" charset="0"/>
+                <a:cs typeface="Times New Roman" charset="0"/>
+              </a:rPr>
+              <a:t>measure is also updated.</a:t>
             </a:r>
             <a:endParaRPr lang="en-US" altLang="zh-CN" sz="2000" dirty="0">
               <a:latin typeface="Times New Roman" charset="0"/>
@@ -6608,11 +6593,6 @@
               </a:rPr>
               <a:t>all features, or only one of them</a:t>
             </a:r>
-            <a:endParaRPr lang="en-US" altLang="zh-CN" sz="2000" dirty="0" smtClean="0">
-              <a:latin typeface="Times New Roman" charset="0"/>
-              <a:ea typeface="Times New Roman" charset="0"/>
-              <a:cs typeface="Times New Roman" charset="0"/>
-            </a:endParaRPr>
           </a:p>
           <a:p>
             <a:endParaRPr lang="en-US" altLang="zh-CN" sz="2800" dirty="0" smtClean="0">
@@ -6738,30 +6718,65 @@
           </a:p>
         </p:txBody>
       </p:sp>
-      <p:sp>
-        <p:nvSpPr>
-          <p:cNvPr id="2" name="Content Placeholder 1"/>
-          <p:cNvSpPr>
-            <a:spLocks noGrp="1"/>
-          </p:cNvSpPr>
+      <p:pic>
+        <p:nvPicPr>
+          <p:cNvPr id="3" name="Content Placeholder 2"/>
+          <p:cNvPicPr>
+            <a:picLocks noGrp="1" noChangeAspect="1"/>
+          </p:cNvPicPr>
           <p:nvPr>
             <p:ph idx="10"/>
           </p:nvPr>
-        </p:nvSpPr>
+        </p:nvPicPr>
+        <p:blipFill>
+          <a:blip r:embed="rId2">
+            <a:extLst>
+              <a:ext uri="{28A0092B-C50C-407E-A947-70E740481C1C}">
+                <a14:useLocalDpi xmlns:a14="http://schemas.microsoft.com/office/drawing/2010/main" val="0"/>
+              </a:ext>
+            </a:extLst>
+          </a:blip>
+          <a:stretch>
+            <a:fillRect/>
+          </a:stretch>
+        </p:blipFill>
         <p:spPr>
           <a:xfrm>
-            <a:off x="323528" y="1268760"/>
-            <a:ext cx="8229600" cy="3600400"/>
+            <a:off x="0" y="1772816"/>
+            <a:ext cx="4730662" cy="3744416"/>
           </a:xfrm>
         </p:spPr>
-        <p:txBody>
-          <a:bodyPr/>
-          <a:lstStyle/>
-          <a:p>
-            <a:endParaRPr lang="en-US" dirty="0"/>
-          </a:p>
-        </p:txBody>
-      </p:sp>
+      </p:pic>
+      <p:pic>
+        <p:nvPicPr>
+          <p:cNvPr id="5" name="Picture 4"/>
+          <p:cNvPicPr>
+            <a:picLocks noChangeAspect="1"/>
+          </p:cNvPicPr>
+          <p:nvPr/>
+        </p:nvPicPr>
+        <p:blipFill>
+          <a:blip r:embed="rId3">
+            <a:extLst>
+              <a:ext uri="{28A0092B-C50C-407E-A947-70E740481C1C}">
+                <a14:useLocalDpi xmlns:a14="http://schemas.microsoft.com/office/drawing/2010/main" val="0"/>
+              </a:ext>
+            </a:extLst>
+          </a:blip>
+          <a:stretch>
+            <a:fillRect/>
+          </a:stretch>
+        </p:blipFill>
+        <p:spPr>
+          <a:xfrm>
+            <a:off x="4788024" y="1772816"/>
+            <a:ext cx="4355976" cy="3744416"/>
+          </a:xfrm>
+          <a:prstGeom prst="rect">
+            <a:avLst/>
+          </a:prstGeom>
+        </p:spPr>
+      </p:pic>
     </p:spTree>
     <p:extLst>
       <p:ext uri="{BB962C8B-B14F-4D97-AF65-F5344CB8AC3E}">
@@ -6814,37 +6829,86 @@
           <a:bodyPr/>
           <a:lstStyle/>
           <a:p>
-            <a:endParaRPr lang="zh-CN" altLang="en-US"/>
-          </a:p>
-        </p:txBody>
-      </p:sp>
-      <p:sp>
-        <p:nvSpPr>
-          <p:cNvPr id="3" name="Content Placeholder 2"/>
+            <a:pPr algn="ctr"/>
+            <a:r>
+              <a:rPr lang="en-US" altLang="zh-CN" sz="2900" dirty="0">
+                <a:latin typeface="Times New Roman" charset="0"/>
+                <a:ea typeface="Times New Roman" charset="0"/>
+                <a:cs typeface="Times New Roman" charset="0"/>
+              </a:rPr>
+              <a:t>Our Results</a:t>
+            </a:r>
+            <a:endParaRPr lang="zh-CN" altLang="en-US" sz="2900" dirty="0"/>
+          </a:p>
+        </p:txBody>
+      </p:sp>
+      <p:pic>
+        <p:nvPicPr>
+          <p:cNvPr id="5" name="Content Placeholder 4"/>
+          <p:cNvPicPr>
+            <a:picLocks noGrp="1" noChangeAspect="1"/>
+          </p:cNvPicPr>
+          <p:nvPr>
+            <p:ph idx="10"/>
+          </p:nvPr>
+        </p:nvPicPr>
+        <p:blipFill>
+          <a:blip r:embed="rId2">
+            <a:extLst>
+              <a:ext uri="{28A0092B-C50C-407E-A947-70E740481C1C}">
+                <a14:useLocalDpi xmlns:a14="http://schemas.microsoft.com/office/drawing/2010/main" val="0"/>
+              </a:ext>
+            </a:extLst>
+          </a:blip>
+          <a:stretch>
+            <a:fillRect/>
+          </a:stretch>
+        </p:blipFill>
+        <p:spPr>
+          <a:xfrm>
+            <a:off x="742" y="2060848"/>
+            <a:ext cx="4355234" cy="2952328"/>
+          </a:xfrm>
+        </p:spPr>
+      </p:pic>
+      <p:pic>
+        <p:nvPicPr>
+          <p:cNvPr id="7" name="Picture 6"/>
+          <p:cNvPicPr>
+            <a:picLocks noChangeAspect="1"/>
+          </p:cNvPicPr>
+          <p:nvPr/>
+        </p:nvPicPr>
+        <p:blipFill>
+          <a:blip r:embed="rId3">
+            <a:extLst>
+              <a:ext uri="{28A0092B-C50C-407E-A947-70E740481C1C}">
+                <a14:useLocalDpi xmlns:a14="http://schemas.microsoft.com/office/drawing/2010/main" val="0"/>
+              </a:ext>
+            </a:extLst>
+          </a:blip>
+          <a:stretch>
+            <a:fillRect/>
+          </a:stretch>
+        </p:blipFill>
+        <p:spPr>
+          <a:xfrm>
+            <a:off x="4355976" y="2060848"/>
+            <a:ext cx="4813920" cy="2952328"/>
+          </a:xfrm>
+          <a:prstGeom prst="rect">
+            <a:avLst/>
+          </a:prstGeom>
+        </p:spPr>
+      </p:pic>
+      <p:sp>
+        <p:nvSpPr>
+          <p:cNvPr id="8" name="Content Placeholder 7"/>
           <p:cNvSpPr>
             <a:spLocks noGrp="1"/>
           </p:cNvSpPr>
           <p:nvPr>
             <p:ph idx="1"/>
-          </p:nvPr>
-        </p:nvSpPr>
-        <p:spPr/>
-        <p:txBody>
-          <a:bodyPr/>
-          <a:lstStyle/>
-          <a:p>
-            <a:endParaRPr lang="zh-CN" altLang="en-US"/>
-          </a:p>
-        </p:txBody>
-      </p:sp>
-      <p:sp>
-        <p:nvSpPr>
-          <p:cNvPr id="4" name="Content Placeholder 3"/>
-          <p:cNvSpPr>
-            <a:spLocks noGrp="1"/>
-          </p:cNvSpPr>
-          <p:nvPr>
-            <p:ph idx="10"/>
           </p:nvPr>
         </p:nvSpPr>
         <p:spPr/>
@@ -6866,6 +6930,13 @@
   <p:clrMapOvr>
     <a:masterClrMapping/>
   </p:clrMapOvr>
+  <p:timing>
+    <p:tnLst>
+      <p:par>
+        <p:cTn id="1" dur="indefinite" restart="never" nodeType="tmRoot"/>
+      </p:par>
+    </p:tnLst>
+  </p:timing>
 </p:sld>
 </file>
 

--- a/doc/presentation.pptx
+++ b/doc/presentation.pptx
@@ -15,8 +15,9 @@
     <p:sldId id="265" r:id="rId9"/>
     <p:sldId id="267" r:id="rId10"/>
     <p:sldId id="272" r:id="rId11"/>
-    <p:sldId id="268" r:id="rId12"/>
-    <p:sldId id="270" r:id="rId13"/>
+    <p:sldId id="273" r:id="rId12"/>
+    <p:sldId id="268" r:id="rId13"/>
+    <p:sldId id="270" r:id="rId14"/>
   </p:sldIdLst>
   <p:sldSz cx="9144000" cy="6858000" type="screen4x3"/>
   <p:notesSz cx="6858000" cy="9144000"/>
@@ -117,7 +118,7 @@
   </p:defaultTextStyle>
   <p:extLst>
     <p:ext uri="{EFAFB233-063F-42B5-8137-9DF3F51BA10A}">
-      <p15:sldGuideLst xmlns="" xmlns:p15="http://schemas.microsoft.com/office/powerpoint/2012/main">
+      <p15:sldGuideLst xmlns:p15="http://schemas.microsoft.com/office/powerpoint/2012/main" xmlns="">
         <p15:guide id="1" orient="horz" pos="2160">
           <p15:clr>
             <a:srgbClr val="A4A3A4"/>
@@ -4730,6 +4731,106 @@
       </p:grpSpPr>
       <p:sp>
         <p:nvSpPr>
+          <p:cNvPr id="2" name="Title 1"/>
+          <p:cNvSpPr>
+            <a:spLocks noGrp="1"/>
+          </p:cNvSpPr>
+          <p:nvPr>
+            <p:ph type="title"/>
+          </p:nvPr>
+        </p:nvSpPr>
+        <p:spPr/>
+        <p:txBody>
+          <a:bodyPr/>
+          <a:lstStyle/>
+          <a:p>
+            <a:pPr algn="ctr"/>
+            <a:r>
+              <a:rPr lang="en-US" altLang="zh-CN" sz="2900" dirty="0" smtClean="0">
+                <a:latin typeface="Times New Roman Uni" panose="02020603050405020304" pitchFamily="18" charset="-122"/>
+                <a:ea typeface="Times New Roman Uni" panose="02020603050405020304" pitchFamily="18" charset="-122"/>
+                <a:cs typeface="Times New Roman Uni" panose="02020603050405020304" pitchFamily="18" charset="-122"/>
+              </a:rPr>
+              <a:t>Conclusion</a:t>
+            </a:r>
+            <a:endParaRPr lang="zh-CN" altLang="en-US" sz="2900" dirty="0">
+              <a:latin typeface="Times New Roman Uni" panose="02020603050405020304" pitchFamily="18" charset="-122"/>
+              <a:ea typeface="Times New Roman Uni" panose="02020603050405020304" pitchFamily="18" charset="-122"/>
+              <a:cs typeface="Times New Roman Uni" panose="02020603050405020304" pitchFamily="18" charset="-122"/>
+            </a:endParaRPr>
+          </a:p>
+        </p:txBody>
+      </p:sp>
+      <p:sp>
+        <p:nvSpPr>
+          <p:cNvPr id="3" name="Content Placeholder 2"/>
+          <p:cNvSpPr>
+            <a:spLocks noGrp="1"/>
+          </p:cNvSpPr>
+          <p:nvPr>
+            <p:ph idx="1"/>
+          </p:nvPr>
+        </p:nvSpPr>
+        <p:spPr/>
+        <p:txBody>
+          <a:bodyPr/>
+          <a:lstStyle/>
+          <a:p>
+            <a:endParaRPr lang="zh-CN" altLang="en-US"/>
+          </a:p>
+        </p:txBody>
+      </p:sp>
+      <p:sp>
+        <p:nvSpPr>
+          <p:cNvPr id="4" name="Content Placeholder 3"/>
+          <p:cNvSpPr>
+            <a:spLocks noGrp="1"/>
+          </p:cNvSpPr>
+          <p:nvPr>
+            <p:ph idx="10"/>
+          </p:nvPr>
+        </p:nvSpPr>
+        <p:spPr/>
+        <p:txBody>
+          <a:bodyPr/>
+          <a:lstStyle/>
+          <a:p>
+            <a:endParaRPr lang="zh-CN" altLang="en-US"/>
+          </a:p>
+        </p:txBody>
+      </p:sp>
+    </p:spTree>
+    <p:extLst>
+      <p:ext uri="{BB962C8B-B14F-4D97-AF65-F5344CB8AC3E}">
+        <p14:creationId xmlns:p14="http://schemas.microsoft.com/office/powerpoint/2010/main" val="832375233"/>
+      </p:ext>
+    </p:extLst>
+  </p:cSld>
+  <p:clrMapOvr>
+    <a:masterClrMapping/>
+  </p:clrMapOvr>
+</p:sld>
+</file>
+
+<file path=ppt/slides/slide11.xml><?xml version="1.0" encoding="utf-8"?>
+<p:sld xmlns:a="http://schemas.openxmlformats.org/drawingml/2006/main" xmlns:r="http://schemas.openxmlformats.org/officeDocument/2006/relationships" xmlns:p="http://schemas.openxmlformats.org/presentationml/2006/main">
+  <p:cSld>
+    <p:spTree>
+      <p:nvGrpSpPr>
+        <p:cNvPr id="1" name=""/>
+        <p:cNvGrpSpPr/>
+        <p:nvPr/>
+      </p:nvGrpSpPr>
+      <p:grpSpPr>
+        <a:xfrm>
+          <a:off x="0" y="0"/>
+          <a:ext cx="0" cy="0"/>
+          <a:chOff x="0" y="0"/>
+          <a:chExt cx="0" cy="0"/>
+        </a:xfrm>
+      </p:grpSpPr>
+      <p:sp>
+        <p:nvSpPr>
           <p:cNvPr id="4" name="Title 3"/>
           <p:cNvSpPr>
             <a:spLocks noGrp="1"/>
@@ -4876,7 +4977,7 @@
 </p:sld>
 </file>
 
-<file path=ppt/slides/slide11.xml><?xml version="1.0" encoding="utf-8"?>
+<file path=ppt/slides/slide12.xml><?xml version="1.0" encoding="utf-8"?>
 <p:sld xmlns:a="http://schemas.openxmlformats.org/drawingml/2006/main" xmlns:r="http://schemas.openxmlformats.org/officeDocument/2006/relationships" xmlns:p="http://schemas.openxmlformats.org/presentationml/2006/main">
   <p:cSld>
     <p:spTree>
@@ -6299,11 +6400,6 @@
               </a:rPr>
               <a:t>maximizing p(Y|X), and the cluster centers are also re-estimated from </a:t>
             </a:r>
-            <a:endParaRPr lang="en-US" altLang="zh-CN" sz="2000" dirty="0" smtClean="0">
-              <a:latin typeface="Times New Roman" charset="0"/>
-              <a:ea typeface="Times New Roman" charset="0"/>
-              <a:cs typeface="Times New Roman" charset="0"/>
-            </a:endParaRPr>
           </a:p>
           <a:p>
             <a:r>
@@ -6312,38 +6408,17 @@
                 <a:ea typeface="Times New Roman" charset="0"/>
                 <a:cs typeface="Times New Roman" charset="0"/>
               </a:rPr>
-              <a:t>the </a:t>
-            </a:r>
+              <a:t>the assignment, with the same objective to maximize the p(Y|X), with the </a:t>
+            </a:r>
+          </a:p>
+          <a:p>
             <a:r>
               <a:rPr lang="en-US" altLang="zh-CN" sz="2000" dirty="0" smtClean="0">
                 <a:latin typeface="Times New Roman" charset="0"/>
                 <a:ea typeface="Times New Roman" charset="0"/>
                 <a:cs typeface="Times New Roman" charset="0"/>
               </a:rPr>
-              <a:t>assignment, with the same objective to maximize the p(Y|X), with the </a:t>
-            </a:r>
-            <a:endParaRPr lang="en-US" altLang="zh-CN" sz="2000" dirty="0" smtClean="0">
-              <a:latin typeface="Times New Roman" charset="0"/>
-              <a:ea typeface="Times New Roman" charset="0"/>
-              <a:cs typeface="Times New Roman" charset="0"/>
-            </a:endParaRPr>
-          </a:p>
-          <a:p>
-            <a:r>
-              <a:rPr lang="en-US" altLang="zh-CN" sz="2000" dirty="0" smtClean="0">
-                <a:latin typeface="Times New Roman" charset="0"/>
-                <a:ea typeface="Times New Roman" charset="0"/>
-                <a:cs typeface="Times New Roman" charset="0"/>
-              </a:rPr>
-              <a:t>distance </a:t>
-            </a:r>
-            <a:r>
-              <a:rPr lang="en-US" altLang="zh-CN" sz="2000" dirty="0" smtClean="0">
-                <a:latin typeface="Times New Roman" charset="0"/>
-                <a:ea typeface="Times New Roman" charset="0"/>
-                <a:cs typeface="Times New Roman" charset="0"/>
-              </a:rPr>
-              <a:t>measure is also updated.</a:t>
+              <a:t>distance measure is also updated.</a:t>
             </a:r>
             <a:endParaRPr lang="en-US" altLang="zh-CN" sz="2000" dirty="0">
               <a:latin typeface="Times New Roman" charset="0"/>

--- a/doc/presentation.pptx
+++ b/doc/presentation.pptx
@@ -15,9 +15,12 @@
     <p:sldId id="265" r:id="rId9"/>
     <p:sldId id="267" r:id="rId10"/>
     <p:sldId id="272" r:id="rId11"/>
-    <p:sldId id="273" r:id="rId12"/>
-    <p:sldId id="268" r:id="rId13"/>
-    <p:sldId id="270" r:id="rId14"/>
+    <p:sldId id="274" r:id="rId12"/>
+    <p:sldId id="275" r:id="rId13"/>
+    <p:sldId id="276" r:id="rId14"/>
+    <p:sldId id="273" r:id="rId15"/>
+    <p:sldId id="268" r:id="rId16"/>
+    <p:sldId id="270" r:id="rId17"/>
   </p:sldIdLst>
   <p:sldSz cx="9144000" cy="6858000" type="screen4x3"/>
   <p:notesSz cx="6858000" cy="9144000"/>
@@ -118,7 +121,7 @@
   </p:defaultTextStyle>
   <p:extLst>
     <p:ext uri="{EFAFB233-063F-42B5-8137-9DF3F51BA10A}">
-      <p15:sldGuideLst xmlns:p15="http://schemas.microsoft.com/office/powerpoint/2012/main" xmlns="">
+      <p15:sldGuideLst xmlns="" xmlns:p15="http://schemas.microsoft.com/office/powerpoint/2012/main">
         <p15:guide id="1" orient="horz" pos="2160">
           <p15:clr>
             <a:srgbClr val="A4A3A4"/>
@@ -725,7 +728,7 @@
           <a:p>
             <a:fld id="{18DCCD61-643D-44A5-A450-3A42A50CBC1E}" type="datetimeFigureOut">
               <a:rPr lang="en-US" smtClean="0"/>
-              <a:t>4/12/2017</a:t>
+              <a:t>4/13/2017</a:t>
             </a:fld>
             <a:endParaRPr lang="en-US" dirty="0"/>
           </a:p>
@@ -1002,7 +1005,7 @@
           <a:p>
             <a:fld id="{18DCCD61-643D-44A5-A450-3A42A50CBC1E}" type="datetimeFigureOut">
               <a:rPr lang="en-US" smtClean="0"/>
-              <a:t>4/12/2017</a:t>
+              <a:t>4/13/2017</a:t>
             </a:fld>
             <a:endParaRPr lang="en-US" dirty="0"/>
           </a:p>
@@ -1255,7 +1258,7 @@
           <a:p>
             <a:fld id="{18DCCD61-643D-44A5-A450-3A42A50CBC1E}" type="datetimeFigureOut">
               <a:rPr lang="en-US" smtClean="0"/>
-              <a:t>4/12/2017</a:t>
+              <a:t>4/13/2017</a:t>
             </a:fld>
             <a:endParaRPr lang="en-US" dirty="0"/>
           </a:p>
@@ -1425,7 +1428,7 @@
           <a:p>
             <a:fld id="{18DCCD61-643D-44A5-A450-3A42A50CBC1E}" type="datetimeFigureOut">
               <a:rPr lang="en-US" smtClean="0"/>
-              <a:t>4/12/2017</a:t>
+              <a:t>4/13/2017</a:t>
             </a:fld>
             <a:endParaRPr lang="en-US" dirty="0"/>
           </a:p>
@@ -1605,7 +1608,7 @@
           <a:p>
             <a:fld id="{18DCCD61-643D-44A5-A450-3A42A50CBC1E}" type="datetimeFigureOut">
               <a:rPr lang="en-US" smtClean="0"/>
-              <a:t>4/12/2017</a:t>
+              <a:t>4/13/2017</a:t>
             </a:fld>
             <a:endParaRPr lang="en-US" dirty="0"/>
           </a:p>
@@ -2195,7 +2198,7 @@
           <a:p>
             <a:fld id="{18DCCD61-643D-44A5-A450-3A42A50CBC1E}" type="datetimeFigureOut">
               <a:rPr lang="en-US" smtClean="0"/>
-              <a:t>4/12/2017</a:t>
+              <a:t>4/13/2017</a:t>
             </a:fld>
             <a:endParaRPr lang="en-US" dirty="0"/>
           </a:p>
@@ -2365,7 +2368,7 @@
           <a:p>
             <a:fld id="{18DCCD61-643D-44A5-A450-3A42A50CBC1E}" type="datetimeFigureOut">
               <a:rPr lang="en-US" smtClean="0"/>
-              <a:t>4/12/2017</a:t>
+              <a:t>4/13/2017</a:t>
             </a:fld>
             <a:endParaRPr lang="en-US" dirty="0"/>
           </a:p>
@@ -2611,7 +2614,7 @@
           <a:p>
             <a:fld id="{18DCCD61-643D-44A5-A450-3A42A50CBC1E}" type="datetimeFigureOut">
               <a:rPr lang="en-US" smtClean="0"/>
-              <a:t>4/12/2017</a:t>
+              <a:t>4/13/2017</a:t>
             </a:fld>
             <a:endParaRPr lang="en-US" dirty="0"/>
           </a:p>
@@ -2899,7 +2902,7 @@
           <a:p>
             <a:fld id="{18DCCD61-643D-44A5-A450-3A42A50CBC1E}" type="datetimeFigureOut">
               <a:rPr lang="en-US" smtClean="0"/>
-              <a:t>4/12/2017</a:t>
+              <a:t>4/13/2017</a:t>
             </a:fld>
             <a:endParaRPr lang="en-US" dirty="0"/>
           </a:p>
@@ -3321,7 +3324,7 @@
           <a:p>
             <a:fld id="{18DCCD61-643D-44A5-A450-3A42A50CBC1E}" type="datetimeFigureOut">
               <a:rPr lang="en-US" smtClean="0"/>
-              <a:t>4/12/2017</a:t>
+              <a:t>4/13/2017</a:t>
             </a:fld>
             <a:endParaRPr lang="en-US" dirty="0"/>
           </a:p>
@@ -3439,7 +3442,7 @@
           <a:p>
             <a:fld id="{18DCCD61-643D-44A5-A450-3A42A50CBC1E}" type="datetimeFigureOut">
               <a:rPr lang="en-US" smtClean="0"/>
-              <a:t>4/12/2017</a:t>
+              <a:t>4/13/2017</a:t>
             </a:fld>
             <a:endParaRPr lang="en-US" dirty="0"/>
           </a:p>
@@ -3943,7 +3946,7 @@
           <a:p>
             <a:fld id="{18DCCD61-643D-44A5-A450-3A42A50CBC1E}" type="datetimeFigureOut">
               <a:rPr lang="en-US" smtClean="0"/>
-              <a:t>4/12/2017</a:t>
+              <a:t>4/13/2017</a:t>
             </a:fld>
             <a:endParaRPr lang="en-US" dirty="0"/>
           </a:p>
@@ -4746,69 +4749,63 @@
           <a:p>
             <a:pPr algn="ctr"/>
             <a:r>
-              <a:rPr lang="en-US" altLang="zh-CN" sz="2900" dirty="0" smtClean="0">
-                <a:latin typeface="Times New Roman Uni" panose="02020603050405020304" pitchFamily="18" charset="-122"/>
-                <a:ea typeface="Times New Roman Uni" panose="02020603050405020304" pitchFamily="18" charset="-122"/>
-                <a:cs typeface="Times New Roman Uni" panose="02020603050405020304" pitchFamily="18" charset="-122"/>
-              </a:rPr>
-              <a:t>Conclusion</a:t>
-            </a:r>
-            <a:endParaRPr lang="zh-CN" altLang="en-US" sz="2900" dirty="0">
-              <a:latin typeface="Times New Roman Uni" panose="02020603050405020304" pitchFamily="18" charset="-122"/>
-              <a:ea typeface="Times New Roman Uni" panose="02020603050405020304" pitchFamily="18" charset="-122"/>
-              <a:cs typeface="Times New Roman Uni" panose="02020603050405020304" pitchFamily="18" charset="-122"/>
-            </a:endParaRPr>
-          </a:p>
-        </p:txBody>
-      </p:sp>
-      <p:sp>
-        <p:nvSpPr>
-          <p:cNvPr id="3" name="Content Placeholder 2"/>
-          <p:cNvSpPr>
-            <a:spLocks noGrp="1"/>
-          </p:cNvSpPr>
-          <p:nvPr>
-            <p:ph idx="1"/>
-          </p:nvPr>
-        </p:nvSpPr>
-        <p:spPr/>
-        <p:txBody>
-          <a:bodyPr/>
-          <a:lstStyle/>
-          <a:p>
-            <a:endParaRPr lang="zh-CN" altLang="en-US"/>
-          </a:p>
-        </p:txBody>
-      </p:sp>
-      <p:sp>
-        <p:nvSpPr>
-          <p:cNvPr id="4" name="Content Placeholder 3"/>
-          <p:cNvSpPr>
-            <a:spLocks noGrp="1"/>
-          </p:cNvSpPr>
+              <a:rPr lang="en-US" altLang="zh-CN" sz="2900" dirty="0">
+                <a:latin typeface="Times New Roman" charset="0"/>
+                <a:ea typeface="Times New Roman" charset="0"/>
+                <a:cs typeface="Times New Roman" charset="0"/>
+              </a:rPr>
+              <a:t>Our Results</a:t>
+            </a:r>
+            <a:endParaRPr lang="zh-CN" altLang="en-US" sz="2900" dirty="0"/>
+          </a:p>
+        </p:txBody>
+      </p:sp>
+      <p:pic>
+        <p:nvPicPr>
+          <p:cNvPr id="5" name="Content Placeholder 4"/>
+          <p:cNvPicPr>
+            <a:picLocks noGrp="1" noChangeAspect="1"/>
+          </p:cNvPicPr>
           <p:nvPr>
             <p:ph idx="10"/>
           </p:nvPr>
-        </p:nvSpPr>
-        <p:spPr/>
-        <p:txBody>
-          <a:bodyPr/>
-          <a:lstStyle/>
-          <a:p>
-            <a:endParaRPr lang="zh-CN" altLang="en-US"/>
-          </a:p>
-        </p:txBody>
-      </p:sp>
+        </p:nvPicPr>
+        <p:blipFill>
+          <a:blip r:embed="rId2">
+            <a:extLst>
+              <a:ext uri="{28A0092B-C50C-407E-A947-70E740481C1C}">
+                <a14:useLocalDpi xmlns:a14="http://schemas.microsoft.com/office/drawing/2010/main" val="0"/>
+              </a:ext>
+            </a:extLst>
+          </a:blip>
+          <a:stretch>
+            <a:fillRect/>
+          </a:stretch>
+        </p:blipFill>
+        <p:spPr>
+          <a:xfrm>
+            <a:off x="1259632" y="1556792"/>
+            <a:ext cx="6552728" cy="3888432"/>
+          </a:xfrm>
+        </p:spPr>
+      </p:pic>
     </p:spTree>
     <p:extLst>
       <p:ext uri="{BB962C8B-B14F-4D97-AF65-F5344CB8AC3E}">
-        <p14:creationId xmlns:p14="http://schemas.microsoft.com/office/powerpoint/2010/main" val="832375233"/>
+        <p14:creationId xmlns:p14="http://schemas.microsoft.com/office/powerpoint/2010/main" val="3313506940"/>
       </p:ext>
     </p:extLst>
   </p:cSld>
   <p:clrMapOvr>
     <a:masterClrMapping/>
   </p:clrMapOvr>
+  <p:timing>
+    <p:tnLst>
+      <p:par>
+        <p:cTn id="1" dur="indefinite" restart="never" nodeType="tmRoot"/>
+      </p:par>
+    </p:tnLst>
+  </p:timing>
 </p:sld>
 </file>
 
@@ -4831,6 +4828,340 @@
       </p:grpSpPr>
       <p:sp>
         <p:nvSpPr>
+          <p:cNvPr id="2" name="Title 1"/>
+          <p:cNvSpPr>
+            <a:spLocks noGrp="1"/>
+          </p:cNvSpPr>
+          <p:nvPr>
+            <p:ph type="title"/>
+          </p:nvPr>
+        </p:nvSpPr>
+        <p:spPr/>
+        <p:txBody>
+          <a:bodyPr/>
+          <a:lstStyle/>
+          <a:p>
+            <a:pPr algn="ctr"/>
+            <a:r>
+              <a:rPr lang="en-US" altLang="zh-CN" sz="2000" dirty="0">
+                <a:latin typeface="Times New Roman" charset="0"/>
+                <a:ea typeface="Times New Roman" charset="0"/>
+                <a:cs typeface="Times New Roman" charset="0"/>
+              </a:rPr>
+              <a:t>Our Results</a:t>
+            </a:r>
+            <a:endParaRPr lang="zh-CN" altLang="en-US" sz="2000" dirty="0"/>
+          </a:p>
+        </p:txBody>
+      </p:sp>
+      <p:pic>
+        <p:nvPicPr>
+          <p:cNvPr id="6" name="Picture 5"/>
+          <p:cNvPicPr>
+            <a:picLocks noChangeAspect="1"/>
+          </p:cNvPicPr>
+          <p:nvPr/>
+        </p:nvPicPr>
+        <p:blipFill>
+          <a:blip r:embed="rId2">
+            <a:extLst>
+              <a:ext uri="{28A0092B-C50C-407E-A947-70E740481C1C}">
+                <a14:useLocalDpi xmlns:a14="http://schemas.microsoft.com/office/drawing/2010/main" val="0"/>
+              </a:ext>
+            </a:extLst>
+          </a:blip>
+          <a:stretch>
+            <a:fillRect/>
+          </a:stretch>
+        </p:blipFill>
+        <p:spPr>
+          <a:xfrm>
+            <a:off x="2411760" y="1121532"/>
+            <a:ext cx="4389885" cy="4458323"/>
+          </a:xfrm>
+          <a:prstGeom prst="rect">
+            <a:avLst/>
+          </a:prstGeom>
+        </p:spPr>
+      </p:pic>
+      <p:sp>
+        <p:nvSpPr>
+          <p:cNvPr id="7" name="Content Placeholder 6"/>
+          <p:cNvSpPr>
+            <a:spLocks noGrp="1"/>
+          </p:cNvSpPr>
+          <p:nvPr>
+            <p:ph idx="10"/>
+          </p:nvPr>
+        </p:nvSpPr>
+        <p:spPr/>
+        <p:txBody>
+          <a:bodyPr/>
+          <a:lstStyle/>
+          <a:p>
+            <a:endParaRPr lang="zh-CN" altLang="en-US"/>
+          </a:p>
+        </p:txBody>
+      </p:sp>
+    </p:spTree>
+    <p:extLst>
+      <p:ext uri="{BB962C8B-B14F-4D97-AF65-F5344CB8AC3E}">
+        <p14:creationId xmlns:p14="http://schemas.microsoft.com/office/powerpoint/2010/main" val="2709497789"/>
+      </p:ext>
+    </p:extLst>
+  </p:cSld>
+  <p:clrMapOvr>
+    <a:masterClrMapping/>
+  </p:clrMapOvr>
+  <p:timing>
+    <p:tnLst>
+      <p:par>
+        <p:cTn id="1" dur="indefinite" restart="never" nodeType="tmRoot"/>
+      </p:par>
+    </p:tnLst>
+  </p:timing>
+</p:sld>
+</file>
+
+<file path=ppt/slides/slide12.xml><?xml version="1.0" encoding="utf-8"?>
+<p:sld xmlns:a="http://schemas.openxmlformats.org/drawingml/2006/main" xmlns:r="http://schemas.openxmlformats.org/officeDocument/2006/relationships" xmlns:p="http://schemas.openxmlformats.org/presentationml/2006/main">
+  <p:cSld>
+    <p:spTree>
+      <p:nvGrpSpPr>
+        <p:cNvPr id="1" name=""/>
+        <p:cNvGrpSpPr/>
+        <p:nvPr/>
+      </p:nvGrpSpPr>
+      <p:grpSpPr>
+        <a:xfrm>
+          <a:off x="0" y="0"/>
+          <a:ext cx="0" cy="0"/>
+          <a:chOff x="0" y="0"/>
+          <a:chExt cx="0" cy="0"/>
+        </a:xfrm>
+      </p:grpSpPr>
+      <p:sp>
+        <p:nvSpPr>
+          <p:cNvPr id="2" name="Title 1"/>
+          <p:cNvSpPr>
+            <a:spLocks noGrp="1"/>
+          </p:cNvSpPr>
+          <p:nvPr>
+            <p:ph type="title"/>
+          </p:nvPr>
+        </p:nvSpPr>
+        <p:spPr/>
+        <p:txBody>
+          <a:bodyPr/>
+          <a:lstStyle/>
+          <a:p>
+            <a:pPr algn="ctr"/>
+            <a:r>
+              <a:rPr lang="en-US" altLang="zh-CN" sz="2900" dirty="0">
+                <a:latin typeface="Times New Roman" charset="0"/>
+                <a:ea typeface="Times New Roman" charset="0"/>
+                <a:cs typeface="Times New Roman" charset="0"/>
+              </a:rPr>
+              <a:t>Our Results</a:t>
+            </a:r>
+            <a:endParaRPr lang="zh-CN" altLang="en-US" sz="2900" dirty="0"/>
+          </a:p>
+        </p:txBody>
+      </p:sp>
+      <p:sp>
+        <p:nvSpPr>
+          <p:cNvPr id="3" name="Content Placeholder 2"/>
+          <p:cNvSpPr>
+            <a:spLocks noGrp="1"/>
+          </p:cNvSpPr>
+          <p:nvPr>
+            <p:ph idx="1"/>
+          </p:nvPr>
+        </p:nvSpPr>
+        <p:spPr/>
+        <p:txBody>
+          <a:bodyPr/>
+          <a:lstStyle/>
+          <a:p>
+            <a:endParaRPr lang="zh-CN" altLang="en-US"/>
+          </a:p>
+        </p:txBody>
+      </p:sp>
+      <p:pic>
+        <p:nvPicPr>
+          <p:cNvPr id="7" name="Content Placeholder 6"/>
+          <p:cNvPicPr>
+            <a:picLocks noGrp="1" noChangeAspect="1"/>
+          </p:cNvPicPr>
+          <p:nvPr>
+            <p:ph idx="10"/>
+          </p:nvPr>
+        </p:nvPicPr>
+        <p:blipFill>
+          <a:blip r:embed="rId2">
+            <a:extLst>
+              <a:ext uri="{28A0092B-C50C-407E-A947-70E740481C1C}">
+                <a14:useLocalDpi xmlns:a14="http://schemas.microsoft.com/office/drawing/2010/main" val="0"/>
+              </a:ext>
+            </a:extLst>
+          </a:blip>
+          <a:stretch>
+            <a:fillRect/>
+          </a:stretch>
+        </p:blipFill>
+        <p:spPr>
+          <a:xfrm>
+            <a:off x="1043608" y="2348880"/>
+            <a:ext cx="7056784" cy="3384375"/>
+          </a:xfrm>
+        </p:spPr>
+      </p:pic>
+    </p:spTree>
+    <p:extLst>
+      <p:ext uri="{BB962C8B-B14F-4D97-AF65-F5344CB8AC3E}">
+        <p14:creationId xmlns:p14="http://schemas.microsoft.com/office/powerpoint/2010/main" val="4077783401"/>
+      </p:ext>
+    </p:extLst>
+  </p:cSld>
+  <p:clrMapOvr>
+    <a:masterClrMapping/>
+  </p:clrMapOvr>
+  <p:timing>
+    <p:tnLst>
+      <p:par>
+        <p:cTn id="1" dur="indefinite" restart="never" nodeType="tmRoot"/>
+      </p:par>
+    </p:tnLst>
+  </p:timing>
+</p:sld>
+</file>
+
+<file path=ppt/slides/slide13.xml><?xml version="1.0" encoding="utf-8"?>
+<p:sld xmlns:a="http://schemas.openxmlformats.org/drawingml/2006/main" xmlns:r="http://schemas.openxmlformats.org/officeDocument/2006/relationships" xmlns:p="http://schemas.openxmlformats.org/presentationml/2006/main">
+  <p:cSld>
+    <p:spTree>
+      <p:nvGrpSpPr>
+        <p:cNvPr id="1" name=""/>
+        <p:cNvGrpSpPr/>
+        <p:nvPr/>
+      </p:nvGrpSpPr>
+      <p:grpSpPr>
+        <a:xfrm>
+          <a:off x="0" y="0"/>
+          <a:ext cx="0" cy="0"/>
+          <a:chOff x="0" y="0"/>
+          <a:chExt cx="0" cy="0"/>
+        </a:xfrm>
+      </p:grpSpPr>
+      <p:sp>
+        <p:nvSpPr>
+          <p:cNvPr id="2" name="Title 1"/>
+          <p:cNvSpPr>
+            <a:spLocks noGrp="1"/>
+          </p:cNvSpPr>
+          <p:nvPr>
+            <p:ph type="title"/>
+          </p:nvPr>
+        </p:nvSpPr>
+        <p:spPr/>
+        <p:txBody>
+          <a:bodyPr/>
+          <a:lstStyle/>
+          <a:p>
+            <a:pPr algn="ctr"/>
+            <a:r>
+              <a:rPr lang="en-US" altLang="zh-CN" sz="2900" dirty="0" smtClean="0">
+                <a:latin typeface="Times New Roman Uni" panose="02020603050405020304" pitchFamily="18" charset="-122"/>
+                <a:ea typeface="Times New Roman Uni" panose="02020603050405020304" pitchFamily="18" charset="-122"/>
+                <a:cs typeface="Times New Roman Uni" panose="02020603050405020304" pitchFamily="18" charset="-122"/>
+              </a:rPr>
+              <a:t>Conclusion</a:t>
+            </a:r>
+            <a:endParaRPr lang="zh-CN" altLang="en-US" sz="2900" dirty="0">
+              <a:latin typeface="Times New Roman Uni" panose="02020603050405020304" pitchFamily="18" charset="-122"/>
+              <a:ea typeface="Times New Roman Uni" panose="02020603050405020304" pitchFamily="18" charset="-122"/>
+              <a:cs typeface="Times New Roman Uni" panose="02020603050405020304" pitchFamily="18" charset="-122"/>
+            </a:endParaRPr>
+          </a:p>
+        </p:txBody>
+      </p:sp>
+      <p:sp>
+        <p:nvSpPr>
+          <p:cNvPr id="3" name="Content Placeholder 2"/>
+          <p:cNvSpPr>
+            <a:spLocks noGrp="1"/>
+          </p:cNvSpPr>
+          <p:nvPr>
+            <p:ph idx="1"/>
+          </p:nvPr>
+        </p:nvSpPr>
+        <p:spPr/>
+        <p:txBody>
+          <a:bodyPr/>
+          <a:lstStyle/>
+          <a:p>
+            <a:endParaRPr lang="zh-CN" altLang="en-US"/>
+          </a:p>
+        </p:txBody>
+      </p:sp>
+      <p:sp>
+        <p:nvSpPr>
+          <p:cNvPr id="4" name="Content Placeholder 3"/>
+          <p:cNvSpPr>
+            <a:spLocks noGrp="1"/>
+          </p:cNvSpPr>
+          <p:nvPr>
+            <p:ph idx="10"/>
+          </p:nvPr>
+        </p:nvSpPr>
+        <p:spPr/>
+        <p:txBody>
+          <a:bodyPr/>
+          <a:lstStyle/>
+          <a:p>
+            <a:endParaRPr lang="zh-CN" altLang="en-US"/>
+          </a:p>
+        </p:txBody>
+      </p:sp>
+    </p:spTree>
+    <p:extLst>
+      <p:ext uri="{BB962C8B-B14F-4D97-AF65-F5344CB8AC3E}">
+        <p14:creationId xmlns:p14="http://schemas.microsoft.com/office/powerpoint/2010/main" val="832375233"/>
+      </p:ext>
+    </p:extLst>
+  </p:cSld>
+  <p:clrMapOvr>
+    <a:masterClrMapping/>
+  </p:clrMapOvr>
+  <p:timing>
+    <p:tnLst>
+      <p:par>
+        <p:cTn id="1" dur="indefinite" restart="never" nodeType="tmRoot"/>
+      </p:par>
+    </p:tnLst>
+  </p:timing>
+</p:sld>
+</file>
+
+<file path=ppt/slides/slide14.xml><?xml version="1.0" encoding="utf-8"?>
+<p:sld xmlns:a="http://schemas.openxmlformats.org/drawingml/2006/main" xmlns:r="http://schemas.openxmlformats.org/officeDocument/2006/relationships" xmlns:p="http://schemas.openxmlformats.org/presentationml/2006/main">
+  <p:cSld>
+    <p:spTree>
+      <p:nvGrpSpPr>
+        <p:cNvPr id="1" name=""/>
+        <p:cNvGrpSpPr/>
+        <p:nvPr/>
+      </p:nvGrpSpPr>
+      <p:grpSpPr>
+        <a:xfrm>
+          <a:off x="0" y="0"/>
+          <a:ext cx="0" cy="0"/>
+          <a:chOff x="0" y="0"/>
+          <a:chExt cx="0" cy="0"/>
+        </a:xfrm>
+      </p:grpSpPr>
+      <p:sp>
+        <p:nvSpPr>
           <p:cNvPr id="4" name="Title 3"/>
           <p:cNvSpPr>
             <a:spLocks noGrp="1"/>
@@ -4977,7 +5308,7 @@
 </p:sld>
 </file>
 
-<file path=ppt/slides/slide12.xml><?xml version="1.0" encoding="utf-8"?>
+<file path=ppt/slides/slide15.xml><?xml version="1.0" encoding="utf-8"?>
 <p:sld xmlns:a="http://schemas.openxmlformats.org/drawingml/2006/main" xmlns:r="http://schemas.openxmlformats.org/officeDocument/2006/relationships" xmlns:p="http://schemas.openxmlformats.org/presentationml/2006/main">
   <p:cSld>
     <p:spTree>
@@ -5614,7 +5945,7 @@
         </p:blipFill>
         <p:spPr>
           <a:xfrm>
-            <a:off x="323528" y="1412776"/>
+            <a:off x="520689" y="1412776"/>
             <a:ext cx="8011751" cy="4392141"/>
           </a:xfrm>
         </p:spPr>
@@ -5799,7 +6130,7 @@
         </p:blipFill>
         <p:spPr>
           <a:xfrm>
-            <a:off x="179512" y="1340769"/>
+            <a:off x="202544" y="1340769"/>
             <a:ext cx="8833952" cy="3902732"/>
           </a:xfrm>
           <a:prstGeom prst="rect">
@@ -6656,28 +6987,93 @@
                 <a:ea typeface="Times New Roman" charset="0"/>
                 <a:cs typeface="Times New Roman" charset="0"/>
               </a:rPr>
-              <a:t>Follow the instructions of the two papers, we calculate the values using </a:t>
-            </a:r>
-          </a:p>
-          <a:p>
-            <a:r>
+              <a:t>The evaluations are carried out using the following two types of features:</a:t>
+            </a:r>
+            <a:br>
               <a:rPr lang="en-US" altLang="zh-CN" sz="2000" dirty="0" smtClean="0">
                 <a:latin typeface="Times New Roman" charset="0"/>
                 <a:ea typeface="Times New Roman" charset="0"/>
                 <a:cs typeface="Times New Roman" charset="0"/>
               </a:rPr>
-              <a:t>all features, or only one of them</a:t>
-            </a:r>
-          </a:p>
-          <a:p>
-            <a:endParaRPr lang="en-US" altLang="zh-CN" sz="2800" dirty="0" smtClean="0">
+            </a:br>
+            <a:r>
+              <a:rPr lang="en-US" altLang="zh-CN" sz="2000" dirty="0" smtClean="0">
+                <a:latin typeface="Times New Roman" charset="0"/>
+                <a:ea typeface="Times New Roman" charset="0"/>
+                <a:cs typeface="Times New Roman" charset="0"/>
+              </a:rPr>
+              <a:t>1. </a:t>
+            </a:r>
+            <a:r>
+              <a:rPr lang="en-US" altLang="zh-CN" sz="2000" dirty="0" err="1">
+                <a:latin typeface="Times New Roman" charset="0"/>
+                <a:ea typeface="Times New Roman" charset="0"/>
+                <a:cs typeface="Times New Roman" charset="0"/>
+              </a:rPr>
+              <a:t>T</a:t>
+            </a:r>
+            <a:r>
+              <a:rPr lang="en-US" altLang="zh-CN" sz="2000" dirty="0" err="1" smtClean="0">
+                <a:latin typeface="Times New Roman" charset="0"/>
+                <a:ea typeface="Times New Roman" charset="0"/>
+                <a:cs typeface="Times New Roman" charset="0"/>
+              </a:rPr>
+              <a:t>f-idf</a:t>
+            </a:r>
+            <a:r>
+              <a:rPr lang="en-US" altLang="zh-CN" sz="2000" dirty="0" smtClean="0">
+                <a:latin typeface="Times New Roman" charset="0"/>
+                <a:ea typeface="Times New Roman" charset="0"/>
+                <a:cs typeface="Times New Roman" charset="0"/>
+              </a:rPr>
+              <a:t> matrix using all features</a:t>
+            </a:r>
+          </a:p>
+          <a:p>
+            <a:r>
+              <a:rPr lang="en-US" altLang="zh-CN" sz="2000" dirty="0" smtClean="0">
+                <a:latin typeface="Times New Roman" charset="0"/>
+                <a:ea typeface="Times New Roman" charset="0"/>
+                <a:cs typeface="Times New Roman" charset="0"/>
+              </a:rPr>
+              <a:t>2. </a:t>
+            </a:r>
+            <a:r>
+              <a:rPr lang="en-US" altLang="zh-CN" sz="2000" dirty="0" err="1" smtClean="0">
+                <a:latin typeface="Times New Roman" charset="0"/>
+                <a:ea typeface="Times New Roman" charset="0"/>
+                <a:cs typeface="Times New Roman" charset="0"/>
+              </a:rPr>
+              <a:t>Tf-idf</a:t>
+            </a:r>
+            <a:r>
+              <a:rPr lang="en-US" altLang="zh-CN" sz="2000" dirty="0" smtClean="0">
+                <a:latin typeface="Times New Roman" charset="0"/>
+                <a:ea typeface="Times New Roman" charset="0"/>
+                <a:cs typeface="Times New Roman" charset="0"/>
+              </a:rPr>
+              <a:t> matrix using individual features</a:t>
+            </a:r>
+            <a:endParaRPr lang="en-US" altLang="zh-CN" sz="2000" dirty="0" smtClean="0">
               <a:latin typeface="Times New Roman" charset="0"/>
               <a:ea typeface="Times New Roman" charset="0"/>
               <a:cs typeface="Times New Roman" charset="0"/>
             </a:endParaRPr>
           </a:p>
           <a:p>
-            <a:endParaRPr lang="en-US" dirty="0"/>
+            <a:r>
+              <a:rPr lang="en-US" sz="2000" dirty="0" smtClean="0">
+                <a:latin typeface="Times New Roman Uni" panose="02020603050405020304" pitchFamily="18" charset="-122"/>
+                <a:ea typeface="Times New Roman Uni" panose="02020603050405020304" pitchFamily="18" charset="-122"/>
+                <a:cs typeface="Times New Roman Uni" panose="02020603050405020304" pitchFamily="18" charset="-122"/>
+              </a:rPr>
+              <a:t>Particularly for paper 6, we have also conducted </a:t>
+            </a:r>
+            <a:endParaRPr lang="en-US" sz="2000" dirty="0">
+              <a:latin typeface="Times New Roman Uni" panose="02020603050405020304" pitchFamily="18" charset="-122"/>
+              <a:ea typeface="Times New Roman Uni" panose="02020603050405020304" pitchFamily="18" charset="-122"/>
+              <a:cs typeface="Times New Roman Uni" panose="02020603050405020304" pitchFamily="18" charset="-122"/>
+            </a:endParaRPr>
           </a:p>
         </p:txBody>
       </p:sp>

--- a/doc/presentation.pptx
+++ b/doc/presentation.pptx
@@ -121,7 +121,7 @@
   </p:defaultTextStyle>
   <p:extLst>
     <p:ext uri="{EFAFB233-063F-42B5-8137-9DF3F51BA10A}">
-      <p15:sldGuideLst xmlns="" xmlns:p15="http://schemas.microsoft.com/office/powerpoint/2012/main">
+      <p15:sldGuideLst xmlns:p15="http://schemas.microsoft.com/office/powerpoint/2012/main" xmlns="">
         <p15:guide id="1" orient="horz" pos="2160">
           <p15:clr>
             <a:srgbClr val="A4A3A4"/>
@@ -7054,11 +7054,6 @@
               </a:rPr>
               <a:t> matrix using individual features</a:t>
             </a:r>
-            <a:endParaRPr lang="en-US" altLang="zh-CN" sz="2000" dirty="0" smtClean="0">
-              <a:latin typeface="Times New Roman" charset="0"/>
-              <a:ea typeface="Times New Roman" charset="0"/>
-              <a:cs typeface="Times New Roman" charset="0"/>
-            </a:endParaRPr>
           </a:p>
           <a:p>
             <a:r>

--- a/doc/presentation.pptx
+++ b/doc/presentation.pptx
@@ -11,16 +11,16 @@
     <p:sldId id="257" r:id="rId5"/>
     <p:sldId id="263" r:id="rId6"/>
     <p:sldId id="261" r:id="rId7"/>
-    <p:sldId id="271" r:id="rId8"/>
-    <p:sldId id="265" r:id="rId9"/>
-    <p:sldId id="267" r:id="rId10"/>
-    <p:sldId id="272" r:id="rId11"/>
-    <p:sldId id="274" r:id="rId12"/>
-    <p:sldId id="275" r:id="rId13"/>
-    <p:sldId id="276" r:id="rId14"/>
-    <p:sldId id="273" r:id="rId15"/>
-    <p:sldId id="268" r:id="rId16"/>
-    <p:sldId id="270" r:id="rId17"/>
+    <p:sldId id="265" r:id="rId8"/>
+    <p:sldId id="267" r:id="rId9"/>
+    <p:sldId id="272" r:id="rId10"/>
+    <p:sldId id="273" r:id="rId11"/>
+    <p:sldId id="268" r:id="rId12"/>
+    <p:sldId id="274" r:id="rId13"/>
+    <p:sldId id="275" r:id="rId14"/>
+    <p:sldId id="276" r:id="rId15"/>
+    <p:sldId id="270" r:id="rId16"/>
+    <p:sldId id="277" r:id="rId17"/>
   </p:sldIdLst>
   <p:sldSz cx="9144000" cy="6858000" type="screen4x3"/>
   <p:notesSz cx="6858000" cy="9144000"/>
@@ -121,7 +121,7 @@
   </p:defaultTextStyle>
   <p:extLst>
     <p:ext uri="{EFAFB233-063F-42B5-8137-9DF3F51BA10A}">
-      <p15:sldGuideLst xmlns:p15="http://schemas.microsoft.com/office/powerpoint/2012/main" xmlns="">
+      <p15:sldGuideLst xmlns="" xmlns:p15="http://schemas.microsoft.com/office/powerpoint/2012/main">
         <p15:guide id="1" orient="horz" pos="2160">
           <p15:clr>
             <a:srgbClr val="A4A3A4"/>
@@ -728,7 +728,7 @@
           <a:p>
             <a:fld id="{18DCCD61-643D-44A5-A450-3A42A50CBC1E}" type="datetimeFigureOut">
               <a:rPr lang="en-US" smtClean="0"/>
-              <a:t>4/13/2017</a:t>
+              <a:t>4/14/2017</a:t>
             </a:fld>
             <a:endParaRPr lang="en-US" dirty="0"/>
           </a:p>
@@ -1005,7 +1005,7 @@
           <a:p>
             <a:fld id="{18DCCD61-643D-44A5-A450-3A42A50CBC1E}" type="datetimeFigureOut">
               <a:rPr lang="en-US" smtClean="0"/>
-              <a:t>4/13/2017</a:t>
+              <a:t>4/14/2017</a:t>
             </a:fld>
             <a:endParaRPr lang="en-US" dirty="0"/>
           </a:p>
@@ -1258,7 +1258,7 @@
           <a:p>
             <a:fld id="{18DCCD61-643D-44A5-A450-3A42A50CBC1E}" type="datetimeFigureOut">
               <a:rPr lang="en-US" smtClean="0"/>
-              <a:t>4/13/2017</a:t>
+              <a:t>4/14/2017</a:t>
             </a:fld>
             <a:endParaRPr lang="en-US" dirty="0"/>
           </a:p>
@@ -1428,7 +1428,7 @@
           <a:p>
             <a:fld id="{18DCCD61-643D-44A5-A450-3A42A50CBC1E}" type="datetimeFigureOut">
               <a:rPr lang="en-US" smtClean="0"/>
-              <a:t>4/13/2017</a:t>
+              <a:t>4/14/2017</a:t>
             </a:fld>
             <a:endParaRPr lang="en-US" dirty="0"/>
           </a:p>
@@ -1608,7 +1608,7 @@
           <a:p>
             <a:fld id="{18DCCD61-643D-44A5-A450-3A42A50CBC1E}" type="datetimeFigureOut">
               <a:rPr lang="en-US" smtClean="0"/>
-              <a:t>4/13/2017</a:t>
+              <a:t>4/14/2017</a:t>
             </a:fld>
             <a:endParaRPr lang="en-US" dirty="0"/>
           </a:p>
@@ -2198,7 +2198,7 @@
           <a:p>
             <a:fld id="{18DCCD61-643D-44A5-A450-3A42A50CBC1E}" type="datetimeFigureOut">
               <a:rPr lang="en-US" smtClean="0"/>
-              <a:t>4/13/2017</a:t>
+              <a:t>4/14/2017</a:t>
             </a:fld>
             <a:endParaRPr lang="en-US" dirty="0"/>
           </a:p>
@@ -2368,7 +2368,7 @@
           <a:p>
             <a:fld id="{18DCCD61-643D-44A5-A450-3A42A50CBC1E}" type="datetimeFigureOut">
               <a:rPr lang="en-US" smtClean="0"/>
-              <a:t>4/13/2017</a:t>
+              <a:t>4/14/2017</a:t>
             </a:fld>
             <a:endParaRPr lang="en-US" dirty="0"/>
           </a:p>
@@ -2614,7 +2614,7 @@
           <a:p>
             <a:fld id="{18DCCD61-643D-44A5-A450-3A42A50CBC1E}" type="datetimeFigureOut">
               <a:rPr lang="en-US" smtClean="0"/>
-              <a:t>4/13/2017</a:t>
+              <a:t>4/14/2017</a:t>
             </a:fld>
             <a:endParaRPr lang="en-US" dirty="0"/>
           </a:p>
@@ -2902,7 +2902,7 @@
           <a:p>
             <a:fld id="{18DCCD61-643D-44A5-A450-3A42A50CBC1E}" type="datetimeFigureOut">
               <a:rPr lang="en-US" smtClean="0"/>
-              <a:t>4/13/2017</a:t>
+              <a:t>4/14/2017</a:t>
             </a:fld>
             <a:endParaRPr lang="en-US" dirty="0"/>
           </a:p>
@@ -3324,7 +3324,7 @@
           <a:p>
             <a:fld id="{18DCCD61-643D-44A5-A450-3A42A50CBC1E}" type="datetimeFigureOut">
               <a:rPr lang="en-US" smtClean="0"/>
-              <a:t>4/13/2017</a:t>
+              <a:t>4/14/2017</a:t>
             </a:fld>
             <a:endParaRPr lang="en-US" dirty="0"/>
           </a:p>
@@ -3442,7 +3442,7 @@
           <a:p>
             <a:fld id="{18DCCD61-643D-44A5-A450-3A42A50CBC1E}" type="datetimeFigureOut">
               <a:rPr lang="en-US" smtClean="0"/>
-              <a:t>4/13/2017</a:t>
+              <a:t>4/14/2017</a:t>
             </a:fld>
             <a:endParaRPr lang="en-US" dirty="0"/>
           </a:p>
@@ -3946,7 +3946,7 @@
           <a:p>
             <a:fld id="{18DCCD61-643D-44A5-A450-3A42A50CBC1E}" type="datetimeFigureOut">
               <a:rPr lang="en-US" smtClean="0"/>
-              <a:t>4/13/2017</a:t>
+              <a:t>4/14/2017</a:t>
             </a:fld>
             <a:endParaRPr lang="en-US" dirty="0"/>
           </a:p>
@@ -4388,7 +4388,7 @@
         </p:nvSpPr>
         <p:spPr bwMode="auto">
           <a:xfrm>
-            <a:off x="1331640" y="1745899"/>
+            <a:off x="1331640" y="1496978"/>
             <a:ext cx="6768752" cy="707886"/>
           </a:xfrm>
           <a:prstGeom prst="rect">
@@ -4490,7 +4490,7 @@
         </p:nvSpPr>
         <p:spPr>
           <a:xfrm>
-            <a:off x="2123728" y="3019828"/>
+            <a:off x="2123728" y="2492896"/>
             <a:ext cx="4968552" cy="3145476"/>
           </a:xfrm>
           <a:prstGeom prst="rect">
@@ -4734,7 +4734,7 @@
       </p:grpSpPr>
       <p:sp>
         <p:nvSpPr>
-          <p:cNvPr id="2" name="Title 1"/>
+          <p:cNvPr id="4" name="Title 3"/>
           <p:cNvSpPr>
             <a:spLocks noGrp="1"/>
           </p:cNvSpPr>
@@ -4744,55 +4744,126 @@
         </p:nvSpPr>
         <p:spPr/>
         <p:txBody>
+          <a:bodyPr>
+            <a:normAutofit/>
+          </a:bodyPr>
+          <a:lstStyle/>
+          <a:p>
+            <a:pPr algn="ctr"/>
+            <a:endParaRPr lang="ko-KR" altLang="en-US" sz="2900" dirty="0">
+              <a:latin typeface="Times New Roman" charset="0"/>
+              <a:ea typeface="Times New Roman" charset="0"/>
+              <a:cs typeface="Times New Roman" charset="0"/>
+            </a:endParaRPr>
+          </a:p>
+        </p:txBody>
+      </p:sp>
+      <p:sp>
+        <p:nvSpPr>
+          <p:cNvPr id="6" name="Content Placeholder 5"/>
+          <p:cNvSpPr>
+            <a:spLocks noGrp="1"/>
+          </p:cNvSpPr>
+          <p:nvPr>
+            <p:ph idx="1"/>
+          </p:nvPr>
+        </p:nvSpPr>
+        <p:spPr/>
+        <p:txBody>
           <a:bodyPr/>
           <a:lstStyle/>
           <a:p>
-            <a:pPr algn="ctr"/>
-            <a:r>
-              <a:rPr lang="en-US" altLang="zh-CN" sz="2900" dirty="0">
-                <a:latin typeface="Times New Roman" charset="0"/>
-                <a:ea typeface="Times New Roman" charset="0"/>
-                <a:cs typeface="Times New Roman" charset="0"/>
-              </a:rPr>
-              <a:t>Our Results</a:t>
-            </a:r>
-            <a:endParaRPr lang="zh-CN" altLang="en-US" sz="2900" dirty="0"/>
-          </a:p>
-        </p:txBody>
-      </p:sp>
-      <p:pic>
-        <p:nvPicPr>
-          <p:cNvPr id="5" name="Content Placeholder 4"/>
-          <p:cNvPicPr>
-            <a:picLocks noGrp="1" noChangeAspect="1"/>
-          </p:cNvPicPr>
+            <a:r>
+              <a:rPr lang="en-US" altLang="ko-KR" b="1" dirty="0" smtClean="0">
+                <a:solidFill>
+                  <a:schemeClr val="tx1">
+                    <a:lumMod val="75000"/>
+                    <a:lumOff val="25000"/>
+                  </a:schemeClr>
+                </a:solidFill>
+                <a:latin typeface="Arial" pitchFamily="34" charset="0"/>
+                <a:cs typeface="Arial" pitchFamily="34" charset="0"/>
+              </a:rPr>
+              <a:t> </a:t>
+            </a:r>
+            <a:endParaRPr lang="en-US" altLang="ko-KR" b="1" dirty="0">
+              <a:solidFill>
+                <a:schemeClr val="tx1">
+                  <a:lumMod val="75000"/>
+                  <a:lumOff val="25000"/>
+                </a:schemeClr>
+              </a:solidFill>
+              <a:latin typeface="Arial" pitchFamily="34" charset="0"/>
+              <a:cs typeface="Arial" pitchFamily="34" charset="0"/>
+            </a:endParaRPr>
+          </a:p>
+        </p:txBody>
+      </p:sp>
+      <p:sp>
+        <p:nvSpPr>
+          <p:cNvPr id="2" name="Content Placeholder 1"/>
+          <p:cNvSpPr>
+            <a:spLocks noGrp="1"/>
+          </p:cNvSpPr>
           <p:nvPr>
             <p:ph idx="10"/>
           </p:nvPr>
-        </p:nvPicPr>
-        <p:blipFill>
-          <a:blip r:embed="rId2">
-            <a:extLst>
-              <a:ext uri="{28A0092B-C50C-407E-A947-70E740481C1C}">
-                <a14:useLocalDpi xmlns:a14="http://schemas.microsoft.com/office/drawing/2010/main" val="0"/>
-              </a:ext>
-            </a:extLst>
-          </a:blip>
-          <a:stretch>
-            <a:fillRect/>
-          </a:stretch>
-        </p:blipFill>
+        </p:nvSpPr>
         <p:spPr>
           <a:xfrm>
-            <a:off x="1259632" y="1556792"/>
-            <a:ext cx="6552728" cy="3888432"/>
+            <a:off x="323528" y="1268760"/>
+            <a:ext cx="8229600" cy="3600400"/>
           </a:xfrm>
         </p:spPr>
-      </p:pic>
+        <p:txBody>
+          <a:bodyPr/>
+          <a:lstStyle/>
+          <a:p>
+            <a:pPr algn="ctr"/>
+            <a:endParaRPr lang="en-US" sz="2900" dirty="0" smtClean="0">
+              <a:latin typeface="Times New Roman Uni" panose="02020603050405020304" pitchFamily="18" charset="-122"/>
+              <a:ea typeface="Times New Roman Uni" panose="02020603050405020304" pitchFamily="18" charset="-122"/>
+              <a:cs typeface="Times New Roman Uni" panose="02020603050405020304" pitchFamily="18" charset="-122"/>
+            </a:endParaRPr>
+          </a:p>
+          <a:p>
+            <a:pPr algn="ctr"/>
+            <a:endParaRPr lang="en-US" sz="2900" dirty="0">
+              <a:latin typeface="Times New Roman Uni" panose="02020603050405020304" pitchFamily="18" charset="-122"/>
+              <a:ea typeface="Times New Roman Uni" panose="02020603050405020304" pitchFamily="18" charset="-122"/>
+              <a:cs typeface="Times New Roman Uni" panose="02020603050405020304" pitchFamily="18" charset="-122"/>
+            </a:endParaRPr>
+          </a:p>
+          <a:p>
+            <a:pPr algn="ctr"/>
+            <a:endParaRPr lang="en-US" sz="2900" dirty="0" smtClean="0">
+              <a:latin typeface="Times New Roman Uni" panose="02020603050405020304" pitchFamily="18" charset="-122"/>
+              <a:ea typeface="Times New Roman Uni" panose="02020603050405020304" pitchFamily="18" charset="-122"/>
+              <a:cs typeface="Times New Roman Uni" panose="02020603050405020304" pitchFamily="18" charset="-122"/>
+            </a:endParaRPr>
+          </a:p>
+          <a:p>
+            <a:pPr algn="ctr"/>
+            <a:r>
+              <a:rPr lang="en-US" sz="4000" b="1" i="1" dirty="0" smtClean="0">
+                <a:latin typeface="Times New Roman Uni" panose="02020603050405020304" pitchFamily="18" charset="-122"/>
+                <a:ea typeface="Times New Roman Uni" panose="02020603050405020304" pitchFamily="18" charset="-122"/>
+                <a:cs typeface="Times New Roman Uni" panose="02020603050405020304" pitchFamily="18" charset="-122"/>
+              </a:rPr>
+              <a:t>Any Questions?</a:t>
+            </a:r>
+            <a:endParaRPr lang="en-US" sz="4000" b="1" i="1" dirty="0">
+              <a:latin typeface="Times New Roman Uni" panose="02020603050405020304" pitchFamily="18" charset="-122"/>
+              <a:ea typeface="Times New Roman Uni" panose="02020603050405020304" pitchFamily="18" charset="-122"/>
+              <a:cs typeface="Times New Roman Uni" panose="02020603050405020304" pitchFamily="18" charset="-122"/>
+            </a:endParaRPr>
+          </a:p>
+        </p:txBody>
+      </p:sp>
     </p:spTree>
     <p:extLst>
       <p:ext uri="{BB962C8B-B14F-4D97-AF65-F5344CB8AC3E}">
-        <p14:creationId xmlns:p14="http://schemas.microsoft.com/office/powerpoint/2010/main" val="3313506940"/>
+        <p14:creationId xmlns:p14="http://schemas.microsoft.com/office/powerpoint/2010/main" val="866264384"/>
       </p:ext>
     </p:extLst>
   </p:cSld>
@@ -4843,24 +4914,25 @@
           <a:p>
             <a:pPr algn="ctr"/>
             <a:r>
-              <a:rPr lang="en-US" altLang="zh-CN" sz="2000" dirty="0">
+              <a:rPr lang="en-US" altLang="zh-CN" sz="2900" dirty="0" smtClean="0">
                 <a:latin typeface="Times New Roman" charset="0"/>
-                <a:ea typeface="Times New Roman" charset="0"/>
                 <a:cs typeface="Times New Roman" charset="0"/>
               </a:rPr>
-              <a:t>Our Results</a:t>
-            </a:r>
-            <a:endParaRPr lang="zh-CN" altLang="en-US" sz="2000" dirty="0"/>
+              <a:t>Our Observations</a:t>
+            </a:r>
+            <a:endParaRPr lang="zh-CN" altLang="en-US" sz="2900" dirty="0"/>
           </a:p>
         </p:txBody>
       </p:sp>
       <p:pic>
         <p:nvPicPr>
-          <p:cNvPr id="6" name="Picture 5"/>
+          <p:cNvPr id="4" name="Content Placeholder 3"/>
           <p:cNvPicPr>
-            <a:picLocks noChangeAspect="1"/>
+            <a:picLocks noGrp="1" noChangeAspect="1"/>
           </p:cNvPicPr>
-          <p:nvPr/>
+          <p:nvPr>
+            <p:ph idx="10"/>
+          </p:nvPr>
         </p:nvPicPr>
         <p:blipFill>
           <a:blip r:embed="rId2">
@@ -4876,37 +4948,15 @@
         </p:blipFill>
         <p:spPr>
           <a:xfrm>
-            <a:off x="2411760" y="1121532"/>
-            <a:ext cx="4389885" cy="4458323"/>
+            <a:off x="899592" y="1412776"/>
+            <a:ext cx="7200799" cy="4608512"/>
           </a:xfrm>
-          <a:prstGeom prst="rect">
-            <a:avLst/>
-          </a:prstGeom>
         </p:spPr>
       </p:pic>
-      <p:sp>
-        <p:nvSpPr>
-          <p:cNvPr id="7" name="Content Placeholder 6"/>
-          <p:cNvSpPr>
-            <a:spLocks noGrp="1"/>
-          </p:cNvSpPr>
-          <p:nvPr>
-            <p:ph idx="10"/>
-          </p:nvPr>
-        </p:nvSpPr>
-        <p:spPr/>
-        <p:txBody>
-          <a:bodyPr/>
-          <a:lstStyle/>
-          <a:p>
-            <a:endParaRPr lang="zh-CN" altLang="en-US"/>
-          </a:p>
-        </p:txBody>
-      </p:sp>
     </p:spTree>
     <p:extLst>
       <p:ext uri="{BB962C8B-B14F-4D97-AF65-F5344CB8AC3E}">
-        <p14:creationId xmlns:p14="http://schemas.microsoft.com/office/powerpoint/2010/main" val="2709497789"/>
+        <p14:creationId xmlns:p14="http://schemas.microsoft.com/office/powerpoint/2010/main" val="3313506940"/>
       </p:ext>
     </p:extLst>
   </p:cSld>
@@ -4959,43 +5009,28 @@
             <a:r>
               <a:rPr lang="en-US" altLang="zh-CN" sz="2900" dirty="0">
                 <a:latin typeface="Times New Roman" charset="0"/>
-                <a:ea typeface="Times New Roman" charset="0"/>
                 <a:cs typeface="Times New Roman" charset="0"/>
               </a:rPr>
-              <a:t>Our Results</a:t>
+              <a:t>Our </a:t>
+            </a:r>
+            <a:r>
+              <a:rPr lang="en-US" altLang="zh-CN" sz="2900" dirty="0" smtClean="0">
+                <a:latin typeface="Times New Roman" charset="0"/>
+                <a:cs typeface="Times New Roman" charset="0"/>
+              </a:rPr>
+              <a:t>Observations cont’d</a:t>
             </a:r>
             <a:endParaRPr lang="zh-CN" altLang="en-US" sz="2900" dirty="0"/>
-          </a:p>
-        </p:txBody>
-      </p:sp>
-      <p:sp>
-        <p:nvSpPr>
-          <p:cNvPr id="3" name="Content Placeholder 2"/>
-          <p:cNvSpPr>
-            <a:spLocks noGrp="1"/>
-          </p:cNvSpPr>
-          <p:nvPr>
-            <p:ph idx="1"/>
-          </p:nvPr>
-        </p:nvSpPr>
-        <p:spPr/>
-        <p:txBody>
-          <a:bodyPr/>
-          <a:lstStyle/>
-          <a:p>
-            <a:endParaRPr lang="zh-CN" altLang="en-US"/>
           </a:p>
         </p:txBody>
       </p:sp>
       <p:pic>
         <p:nvPicPr>
-          <p:cNvPr id="7" name="Content Placeholder 6"/>
+          <p:cNvPr id="6" name="Picture 5"/>
           <p:cNvPicPr>
-            <a:picLocks noGrp="1" noChangeAspect="1"/>
+            <a:picLocks noChangeAspect="1"/>
           </p:cNvPicPr>
-          <p:nvPr>
-            <p:ph idx="10"/>
-          </p:nvPr>
+          <p:nvPr/>
         </p:nvPicPr>
         <p:blipFill>
           <a:blip r:embed="rId2">
@@ -5011,15 +5046,18 @@
         </p:blipFill>
         <p:spPr>
           <a:xfrm>
-            <a:off x="1043608" y="2348880"/>
-            <a:ext cx="7056784" cy="3384375"/>
+            <a:off x="1187624" y="1346941"/>
+            <a:ext cx="6480720" cy="4674347"/>
           </a:xfrm>
+          <a:prstGeom prst="rect">
+            <a:avLst/>
+          </a:prstGeom>
         </p:spPr>
       </p:pic>
     </p:spTree>
     <p:extLst>
       <p:ext uri="{BB962C8B-B14F-4D97-AF65-F5344CB8AC3E}">
-        <p14:creationId xmlns:p14="http://schemas.microsoft.com/office/powerpoint/2010/main" val="4077783401"/>
+        <p14:creationId xmlns:p14="http://schemas.microsoft.com/office/powerpoint/2010/main" val="2709497789"/>
       </p:ext>
     </p:extLst>
   </p:cSld>
@@ -5070,18 +5108,13 @@
           <a:p>
             <a:pPr algn="ctr"/>
             <a:r>
-              <a:rPr lang="en-US" altLang="zh-CN" sz="2900" dirty="0" smtClean="0">
-                <a:latin typeface="Times New Roman Uni" panose="02020603050405020304" pitchFamily="18" charset="-122"/>
-                <a:ea typeface="Times New Roman Uni" panose="02020603050405020304" pitchFamily="18" charset="-122"/>
-                <a:cs typeface="Times New Roman Uni" panose="02020603050405020304" pitchFamily="18" charset="-122"/>
-              </a:rPr>
-              <a:t>Conclusion</a:t>
-            </a:r>
-            <a:endParaRPr lang="zh-CN" altLang="en-US" sz="2900" dirty="0">
-              <a:latin typeface="Times New Roman Uni" panose="02020603050405020304" pitchFamily="18" charset="-122"/>
-              <a:ea typeface="Times New Roman Uni" panose="02020603050405020304" pitchFamily="18" charset="-122"/>
-              <a:cs typeface="Times New Roman Uni" panose="02020603050405020304" pitchFamily="18" charset="-122"/>
-            </a:endParaRPr>
+              <a:rPr lang="en-US" altLang="zh-CN" sz="2900" dirty="0">
+                <a:latin typeface="Times New Roman" charset="0"/>
+                <a:cs typeface="Times New Roman" charset="0"/>
+              </a:rPr>
+              <a:t>Our Observations cont’d</a:t>
+            </a:r>
+            <a:endParaRPr lang="zh-CN" altLang="en-US" sz="2900" dirty="0"/>
           </a:p>
         </p:txBody>
       </p:sp>
@@ -5104,29 +5137,39 @@
           </a:p>
         </p:txBody>
       </p:sp>
-      <p:sp>
-        <p:nvSpPr>
-          <p:cNvPr id="4" name="Content Placeholder 3"/>
-          <p:cNvSpPr>
-            <a:spLocks noGrp="1"/>
-          </p:cNvSpPr>
+      <p:pic>
+        <p:nvPicPr>
+          <p:cNvPr id="5" name="Content Placeholder 4"/>
+          <p:cNvPicPr>
+            <a:picLocks noGrp="1" noChangeAspect="1"/>
+          </p:cNvPicPr>
           <p:nvPr>
             <p:ph idx="10"/>
           </p:nvPr>
-        </p:nvSpPr>
-        <p:spPr/>
-        <p:txBody>
-          <a:bodyPr/>
-          <a:lstStyle/>
-          <a:p>
-            <a:endParaRPr lang="zh-CN" altLang="en-US"/>
-          </a:p>
-        </p:txBody>
-      </p:sp>
+        </p:nvPicPr>
+        <p:blipFill>
+          <a:blip r:embed="rId2">
+            <a:extLst>
+              <a:ext uri="{28A0092B-C50C-407E-A947-70E740481C1C}">
+                <a14:useLocalDpi xmlns:a14="http://schemas.microsoft.com/office/drawing/2010/main" val="0"/>
+              </a:ext>
+            </a:extLst>
+          </a:blip>
+          <a:stretch>
+            <a:fillRect/>
+          </a:stretch>
+        </p:blipFill>
+        <p:spPr>
+          <a:xfrm>
+            <a:off x="1403648" y="2564904"/>
+            <a:ext cx="6480720" cy="1944216"/>
+          </a:xfrm>
+        </p:spPr>
+      </p:pic>
     </p:spTree>
     <p:extLst>
       <p:ext uri="{BB962C8B-B14F-4D97-AF65-F5344CB8AC3E}">
-        <p14:creationId xmlns:p14="http://schemas.microsoft.com/office/powerpoint/2010/main" val="832375233"/>
+        <p14:creationId xmlns:p14="http://schemas.microsoft.com/office/powerpoint/2010/main" val="4077783401"/>
       </p:ext>
     </p:extLst>
   </p:cSld>
@@ -5162,47 +5205,37 @@
       </p:grpSpPr>
       <p:sp>
         <p:nvSpPr>
-          <p:cNvPr id="4" name="Title 3"/>
-          <p:cNvSpPr>
-            <a:spLocks noGrp="1"/>
-          </p:cNvSpPr>
-          <p:nvPr>
-            <p:ph type="title"/>
-          </p:nvPr>
-        </p:nvSpPr>
-        <p:spPr/>
-        <p:txBody>
-          <a:bodyPr>
-            <a:normAutofit/>
+          <p:cNvPr id="4" name="TextBox 3"/>
+          <p:cNvSpPr txBox="1"/>
+          <p:nvPr/>
+        </p:nvSpPr>
+        <p:spPr>
+          <a:xfrm>
+            <a:off x="2411760" y="3651239"/>
+            <a:ext cx="4320480" cy="261610"/>
+          </a:xfrm>
+          <a:prstGeom prst="rect">
+            <a:avLst/>
+          </a:prstGeom>
+          <a:noFill/>
+        </p:spPr>
+        <p:txBody>
+          <a:bodyPr wrap="square">
+            <a:spAutoFit/>
           </a:bodyPr>
           <a:lstStyle/>
           <a:p>
-            <a:pPr algn="ctr"/>
-            <a:endParaRPr lang="ko-KR" altLang="en-US" sz="2900" dirty="0">
-              <a:latin typeface="Times New Roman" charset="0"/>
-              <a:ea typeface="Times New Roman" charset="0"/>
-              <a:cs typeface="Times New Roman" charset="0"/>
-            </a:endParaRPr>
-          </a:p>
-        </p:txBody>
-      </p:sp>
-      <p:sp>
-        <p:nvSpPr>
-          <p:cNvPr id="6" name="Content Placeholder 5"/>
-          <p:cNvSpPr>
-            <a:spLocks noGrp="1"/>
-          </p:cNvSpPr>
-          <p:nvPr>
-            <p:ph idx="1"/>
-          </p:nvPr>
-        </p:nvSpPr>
-        <p:spPr/>
-        <p:txBody>
-          <a:bodyPr/>
-          <a:lstStyle/>
-          <a:p>
-            <a:r>
-              <a:rPr lang="en-US" altLang="ko-KR" b="1" dirty="0" smtClean="0">
+            <a:pPr algn="ctr" fontAlgn="auto">
+              <a:spcBef>
+                <a:spcPts val="0"/>
+              </a:spcBef>
+              <a:spcAft>
+                <a:spcPts val="0"/>
+              </a:spcAft>
+              <a:defRPr/>
+            </a:pPr>
+            <a:r>
+              <a:rPr kumimoji="0" lang="en-US" altLang="ko-KR" sz="1100" b="1" dirty="0" smtClean="0">
                 <a:solidFill>
                   <a:schemeClr val="tx1">
                     <a:lumMod val="75000"/>
@@ -5212,9 +5245,9 @@
                 <a:latin typeface="Arial" pitchFamily="34" charset="0"/>
                 <a:cs typeface="Arial" pitchFamily="34" charset="0"/>
               </a:rPr>
-              <a:t> </a:t>
-            </a:r>
-            <a:endParaRPr lang="en-US" altLang="ko-KR" b="1" dirty="0">
+              <a:t>  </a:t>
+            </a:r>
+            <a:endParaRPr kumimoji="0" lang="en-US" altLang="ko-KR" sz="1100" b="1" dirty="0">
               <a:solidFill>
                 <a:schemeClr val="tx1">
                   <a:lumMod val="75000"/>
@@ -5229,61 +5262,157 @@
       </p:sp>
       <p:sp>
         <p:nvSpPr>
-          <p:cNvPr id="2" name="Content Placeholder 1"/>
-          <p:cNvSpPr>
-            <a:spLocks noGrp="1"/>
-          </p:cNvSpPr>
-          <p:nvPr>
-            <p:ph idx="10"/>
-          </p:nvPr>
-        </p:nvSpPr>
-        <p:spPr>
+          <p:cNvPr id="5" name="TextBox 1"/>
+          <p:cNvSpPr txBox="1">
+            <a:spLocks noChangeArrowheads="1"/>
+          </p:cNvSpPr>
+          <p:nvPr/>
+        </p:nvSpPr>
+        <p:spPr bwMode="auto">
           <a:xfrm>
-            <a:off x="323528" y="1268760"/>
-            <a:ext cx="8229600" cy="3600400"/>
+            <a:off x="1907704" y="1745899"/>
+            <a:ext cx="6192688" cy="707886"/>
           </a:xfrm>
+          <a:prstGeom prst="rect">
+            <a:avLst/>
+          </a:prstGeom>
+          <a:noFill/>
+          <a:ln w="9525">
+            <a:noFill/>
+            <a:miter lim="800000"/>
+            <a:headEnd/>
+            <a:tailEnd/>
+          </a:ln>
         </p:spPr>
         <p:txBody>
-          <a:bodyPr/>
+          <a:bodyPr wrap="square">
+            <a:spAutoFit/>
+          </a:bodyPr>
           <a:lstStyle/>
           <a:p>
             <a:pPr algn="ctr"/>
-            <a:endParaRPr lang="en-US" sz="2900" dirty="0" smtClean="0">
-              <a:latin typeface="Times New Roman Uni" panose="02020603050405020304" pitchFamily="18" charset="-122"/>
-              <a:ea typeface="Times New Roman Uni" panose="02020603050405020304" pitchFamily="18" charset="-122"/>
-              <a:cs typeface="Times New Roman Uni" panose="02020603050405020304" pitchFamily="18" charset="-122"/>
-            </a:endParaRPr>
-          </a:p>
-          <a:p>
-            <a:pPr algn="ctr"/>
-            <a:endParaRPr lang="en-US" sz="2900" dirty="0">
-              <a:latin typeface="Times New Roman Uni" panose="02020603050405020304" pitchFamily="18" charset="-122"/>
-              <a:ea typeface="Times New Roman Uni" panose="02020603050405020304" pitchFamily="18" charset="-122"/>
-              <a:cs typeface="Times New Roman Uni" panose="02020603050405020304" pitchFamily="18" charset="-122"/>
-            </a:endParaRPr>
-          </a:p>
-          <a:p>
-            <a:pPr algn="ctr"/>
-            <a:endParaRPr lang="en-US" sz="2900" dirty="0" smtClean="0">
-              <a:latin typeface="Times New Roman Uni" panose="02020603050405020304" pitchFamily="18" charset="-122"/>
-              <a:ea typeface="Times New Roman Uni" panose="02020603050405020304" pitchFamily="18" charset="-122"/>
-              <a:cs typeface="Times New Roman Uni" panose="02020603050405020304" pitchFamily="18" charset="-122"/>
-            </a:endParaRPr>
-          </a:p>
-          <a:p>
-            <a:pPr algn="ctr"/>
-            <a:r>
-              <a:rPr lang="en-US" sz="4000" b="1" i="1" dirty="0" smtClean="0">
+            <a:r>
+              <a:rPr lang="en-US" altLang="ko-KR" sz="4000" dirty="0">
                 <a:latin typeface="Times New Roman Uni" panose="02020603050405020304" pitchFamily="18" charset="-122"/>
                 <a:ea typeface="Times New Roman Uni" panose="02020603050405020304" pitchFamily="18" charset="-122"/>
                 <a:cs typeface="Times New Roman Uni" panose="02020603050405020304" pitchFamily="18" charset="-122"/>
               </a:rPr>
-              <a:t>Any Questions?</a:t>
-            </a:r>
-            <a:endParaRPr lang="en-US" sz="4000" b="1" i="1" dirty="0">
-              <a:latin typeface="Times New Roman Uni" panose="02020603050405020304" pitchFamily="18" charset="-122"/>
-              <a:ea typeface="Times New Roman Uni" panose="02020603050405020304" pitchFamily="18" charset="-122"/>
-              <a:cs typeface="Times New Roman Uni" panose="02020603050405020304" pitchFamily="18" charset="-122"/>
+              <a:t> </a:t>
+            </a:r>
+            <a:endParaRPr lang="en-US" altLang="ko-KR" sz="4000" b="1" dirty="0" smtClean="0">
+              <a:solidFill>
+                <a:schemeClr val="tx1">
+                  <a:lumMod val="75000"/>
+                  <a:lumOff val="25000"/>
+                </a:schemeClr>
+              </a:solidFill>
+              <a:latin typeface="Arial" pitchFamily="34" charset="0"/>
+              <a:ea typeface="맑은 고딕" pitchFamily="50" charset="-127"/>
+              <a:cs typeface="Arial" pitchFamily="34" charset="0"/>
+            </a:endParaRPr>
+          </a:p>
+        </p:txBody>
+      </p:sp>
+      <p:sp>
+        <p:nvSpPr>
+          <p:cNvPr id="7" name="TextBox 6">
+            <a:hlinkClick r:id="rId2"/>
+          </p:cNvPr>
+          <p:cNvSpPr txBox="1"/>
+          <p:nvPr/>
+        </p:nvSpPr>
+        <p:spPr>
+          <a:xfrm>
+            <a:off x="0" y="6597932"/>
+            <a:ext cx="9144000" cy="215444"/>
+          </a:xfrm>
+          <a:prstGeom prst="rect">
+            <a:avLst/>
+          </a:prstGeom>
+          <a:noFill/>
+        </p:spPr>
+        <p:txBody>
+          <a:bodyPr wrap="square" rtlCol="0">
+            <a:spAutoFit/>
+          </a:bodyPr>
+          <a:lstStyle/>
+          <a:p>
+            <a:pPr algn="ctr"/>
+            <a:r>
+              <a:rPr lang="en-US" altLang="ko-KR" sz="800" dirty="0" smtClean="0">
+                <a:solidFill>
+                  <a:schemeClr val="tx1">
+                    <a:lumMod val="75000"/>
+                    <a:lumOff val="25000"/>
+                  </a:schemeClr>
+                </a:solidFill>
+                <a:latin typeface="Arial" pitchFamily="34" charset="0"/>
+                <a:cs typeface="Arial" pitchFamily="34" charset="0"/>
+              </a:rPr>
+              <a:t>ALLPPT.com _ Free PowerPoint Templates, Diagrams and Charts</a:t>
+            </a:r>
+            <a:endParaRPr lang="ko-KR" altLang="en-US" sz="800" dirty="0">
+              <a:solidFill>
+                <a:schemeClr val="tx1">
+                  <a:lumMod val="75000"/>
+                  <a:lumOff val="25000"/>
+                </a:schemeClr>
+              </a:solidFill>
+              <a:latin typeface="Arial" pitchFamily="34" charset="0"/>
+              <a:cs typeface="Arial" pitchFamily="34" charset="0"/>
+            </a:endParaRPr>
+          </a:p>
+        </p:txBody>
+      </p:sp>
+      <p:sp>
+        <p:nvSpPr>
+          <p:cNvPr id="2" name="TextBox 1"/>
+          <p:cNvSpPr txBox="1"/>
+          <p:nvPr/>
+        </p:nvSpPr>
+        <p:spPr>
+          <a:xfrm>
+            <a:off x="3059832" y="2735596"/>
+            <a:ext cx="3211135" cy="1200329"/>
+          </a:xfrm>
+          <a:prstGeom prst="rect">
+            <a:avLst/>
+          </a:prstGeom>
+          <a:noFill/>
+        </p:spPr>
+        <p:txBody>
+          <a:bodyPr wrap="none" rtlCol="0">
+            <a:spAutoFit/>
+          </a:bodyPr>
+          <a:lstStyle/>
+          <a:p>
+            <a:pPr lvl="0" algn="ctr" latinLnBrk="0">
+              <a:spcBef>
+                <a:spcPct val="20000"/>
+              </a:spcBef>
+              <a:buClr>
+                <a:srgbClr val="873624"/>
+              </a:buClr>
+            </a:pPr>
+            <a:r>
+              <a:rPr lang="en-US" altLang="zh-CN" sz="7200" dirty="0" smtClean="0">
+                <a:effectLst>
+                  <a:outerShdw blurRad="34925" dist="12700" dir="14400000" rotWithShape="0">
+                    <a:prstClr val="black">
+                      <a:alpha val="21000"/>
+                    </a:prstClr>
+                  </a:outerShdw>
+                </a:effectLst>
+                <a:latin typeface="Times New Roman" charset="0"/>
+                <a:ea typeface="Times New Roman" charset="0"/>
+                <a:cs typeface="Times New Roman" charset="0"/>
+              </a:rPr>
+              <a:t>Thanks!</a:t>
+            </a:r>
+            <a:endParaRPr lang="en-US" sz="6600" dirty="0">
+              <a:latin typeface="Times New Roman" charset="0"/>
+              <a:ea typeface="Times New Roman" charset="0"/>
+              <a:cs typeface="Times New Roman" charset="0"/>
             </a:endParaRPr>
           </a:p>
         </p:txBody>
@@ -5291,7 +5420,7 @@
     </p:spTree>
     <p:extLst>
       <p:ext uri="{BB962C8B-B14F-4D97-AF65-F5344CB8AC3E}">
-        <p14:creationId xmlns:p14="http://schemas.microsoft.com/office/powerpoint/2010/main" val="866264384"/>
+        <p14:creationId xmlns:p14="http://schemas.microsoft.com/office/powerpoint/2010/main" val="857881881"/>
       </p:ext>
     </p:extLst>
   </p:cSld>
@@ -5327,222 +5456,258 @@
       </p:grpSpPr>
       <p:sp>
         <p:nvSpPr>
-          <p:cNvPr id="4" name="TextBox 3"/>
-          <p:cNvSpPr txBox="1"/>
-          <p:nvPr/>
+          <p:cNvPr id="2" name="Title 1"/>
+          <p:cNvSpPr>
+            <a:spLocks noGrp="1"/>
+          </p:cNvSpPr>
+          <p:nvPr>
+            <p:ph type="title"/>
+          </p:nvPr>
+        </p:nvSpPr>
+        <p:spPr/>
+        <p:txBody>
+          <a:bodyPr/>
+          <a:lstStyle/>
+          <a:p>
+            <a:r>
+              <a:rPr lang="en-US" altLang="zh-CN" sz="3000" dirty="0">
+                <a:latin typeface="Times New Roman Uni" panose="02020603050405020304" pitchFamily="18" charset="-122"/>
+                <a:ea typeface="Times New Roman Uni" panose="02020603050405020304" pitchFamily="18" charset="-122"/>
+                <a:cs typeface="Times New Roman Uni" panose="02020603050405020304" pitchFamily="18" charset="-122"/>
+              </a:rPr>
+              <a:t>A Constraint-Based Probabilistic Framework approach</a:t>
+            </a:r>
+            <a:endParaRPr lang="zh-CN" altLang="en-US" sz="3000" dirty="0"/>
+          </a:p>
+        </p:txBody>
+      </p:sp>
+      <p:sp>
+        <p:nvSpPr>
+          <p:cNvPr id="4" name="Content Placeholder 3"/>
+          <p:cNvSpPr>
+            <a:spLocks noGrp="1"/>
+          </p:cNvSpPr>
+          <p:nvPr>
+            <p:ph idx="10"/>
+          </p:nvPr>
         </p:nvSpPr>
         <p:spPr>
           <a:xfrm>
-            <a:off x="2411760" y="3651239"/>
-            <a:ext cx="4320480" cy="261610"/>
+            <a:off x="590872" y="2348880"/>
+            <a:ext cx="8229600" cy="4509120"/>
+          </a:xfrm>
+        </p:spPr>
+        <p:txBody>
+          <a:bodyPr/>
+          <a:lstStyle/>
+          <a:p>
+            <a:pPr marL="342900" indent="-342900">
+              <a:buFont typeface="Wingdings" panose="05000000000000000000" pitchFamily="2" charset="2"/>
+              <a:buChar char="Ø"/>
+            </a:pPr>
+            <a:r>
+              <a:rPr lang="en-US" altLang="zh-CN" sz="2000" dirty="0" smtClean="0">
+                <a:latin typeface="Times New Roman" charset="0"/>
+                <a:ea typeface="Times New Roman" charset="0"/>
+                <a:cs typeface="Times New Roman" charset="0"/>
+              </a:rPr>
+              <a:t>We initialize our cluster assignment based on C2 constraint, namely </a:t>
+            </a:r>
+          </a:p>
+          <a:p>
+            <a:r>
+              <a:rPr lang="en-US" altLang="zh-CN" sz="2000" dirty="0" smtClean="0">
+                <a:latin typeface="Times New Roman" charset="0"/>
+                <a:ea typeface="Times New Roman" charset="0"/>
+                <a:cs typeface="Times New Roman" charset="0"/>
+              </a:rPr>
+              <a:t>the two citation vectors that have the same coauthor will have the same </a:t>
+            </a:r>
+          </a:p>
+          <a:p>
+            <a:r>
+              <a:rPr lang="en-US" altLang="zh-CN" sz="2000" dirty="0" smtClean="0">
+                <a:latin typeface="Times New Roman" charset="0"/>
+                <a:ea typeface="Times New Roman" charset="0"/>
+                <a:cs typeface="Times New Roman" charset="0"/>
+              </a:rPr>
+              <a:t>cluster assignment</a:t>
+            </a:r>
+          </a:p>
+          <a:p>
+            <a:pPr marL="342900" indent="-342900">
+              <a:buFont typeface="Wingdings" panose="05000000000000000000" pitchFamily="2" charset="2"/>
+              <a:buChar char="Ø"/>
+            </a:pPr>
+            <a:r>
+              <a:rPr lang="en-US" altLang="zh-CN" sz="2000" dirty="0" smtClean="0">
+                <a:latin typeface="Times New Roman" charset="0"/>
+                <a:ea typeface="Times New Roman" charset="0"/>
+                <a:cs typeface="Times New Roman" charset="0"/>
+              </a:rPr>
+              <a:t>If  number of the resulting cluster is greater than our known cluster K, </a:t>
+            </a:r>
+          </a:p>
+          <a:p>
+            <a:r>
+              <a:rPr lang="en-US" altLang="zh-CN" sz="2000" dirty="0" smtClean="0">
+                <a:latin typeface="Times New Roman" charset="0"/>
+                <a:ea typeface="Times New Roman" charset="0"/>
+                <a:cs typeface="Times New Roman" charset="0"/>
+              </a:rPr>
+              <a:t>we cluster the nearest group until </a:t>
+            </a:r>
+            <a:r>
+              <a:rPr lang="en-US" altLang="zh-CN" sz="2000" dirty="0">
+                <a:latin typeface="Times New Roman" charset="0"/>
+                <a:ea typeface="Times New Roman" charset="0"/>
+                <a:cs typeface="Times New Roman" charset="0"/>
+              </a:rPr>
+              <a:t>K groups left. Otherwise, we randomly sample </a:t>
+            </a:r>
+            <a:r>
+              <a:rPr lang="en-US" altLang="zh-CN" sz="2000" dirty="0" smtClean="0">
+                <a:latin typeface="Times New Roman" charset="0"/>
+                <a:ea typeface="Times New Roman" charset="0"/>
+                <a:cs typeface="Times New Roman" charset="0"/>
+              </a:rPr>
+              <a:t>perturbations </a:t>
+            </a:r>
+            <a:r>
+              <a:rPr lang="en-US" altLang="zh-CN" sz="2000" dirty="0">
+                <a:latin typeface="Times New Roman" charset="0"/>
+                <a:ea typeface="Times New Roman" charset="0"/>
+                <a:cs typeface="Times New Roman" charset="0"/>
+              </a:rPr>
+              <a:t>of the global centroid to make it up</a:t>
+            </a:r>
+            <a:r>
+              <a:rPr lang="en-US" altLang="zh-CN" sz="2000" dirty="0" smtClean="0">
+                <a:latin typeface="Times New Roman" charset="0"/>
+                <a:ea typeface="Times New Roman" charset="0"/>
+                <a:cs typeface="Times New Roman" charset="0"/>
+              </a:rPr>
+              <a:t>.</a:t>
+            </a:r>
+          </a:p>
+          <a:p>
+            <a:pPr marL="342900" indent="-342900">
+              <a:buFont typeface="Wingdings" panose="05000000000000000000" pitchFamily="2" charset="2"/>
+              <a:buChar char="Ø"/>
+            </a:pPr>
+            <a:r>
+              <a:rPr lang="en-US" altLang="zh-CN" sz="2000" dirty="0" smtClean="0">
+                <a:latin typeface="Times New Roman" charset="0"/>
+                <a:ea typeface="Times New Roman" charset="0"/>
+                <a:cs typeface="Times New Roman" charset="0"/>
+              </a:rPr>
+              <a:t>Then, based on he current cluster assignment, we reassign each paper by </a:t>
+            </a:r>
+          </a:p>
+          <a:p>
+            <a:r>
+              <a:rPr lang="en-US" altLang="zh-CN" sz="2000" dirty="0" smtClean="0">
+                <a:latin typeface="Times New Roman" charset="0"/>
+                <a:ea typeface="Times New Roman" charset="0"/>
+                <a:cs typeface="Times New Roman" charset="0"/>
+              </a:rPr>
+              <a:t>maximizing p(Y|X), and the cluster centers are also re-estimated from </a:t>
+            </a:r>
+          </a:p>
+          <a:p>
+            <a:r>
+              <a:rPr lang="en-US" altLang="zh-CN" sz="2000" dirty="0" smtClean="0">
+                <a:latin typeface="Times New Roman" charset="0"/>
+                <a:ea typeface="Times New Roman" charset="0"/>
+                <a:cs typeface="Times New Roman" charset="0"/>
+              </a:rPr>
+              <a:t>the assignment, with the same objective to maximize the p(Y|X), with the </a:t>
+            </a:r>
+          </a:p>
+          <a:p>
+            <a:r>
+              <a:rPr lang="en-US" altLang="zh-CN" sz="2000" dirty="0" smtClean="0">
+                <a:latin typeface="Times New Roman" charset="0"/>
+                <a:ea typeface="Times New Roman" charset="0"/>
+                <a:cs typeface="Times New Roman" charset="0"/>
+              </a:rPr>
+              <a:t>distance measure is also updated.</a:t>
+            </a:r>
+            <a:endParaRPr lang="en-US" altLang="zh-CN" sz="2000" dirty="0">
+              <a:latin typeface="Times New Roman" charset="0"/>
+              <a:ea typeface="Times New Roman" charset="0"/>
+              <a:cs typeface="Times New Roman" charset="0"/>
+            </a:endParaRPr>
+          </a:p>
+          <a:p>
+            <a:r>
+              <a:rPr lang="en-US" altLang="zh-CN" sz="2000" dirty="0" smtClean="0">
+                <a:latin typeface="Times New Roman" charset="0"/>
+                <a:ea typeface="Times New Roman" charset="0"/>
+                <a:cs typeface="Times New Roman" charset="0"/>
+              </a:rPr>
+              <a:t>We can finally stop the algorithm when there is no further changes in </a:t>
+            </a:r>
+          </a:p>
+          <a:p>
+            <a:r>
+              <a:rPr lang="en-US" altLang="zh-CN" sz="2000" dirty="0" smtClean="0">
+                <a:latin typeface="Times New Roman" charset="0"/>
+                <a:ea typeface="Times New Roman" charset="0"/>
+                <a:cs typeface="Times New Roman" charset="0"/>
+              </a:rPr>
+              <a:t>      cluster assignment.</a:t>
+            </a:r>
+            <a:endParaRPr lang="en-US" altLang="zh-CN" sz="2000" dirty="0">
+              <a:latin typeface="Times New Roman" charset="0"/>
+              <a:ea typeface="Times New Roman" charset="0"/>
+              <a:cs typeface="Times New Roman" charset="0"/>
+            </a:endParaRPr>
+          </a:p>
+          <a:p>
+            <a:endParaRPr lang="en-US" altLang="zh-CN" dirty="0"/>
+          </a:p>
+          <a:p>
+            <a:endParaRPr lang="zh-CN" altLang="en-US" dirty="0"/>
+          </a:p>
+        </p:txBody>
+      </p:sp>
+      <p:pic>
+        <p:nvPicPr>
+          <p:cNvPr id="5" name="Content Placeholder 4"/>
+          <p:cNvPicPr>
+            <a:picLocks noGrp="1" noChangeAspect="1"/>
+          </p:cNvPicPr>
+          <p:nvPr>
+            <p:ph idx="1"/>
+          </p:nvPr>
+        </p:nvPicPr>
+        <p:blipFill>
+          <a:blip r:embed="rId2">
+            <a:extLst>
+              <a:ext uri="{28A0092B-C50C-407E-A947-70E740481C1C}">
+                <a14:useLocalDpi xmlns:a14="http://schemas.microsoft.com/office/drawing/2010/main" val="0"/>
+              </a:ext>
+            </a:extLst>
+          </a:blip>
+          <a:stretch>
+            <a:fillRect/>
+          </a:stretch>
+        </p:blipFill>
+        <p:spPr>
+          <a:xfrm>
+            <a:off x="899592" y="1124744"/>
+            <a:ext cx="7632848" cy="1224136"/>
           </a:xfrm>
           <a:prstGeom prst="rect">
             <a:avLst/>
           </a:prstGeom>
-          <a:noFill/>
         </p:spPr>
-        <p:txBody>
-          <a:bodyPr wrap="square">
-            <a:spAutoFit/>
-          </a:bodyPr>
-          <a:lstStyle/>
-          <a:p>
-            <a:pPr algn="ctr" fontAlgn="auto">
-              <a:spcBef>
-                <a:spcPts val="0"/>
-              </a:spcBef>
-              <a:spcAft>
-                <a:spcPts val="0"/>
-              </a:spcAft>
-              <a:defRPr/>
-            </a:pPr>
-            <a:r>
-              <a:rPr kumimoji="0" lang="en-US" altLang="ko-KR" sz="1100" b="1" dirty="0" smtClean="0">
-                <a:solidFill>
-                  <a:schemeClr val="tx1">
-                    <a:lumMod val="75000"/>
-                    <a:lumOff val="25000"/>
-                  </a:schemeClr>
-                </a:solidFill>
-                <a:latin typeface="Arial" pitchFamily="34" charset="0"/>
-                <a:cs typeface="Arial" pitchFamily="34" charset="0"/>
-              </a:rPr>
-              <a:t>  </a:t>
-            </a:r>
-            <a:endParaRPr kumimoji="0" lang="en-US" altLang="ko-KR" sz="1100" b="1" dirty="0">
-              <a:solidFill>
-                <a:schemeClr val="tx1">
-                  <a:lumMod val="75000"/>
-                  <a:lumOff val="25000"/>
-                </a:schemeClr>
-              </a:solidFill>
-              <a:latin typeface="Arial" pitchFamily="34" charset="0"/>
-              <a:cs typeface="Arial" pitchFamily="34" charset="0"/>
-            </a:endParaRPr>
-          </a:p>
-        </p:txBody>
-      </p:sp>
-      <p:sp>
-        <p:nvSpPr>
-          <p:cNvPr id="5" name="TextBox 1"/>
-          <p:cNvSpPr txBox="1">
-            <a:spLocks noChangeArrowheads="1"/>
-          </p:cNvSpPr>
-          <p:nvPr/>
-        </p:nvSpPr>
-        <p:spPr bwMode="auto">
-          <a:xfrm>
-            <a:off x="1907704" y="1745899"/>
-            <a:ext cx="6192688" cy="707886"/>
-          </a:xfrm>
-          <a:prstGeom prst="rect">
-            <a:avLst/>
-          </a:prstGeom>
-          <a:noFill/>
-          <a:ln w="9525">
-            <a:noFill/>
-            <a:miter lim="800000"/>
-            <a:headEnd/>
-            <a:tailEnd/>
-          </a:ln>
-        </p:spPr>
-        <p:txBody>
-          <a:bodyPr wrap="square">
-            <a:spAutoFit/>
-          </a:bodyPr>
-          <a:lstStyle/>
-          <a:p>
-            <a:pPr algn="ctr"/>
-            <a:r>
-              <a:rPr lang="en-US" altLang="ko-KR" sz="4000" dirty="0">
-                <a:latin typeface="Times New Roman Uni" panose="02020603050405020304" pitchFamily="18" charset="-122"/>
-                <a:ea typeface="Times New Roman Uni" panose="02020603050405020304" pitchFamily="18" charset="-122"/>
-                <a:cs typeface="Times New Roman Uni" panose="02020603050405020304" pitchFamily="18" charset="-122"/>
-              </a:rPr>
-              <a:t> </a:t>
-            </a:r>
-            <a:endParaRPr lang="en-US" altLang="ko-KR" sz="4000" b="1" dirty="0" smtClean="0">
-              <a:solidFill>
-                <a:schemeClr val="tx1">
-                  <a:lumMod val="75000"/>
-                  <a:lumOff val="25000"/>
-                </a:schemeClr>
-              </a:solidFill>
-              <a:latin typeface="Arial" pitchFamily="34" charset="0"/>
-              <a:ea typeface="맑은 고딕" pitchFamily="50" charset="-127"/>
-              <a:cs typeface="Arial" pitchFamily="34" charset="0"/>
-            </a:endParaRPr>
-          </a:p>
-        </p:txBody>
-      </p:sp>
-      <p:sp>
-        <p:nvSpPr>
-          <p:cNvPr id="7" name="TextBox 6">
-            <a:hlinkClick r:id="rId2"/>
-          </p:cNvPr>
-          <p:cNvSpPr txBox="1"/>
-          <p:nvPr/>
-        </p:nvSpPr>
-        <p:spPr>
-          <a:xfrm>
-            <a:off x="0" y="6597932"/>
-            <a:ext cx="9144000" cy="215444"/>
-          </a:xfrm>
-          <a:prstGeom prst="rect">
-            <a:avLst/>
-          </a:prstGeom>
-          <a:noFill/>
-        </p:spPr>
-        <p:txBody>
-          <a:bodyPr wrap="square" rtlCol="0">
-            <a:spAutoFit/>
-          </a:bodyPr>
-          <a:lstStyle/>
-          <a:p>
-            <a:pPr algn="ctr"/>
-            <a:r>
-              <a:rPr lang="en-US" altLang="ko-KR" sz="800" dirty="0" smtClean="0">
-                <a:solidFill>
-                  <a:schemeClr val="tx1">
-                    <a:lumMod val="75000"/>
-                    <a:lumOff val="25000"/>
-                  </a:schemeClr>
-                </a:solidFill>
-                <a:latin typeface="Arial" pitchFamily="34" charset="0"/>
-                <a:cs typeface="Arial" pitchFamily="34" charset="0"/>
-              </a:rPr>
-              <a:t>ALLPPT.com _ Free PowerPoint Templates, Diagrams and Charts</a:t>
-            </a:r>
-            <a:endParaRPr lang="ko-KR" altLang="en-US" sz="800" dirty="0">
-              <a:solidFill>
-                <a:schemeClr val="tx1">
-                  <a:lumMod val="75000"/>
-                  <a:lumOff val="25000"/>
-                </a:schemeClr>
-              </a:solidFill>
-              <a:latin typeface="Arial" pitchFamily="34" charset="0"/>
-              <a:cs typeface="Arial" pitchFamily="34" charset="0"/>
-            </a:endParaRPr>
-          </a:p>
-        </p:txBody>
-      </p:sp>
-      <p:sp>
-        <p:nvSpPr>
-          <p:cNvPr id="2" name="TextBox 1"/>
-          <p:cNvSpPr txBox="1"/>
-          <p:nvPr/>
-        </p:nvSpPr>
-        <p:spPr>
-          <a:xfrm>
-            <a:off x="3059832" y="2735596"/>
-            <a:ext cx="3211135" cy="1200329"/>
-          </a:xfrm>
-          <a:prstGeom prst="rect">
-            <a:avLst/>
-          </a:prstGeom>
-          <a:noFill/>
-        </p:spPr>
-        <p:txBody>
-          <a:bodyPr wrap="none" rtlCol="0">
-            <a:spAutoFit/>
-          </a:bodyPr>
-          <a:lstStyle/>
-          <a:p>
-            <a:pPr lvl="0" algn="ctr" latinLnBrk="0">
-              <a:spcBef>
-                <a:spcPct val="20000"/>
-              </a:spcBef>
-              <a:buClr>
-                <a:srgbClr val="873624"/>
-              </a:buClr>
-            </a:pPr>
-            <a:r>
-              <a:rPr lang="en-US" altLang="zh-CN" sz="7200" dirty="0" smtClean="0">
-                <a:effectLst>
-                  <a:outerShdw blurRad="34925" dist="12700" dir="14400000" rotWithShape="0">
-                    <a:prstClr val="black">
-                      <a:alpha val="21000"/>
-                    </a:prstClr>
-                  </a:outerShdw>
-                </a:effectLst>
-                <a:latin typeface="Times New Roman" charset="0"/>
-                <a:ea typeface="Times New Roman" charset="0"/>
-                <a:cs typeface="Times New Roman" charset="0"/>
-              </a:rPr>
-              <a:t>Thanks!</a:t>
-            </a:r>
-            <a:endParaRPr lang="en-US" sz="6600" dirty="0">
-              <a:latin typeface="Times New Roman" charset="0"/>
-              <a:ea typeface="Times New Roman" charset="0"/>
-              <a:cs typeface="Times New Roman" charset="0"/>
-            </a:endParaRPr>
-          </a:p>
-        </p:txBody>
-      </p:sp>
+      </p:pic>
     </p:spTree>
     <p:extLst>
       <p:ext uri="{BB962C8B-B14F-4D97-AF65-F5344CB8AC3E}">
-        <p14:creationId xmlns:p14="http://schemas.microsoft.com/office/powerpoint/2010/main" val="857881881"/>
+        <p14:creationId xmlns:p14="http://schemas.microsoft.com/office/powerpoint/2010/main" val="221781137"/>
       </p:ext>
     </p:extLst>
   </p:cSld>
@@ -5724,13 +5889,18 @@
               <a:buChar char="Ø"/>
             </a:pPr>
             <a:r>
-              <a:rPr lang="en-US" altLang="zh-CN" sz="2400" dirty="0">
+              <a:rPr lang="en-US" altLang="zh-CN" sz="2400" dirty="0" smtClean="0">
                 <a:latin typeface="Times New Roman" charset="0"/>
                 <a:ea typeface="Times New Roman" charset="0"/>
                 <a:cs typeface="Times New Roman" charset="0"/>
               </a:rPr>
-              <a:t>Result</a:t>
-            </a:r>
+              <a:t>Comparison Result</a:t>
+            </a:r>
+            <a:endParaRPr lang="en-US" altLang="zh-CN" sz="2400" dirty="0">
+              <a:latin typeface="Times New Roman" charset="0"/>
+              <a:ea typeface="Times New Roman" charset="0"/>
+              <a:cs typeface="Times New Roman" charset="0"/>
+            </a:endParaRPr>
           </a:p>
           <a:p>
             <a:pPr marL="342900" indent="-342900">
@@ -5749,12 +5919,37 @@
               <a:buChar char="Ø"/>
             </a:pPr>
             <a:r>
-              <a:rPr lang="en-US" altLang="zh-CN" sz="2400" dirty="0">
+              <a:rPr lang="en-US" altLang="zh-CN" sz="2400" dirty="0" smtClean="0">
                 <a:latin typeface="Times New Roman" charset="0"/>
                 <a:ea typeface="Times New Roman" charset="0"/>
                 <a:cs typeface="Times New Roman" charset="0"/>
               </a:rPr>
               <a:t>Questions</a:t>
+            </a:r>
+          </a:p>
+          <a:p>
+            <a:pPr marL="342900" indent="-342900">
+              <a:buFont typeface="Wingdings" charset="2"/>
+              <a:buChar char="Ø"/>
+            </a:pPr>
+            <a:endParaRPr lang="en-US" altLang="zh-CN" sz="2400" dirty="0">
+              <a:latin typeface="Times New Roman" charset="0"/>
+              <a:ea typeface="Times New Roman" charset="0"/>
+              <a:cs typeface="Times New Roman" charset="0"/>
+            </a:endParaRPr>
+          </a:p>
+          <a:p>
+            <a:pPr marL="342900" indent="-342900">
+              <a:buFont typeface="Wingdings" charset="2"/>
+              <a:buChar char="Ø"/>
+            </a:pPr>
+            <a:r>
+              <a:rPr lang="en-US" altLang="zh-CN" sz="2400" dirty="0" smtClean="0">
+                <a:latin typeface="Times New Roman" charset="0"/>
+                <a:ea typeface="Times New Roman" charset="0"/>
+                <a:cs typeface="Times New Roman" charset="0"/>
+              </a:rPr>
+              <a:t>Interesting Results! (if we have time)</a:t>
             </a:r>
             <a:endParaRPr lang="zh-CN" altLang="en-US" sz="2400" dirty="0">
               <a:latin typeface="Times New Roman" charset="0"/>
@@ -5946,7 +6141,7 @@
         <p:spPr>
           <a:xfrm>
             <a:off x="520689" y="1412776"/>
-            <a:ext cx="8011751" cy="4392141"/>
+            <a:ext cx="8371791" cy="4824536"/>
           </a:xfrm>
         </p:spPr>
       </p:pic>
@@ -6130,8 +6325,8 @@
         </p:blipFill>
         <p:spPr>
           <a:xfrm>
-            <a:off x="202544" y="1340769"/>
-            <a:ext cx="8833952" cy="3902732"/>
+            <a:off x="202544" y="1916832"/>
+            <a:ext cx="8833952" cy="3313100"/>
           </a:xfrm>
           <a:prstGeom prst="rect">
             <a:avLst/>
@@ -6349,7 +6544,7 @@
                 <a:ea typeface="Times New Roman" charset="0"/>
                 <a:cs typeface="Times New Roman" charset="0"/>
               </a:rPr>
-              <a:t>My team focus on the c2 criterion(whether two citation vectors have the same</a:t>
+              <a:t>My team focus on the C2 criterion(whether two citation vectors have the same</a:t>
             </a:r>
           </a:p>
           <a:p>
@@ -6434,40 +6629,6 @@
                 <a:cs typeface="Times New Roman" charset="0"/>
               </a:rPr>
               <a:t>Have to initialize a parameter matrix A for distance calculation</a:t>
-            </a:r>
-          </a:p>
-          <a:p>
-            <a:pPr marL="285750" indent="-285750">
-              <a:buFont typeface="Wingdings" charset="2"/>
-              <a:buChar char="Ø"/>
-            </a:pPr>
-            <a:r>
-              <a:rPr lang="en-US" altLang="zh-CN" sz="2000" dirty="0" smtClean="0">
-                <a:latin typeface="Times New Roman" charset="0"/>
-                <a:ea typeface="Times New Roman" charset="0"/>
-                <a:cs typeface="Times New Roman" charset="0"/>
-              </a:rPr>
-              <a:t>Think about the idea that you want to find cluster assignment that not only </a:t>
-            </a:r>
-          </a:p>
-          <a:p>
-            <a:r>
-              <a:rPr lang="en-US" altLang="zh-CN" sz="2000" dirty="0" smtClean="0">
-                <a:latin typeface="Times New Roman" charset="0"/>
-                <a:ea typeface="Times New Roman" charset="0"/>
-                <a:cs typeface="Times New Roman" charset="0"/>
-              </a:rPr>
-              <a:t>minimize the distance between each point and its center, but also satisfies the </a:t>
-            </a:r>
-          </a:p>
-          <a:p>
-            <a:r>
-              <a:rPr lang="en-US" altLang="zh-CN" sz="2000" dirty="0" smtClean="0">
-                <a:latin typeface="Times New Roman" charset="0"/>
-                <a:ea typeface="Times New Roman" charset="0"/>
-                <a:cs typeface="Times New Roman" charset="0"/>
-              </a:rPr>
-              <a:t>c2 criterion.</a:t>
             </a:r>
           </a:p>
           <a:p>
@@ -6570,301 +6731,6 @@
       </p:grpSpPr>
       <p:sp>
         <p:nvSpPr>
-          <p:cNvPr id="2" name="Title 1"/>
-          <p:cNvSpPr>
-            <a:spLocks noGrp="1"/>
-          </p:cNvSpPr>
-          <p:nvPr>
-            <p:ph type="title"/>
-          </p:nvPr>
-        </p:nvSpPr>
-        <p:spPr/>
-        <p:txBody>
-          <a:bodyPr/>
-          <a:lstStyle/>
-          <a:p>
-            <a:r>
-              <a:rPr lang="en-US" altLang="zh-CN" sz="3000" dirty="0">
-                <a:latin typeface="Times New Roman Uni" panose="02020603050405020304" pitchFamily="18" charset="-122"/>
-                <a:ea typeface="Times New Roman Uni" panose="02020603050405020304" pitchFamily="18" charset="-122"/>
-                <a:cs typeface="Times New Roman Uni" panose="02020603050405020304" pitchFamily="18" charset="-122"/>
-              </a:rPr>
-              <a:t>A Constraint-Based Probabilistic Framework approach</a:t>
-            </a:r>
-            <a:endParaRPr lang="zh-CN" altLang="en-US" sz="3000" dirty="0"/>
-          </a:p>
-        </p:txBody>
-      </p:sp>
-      <p:sp>
-        <p:nvSpPr>
-          <p:cNvPr id="4" name="Content Placeholder 3"/>
-          <p:cNvSpPr>
-            <a:spLocks noGrp="1"/>
-          </p:cNvSpPr>
-          <p:nvPr>
-            <p:ph idx="10"/>
-          </p:nvPr>
-        </p:nvSpPr>
-        <p:spPr>
-          <a:xfrm>
-            <a:off x="590872" y="2348880"/>
-            <a:ext cx="8229600" cy="4509120"/>
-          </a:xfrm>
-        </p:spPr>
-        <p:txBody>
-          <a:bodyPr/>
-          <a:lstStyle/>
-          <a:p>
-            <a:pPr marL="342900" indent="-342900">
-              <a:buFont typeface="Wingdings" panose="05000000000000000000" pitchFamily="2" charset="2"/>
-              <a:buChar char="Ø"/>
-            </a:pPr>
-            <a:r>
-              <a:rPr lang="en-US" altLang="zh-CN" sz="2000" dirty="0" smtClean="0">
-                <a:latin typeface="Times New Roman" charset="0"/>
-                <a:ea typeface="Times New Roman" charset="0"/>
-                <a:cs typeface="Times New Roman" charset="0"/>
-              </a:rPr>
-              <a:t>We initialize our cluster assignment based on C2 constraint, namely </a:t>
-            </a:r>
-          </a:p>
-          <a:p>
-            <a:r>
-              <a:rPr lang="en-US" altLang="zh-CN" sz="2000" dirty="0" smtClean="0">
-                <a:latin typeface="Times New Roman" charset="0"/>
-                <a:ea typeface="Times New Roman" charset="0"/>
-                <a:cs typeface="Times New Roman" charset="0"/>
-              </a:rPr>
-              <a:t>the two citation vectors that have the same coauthor will have the same </a:t>
-            </a:r>
-          </a:p>
-          <a:p>
-            <a:r>
-              <a:rPr lang="en-US" altLang="zh-CN" sz="2000" dirty="0" smtClean="0">
-                <a:latin typeface="Times New Roman" charset="0"/>
-                <a:ea typeface="Times New Roman" charset="0"/>
-                <a:cs typeface="Times New Roman" charset="0"/>
-              </a:rPr>
-              <a:t>cluster assignment</a:t>
-            </a:r>
-          </a:p>
-          <a:p>
-            <a:pPr marL="342900" indent="-342900">
-              <a:buFont typeface="Wingdings" panose="05000000000000000000" pitchFamily="2" charset="2"/>
-              <a:buChar char="Ø"/>
-            </a:pPr>
-            <a:r>
-              <a:rPr lang="en-US" altLang="zh-CN" sz="2000" dirty="0" smtClean="0">
-                <a:latin typeface="Times New Roman" charset="0"/>
-                <a:ea typeface="Times New Roman" charset="0"/>
-                <a:cs typeface="Times New Roman" charset="0"/>
-              </a:rPr>
-              <a:t>If  number of the resulting cluster is greater than our known cluster K, </a:t>
-            </a:r>
-          </a:p>
-          <a:p>
-            <a:r>
-              <a:rPr lang="en-US" altLang="zh-CN" sz="2000" dirty="0" smtClean="0">
-                <a:latin typeface="Times New Roman" charset="0"/>
-                <a:ea typeface="Times New Roman" charset="0"/>
-                <a:cs typeface="Times New Roman" charset="0"/>
-              </a:rPr>
-              <a:t>we cluster the nearest group until </a:t>
-            </a:r>
-            <a:r>
-              <a:rPr lang="en-US" altLang="zh-CN" sz="2000" dirty="0">
-                <a:latin typeface="Times New Roman" charset="0"/>
-                <a:ea typeface="Times New Roman" charset="0"/>
-                <a:cs typeface="Times New Roman" charset="0"/>
-              </a:rPr>
-              <a:t>K groups left. Otherwise, we randomly sample </a:t>
-            </a:r>
-            <a:r>
-              <a:rPr lang="en-US" altLang="zh-CN" sz="2000" dirty="0" smtClean="0">
-                <a:latin typeface="Times New Roman" charset="0"/>
-                <a:ea typeface="Times New Roman" charset="0"/>
-                <a:cs typeface="Times New Roman" charset="0"/>
-              </a:rPr>
-              <a:t>perturbations </a:t>
-            </a:r>
-            <a:r>
-              <a:rPr lang="en-US" altLang="zh-CN" sz="2000" dirty="0">
-                <a:latin typeface="Times New Roman" charset="0"/>
-                <a:ea typeface="Times New Roman" charset="0"/>
-                <a:cs typeface="Times New Roman" charset="0"/>
-              </a:rPr>
-              <a:t>of the global centroid to make it up</a:t>
-            </a:r>
-            <a:r>
-              <a:rPr lang="en-US" altLang="zh-CN" sz="2000" dirty="0" smtClean="0">
-                <a:latin typeface="Times New Roman" charset="0"/>
-                <a:ea typeface="Times New Roman" charset="0"/>
-                <a:cs typeface="Times New Roman" charset="0"/>
-              </a:rPr>
-              <a:t>.</a:t>
-            </a:r>
-          </a:p>
-          <a:p>
-            <a:pPr marL="342900" indent="-342900">
-              <a:buFont typeface="Wingdings" panose="05000000000000000000" pitchFamily="2" charset="2"/>
-              <a:buChar char="Ø"/>
-            </a:pPr>
-            <a:r>
-              <a:rPr lang="en-US" altLang="zh-CN" sz="2000" dirty="0" smtClean="0">
-                <a:latin typeface="Times New Roman" charset="0"/>
-                <a:ea typeface="Times New Roman" charset="0"/>
-                <a:cs typeface="Times New Roman" charset="0"/>
-              </a:rPr>
-              <a:t>Then, based on he current cluster assignment, we reassign each paper by </a:t>
-            </a:r>
-          </a:p>
-          <a:p>
-            <a:pPr marL="342900" indent="-342900">
-              <a:buFont typeface="Wingdings" panose="05000000000000000000" pitchFamily="2" charset="2"/>
-              <a:buChar char="Ø"/>
-            </a:pPr>
-            <a:r>
-              <a:rPr lang="en-US" altLang="zh-CN" sz="2000" dirty="0" smtClean="0">
-                <a:latin typeface="Times New Roman" charset="0"/>
-                <a:ea typeface="Times New Roman" charset="0"/>
-                <a:cs typeface="Times New Roman" charset="0"/>
-              </a:rPr>
-              <a:t>maximizing p(Y|X), and the cluster centers are also re-estimated from </a:t>
-            </a:r>
-          </a:p>
-          <a:p>
-            <a:r>
-              <a:rPr lang="en-US" altLang="zh-CN" sz="2000" dirty="0" smtClean="0">
-                <a:latin typeface="Times New Roman" charset="0"/>
-                <a:ea typeface="Times New Roman" charset="0"/>
-                <a:cs typeface="Times New Roman" charset="0"/>
-              </a:rPr>
-              <a:t>the assignment, with the same objective to maximize the p(Y|X), with the </a:t>
-            </a:r>
-          </a:p>
-          <a:p>
-            <a:r>
-              <a:rPr lang="en-US" altLang="zh-CN" sz="2000" dirty="0" smtClean="0">
-                <a:latin typeface="Times New Roman" charset="0"/>
-                <a:ea typeface="Times New Roman" charset="0"/>
-                <a:cs typeface="Times New Roman" charset="0"/>
-              </a:rPr>
-              <a:t>distance measure is also updated.</a:t>
-            </a:r>
-            <a:endParaRPr lang="en-US" altLang="zh-CN" sz="2000" dirty="0">
-              <a:latin typeface="Times New Roman" charset="0"/>
-              <a:ea typeface="Times New Roman" charset="0"/>
-              <a:cs typeface="Times New Roman" charset="0"/>
-            </a:endParaRPr>
-          </a:p>
-          <a:p>
-            <a:pPr marL="342900" indent="-342900">
-              <a:buFont typeface="Wingdings" panose="05000000000000000000" pitchFamily="2" charset="2"/>
-              <a:buChar char="Ø"/>
-            </a:pPr>
-            <a:r>
-              <a:rPr lang="en-US" altLang="zh-CN" sz="2000" dirty="0" smtClean="0">
-                <a:latin typeface="Times New Roman" charset="0"/>
-                <a:ea typeface="Times New Roman" charset="0"/>
-                <a:cs typeface="Times New Roman" charset="0"/>
-              </a:rPr>
-              <a:t>We can finally stop the algorithm when there is no further changes in </a:t>
-            </a:r>
-          </a:p>
-          <a:p>
-            <a:r>
-              <a:rPr lang="en-US" altLang="zh-CN" sz="2000" dirty="0" smtClean="0">
-                <a:latin typeface="Times New Roman" charset="0"/>
-                <a:ea typeface="Times New Roman" charset="0"/>
-                <a:cs typeface="Times New Roman" charset="0"/>
-              </a:rPr>
-              <a:t>      cluster assignment.</a:t>
-            </a:r>
-            <a:endParaRPr lang="en-US" altLang="zh-CN" sz="2000" dirty="0">
-              <a:latin typeface="Times New Roman" charset="0"/>
-              <a:ea typeface="Times New Roman" charset="0"/>
-              <a:cs typeface="Times New Roman" charset="0"/>
-            </a:endParaRPr>
-          </a:p>
-          <a:p>
-            <a:endParaRPr lang="en-US" altLang="zh-CN" dirty="0"/>
-          </a:p>
-          <a:p>
-            <a:endParaRPr lang="zh-CN" altLang="en-US" dirty="0"/>
-          </a:p>
-        </p:txBody>
-      </p:sp>
-      <p:pic>
-        <p:nvPicPr>
-          <p:cNvPr id="5" name="Content Placeholder 4"/>
-          <p:cNvPicPr>
-            <a:picLocks noGrp="1" noChangeAspect="1"/>
-          </p:cNvPicPr>
-          <p:nvPr>
-            <p:ph idx="1"/>
-          </p:nvPr>
-        </p:nvPicPr>
-        <p:blipFill>
-          <a:blip r:embed="rId2">
-            <a:extLst>
-              <a:ext uri="{28A0092B-C50C-407E-A947-70E740481C1C}">
-                <a14:useLocalDpi xmlns:a14="http://schemas.microsoft.com/office/drawing/2010/main" val="0"/>
-              </a:ext>
-            </a:extLst>
-          </a:blip>
-          <a:stretch>
-            <a:fillRect/>
-          </a:stretch>
-        </p:blipFill>
-        <p:spPr>
-          <a:xfrm>
-            <a:off x="899592" y="1124744"/>
-            <a:ext cx="7632848" cy="1224136"/>
-          </a:xfrm>
-          <a:prstGeom prst="rect">
-            <a:avLst/>
-          </a:prstGeom>
-        </p:spPr>
-      </p:pic>
-    </p:spTree>
-    <p:extLst>
-      <p:ext uri="{BB962C8B-B14F-4D97-AF65-F5344CB8AC3E}">
-        <p14:creationId xmlns:p14="http://schemas.microsoft.com/office/powerpoint/2010/main" val="3432150041"/>
-      </p:ext>
-    </p:extLst>
-  </p:cSld>
-  <p:clrMapOvr>
-    <a:masterClrMapping/>
-  </p:clrMapOvr>
-  <p:timing>
-    <p:tnLst>
-      <p:par>
-        <p:cTn id="1" dur="indefinite" restart="never" nodeType="tmRoot"/>
-      </p:par>
-    </p:tnLst>
-  </p:timing>
-</p:sld>
-</file>
-
-<file path=ppt/slides/slide7.xml><?xml version="1.0" encoding="utf-8"?>
-<p:sld xmlns:a="http://schemas.openxmlformats.org/drawingml/2006/main" xmlns:r="http://schemas.openxmlformats.org/officeDocument/2006/relationships" xmlns:p="http://schemas.openxmlformats.org/presentationml/2006/main">
-  <p:cSld>
-    <p:spTree>
-      <p:nvGrpSpPr>
-        <p:cNvPr id="1" name=""/>
-        <p:cNvGrpSpPr/>
-        <p:nvPr/>
-      </p:nvGrpSpPr>
-      <p:grpSpPr>
-        <a:xfrm>
-          <a:off x="0" y="0"/>
-          <a:ext cx="0" cy="0"/>
-          <a:chOff x="0" y="0"/>
-          <a:chExt cx="0" cy="0"/>
-        </a:xfrm>
-      </p:grpSpPr>
-      <p:sp>
-        <p:nvSpPr>
           <p:cNvPr id="4" name="Title 3"/>
           <p:cNvSpPr>
             <a:spLocks noGrp="1"/>
@@ -6977,8 +6843,38 @@
                 <a:ea typeface="Times New Roman" charset="0"/>
                 <a:cs typeface="Times New Roman" charset="0"/>
               </a:rPr>
-              <a:t>We evaluate the two algorithms using gold standard clusters</a:t>
-            </a:r>
+              <a:t>We constructed our feature by using TF-IDF statistics and we compare our algorithm by calculating the degree of agreement between system-output </a:t>
+            </a:r>
+            <a:endParaRPr lang="en-US" sz="2000" dirty="0" smtClean="0">
+              <a:latin typeface="Times New Roman" charset="0"/>
+              <a:ea typeface="Times New Roman" charset="0"/>
+              <a:cs typeface="Times New Roman" charset="0"/>
+            </a:endParaRPr>
+          </a:p>
+          <a:p>
+            <a:r>
+              <a:rPr lang="en-US" sz="2000" dirty="0" smtClean="0">
+                <a:latin typeface="Times New Roman" charset="0"/>
+                <a:ea typeface="Times New Roman" charset="0"/>
+                <a:cs typeface="Times New Roman" charset="0"/>
+              </a:rPr>
+              <a:t>partitions </a:t>
+            </a:r>
+            <a:r>
+              <a:rPr lang="en-US" sz="2000" dirty="0" smtClean="0">
+                <a:latin typeface="Times New Roman" charset="0"/>
+                <a:ea typeface="Times New Roman" charset="0"/>
+                <a:cs typeface="Times New Roman" charset="0"/>
+              </a:rPr>
+              <a:t>and true partitions</a:t>
+            </a:r>
+          </a:p>
+          <a:p>
+            <a:endParaRPr lang="en-US" altLang="zh-CN" sz="2000" dirty="0" smtClean="0">
+              <a:latin typeface="Times New Roman" charset="0"/>
+              <a:ea typeface="Times New Roman" charset="0"/>
+              <a:cs typeface="Times New Roman" charset="0"/>
+            </a:endParaRPr>
           </a:p>
           <a:p>
             <a:r>
@@ -6996,21 +6892,20 @@
                 <a:cs typeface="Times New Roman" charset="0"/>
               </a:rPr>
             </a:br>
+            <a:endParaRPr lang="en-US" altLang="zh-CN" sz="2000" dirty="0" smtClean="0">
+              <a:latin typeface="Times New Roman" charset="0"/>
+              <a:ea typeface="Times New Roman" charset="0"/>
+              <a:cs typeface="Times New Roman" charset="0"/>
+            </a:endParaRPr>
+          </a:p>
+          <a:p>
             <a:r>
               <a:rPr lang="en-US" altLang="zh-CN" sz="2000" dirty="0" smtClean="0">
                 <a:latin typeface="Times New Roman" charset="0"/>
                 <a:ea typeface="Times New Roman" charset="0"/>
                 <a:cs typeface="Times New Roman" charset="0"/>
               </a:rPr>
-              <a:t>1. </a:t>
-            </a:r>
-            <a:r>
-              <a:rPr lang="en-US" altLang="zh-CN" sz="2000" dirty="0" err="1">
-                <a:latin typeface="Times New Roman" charset="0"/>
-                <a:ea typeface="Times New Roman" charset="0"/>
-                <a:cs typeface="Times New Roman" charset="0"/>
-              </a:rPr>
-              <a:t>T</a:t>
+              <a:t>1. TF-IDF </a:t>
             </a:r>
             <a:r>
               <a:rPr lang="en-US" altLang="zh-CN" sz="2000" dirty="0" err="1" smtClean="0">
@@ -7018,7 +6913,7 @@
                 <a:ea typeface="Times New Roman" charset="0"/>
                 <a:cs typeface="Times New Roman" charset="0"/>
               </a:rPr>
-              <a:t>f-idf</a:t>
+              <a:t>dtm</a:t>
             </a:r>
             <a:r>
               <a:rPr lang="en-US" altLang="zh-CN" sz="2000" dirty="0" smtClean="0">
@@ -7026,17 +6921,33 @@
                 <a:ea typeface="Times New Roman" charset="0"/>
                 <a:cs typeface="Times New Roman" charset="0"/>
               </a:rPr>
-              <a:t> matrix using all features</a:t>
-            </a:r>
-          </a:p>
-          <a:p>
+              <a:t> matrix using </a:t>
+            </a:r>
+            <a:r>
+              <a:rPr lang="en-US" altLang="zh-CN" sz="2000" b="1" dirty="0" smtClean="0">
+                <a:latin typeface="Times New Roman" charset="0"/>
+                <a:ea typeface="Times New Roman" charset="0"/>
+                <a:cs typeface="Times New Roman" charset="0"/>
+              </a:rPr>
+              <a:t>all</a:t>
+            </a:r>
             <a:r>
               <a:rPr lang="en-US" altLang="zh-CN" sz="2000" dirty="0" smtClean="0">
                 <a:latin typeface="Times New Roman" charset="0"/>
                 <a:ea typeface="Times New Roman" charset="0"/>
                 <a:cs typeface="Times New Roman" charset="0"/>
               </a:rPr>
-              <a:t>2. </a:t>
+              <a:t> features</a:t>
+            </a:r>
+          </a:p>
+          <a:p>
+            <a:r>
+              <a:rPr lang="en-US" altLang="zh-CN" sz="2000" dirty="0" smtClean="0">
+                <a:latin typeface="Times New Roman" charset="0"/>
+                <a:ea typeface="Times New Roman" charset="0"/>
+                <a:cs typeface="Times New Roman" charset="0"/>
+              </a:rPr>
+              <a:t>2. TF-IDF </a:t>
             </a:r>
             <a:r>
               <a:rPr lang="en-US" altLang="zh-CN" sz="2000" dirty="0" err="1" smtClean="0">
@@ -7044,7 +6955,7 @@
                 <a:ea typeface="Times New Roman" charset="0"/>
                 <a:cs typeface="Times New Roman" charset="0"/>
               </a:rPr>
-              <a:t>Tf-idf</a:t>
+              <a:t>dtm</a:t>
             </a:r>
             <a:r>
               <a:rPr lang="en-US" altLang="zh-CN" sz="2000" dirty="0" smtClean="0">
@@ -7052,22 +6963,67 @@
                 <a:ea typeface="Times New Roman" charset="0"/>
                 <a:cs typeface="Times New Roman" charset="0"/>
               </a:rPr>
-              <a:t> matrix using individual features</a:t>
-            </a:r>
-          </a:p>
-          <a:p>
-            <a:r>
-              <a:rPr lang="en-US" sz="2000" dirty="0" smtClean="0">
-                <a:latin typeface="Times New Roman Uni" panose="02020603050405020304" pitchFamily="18" charset="-122"/>
-                <a:ea typeface="Times New Roman Uni" panose="02020603050405020304" pitchFamily="18" charset="-122"/>
-                <a:cs typeface="Times New Roman Uni" panose="02020603050405020304" pitchFamily="18" charset="-122"/>
-              </a:rPr>
-              <a:t>Particularly for paper 6, we have also conducted </a:t>
-            </a:r>
-            <a:endParaRPr lang="en-US" sz="2000" dirty="0">
-              <a:latin typeface="Times New Roman Uni" panose="02020603050405020304" pitchFamily="18" charset="-122"/>
-              <a:ea typeface="Times New Roman Uni" panose="02020603050405020304" pitchFamily="18" charset="-122"/>
-              <a:cs typeface="Times New Roman Uni" panose="02020603050405020304" pitchFamily="18" charset="-122"/>
+              <a:t> matrix using </a:t>
+            </a:r>
+            <a:r>
+              <a:rPr lang="en-US" altLang="zh-CN" sz="2000" b="1" dirty="0" smtClean="0">
+                <a:latin typeface="Times New Roman" charset="0"/>
+                <a:ea typeface="Times New Roman" charset="0"/>
+                <a:cs typeface="Times New Roman" charset="0"/>
+              </a:rPr>
+              <a:t>individual</a:t>
+            </a:r>
+            <a:r>
+              <a:rPr lang="en-US" altLang="zh-CN" sz="2000" dirty="0" smtClean="0">
+                <a:latin typeface="Times New Roman" charset="0"/>
+                <a:ea typeface="Times New Roman" charset="0"/>
+                <a:cs typeface="Times New Roman" charset="0"/>
+              </a:rPr>
+              <a:t> </a:t>
+            </a:r>
+            <a:r>
+              <a:rPr lang="en-US" altLang="zh-CN" sz="2000" dirty="0" smtClean="0">
+                <a:latin typeface="Times New Roman" charset="0"/>
+                <a:ea typeface="Times New Roman" charset="0"/>
+                <a:cs typeface="Times New Roman" charset="0"/>
+              </a:rPr>
+              <a:t>features(coauthor</a:t>
+            </a:r>
+            <a:r>
+              <a:rPr lang="en-US" altLang="zh-CN" sz="2000" dirty="0" smtClean="0">
+                <a:latin typeface="Times New Roman" charset="0"/>
+                <a:ea typeface="Times New Roman" charset="0"/>
+                <a:cs typeface="Times New Roman" charset="0"/>
+              </a:rPr>
+              <a:t>, paper, </a:t>
+            </a:r>
+            <a:r>
+              <a:rPr lang="en-US" altLang="zh-CN" sz="2000" dirty="0" smtClean="0">
+                <a:latin typeface="Times New Roman" charset="0"/>
+                <a:ea typeface="Times New Roman" charset="0"/>
+                <a:cs typeface="Times New Roman" charset="0"/>
+              </a:rPr>
+              <a:t>journal</a:t>
+            </a:r>
+            <a:r>
+              <a:rPr lang="en-US" altLang="zh-CN" sz="2000" dirty="0" smtClean="0">
+                <a:latin typeface="Times New Roman" charset="0"/>
+                <a:ea typeface="Times New Roman" charset="0"/>
+                <a:cs typeface="Times New Roman" charset="0"/>
+              </a:rPr>
+              <a:t>)</a:t>
+            </a:r>
+            <a:endParaRPr lang="en-US" altLang="zh-CN" sz="2000" dirty="0" smtClean="0">
+              <a:latin typeface="Times New Roman" charset="0"/>
+              <a:ea typeface="Times New Roman" charset="0"/>
+              <a:cs typeface="Times New Roman" charset="0"/>
+            </a:endParaRPr>
+          </a:p>
+          <a:p>
+            <a:endParaRPr lang="en-US" altLang="zh-CN" sz="2000" dirty="0">
+              <a:latin typeface="Times New Roman" charset="0"/>
+              <a:ea typeface="Times New Roman" charset="0"/>
+              <a:cs typeface="Times New Roman" charset="0"/>
             </a:endParaRPr>
           </a:p>
         </p:txBody>
@@ -7092,7 +7048,7 @@
 </p:sld>
 </file>
 
-<file path=ppt/slides/slide8.xml><?xml version="1.0" encoding="utf-8"?>
+<file path=ppt/slides/slide7.xml><?xml version="1.0" encoding="utf-8"?>
 <p:sld xmlns:a="http://schemas.openxmlformats.org/drawingml/2006/main" xmlns:r="http://schemas.openxmlformats.org/officeDocument/2006/relationships" xmlns:p="http://schemas.openxmlformats.org/presentationml/2006/main">
   <p:cSld>
     <p:spTree>
@@ -7263,7 +7219,7 @@
 </p:sld>
 </file>
 
-<file path=ppt/slides/slide9.xml><?xml version="1.0" encoding="utf-8"?>
+<file path=ppt/slides/slide8.xml><?xml version="1.0" encoding="utf-8"?>
 <p:sld xmlns:a="http://schemas.openxmlformats.org/drawingml/2006/main" xmlns:r="http://schemas.openxmlformats.org/officeDocument/2006/relationships" xmlns:p="http://schemas.openxmlformats.org/presentationml/2006/main">
   <p:cSld>
     <p:spTree>
@@ -7332,8 +7288,8 @@
         </p:blipFill>
         <p:spPr>
           <a:xfrm>
-            <a:off x="742" y="2060848"/>
-            <a:ext cx="4355234" cy="2952328"/>
+            <a:off x="2304998" y="1556792"/>
+            <a:ext cx="4355234" cy="2160240"/>
           </a:xfrm>
         </p:spPr>
       </p:pic>
@@ -7359,8 +7315,8 @@
         </p:blipFill>
         <p:spPr>
           <a:xfrm>
-            <a:off x="4355976" y="2060848"/>
-            <a:ext cx="4813920" cy="2952328"/>
+            <a:off x="2267744" y="4077072"/>
+            <a:ext cx="4392488" cy="2232248"/>
           </a:xfrm>
           <a:prstGeom prst="rect">
             <a:avLst/>
@@ -7369,7 +7325,7 @@
       </p:pic>
       <p:sp>
         <p:nvSpPr>
-          <p:cNvPr id="8" name="Content Placeholder 7"/>
+          <p:cNvPr id="6" name="Content Placeholder 5"/>
           <p:cNvSpPr>
             <a:spLocks noGrp="1"/>
           </p:cNvSpPr>
@@ -7390,6 +7346,206 @@
     <p:extLst>
       <p:ext uri="{BB962C8B-B14F-4D97-AF65-F5344CB8AC3E}">
         <p14:creationId xmlns:p14="http://schemas.microsoft.com/office/powerpoint/2010/main" val="826635970"/>
+      </p:ext>
+    </p:extLst>
+  </p:cSld>
+  <p:clrMapOvr>
+    <a:masterClrMapping/>
+  </p:clrMapOvr>
+  <p:timing>
+    <p:tnLst>
+      <p:par>
+        <p:cTn id="1" dur="indefinite" restart="never" nodeType="tmRoot"/>
+      </p:par>
+    </p:tnLst>
+  </p:timing>
+</p:sld>
+</file>
+
+<file path=ppt/slides/slide9.xml><?xml version="1.0" encoding="utf-8"?>
+<p:sld xmlns:a="http://schemas.openxmlformats.org/drawingml/2006/main" xmlns:r="http://schemas.openxmlformats.org/officeDocument/2006/relationships" xmlns:p="http://schemas.openxmlformats.org/presentationml/2006/main">
+  <p:cSld>
+    <p:spTree>
+      <p:nvGrpSpPr>
+        <p:cNvPr id="1" name=""/>
+        <p:cNvGrpSpPr/>
+        <p:nvPr/>
+      </p:nvGrpSpPr>
+      <p:grpSpPr>
+        <a:xfrm>
+          <a:off x="0" y="0"/>
+          <a:ext cx="0" cy="0"/>
+          <a:chOff x="0" y="0"/>
+          <a:chExt cx="0" cy="0"/>
+        </a:xfrm>
+      </p:grpSpPr>
+      <p:sp>
+        <p:nvSpPr>
+          <p:cNvPr id="2" name="Title 1"/>
+          <p:cNvSpPr>
+            <a:spLocks noGrp="1"/>
+          </p:cNvSpPr>
+          <p:nvPr>
+            <p:ph type="title"/>
+          </p:nvPr>
+        </p:nvSpPr>
+        <p:spPr/>
+        <p:txBody>
+          <a:bodyPr/>
+          <a:lstStyle/>
+          <a:p>
+            <a:pPr algn="ctr"/>
+            <a:r>
+              <a:rPr lang="en-US" altLang="zh-CN" sz="2900" dirty="0" smtClean="0">
+                <a:latin typeface="Times New Roman Uni" panose="02020603050405020304" pitchFamily="18" charset="-122"/>
+                <a:ea typeface="Times New Roman Uni" panose="02020603050405020304" pitchFamily="18" charset="-122"/>
+                <a:cs typeface="Times New Roman Uni" panose="02020603050405020304" pitchFamily="18" charset="-122"/>
+              </a:rPr>
+              <a:t>Conclusion</a:t>
+            </a:r>
+            <a:endParaRPr lang="zh-CN" altLang="en-US" sz="2900" dirty="0">
+              <a:latin typeface="Times New Roman Uni" panose="02020603050405020304" pitchFamily="18" charset="-122"/>
+              <a:ea typeface="Times New Roman Uni" panose="02020603050405020304" pitchFamily="18" charset="-122"/>
+              <a:cs typeface="Times New Roman Uni" panose="02020603050405020304" pitchFamily="18" charset="-122"/>
+            </a:endParaRPr>
+          </a:p>
+        </p:txBody>
+      </p:sp>
+      <p:sp>
+        <p:nvSpPr>
+          <p:cNvPr id="3" name="Content Placeholder 2"/>
+          <p:cNvSpPr>
+            <a:spLocks noGrp="1"/>
+          </p:cNvSpPr>
+          <p:nvPr>
+            <p:ph idx="1"/>
+          </p:nvPr>
+        </p:nvSpPr>
+        <p:spPr/>
+        <p:txBody>
+          <a:bodyPr/>
+          <a:lstStyle/>
+          <a:p>
+            <a:endParaRPr lang="zh-CN" altLang="en-US"/>
+          </a:p>
+        </p:txBody>
+      </p:sp>
+      <p:sp>
+        <p:nvSpPr>
+          <p:cNvPr id="4" name="Content Placeholder 3"/>
+          <p:cNvSpPr>
+            <a:spLocks noGrp="1"/>
+          </p:cNvSpPr>
+          <p:nvPr>
+            <p:ph idx="10"/>
+          </p:nvPr>
+        </p:nvSpPr>
+        <p:spPr/>
+        <p:txBody>
+          <a:bodyPr/>
+          <a:lstStyle/>
+          <a:p>
+            <a:r>
+              <a:rPr lang="en-US" altLang="zh-CN" sz="2000" dirty="0" smtClean="0">
+                <a:latin typeface="Times New Roman Uni" panose="02020603050405020304" pitchFamily="18" charset="-122"/>
+                <a:ea typeface="Times New Roman Uni" panose="02020603050405020304" pitchFamily="18" charset="-122"/>
+                <a:cs typeface="Times New Roman Uni" panose="02020603050405020304" pitchFamily="18" charset="-122"/>
+              </a:rPr>
+              <a:t>1 . Generally, algorithms proposed by the sixth paper takes significantly </a:t>
+            </a:r>
+          </a:p>
+          <a:p>
+            <a:r>
+              <a:rPr lang="en-US" altLang="zh-CN" sz="2000" dirty="0">
+                <a:latin typeface="Times New Roman Uni" panose="02020603050405020304" pitchFamily="18" charset="-122"/>
+                <a:ea typeface="Times New Roman Uni" panose="02020603050405020304" pitchFamily="18" charset="-122"/>
+                <a:cs typeface="Times New Roman Uni" panose="02020603050405020304" pitchFamily="18" charset="-122"/>
+              </a:rPr>
+              <a:t>l</a:t>
+            </a:r>
+            <a:r>
+              <a:rPr lang="en-US" altLang="zh-CN" sz="2000" dirty="0" smtClean="0">
+                <a:latin typeface="Times New Roman Uni" panose="02020603050405020304" pitchFamily="18" charset="-122"/>
+                <a:ea typeface="Times New Roman Uni" panose="02020603050405020304" pitchFamily="18" charset="-122"/>
+                <a:cs typeface="Times New Roman Uni" panose="02020603050405020304" pitchFamily="18" charset="-122"/>
+              </a:rPr>
+              <a:t>ong time to run than that of the third paper</a:t>
+            </a:r>
+          </a:p>
+          <a:p>
+            <a:r>
+              <a:rPr lang="en-US" altLang="zh-CN" sz="2000" dirty="0" smtClean="0">
+                <a:latin typeface="Times New Roman Uni" panose="02020603050405020304" pitchFamily="18" charset="-122"/>
+                <a:ea typeface="Times New Roman Uni" panose="02020603050405020304" pitchFamily="18" charset="-122"/>
+                <a:cs typeface="Times New Roman Uni" panose="02020603050405020304" pitchFamily="18" charset="-122"/>
+              </a:rPr>
+              <a:t>2. Algorithm from the sixth paper outperforms that of the third paper when constructing TF-IDF </a:t>
+            </a:r>
+            <a:r>
+              <a:rPr lang="en-US" altLang="zh-CN" sz="2000" dirty="0" err="1" smtClean="0">
+                <a:latin typeface="Times New Roman Uni" panose="02020603050405020304" pitchFamily="18" charset="-122"/>
+                <a:ea typeface="Times New Roman Uni" panose="02020603050405020304" pitchFamily="18" charset="-122"/>
+                <a:cs typeface="Times New Roman Uni" panose="02020603050405020304" pitchFamily="18" charset="-122"/>
+              </a:rPr>
+              <a:t>dtm</a:t>
+            </a:r>
+            <a:r>
+              <a:rPr lang="en-US" altLang="zh-CN" sz="2000" dirty="0" smtClean="0">
+                <a:latin typeface="Times New Roman Uni" panose="02020603050405020304" pitchFamily="18" charset="-122"/>
+                <a:ea typeface="Times New Roman Uni" panose="02020603050405020304" pitchFamily="18" charset="-122"/>
+                <a:cs typeface="Times New Roman Uni" panose="02020603050405020304" pitchFamily="18" charset="-122"/>
+              </a:rPr>
+              <a:t> matrix using all features</a:t>
+            </a:r>
+          </a:p>
+          <a:p>
+            <a:endParaRPr lang="en-US" altLang="zh-CN" sz="2000" dirty="0">
+              <a:latin typeface="Times New Roman Uni" panose="02020603050405020304" pitchFamily="18" charset="-122"/>
+              <a:ea typeface="Times New Roman Uni" panose="02020603050405020304" pitchFamily="18" charset="-122"/>
+              <a:cs typeface="Times New Roman Uni" panose="02020603050405020304" pitchFamily="18" charset="-122"/>
+            </a:endParaRPr>
+          </a:p>
+          <a:p>
+            <a:r>
+              <a:rPr lang="en-US" altLang="zh-CN" sz="2000" dirty="0" smtClean="0">
+                <a:latin typeface="Times New Roman Uni" panose="02020603050405020304" pitchFamily="18" charset="-122"/>
+                <a:ea typeface="Times New Roman Uni" panose="02020603050405020304" pitchFamily="18" charset="-122"/>
+                <a:cs typeface="Times New Roman Uni" panose="02020603050405020304" pitchFamily="18" charset="-122"/>
+              </a:rPr>
+              <a:t>Which one is better? Your Choice!</a:t>
+            </a:r>
+          </a:p>
+          <a:p>
+            <a:r>
+              <a:rPr lang="en-US" altLang="zh-CN" sz="2000" dirty="0" smtClean="0">
+                <a:latin typeface="Times New Roman Uni" panose="02020603050405020304" pitchFamily="18" charset="-122"/>
+                <a:ea typeface="Times New Roman Uni" panose="02020603050405020304" pitchFamily="18" charset="-122"/>
+                <a:cs typeface="Times New Roman Uni" panose="02020603050405020304" pitchFamily="18" charset="-122"/>
+              </a:rPr>
+              <a:t>If you value the speed of cluster, spectral clustering is the way to go,</a:t>
+            </a:r>
+          </a:p>
+          <a:p>
+            <a:r>
+              <a:rPr lang="en-US" altLang="zh-CN" sz="2000" dirty="0" smtClean="0">
+                <a:latin typeface="Times New Roman Uni" panose="02020603050405020304" pitchFamily="18" charset="-122"/>
+                <a:ea typeface="Times New Roman Uni" panose="02020603050405020304" pitchFamily="18" charset="-122"/>
+                <a:cs typeface="Times New Roman Uni" panose="02020603050405020304" pitchFamily="18" charset="-122"/>
+              </a:rPr>
+              <a:t>but if performance is the focus, the constraint approach is better.</a:t>
+            </a:r>
+            <a:endParaRPr lang="en-US" altLang="zh-CN" sz="2000" dirty="0">
+              <a:latin typeface="Times New Roman Uni" panose="02020603050405020304" pitchFamily="18" charset="-122"/>
+              <a:ea typeface="Times New Roman Uni" panose="02020603050405020304" pitchFamily="18" charset="-122"/>
+              <a:cs typeface="Times New Roman Uni" panose="02020603050405020304" pitchFamily="18" charset="-122"/>
+            </a:endParaRPr>
+          </a:p>
+        </p:txBody>
+      </p:sp>
+    </p:spTree>
+    <p:extLst>
+      <p:ext uri="{BB962C8B-B14F-4D97-AF65-F5344CB8AC3E}">
+        <p14:creationId xmlns:p14="http://schemas.microsoft.com/office/powerpoint/2010/main" val="832375233"/>
       </p:ext>
     </p:extLst>
   </p:cSld>

--- a/doc/presentation.pptx
+++ b/doc/presentation.pptx
@@ -15,12 +15,13 @@
     <p:sldId id="267" r:id="rId9"/>
     <p:sldId id="272" r:id="rId10"/>
     <p:sldId id="273" r:id="rId11"/>
-    <p:sldId id="268" r:id="rId12"/>
-    <p:sldId id="274" r:id="rId13"/>
-    <p:sldId id="275" r:id="rId14"/>
-    <p:sldId id="276" r:id="rId15"/>
+    <p:sldId id="274" r:id="rId12"/>
+    <p:sldId id="275" r:id="rId13"/>
+    <p:sldId id="276" r:id="rId14"/>
+    <p:sldId id="278" r:id="rId15"/>
     <p:sldId id="270" r:id="rId16"/>
-    <p:sldId id="277" r:id="rId17"/>
+    <p:sldId id="279" r:id="rId17"/>
+    <p:sldId id="277" r:id="rId18"/>
   </p:sldIdLst>
   <p:sldSz cx="9144000" cy="6858000" type="screen4x3"/>
   <p:notesSz cx="6858000" cy="9144000"/>
@@ -4734,171 +4735,6 @@
       </p:grpSpPr>
       <p:sp>
         <p:nvSpPr>
-          <p:cNvPr id="4" name="Title 3"/>
-          <p:cNvSpPr>
-            <a:spLocks noGrp="1"/>
-          </p:cNvSpPr>
-          <p:nvPr>
-            <p:ph type="title"/>
-          </p:nvPr>
-        </p:nvSpPr>
-        <p:spPr/>
-        <p:txBody>
-          <a:bodyPr>
-            <a:normAutofit/>
-          </a:bodyPr>
-          <a:lstStyle/>
-          <a:p>
-            <a:pPr algn="ctr"/>
-            <a:endParaRPr lang="ko-KR" altLang="en-US" sz="2900" dirty="0">
-              <a:latin typeface="Times New Roman" charset="0"/>
-              <a:ea typeface="Times New Roman" charset="0"/>
-              <a:cs typeface="Times New Roman" charset="0"/>
-            </a:endParaRPr>
-          </a:p>
-        </p:txBody>
-      </p:sp>
-      <p:sp>
-        <p:nvSpPr>
-          <p:cNvPr id="6" name="Content Placeholder 5"/>
-          <p:cNvSpPr>
-            <a:spLocks noGrp="1"/>
-          </p:cNvSpPr>
-          <p:nvPr>
-            <p:ph idx="1"/>
-          </p:nvPr>
-        </p:nvSpPr>
-        <p:spPr/>
-        <p:txBody>
-          <a:bodyPr/>
-          <a:lstStyle/>
-          <a:p>
-            <a:r>
-              <a:rPr lang="en-US" altLang="ko-KR" b="1" dirty="0" smtClean="0">
-                <a:solidFill>
-                  <a:schemeClr val="tx1">
-                    <a:lumMod val="75000"/>
-                    <a:lumOff val="25000"/>
-                  </a:schemeClr>
-                </a:solidFill>
-                <a:latin typeface="Arial" pitchFamily="34" charset="0"/>
-                <a:cs typeface="Arial" pitchFamily="34" charset="0"/>
-              </a:rPr>
-              <a:t> </a:t>
-            </a:r>
-            <a:endParaRPr lang="en-US" altLang="ko-KR" b="1" dirty="0">
-              <a:solidFill>
-                <a:schemeClr val="tx1">
-                  <a:lumMod val="75000"/>
-                  <a:lumOff val="25000"/>
-                </a:schemeClr>
-              </a:solidFill>
-              <a:latin typeface="Arial" pitchFamily="34" charset="0"/>
-              <a:cs typeface="Arial" pitchFamily="34" charset="0"/>
-            </a:endParaRPr>
-          </a:p>
-        </p:txBody>
-      </p:sp>
-      <p:sp>
-        <p:nvSpPr>
-          <p:cNvPr id="2" name="Content Placeholder 1"/>
-          <p:cNvSpPr>
-            <a:spLocks noGrp="1"/>
-          </p:cNvSpPr>
-          <p:nvPr>
-            <p:ph idx="10"/>
-          </p:nvPr>
-        </p:nvSpPr>
-        <p:spPr>
-          <a:xfrm>
-            <a:off x="323528" y="1268760"/>
-            <a:ext cx="8229600" cy="3600400"/>
-          </a:xfrm>
-        </p:spPr>
-        <p:txBody>
-          <a:bodyPr/>
-          <a:lstStyle/>
-          <a:p>
-            <a:pPr algn="ctr"/>
-            <a:endParaRPr lang="en-US" sz="2900" dirty="0" smtClean="0">
-              <a:latin typeface="Times New Roman Uni" panose="02020603050405020304" pitchFamily="18" charset="-122"/>
-              <a:ea typeface="Times New Roman Uni" panose="02020603050405020304" pitchFamily="18" charset="-122"/>
-              <a:cs typeface="Times New Roman Uni" panose="02020603050405020304" pitchFamily="18" charset="-122"/>
-            </a:endParaRPr>
-          </a:p>
-          <a:p>
-            <a:pPr algn="ctr"/>
-            <a:endParaRPr lang="en-US" sz="2900" dirty="0">
-              <a:latin typeface="Times New Roman Uni" panose="02020603050405020304" pitchFamily="18" charset="-122"/>
-              <a:ea typeface="Times New Roman Uni" panose="02020603050405020304" pitchFamily="18" charset="-122"/>
-              <a:cs typeface="Times New Roman Uni" panose="02020603050405020304" pitchFamily="18" charset="-122"/>
-            </a:endParaRPr>
-          </a:p>
-          <a:p>
-            <a:pPr algn="ctr"/>
-            <a:endParaRPr lang="en-US" sz="2900" dirty="0" smtClean="0">
-              <a:latin typeface="Times New Roman Uni" panose="02020603050405020304" pitchFamily="18" charset="-122"/>
-              <a:ea typeface="Times New Roman Uni" panose="02020603050405020304" pitchFamily="18" charset="-122"/>
-              <a:cs typeface="Times New Roman Uni" panose="02020603050405020304" pitchFamily="18" charset="-122"/>
-            </a:endParaRPr>
-          </a:p>
-          <a:p>
-            <a:pPr algn="ctr"/>
-            <a:r>
-              <a:rPr lang="en-US" sz="4000" b="1" i="1" dirty="0" smtClean="0">
-                <a:latin typeface="Times New Roman Uni" panose="02020603050405020304" pitchFamily="18" charset="-122"/>
-                <a:ea typeface="Times New Roman Uni" panose="02020603050405020304" pitchFamily="18" charset="-122"/>
-                <a:cs typeface="Times New Roman Uni" panose="02020603050405020304" pitchFamily="18" charset="-122"/>
-              </a:rPr>
-              <a:t>Any Questions?</a:t>
-            </a:r>
-            <a:endParaRPr lang="en-US" sz="4000" b="1" i="1" dirty="0">
-              <a:latin typeface="Times New Roman Uni" panose="02020603050405020304" pitchFamily="18" charset="-122"/>
-              <a:ea typeface="Times New Roman Uni" panose="02020603050405020304" pitchFamily="18" charset="-122"/>
-              <a:cs typeface="Times New Roman Uni" panose="02020603050405020304" pitchFamily="18" charset="-122"/>
-            </a:endParaRPr>
-          </a:p>
-        </p:txBody>
-      </p:sp>
-    </p:spTree>
-    <p:extLst>
-      <p:ext uri="{BB962C8B-B14F-4D97-AF65-F5344CB8AC3E}">
-        <p14:creationId xmlns:p14="http://schemas.microsoft.com/office/powerpoint/2010/main" val="866264384"/>
-      </p:ext>
-    </p:extLst>
-  </p:cSld>
-  <p:clrMapOvr>
-    <a:masterClrMapping/>
-  </p:clrMapOvr>
-  <p:timing>
-    <p:tnLst>
-      <p:par>
-        <p:cTn id="1" dur="indefinite" restart="never" nodeType="tmRoot"/>
-      </p:par>
-    </p:tnLst>
-  </p:timing>
-</p:sld>
-</file>
-
-<file path=ppt/slides/slide11.xml><?xml version="1.0" encoding="utf-8"?>
-<p:sld xmlns:a="http://schemas.openxmlformats.org/drawingml/2006/main" xmlns:r="http://schemas.openxmlformats.org/officeDocument/2006/relationships" xmlns:p="http://schemas.openxmlformats.org/presentationml/2006/main">
-  <p:cSld>
-    <p:spTree>
-      <p:nvGrpSpPr>
-        <p:cNvPr id="1" name=""/>
-        <p:cNvGrpSpPr/>
-        <p:nvPr/>
-      </p:nvGrpSpPr>
-      <p:grpSpPr>
-        <a:xfrm>
-          <a:off x="0" y="0"/>
-          <a:ext cx="0" cy="0"/>
-          <a:chOff x="0" y="0"/>
-          <a:chExt cx="0" cy="0"/>
-        </a:xfrm>
-      </p:grpSpPr>
-      <p:sp>
-        <p:nvSpPr>
           <p:cNvPr id="2" name="Title 1"/>
           <p:cNvSpPr>
             <a:spLocks noGrp="1"/>
@@ -4973,7 +4809,7 @@
 </p:sld>
 </file>
 
-<file path=ppt/slides/slide12.xml><?xml version="1.0" encoding="utf-8"?>
+<file path=ppt/slides/slide11.xml><?xml version="1.0" encoding="utf-8"?>
 <p:sld xmlns:a="http://schemas.openxmlformats.org/drawingml/2006/main" xmlns:r="http://schemas.openxmlformats.org/officeDocument/2006/relationships" xmlns:p="http://schemas.openxmlformats.org/presentationml/2006/main">
   <p:cSld>
     <p:spTree>
@@ -5054,6 +4890,52 @@
           </a:prstGeom>
         </p:spPr>
       </p:pic>
+      <p:sp>
+        <p:nvSpPr>
+          <p:cNvPr id="3" name="Oval 2"/>
+          <p:cNvSpPr/>
+          <p:nvPr/>
+        </p:nvSpPr>
+        <p:spPr>
+          <a:xfrm>
+            <a:off x="6516216" y="3501008"/>
+            <a:ext cx="648072" cy="792088"/>
+          </a:xfrm>
+          <a:prstGeom prst="ellipse">
+            <a:avLst/>
+          </a:prstGeom>
+          <a:noFill/>
+          <a:ln>
+            <a:solidFill>
+              <a:srgbClr val="FF0000"/>
+            </a:solidFill>
+          </a:ln>
+        </p:spPr>
+        <p:style>
+          <a:lnRef idx="2">
+            <a:schemeClr val="accent1">
+              <a:shade val="50000"/>
+            </a:schemeClr>
+          </a:lnRef>
+          <a:fillRef idx="1">
+            <a:schemeClr val="accent1"/>
+          </a:fillRef>
+          <a:effectRef idx="0">
+            <a:schemeClr val="accent1"/>
+          </a:effectRef>
+          <a:fontRef idx="minor">
+            <a:schemeClr val="lt1"/>
+          </a:fontRef>
+        </p:style>
+        <p:txBody>
+          <a:bodyPr rtlCol="0" anchor="ctr"/>
+          <a:lstStyle/>
+          <a:p>
+            <a:pPr algn="ctr"/>
+            <a:endParaRPr lang="zh-CN" altLang="en-US"/>
+          </a:p>
+        </p:txBody>
+      </p:sp>
     </p:spTree>
     <p:extLst>
       <p:ext uri="{BB962C8B-B14F-4D97-AF65-F5344CB8AC3E}">
@@ -5074,7 +4956,7 @@
 </p:sld>
 </file>
 
-<file path=ppt/slides/slide13.xml><?xml version="1.0" encoding="utf-8"?>
+<file path=ppt/slides/slide12.xml><?xml version="1.0" encoding="utf-8"?>
 <p:sld xmlns:a="http://schemas.openxmlformats.org/drawingml/2006/main" xmlns:r="http://schemas.openxmlformats.org/officeDocument/2006/relationships" xmlns:p="http://schemas.openxmlformats.org/presentationml/2006/main">
   <p:cSld>
     <p:spTree>
@@ -5186,6 +5068,171 @@
 </p:sld>
 </file>
 
+<file path=ppt/slides/slide13.xml><?xml version="1.0" encoding="utf-8"?>
+<p:sld xmlns:a="http://schemas.openxmlformats.org/drawingml/2006/main" xmlns:r="http://schemas.openxmlformats.org/officeDocument/2006/relationships" xmlns:p="http://schemas.openxmlformats.org/presentationml/2006/main">
+  <p:cSld>
+    <p:spTree>
+      <p:nvGrpSpPr>
+        <p:cNvPr id="1" name=""/>
+        <p:cNvGrpSpPr/>
+        <p:nvPr/>
+      </p:nvGrpSpPr>
+      <p:grpSpPr>
+        <a:xfrm>
+          <a:off x="0" y="0"/>
+          <a:ext cx="0" cy="0"/>
+          <a:chOff x="0" y="0"/>
+          <a:chExt cx="0" cy="0"/>
+        </a:xfrm>
+      </p:grpSpPr>
+      <p:sp>
+        <p:nvSpPr>
+          <p:cNvPr id="4" name="Title 3"/>
+          <p:cNvSpPr>
+            <a:spLocks noGrp="1"/>
+          </p:cNvSpPr>
+          <p:nvPr>
+            <p:ph type="title"/>
+          </p:nvPr>
+        </p:nvSpPr>
+        <p:spPr/>
+        <p:txBody>
+          <a:bodyPr>
+            <a:normAutofit/>
+          </a:bodyPr>
+          <a:lstStyle/>
+          <a:p>
+            <a:pPr algn="ctr"/>
+            <a:endParaRPr lang="ko-KR" altLang="en-US" sz="2900" dirty="0">
+              <a:latin typeface="Times New Roman" charset="0"/>
+              <a:ea typeface="Times New Roman" charset="0"/>
+              <a:cs typeface="Times New Roman" charset="0"/>
+            </a:endParaRPr>
+          </a:p>
+        </p:txBody>
+      </p:sp>
+      <p:sp>
+        <p:nvSpPr>
+          <p:cNvPr id="6" name="Content Placeholder 5"/>
+          <p:cNvSpPr>
+            <a:spLocks noGrp="1"/>
+          </p:cNvSpPr>
+          <p:nvPr>
+            <p:ph idx="1"/>
+          </p:nvPr>
+        </p:nvSpPr>
+        <p:spPr/>
+        <p:txBody>
+          <a:bodyPr/>
+          <a:lstStyle/>
+          <a:p>
+            <a:r>
+              <a:rPr lang="en-US" altLang="ko-KR" b="1" dirty="0" smtClean="0">
+                <a:solidFill>
+                  <a:schemeClr val="tx1">
+                    <a:lumMod val="75000"/>
+                    <a:lumOff val="25000"/>
+                  </a:schemeClr>
+                </a:solidFill>
+                <a:latin typeface="Arial" pitchFamily="34" charset="0"/>
+                <a:cs typeface="Arial" pitchFamily="34" charset="0"/>
+              </a:rPr>
+              <a:t> </a:t>
+            </a:r>
+            <a:endParaRPr lang="en-US" altLang="ko-KR" b="1" dirty="0">
+              <a:solidFill>
+                <a:schemeClr val="tx1">
+                  <a:lumMod val="75000"/>
+                  <a:lumOff val="25000"/>
+                </a:schemeClr>
+              </a:solidFill>
+              <a:latin typeface="Arial" pitchFamily="34" charset="0"/>
+              <a:cs typeface="Arial" pitchFamily="34" charset="0"/>
+            </a:endParaRPr>
+          </a:p>
+        </p:txBody>
+      </p:sp>
+      <p:sp>
+        <p:nvSpPr>
+          <p:cNvPr id="2" name="Content Placeholder 1"/>
+          <p:cNvSpPr>
+            <a:spLocks noGrp="1"/>
+          </p:cNvSpPr>
+          <p:nvPr>
+            <p:ph idx="10"/>
+          </p:nvPr>
+        </p:nvSpPr>
+        <p:spPr>
+          <a:xfrm>
+            <a:off x="323528" y="1268760"/>
+            <a:ext cx="8229600" cy="3600400"/>
+          </a:xfrm>
+        </p:spPr>
+        <p:txBody>
+          <a:bodyPr/>
+          <a:lstStyle/>
+          <a:p>
+            <a:pPr algn="ctr"/>
+            <a:endParaRPr lang="en-US" sz="2900" dirty="0" smtClean="0">
+              <a:latin typeface="Times New Roman Uni" panose="02020603050405020304" pitchFamily="18" charset="-122"/>
+              <a:ea typeface="Times New Roman Uni" panose="02020603050405020304" pitchFamily="18" charset="-122"/>
+              <a:cs typeface="Times New Roman Uni" panose="02020603050405020304" pitchFamily="18" charset="-122"/>
+            </a:endParaRPr>
+          </a:p>
+          <a:p>
+            <a:pPr algn="ctr"/>
+            <a:endParaRPr lang="en-US" sz="2900" dirty="0">
+              <a:latin typeface="Times New Roman Uni" panose="02020603050405020304" pitchFamily="18" charset="-122"/>
+              <a:ea typeface="Times New Roman Uni" panose="02020603050405020304" pitchFamily="18" charset="-122"/>
+              <a:cs typeface="Times New Roman Uni" panose="02020603050405020304" pitchFamily="18" charset="-122"/>
+            </a:endParaRPr>
+          </a:p>
+          <a:p>
+            <a:pPr algn="ctr"/>
+            <a:endParaRPr lang="en-US" sz="2900" dirty="0" smtClean="0">
+              <a:latin typeface="Times New Roman Uni" panose="02020603050405020304" pitchFamily="18" charset="-122"/>
+              <a:ea typeface="Times New Roman Uni" panose="02020603050405020304" pitchFamily="18" charset="-122"/>
+              <a:cs typeface="Times New Roman Uni" panose="02020603050405020304" pitchFamily="18" charset="-122"/>
+            </a:endParaRPr>
+          </a:p>
+          <a:p>
+            <a:pPr algn="ctr"/>
+            <a:r>
+              <a:rPr lang="en-US" sz="4000" b="1" i="1" dirty="0" smtClean="0">
+                <a:latin typeface="Times New Roman Uni" panose="02020603050405020304" pitchFamily="18" charset="-122"/>
+                <a:ea typeface="Times New Roman Uni" panose="02020603050405020304" pitchFamily="18" charset="-122"/>
+                <a:cs typeface="Times New Roman Uni" panose="02020603050405020304" pitchFamily="18" charset="-122"/>
+              </a:rPr>
+              <a:t>Any Questions?</a:t>
+            </a:r>
+            <a:endParaRPr lang="en-US" sz="4000" b="1" i="1" dirty="0">
+              <a:latin typeface="Times New Roman Uni" panose="02020603050405020304" pitchFamily="18" charset="-122"/>
+              <a:ea typeface="Times New Roman Uni" panose="02020603050405020304" pitchFamily="18" charset="-122"/>
+              <a:cs typeface="Times New Roman Uni" panose="02020603050405020304" pitchFamily="18" charset="-122"/>
+            </a:endParaRPr>
+          </a:p>
+        </p:txBody>
+      </p:sp>
+    </p:spTree>
+    <p:extLst>
+      <p:ext uri="{BB962C8B-B14F-4D97-AF65-F5344CB8AC3E}">
+        <p14:creationId xmlns:p14="http://schemas.microsoft.com/office/powerpoint/2010/main" val="4092780015"/>
+      </p:ext>
+    </p:extLst>
+  </p:cSld>
+  <p:clrMapOvr>
+    <a:masterClrMapping/>
+  </p:clrMapOvr>
+  <p:timing>
+    <p:tnLst>
+      <p:par>
+        <p:cTn id="1" dur="indefinite" restart="never" nodeType="tmRoot"/>
+      </p:par>
+    </p:tnLst>
+  </p:timing>
+</p:sld>
+</file>
+
 <file path=ppt/slides/slide14.xml><?xml version="1.0" encoding="utf-8"?>
 <p:sld xmlns:a="http://schemas.openxmlformats.org/drawingml/2006/main" xmlns:r="http://schemas.openxmlformats.org/officeDocument/2006/relationships" xmlns:p="http://schemas.openxmlformats.org/presentationml/2006/main">
   <p:cSld>
@@ -5438,6 +5485,93 @@
 </file>
 
 <file path=ppt/slides/slide15.xml><?xml version="1.0" encoding="utf-8"?>
+<p:sld xmlns:a="http://schemas.openxmlformats.org/drawingml/2006/main" xmlns:r="http://schemas.openxmlformats.org/officeDocument/2006/relationships" xmlns:p="http://schemas.openxmlformats.org/presentationml/2006/main">
+  <p:cSld>
+    <p:spTree>
+      <p:nvGrpSpPr>
+        <p:cNvPr id="1" name=""/>
+        <p:cNvGrpSpPr/>
+        <p:nvPr/>
+      </p:nvGrpSpPr>
+      <p:grpSpPr>
+        <a:xfrm>
+          <a:off x="0" y="0"/>
+          <a:ext cx="0" cy="0"/>
+          <a:chOff x="0" y="0"/>
+          <a:chExt cx="0" cy="0"/>
+        </a:xfrm>
+      </p:grpSpPr>
+      <p:sp>
+        <p:nvSpPr>
+          <p:cNvPr id="2" name="Title 1"/>
+          <p:cNvSpPr>
+            <a:spLocks noGrp="1"/>
+          </p:cNvSpPr>
+          <p:nvPr>
+            <p:ph type="title"/>
+          </p:nvPr>
+        </p:nvSpPr>
+        <p:spPr/>
+        <p:txBody>
+          <a:bodyPr/>
+          <a:lstStyle/>
+          <a:p>
+            <a:endParaRPr lang="zh-CN" altLang="en-US"/>
+          </a:p>
+        </p:txBody>
+      </p:sp>
+      <p:sp>
+        <p:nvSpPr>
+          <p:cNvPr id="3" name="Content Placeholder 2"/>
+          <p:cNvSpPr>
+            <a:spLocks noGrp="1"/>
+          </p:cNvSpPr>
+          <p:nvPr>
+            <p:ph idx="1"/>
+          </p:nvPr>
+        </p:nvSpPr>
+        <p:spPr/>
+        <p:txBody>
+          <a:bodyPr/>
+          <a:lstStyle/>
+          <a:p>
+            <a:endParaRPr lang="zh-CN" altLang="en-US"/>
+          </a:p>
+        </p:txBody>
+      </p:sp>
+      <p:sp>
+        <p:nvSpPr>
+          <p:cNvPr id="4" name="Content Placeholder 3"/>
+          <p:cNvSpPr>
+            <a:spLocks noGrp="1"/>
+          </p:cNvSpPr>
+          <p:nvPr>
+            <p:ph idx="10"/>
+          </p:nvPr>
+        </p:nvSpPr>
+        <p:spPr/>
+        <p:txBody>
+          <a:bodyPr/>
+          <a:lstStyle/>
+          <a:p>
+            <a:endParaRPr lang="zh-CN" altLang="en-US"/>
+          </a:p>
+        </p:txBody>
+      </p:sp>
+    </p:spTree>
+    <p:extLst>
+      <p:ext uri="{BB962C8B-B14F-4D97-AF65-F5344CB8AC3E}">
+        <p14:creationId xmlns:p14="http://schemas.microsoft.com/office/powerpoint/2010/main" val="2261652767"/>
+      </p:ext>
+    </p:extLst>
+  </p:cSld>
+  <p:clrMapOvr>
+    <a:masterClrMapping/>
+  </p:clrMapOvr>
+</p:sld>
+</file>
+
+<file path=ppt/slides/slide16.xml><?xml version="1.0" encoding="utf-8"?>
 <p:sld xmlns:a="http://schemas.openxmlformats.org/drawingml/2006/main" xmlns:r="http://schemas.openxmlformats.org/officeDocument/2006/relationships" xmlns:p="http://schemas.openxmlformats.org/presentationml/2006/main">
   <p:cSld>
     <p:spTree>
@@ -7199,6 +7333,144 @@
           </a:prstGeom>
         </p:spPr>
       </p:pic>
+      <p:sp>
+        <p:nvSpPr>
+          <p:cNvPr id="2" name="Oval 1"/>
+          <p:cNvSpPr/>
+          <p:nvPr/>
+        </p:nvSpPr>
+        <p:spPr>
+          <a:xfrm>
+            <a:off x="8388424" y="3789040"/>
+            <a:ext cx="755576" cy="432048"/>
+          </a:xfrm>
+          <a:prstGeom prst="ellipse">
+            <a:avLst/>
+          </a:prstGeom>
+          <a:noFill/>
+          <a:ln>
+            <a:solidFill>
+              <a:srgbClr val="FF0000"/>
+            </a:solidFill>
+          </a:ln>
+        </p:spPr>
+        <p:style>
+          <a:lnRef idx="2">
+            <a:schemeClr val="accent1">
+              <a:shade val="50000"/>
+            </a:schemeClr>
+          </a:lnRef>
+          <a:fillRef idx="1">
+            <a:schemeClr val="accent1"/>
+          </a:fillRef>
+          <a:effectRef idx="0">
+            <a:schemeClr val="accent1"/>
+          </a:effectRef>
+          <a:fontRef idx="minor">
+            <a:schemeClr val="lt1"/>
+          </a:fontRef>
+        </p:style>
+        <p:txBody>
+          <a:bodyPr rtlCol="0" anchor="ctr"/>
+          <a:lstStyle/>
+          <a:p>
+            <a:pPr algn="ctr"/>
+            <a:endParaRPr lang="zh-CN" altLang="en-US"/>
+          </a:p>
+        </p:txBody>
+      </p:sp>
+      <p:sp>
+        <p:nvSpPr>
+          <p:cNvPr id="10" name="Rectangle 9"/>
+          <p:cNvSpPr/>
+          <p:nvPr/>
+        </p:nvSpPr>
+        <p:spPr>
+          <a:xfrm>
+            <a:off x="6228184" y="2852936"/>
+            <a:ext cx="2232248" cy="504056"/>
+          </a:xfrm>
+          <a:prstGeom prst="rect">
+            <a:avLst/>
+          </a:prstGeom>
+          <a:noFill/>
+          <a:ln>
+            <a:solidFill>
+              <a:srgbClr val="FF0000"/>
+            </a:solidFill>
+          </a:ln>
+        </p:spPr>
+        <p:style>
+          <a:lnRef idx="2">
+            <a:schemeClr val="accent1">
+              <a:shade val="50000"/>
+            </a:schemeClr>
+          </a:lnRef>
+          <a:fillRef idx="1">
+            <a:schemeClr val="accent1"/>
+          </a:fillRef>
+          <a:effectRef idx="0">
+            <a:schemeClr val="accent1"/>
+          </a:effectRef>
+          <a:fontRef idx="minor">
+            <a:schemeClr val="lt1"/>
+          </a:fontRef>
+        </p:style>
+        <p:txBody>
+          <a:bodyPr rtlCol="0" anchor="ctr"/>
+          <a:lstStyle/>
+          <a:p>
+            <a:pPr algn="ctr"/>
+            <a:endParaRPr lang="zh-CN" altLang="en-US"/>
+          </a:p>
+        </p:txBody>
+      </p:sp>
+      <p:sp>
+        <p:nvSpPr>
+          <p:cNvPr id="11" name="Rectangle 10"/>
+          <p:cNvSpPr/>
+          <p:nvPr/>
+        </p:nvSpPr>
+        <p:spPr>
+          <a:xfrm>
+            <a:off x="6228184" y="4007780"/>
+            <a:ext cx="2232248" cy="504056"/>
+          </a:xfrm>
+          <a:prstGeom prst="rect">
+            <a:avLst/>
+          </a:prstGeom>
+          <a:noFill/>
+          <a:ln>
+            <a:solidFill>
+              <a:srgbClr val="FF0000"/>
+            </a:solidFill>
+          </a:ln>
+        </p:spPr>
+        <p:style>
+          <a:lnRef idx="2">
+            <a:schemeClr val="accent1">
+              <a:shade val="50000"/>
+            </a:schemeClr>
+          </a:lnRef>
+          <a:fillRef idx="1">
+            <a:schemeClr val="accent1"/>
+          </a:fillRef>
+          <a:effectRef idx="0">
+            <a:schemeClr val="accent1"/>
+          </a:effectRef>
+          <a:fontRef idx="minor">
+            <a:schemeClr val="lt1"/>
+          </a:fontRef>
+        </p:style>
+        <p:txBody>
+          <a:bodyPr rtlCol="0" anchor="ctr"/>
+          <a:lstStyle/>
+          <a:p>
+            <a:pPr algn="ctr"/>
+            <a:endParaRPr lang="zh-CN" altLang="en-US"/>
+          </a:p>
+        </p:txBody>
+      </p:sp>
     </p:spTree>
     <p:extLst>
       <p:ext uri="{BB962C8B-B14F-4D97-AF65-F5344CB8AC3E}">
@@ -7338,6 +7610,52 @@
           <a:bodyPr/>
           <a:lstStyle/>
           <a:p>
+            <a:endParaRPr lang="zh-CN" altLang="en-US"/>
+          </a:p>
+        </p:txBody>
+      </p:sp>
+      <p:sp>
+        <p:nvSpPr>
+          <p:cNvPr id="9" name="Rectangle 8"/>
+          <p:cNvSpPr/>
+          <p:nvPr/>
+        </p:nvSpPr>
+        <p:spPr>
+          <a:xfrm>
+            <a:off x="3059832" y="3068960"/>
+            <a:ext cx="2808312" cy="648072"/>
+          </a:xfrm>
+          <a:prstGeom prst="rect">
+            <a:avLst/>
+          </a:prstGeom>
+          <a:noFill/>
+          <a:ln>
+            <a:solidFill>
+              <a:srgbClr val="FF0000"/>
+            </a:solidFill>
+          </a:ln>
+        </p:spPr>
+        <p:style>
+          <a:lnRef idx="2">
+            <a:schemeClr val="accent1">
+              <a:shade val="50000"/>
+            </a:schemeClr>
+          </a:lnRef>
+          <a:fillRef idx="1">
+            <a:schemeClr val="accent1"/>
+          </a:fillRef>
+          <a:effectRef idx="0">
+            <a:schemeClr val="accent1"/>
+          </a:effectRef>
+          <a:fontRef idx="minor">
+            <a:schemeClr val="lt1"/>
+          </a:fontRef>
+        </p:style>
+        <p:txBody>
+          <a:bodyPr rtlCol="0" anchor="ctr"/>
+          <a:lstStyle/>
+          <a:p>
+            <a:pPr algn="ctr"/>
             <a:endParaRPr lang="zh-CN" altLang="en-US"/>
           </a:p>
         </p:txBody>

--- a/doc/presentation.pptx
+++ b/doc/presentation.pptx
@@ -122,7 +122,7 @@
   </p:defaultTextStyle>
   <p:extLst>
     <p:ext uri="{EFAFB233-063F-42B5-8137-9DF3F51BA10A}">
-      <p15:sldGuideLst xmlns="" xmlns:p15="http://schemas.microsoft.com/office/powerpoint/2012/main">
+      <p15:sldGuideLst xmlns:p15="http://schemas.microsoft.com/office/powerpoint/2012/main" xmlns="">
         <p15:guide id="1" orient="horz" pos="2160">
           <p15:clr>
             <a:srgbClr val="A4A3A4"/>
@@ -5568,6 +5568,13 @@
   <p:clrMapOvr>
     <a:masterClrMapping/>
   </p:clrMapOvr>
+  <p:timing>
+    <p:tnLst>
+      <p:par>
+        <p:cTn id="1" dur="indefinite" restart="never" nodeType="tmRoot"/>
+      </p:par>
+    </p:tnLst>
+  </p:timing>
 </p:sld>
 </file>
 
@@ -6058,38 +6065,45 @@
                 <a:ea typeface="Times New Roman" charset="0"/>
                 <a:cs typeface="Times New Roman" charset="0"/>
               </a:rPr>
-              <a:t>Questions</a:t>
-            </a:r>
-          </a:p>
-          <a:p>
-            <a:pPr marL="342900" indent="-342900">
-              <a:buFont typeface="Wingdings" charset="2"/>
-              <a:buChar char="Ø"/>
-            </a:pPr>
-            <a:endParaRPr lang="en-US" altLang="zh-CN" sz="2400" dirty="0">
-              <a:latin typeface="Times New Roman" charset="0"/>
-              <a:ea typeface="Times New Roman" charset="0"/>
-              <a:cs typeface="Times New Roman" charset="0"/>
-            </a:endParaRPr>
-          </a:p>
-          <a:p>
-            <a:pPr marL="342900" indent="-342900">
-              <a:buFont typeface="Wingdings" charset="2"/>
-              <a:buChar char="Ø"/>
-            </a:pPr>
+              <a:t>Interesting </a:t>
+            </a:r>
             <a:r>
               <a:rPr lang="en-US" altLang="zh-CN" sz="2400" dirty="0" smtClean="0">
                 <a:latin typeface="Times New Roman" charset="0"/>
                 <a:ea typeface="Times New Roman" charset="0"/>
                 <a:cs typeface="Times New Roman" charset="0"/>
               </a:rPr>
-              <a:t>Interesting Results! (if we have time)</a:t>
+              <a:t>Results! (if we have time)</a:t>
             </a:r>
             <a:endParaRPr lang="zh-CN" altLang="en-US" sz="2400" dirty="0">
               <a:latin typeface="Times New Roman" charset="0"/>
               <a:ea typeface="Times New Roman" charset="0"/>
               <a:cs typeface="Times New Roman" charset="0"/>
             </a:endParaRPr>
+          </a:p>
+          <a:p>
+            <a:pPr marL="285750" indent="-285750">
+              <a:buFont typeface="Wingdings" charset="2"/>
+              <a:buChar char="Ø"/>
+            </a:pPr>
+            <a:endParaRPr lang="en-US" altLang="ko-KR" dirty="0" smtClean="0">
+              <a:latin typeface="Arial" pitchFamily="34" charset="0"/>
+              <a:cs typeface="Arial" pitchFamily="34" charset="0"/>
+            </a:endParaRPr>
+          </a:p>
+          <a:p>
+            <a:pPr marL="285750" indent="-285750">
+              <a:buFont typeface="Wingdings" charset="2"/>
+              <a:buChar char="Ø"/>
+            </a:pPr>
+            <a:r>
+              <a:rPr lang="en-US" altLang="zh-CN" sz="2400" dirty="0">
+                <a:latin typeface="Times New Roman" charset="0"/>
+                <a:ea typeface="Times New Roman" charset="0"/>
+                <a:cs typeface="Times New Roman" charset="0"/>
+              </a:rPr>
+              <a:t>Questions</a:t>
+            </a:r>
           </a:p>
           <a:p>
             <a:pPr marL="285750" indent="-285750">
@@ -6979,11 +6993,6 @@
               </a:rPr>
               <a:t>We constructed our feature by using TF-IDF statistics and we compare our algorithm by calculating the degree of agreement between system-output </a:t>
             </a:r>
-            <a:endParaRPr lang="en-US" sz="2000" dirty="0" smtClean="0">
-              <a:latin typeface="Times New Roman" charset="0"/>
-              <a:ea typeface="Times New Roman" charset="0"/>
-              <a:cs typeface="Times New Roman" charset="0"/>
-            </a:endParaRPr>
           </a:p>
           <a:p>
             <a:r>
@@ -6992,15 +7001,7 @@
                 <a:ea typeface="Times New Roman" charset="0"/>
                 <a:cs typeface="Times New Roman" charset="0"/>
               </a:rPr>
-              <a:t>partitions </a:t>
-            </a:r>
-            <a:r>
-              <a:rPr lang="en-US" sz="2000" dirty="0" smtClean="0">
-                <a:latin typeface="Times New Roman" charset="0"/>
-                <a:ea typeface="Times New Roman" charset="0"/>
-                <a:cs typeface="Times New Roman" charset="0"/>
-              </a:rPr>
-              <a:t>and true partitions</a:t>
+              <a:t>partitions and true partitions</a:t>
             </a:r>
           </a:p>
           <a:p>
@@ -7042,20 +7043,12 @@
               <a:t>1. TF-IDF </a:t>
             </a:r>
             <a:r>
-              <a:rPr lang="en-US" altLang="zh-CN" sz="2000" dirty="0" err="1" smtClean="0">
-                <a:latin typeface="Times New Roman" charset="0"/>
-                <a:ea typeface="Times New Roman" charset="0"/>
-                <a:cs typeface="Times New Roman" charset="0"/>
-              </a:rPr>
-              <a:t>dtm</a:t>
-            </a:r>
-            <a:r>
               <a:rPr lang="en-US" altLang="zh-CN" sz="2000" dirty="0" smtClean="0">
                 <a:latin typeface="Times New Roman" charset="0"/>
                 <a:ea typeface="Times New Roman" charset="0"/>
                 <a:cs typeface="Times New Roman" charset="0"/>
               </a:rPr>
-              <a:t> matrix using </a:t>
+              <a:t>DTM using </a:t>
             </a:r>
             <a:r>
               <a:rPr lang="en-US" altLang="zh-CN" sz="2000" b="1" dirty="0" smtClean="0">
@@ -7084,20 +7077,28 @@
               <a:t>2. TF-IDF </a:t>
             </a:r>
             <a:r>
-              <a:rPr lang="en-US" altLang="zh-CN" sz="2000" dirty="0" err="1" smtClean="0">
-                <a:latin typeface="Times New Roman" charset="0"/>
-                <a:ea typeface="Times New Roman" charset="0"/>
-                <a:cs typeface="Times New Roman" charset="0"/>
-              </a:rPr>
-              <a:t>dtm</a:t>
-            </a:r>
-            <a:r>
               <a:rPr lang="en-US" altLang="zh-CN" sz="2000" dirty="0" smtClean="0">
                 <a:latin typeface="Times New Roman" charset="0"/>
                 <a:ea typeface="Times New Roman" charset="0"/>
                 <a:cs typeface="Times New Roman" charset="0"/>
               </a:rPr>
-              <a:t> matrix using </a:t>
+              <a:t>DTM</a:t>
+            </a:r>
+            <a:r>
+              <a:rPr lang="en-US" altLang="zh-CN" sz="2000" dirty="0" smtClean="0">
+                <a:latin typeface="Times New Roman" charset="0"/>
+                <a:ea typeface="Times New Roman" charset="0"/>
+                <a:cs typeface="Times New Roman" charset="0"/>
+              </a:rPr>
+              <a:t> </a:t>
+            </a:r>
+            <a:r>
+              <a:rPr lang="en-US" altLang="zh-CN" sz="2000" dirty="0" smtClean="0">
+                <a:latin typeface="Times New Roman" charset="0"/>
+                <a:ea typeface="Times New Roman" charset="0"/>
+                <a:cs typeface="Times New Roman" charset="0"/>
+              </a:rPr>
+              <a:t>using </a:t>
             </a:r>
             <a:r>
               <a:rPr lang="en-US" altLang="zh-CN" sz="2000" b="1" dirty="0" smtClean="0">
@@ -7113,45 +7114,8 @@
                 <a:ea typeface="Times New Roman" charset="0"/>
                 <a:cs typeface="Times New Roman" charset="0"/>
               </a:rPr>
-              <a:t> </a:t>
-            </a:r>
-            <a:r>
-              <a:rPr lang="en-US" altLang="zh-CN" sz="2000" dirty="0" smtClean="0">
-                <a:latin typeface="Times New Roman" charset="0"/>
-                <a:ea typeface="Times New Roman" charset="0"/>
-                <a:cs typeface="Times New Roman" charset="0"/>
-              </a:rPr>
-              <a:t>features(coauthor</a:t>
-            </a:r>
-            <a:r>
-              <a:rPr lang="en-US" altLang="zh-CN" sz="2000" dirty="0" smtClean="0">
-                <a:latin typeface="Times New Roman" charset="0"/>
-                <a:ea typeface="Times New Roman" charset="0"/>
-                <a:cs typeface="Times New Roman" charset="0"/>
-              </a:rPr>
-              <a:t>, paper, </a:t>
-            </a:r>
-            <a:r>
-              <a:rPr lang="en-US" altLang="zh-CN" sz="2000" dirty="0" smtClean="0">
-                <a:latin typeface="Times New Roman" charset="0"/>
-                <a:ea typeface="Times New Roman" charset="0"/>
-                <a:cs typeface="Times New Roman" charset="0"/>
-              </a:rPr>
-              <a:t>journal</a:t>
-            </a:r>
-            <a:r>
-              <a:rPr lang="en-US" altLang="zh-CN" sz="2000" dirty="0" smtClean="0">
-                <a:latin typeface="Times New Roman" charset="0"/>
-                <a:ea typeface="Times New Roman" charset="0"/>
-                <a:cs typeface="Times New Roman" charset="0"/>
-              </a:rPr>
-              <a:t>)</a:t>
-            </a:r>
-            <a:endParaRPr lang="en-US" altLang="zh-CN" sz="2000" dirty="0" smtClean="0">
-              <a:latin typeface="Times New Roman" charset="0"/>
-              <a:ea typeface="Times New Roman" charset="0"/>
-              <a:cs typeface="Times New Roman" charset="0"/>
-            </a:endParaRPr>
+              <a:t> features(coauthor, paper, journal)</a:t>
+            </a:r>
           </a:p>
           <a:p>
             <a:endParaRPr lang="en-US" altLang="zh-CN" sz="2000" dirty="0">
@@ -7433,7 +7397,7 @@
         </p:nvSpPr>
         <p:spPr>
           <a:xfrm>
-            <a:off x="6228184" y="4007780"/>
+            <a:off x="1763688" y="5013176"/>
             <a:ext cx="2232248" cy="504056"/>
           </a:xfrm>
           <a:prstGeom prst="rect">
@@ -7769,7 +7733,33 @@
                 <a:ea typeface="Times New Roman Uni" panose="02020603050405020304" pitchFamily="18" charset="-122"/>
                 <a:cs typeface="Times New Roman Uni" panose="02020603050405020304" pitchFamily="18" charset="-122"/>
               </a:rPr>
-              <a:t>1 . Generally, algorithms proposed by the sixth paper takes significantly </a:t>
+              <a:t>1. Construct TF-IDF DTM using all features</a:t>
+            </a:r>
+          </a:p>
+          <a:p>
+            <a:r>
+              <a:rPr lang="en-US" altLang="zh-CN" sz="2000" dirty="0" smtClean="0">
+                <a:latin typeface="Times New Roman Uni" panose="02020603050405020304" pitchFamily="18" charset="-122"/>
+                <a:ea typeface="Times New Roman Uni" panose="02020603050405020304" pitchFamily="18" charset="-122"/>
+                <a:cs typeface="Times New Roman Uni" panose="02020603050405020304" pitchFamily="18" charset="-122"/>
+              </a:rPr>
+              <a:t>2</a:t>
+            </a:r>
+            <a:r>
+              <a:rPr lang="en-US" altLang="zh-CN" sz="2000" dirty="0" smtClean="0">
+                <a:latin typeface="Times New Roman Uni" panose="02020603050405020304" pitchFamily="18" charset="-122"/>
+                <a:ea typeface="Times New Roman Uni" panose="02020603050405020304" pitchFamily="18" charset="-122"/>
+                <a:cs typeface="Times New Roman Uni" panose="02020603050405020304" pitchFamily="18" charset="-122"/>
+              </a:rPr>
+              <a:t> </a:t>
+            </a:r>
+            <a:r>
+              <a:rPr lang="en-US" altLang="zh-CN" sz="2000" dirty="0" smtClean="0">
+                <a:latin typeface="Times New Roman Uni" panose="02020603050405020304" pitchFamily="18" charset="-122"/>
+                <a:ea typeface="Times New Roman Uni" panose="02020603050405020304" pitchFamily="18" charset="-122"/>
+                <a:cs typeface="Times New Roman Uni" panose="02020603050405020304" pitchFamily="18" charset="-122"/>
+              </a:rPr>
+              <a:t>. Generally, algorithms proposed by the sixth paper takes significantly </a:t>
             </a:r>
           </a:p>
           <a:p>
@@ -7792,20 +7782,20 @@
           </a:p>
           <a:p>
             <a:r>
+              <a:rPr lang="en-US" altLang="zh-CN" sz="2000" dirty="0">
+                <a:latin typeface="Times New Roman Uni" panose="02020603050405020304" pitchFamily="18" charset="-122"/>
+                <a:ea typeface="Times New Roman Uni" panose="02020603050405020304" pitchFamily="18" charset="-122"/>
+                <a:cs typeface="Times New Roman Uni" panose="02020603050405020304" pitchFamily="18" charset="-122"/>
+              </a:rPr>
+              <a:t>3</a:t>
+            </a:r>
+            <a:r>
               <a:rPr lang="en-US" altLang="zh-CN" sz="2000" dirty="0" smtClean="0">
                 <a:latin typeface="Times New Roman Uni" panose="02020603050405020304" pitchFamily="18" charset="-122"/>
                 <a:ea typeface="Times New Roman Uni" panose="02020603050405020304" pitchFamily="18" charset="-122"/>
                 <a:cs typeface="Times New Roman Uni" panose="02020603050405020304" pitchFamily="18" charset="-122"/>
               </a:rPr>
-              <a:t>2. Algorithm from the sixth paper outperforms that of the third paper when constructing TF-IDF </a:t>
-            </a:r>
-            <a:r>
-              <a:rPr lang="en-US" altLang="zh-CN" sz="2000" dirty="0" err="1" smtClean="0">
-                <a:latin typeface="Times New Roman Uni" panose="02020603050405020304" pitchFamily="18" charset="-122"/>
-                <a:ea typeface="Times New Roman Uni" panose="02020603050405020304" pitchFamily="18" charset="-122"/>
-                <a:cs typeface="Times New Roman Uni" panose="02020603050405020304" pitchFamily="18" charset="-122"/>
-              </a:rPr>
-              <a:t>dtm</a:t>
+              <a:t>. </a:t>
             </a:r>
             <a:r>
               <a:rPr lang="en-US" altLang="zh-CN" sz="2000" dirty="0" smtClean="0">
@@ -7813,7 +7803,31 @@
                 <a:ea typeface="Times New Roman Uni" panose="02020603050405020304" pitchFamily="18" charset="-122"/>
                 <a:cs typeface="Times New Roman Uni" panose="02020603050405020304" pitchFamily="18" charset="-122"/>
               </a:rPr>
-              <a:t> matrix using all features</a:t>
+              <a:t>Algorithm from the sixth paper outperforms that of the third paper when constructing TF-IDF </a:t>
+            </a:r>
+            <a:r>
+              <a:rPr lang="en-US" altLang="zh-CN" sz="2000" dirty="0" smtClean="0">
+                <a:latin typeface="Times New Roman Uni" panose="02020603050405020304" pitchFamily="18" charset="-122"/>
+                <a:ea typeface="Times New Roman Uni" panose="02020603050405020304" pitchFamily="18" charset="-122"/>
+                <a:cs typeface="Times New Roman Uni" panose="02020603050405020304" pitchFamily="18" charset="-122"/>
+              </a:rPr>
+              <a:t>DTM</a:t>
+            </a:r>
+            <a:r>
+              <a:rPr lang="en-US" altLang="zh-CN" sz="2000" dirty="0" smtClean="0">
+                <a:latin typeface="Times New Roman Uni" panose="02020603050405020304" pitchFamily="18" charset="-122"/>
+                <a:ea typeface="Times New Roman Uni" panose="02020603050405020304" pitchFamily="18" charset="-122"/>
+                <a:cs typeface="Times New Roman Uni" panose="02020603050405020304" pitchFamily="18" charset="-122"/>
+              </a:rPr>
+              <a:t> </a:t>
+            </a:r>
+            <a:r>
+              <a:rPr lang="en-US" altLang="zh-CN" sz="2000" dirty="0" smtClean="0">
+                <a:latin typeface="Times New Roman Uni" panose="02020603050405020304" pitchFamily="18" charset="-122"/>
+                <a:ea typeface="Times New Roman Uni" panose="02020603050405020304" pitchFamily="18" charset="-122"/>
+                <a:cs typeface="Times New Roman Uni" panose="02020603050405020304" pitchFamily="18" charset="-122"/>
+              </a:rPr>
+              <a:t>using all features</a:t>
             </a:r>
           </a:p>
           <a:p>

--- a/doc/presentation.pptx
+++ b/doc/presentation.pptx
@@ -122,7 +122,7 @@
   </p:defaultTextStyle>
   <p:extLst>
     <p:ext uri="{EFAFB233-063F-42B5-8137-9DF3F51BA10A}">
-      <p15:sldGuideLst xmlns:p15="http://schemas.microsoft.com/office/powerpoint/2012/main" xmlns="">
+      <p15:sldGuideLst xmlns="" xmlns:p15="http://schemas.microsoft.com/office/powerpoint/2012/main">
         <p15:guide id="1" orient="horz" pos="2160">
           <p15:clr>
             <a:srgbClr val="A4A3A4"/>
@@ -6065,15 +6065,7 @@
                 <a:ea typeface="Times New Roman" charset="0"/>
                 <a:cs typeface="Times New Roman" charset="0"/>
               </a:rPr>
-              <a:t>Interesting </a:t>
-            </a:r>
-            <a:r>
-              <a:rPr lang="en-US" altLang="zh-CN" sz="2400" dirty="0" smtClean="0">
-                <a:latin typeface="Times New Roman" charset="0"/>
-                <a:ea typeface="Times New Roman" charset="0"/>
-                <a:cs typeface="Times New Roman" charset="0"/>
-              </a:rPr>
-              <a:t>Results! (if we have time)</a:t>
+              <a:t>Interesting Results! (if we have time)</a:t>
             </a:r>
             <a:endParaRPr lang="zh-CN" altLang="en-US" sz="2400" dirty="0">
               <a:latin typeface="Times New Roman" charset="0"/>
@@ -6978,7 +6970,7 @@
         <p:spPr>
           <a:xfrm>
             <a:off x="323528" y="1268760"/>
-            <a:ext cx="8229600" cy="3600400"/>
+            <a:ext cx="8229600" cy="5400600"/>
           </a:xfrm>
         </p:spPr>
         <p:txBody>
@@ -7003,6 +6995,41 @@
               </a:rPr>
               <a:t>partitions and true partitions</a:t>
             </a:r>
+          </a:p>
+          <a:p>
+            <a:endParaRPr lang="en-US" altLang="zh-CN" sz="2000" dirty="0" smtClean="0">
+              <a:latin typeface="Times New Roman" charset="0"/>
+              <a:ea typeface="Times New Roman" charset="0"/>
+              <a:cs typeface="Times New Roman" charset="0"/>
+            </a:endParaRPr>
+          </a:p>
+          <a:p>
+            <a:endParaRPr lang="en-US" altLang="zh-CN" sz="2000" dirty="0" smtClean="0">
+              <a:latin typeface="Times New Roman" charset="0"/>
+              <a:ea typeface="Times New Roman" charset="0"/>
+              <a:cs typeface="Times New Roman" charset="0"/>
+            </a:endParaRPr>
+          </a:p>
+          <a:p>
+            <a:endParaRPr lang="en-US" altLang="zh-CN" sz="2000" dirty="0">
+              <a:latin typeface="Times New Roman" charset="0"/>
+              <a:ea typeface="Times New Roman" charset="0"/>
+              <a:cs typeface="Times New Roman" charset="0"/>
+            </a:endParaRPr>
+          </a:p>
+          <a:p>
+            <a:endParaRPr lang="en-US" altLang="zh-CN" sz="2000" dirty="0" smtClean="0">
+              <a:latin typeface="Times New Roman" charset="0"/>
+              <a:ea typeface="Times New Roman" charset="0"/>
+              <a:cs typeface="Times New Roman" charset="0"/>
+            </a:endParaRPr>
+          </a:p>
+          <a:p>
+            <a:endParaRPr lang="en-US" altLang="zh-CN" sz="2000" dirty="0">
+              <a:latin typeface="Times New Roman" charset="0"/>
+              <a:ea typeface="Times New Roman" charset="0"/>
+              <a:cs typeface="Times New Roman" charset="0"/>
+            </a:endParaRPr>
           </a:p>
           <a:p>
             <a:endParaRPr lang="en-US" altLang="zh-CN" sz="2000" dirty="0" smtClean="0">
@@ -7040,7 +7067,31 @@
                 <a:ea typeface="Times New Roman" charset="0"/>
                 <a:cs typeface="Times New Roman" charset="0"/>
               </a:rPr>
-              <a:t>1. TF-IDF </a:t>
+              <a:t>1.</a:t>
+            </a:r>
+            <a:r>
+              <a:rPr lang="en-US" altLang="zh-CN" sz="2000" dirty="0">
+                <a:latin typeface="Times New Roman" charset="0"/>
+                <a:ea typeface="Times New Roman" charset="0"/>
+                <a:cs typeface="Times New Roman" charset="0"/>
+              </a:rPr>
+              <a:t> TF-IDF DTM using </a:t>
+            </a:r>
+            <a:r>
+              <a:rPr lang="en-US" altLang="zh-CN" sz="2000" b="1" dirty="0">
+                <a:latin typeface="Times New Roman" charset="0"/>
+                <a:ea typeface="Times New Roman" charset="0"/>
+                <a:cs typeface="Times New Roman" charset="0"/>
+              </a:rPr>
+              <a:t>individual</a:t>
+            </a:r>
+            <a:r>
+              <a:rPr lang="en-US" altLang="zh-CN" sz="2000" dirty="0">
+                <a:latin typeface="Times New Roman" charset="0"/>
+                <a:ea typeface="Times New Roman" charset="0"/>
+                <a:cs typeface="Times New Roman" charset="0"/>
+              </a:rPr>
+              <a:t> features(coauthor, paper, journal</a:t>
             </a:r>
             <a:r>
               <a:rPr lang="en-US" altLang="zh-CN" sz="2000" dirty="0" smtClean="0">
@@ -7048,7 +7099,30 @@
                 <a:ea typeface="Times New Roman" charset="0"/>
                 <a:cs typeface="Times New Roman" charset="0"/>
               </a:rPr>
-              <a:t>DTM using </a:t>
+              <a:t>)</a:t>
+            </a:r>
+            <a:endParaRPr lang="en-US" altLang="zh-CN" sz="2000" dirty="0" smtClean="0">
+              <a:latin typeface="Times New Roman" charset="0"/>
+              <a:ea typeface="Times New Roman" charset="0"/>
+              <a:cs typeface="Times New Roman" charset="0"/>
+            </a:endParaRPr>
+          </a:p>
+          <a:p>
+            <a:r>
+              <a:rPr lang="en-US" altLang="zh-CN" sz="2000" dirty="0" smtClean="0">
+                <a:latin typeface="Times New Roman" charset="0"/>
+                <a:ea typeface="Times New Roman" charset="0"/>
+                <a:cs typeface="Times New Roman" charset="0"/>
+              </a:rPr>
+              <a:t>2. </a:t>
+            </a:r>
+            <a:r>
+              <a:rPr lang="en-US" altLang="zh-CN" sz="2000" dirty="0" smtClean="0">
+                <a:latin typeface="Times New Roman" charset="0"/>
+                <a:ea typeface="Times New Roman" charset="0"/>
+                <a:cs typeface="Times New Roman" charset="0"/>
+              </a:rPr>
+              <a:t>TF-IDF DTM using </a:t>
             </a:r>
             <a:r>
               <a:rPr lang="en-US" altLang="zh-CN" sz="2000" b="1" dirty="0" smtClean="0">
@@ -7064,61 +7138,17 @@
                 <a:ea typeface="Times New Roman" charset="0"/>
                 <a:cs typeface="Times New Roman" charset="0"/>
               </a:rPr>
-              <a:t> features</a:t>
-            </a:r>
-          </a:p>
-          <a:p>
+              <a:t> </a:t>
+            </a:r>
             <a:r>
               <a:rPr lang="en-US" altLang="zh-CN" sz="2000" dirty="0" smtClean="0">
                 <a:latin typeface="Times New Roman" charset="0"/>
                 <a:ea typeface="Times New Roman" charset="0"/>
                 <a:cs typeface="Times New Roman" charset="0"/>
               </a:rPr>
-              <a:t>2. TF-IDF </a:t>
-            </a:r>
-            <a:r>
-              <a:rPr lang="en-US" altLang="zh-CN" sz="2000" dirty="0" smtClean="0">
-                <a:latin typeface="Times New Roman" charset="0"/>
-                <a:ea typeface="Times New Roman" charset="0"/>
-                <a:cs typeface="Times New Roman" charset="0"/>
-              </a:rPr>
-              <a:t>DTM</a:t>
-            </a:r>
-            <a:r>
-              <a:rPr lang="en-US" altLang="zh-CN" sz="2000" dirty="0" smtClean="0">
-                <a:latin typeface="Times New Roman" charset="0"/>
-                <a:ea typeface="Times New Roman" charset="0"/>
-                <a:cs typeface="Times New Roman" charset="0"/>
-              </a:rPr>
-              <a:t> </a:t>
-            </a:r>
-            <a:r>
-              <a:rPr lang="en-US" altLang="zh-CN" sz="2000" dirty="0" smtClean="0">
-                <a:latin typeface="Times New Roman" charset="0"/>
-                <a:ea typeface="Times New Roman" charset="0"/>
-                <a:cs typeface="Times New Roman" charset="0"/>
-              </a:rPr>
-              <a:t>using </a:t>
-            </a:r>
-            <a:r>
-              <a:rPr lang="en-US" altLang="zh-CN" sz="2000" b="1" dirty="0" smtClean="0">
-                <a:latin typeface="Times New Roman" charset="0"/>
-                <a:ea typeface="Times New Roman" charset="0"/>
-                <a:cs typeface="Times New Roman" charset="0"/>
-              </a:rPr>
-              <a:t>individual</a:t>
-            </a:r>
-            <a:r>
-              <a:rPr lang="en-US" altLang="zh-CN" sz="2000" dirty="0" smtClean="0">
-                <a:latin typeface="Times New Roman" charset="0"/>
-                <a:ea typeface="Times New Roman" charset="0"/>
-                <a:cs typeface="Times New Roman" charset="0"/>
-              </a:rPr>
-              <a:t> features(coauthor, paper, journal)</a:t>
-            </a:r>
-          </a:p>
-          <a:p>
-            <a:endParaRPr lang="en-US" altLang="zh-CN" sz="2000" dirty="0">
+              <a:t>features</a:t>
+            </a:r>
+            <a:endParaRPr lang="en-US" altLang="zh-CN" sz="2000" dirty="0" smtClean="0">
               <a:latin typeface="Times New Roman" charset="0"/>
               <a:ea typeface="Times New Roman" charset="0"/>
               <a:cs typeface="Times New Roman" charset="0"/>
@@ -7126,6 +7156,36 @@
           </a:p>
         </p:txBody>
       </p:sp>
+      <p:pic>
+        <p:nvPicPr>
+          <p:cNvPr id="3" name="Picture 2"/>
+          <p:cNvPicPr>
+            <a:picLocks noChangeAspect="1"/>
+          </p:cNvPicPr>
+          <p:nvPr/>
+        </p:nvPicPr>
+        <p:blipFill>
+          <a:blip r:embed="rId2">
+            <a:extLst>
+              <a:ext uri="{28A0092B-C50C-407E-A947-70E740481C1C}">
+                <a14:useLocalDpi xmlns:a14="http://schemas.microsoft.com/office/drawing/2010/main" val="0"/>
+              </a:ext>
+            </a:extLst>
+          </a:blip>
+          <a:stretch>
+            <a:fillRect/>
+          </a:stretch>
+        </p:blipFill>
+        <p:spPr>
+          <a:xfrm>
+            <a:off x="36512" y="2348880"/>
+            <a:ext cx="9107488" cy="2016224"/>
+          </a:xfrm>
+          <a:prstGeom prst="rect">
+            <a:avLst/>
+          </a:prstGeom>
+        </p:spPr>
+      </p:pic>
     </p:spTree>
     <p:extLst>
       <p:ext uri="{BB962C8B-B14F-4D97-AF65-F5344CB8AC3E}">
@@ -7262,7 +7322,7 @@
         </p:blipFill>
         <p:spPr>
           <a:xfrm>
-            <a:off x="0" y="1772816"/>
+            <a:off x="12080" y="1772816"/>
             <a:ext cx="4730662" cy="3744416"/>
           </a:xfrm>
         </p:spPr>
@@ -7397,8 +7457,8 @@
         </p:nvSpPr>
         <p:spPr>
           <a:xfrm>
-            <a:off x="1763688" y="5013176"/>
-            <a:ext cx="2232248" cy="504056"/>
+            <a:off x="1691680" y="2852936"/>
+            <a:ext cx="2304256" cy="504056"/>
           </a:xfrm>
           <a:prstGeom prst="rect">
             <a:avLst/>
@@ -7431,7 +7491,7 @@
           <a:lstStyle/>
           <a:p>
             <a:pPr algn="ctr"/>
-            <a:endParaRPr lang="zh-CN" altLang="en-US"/>
+            <a:endParaRPr lang="zh-CN" altLang="en-US" b="1" dirty="0"/>
           </a:p>
         </p:txBody>
       </p:sp>
@@ -7743,7 +7803,17 @@
                 <a:ea typeface="Times New Roman Uni" panose="02020603050405020304" pitchFamily="18" charset="-122"/>
                 <a:cs typeface="Times New Roman Uni" panose="02020603050405020304" pitchFamily="18" charset="-122"/>
               </a:rPr>
-              <a:t>2</a:t>
+              <a:t>2 . Generally, algorithms proposed by the sixth paper takes significantly </a:t>
+            </a:r>
+          </a:p>
+          <a:p>
+            <a:r>
+              <a:rPr lang="en-US" altLang="zh-CN" sz="2000" dirty="0">
+                <a:latin typeface="Times New Roman Uni" panose="02020603050405020304" pitchFamily="18" charset="-122"/>
+                <a:ea typeface="Times New Roman Uni" panose="02020603050405020304" pitchFamily="18" charset="-122"/>
+                <a:cs typeface="Times New Roman Uni" panose="02020603050405020304" pitchFamily="18" charset="-122"/>
+              </a:rPr>
+              <a:t>l</a:t>
             </a:r>
             <a:r>
               <a:rPr lang="en-US" altLang="zh-CN" sz="2000" dirty="0" smtClean="0">
@@ -7751,7 +7821,17 @@
                 <a:ea typeface="Times New Roman Uni" panose="02020603050405020304" pitchFamily="18" charset="-122"/>
                 <a:cs typeface="Times New Roman Uni" panose="02020603050405020304" pitchFamily="18" charset="-122"/>
               </a:rPr>
-              <a:t> </a:t>
+              <a:t>ong time to run than that of the third paper</a:t>
+            </a:r>
+          </a:p>
+          <a:p>
+            <a:r>
+              <a:rPr lang="en-US" altLang="zh-CN" sz="2000" dirty="0">
+                <a:latin typeface="Times New Roman Uni" panose="02020603050405020304" pitchFamily="18" charset="-122"/>
+                <a:ea typeface="Times New Roman Uni" panose="02020603050405020304" pitchFamily="18" charset="-122"/>
+                <a:cs typeface="Times New Roman Uni" panose="02020603050405020304" pitchFamily="18" charset="-122"/>
+              </a:rPr>
+              <a:t>3</a:t>
             </a:r>
             <a:r>
               <a:rPr lang="en-US" altLang="zh-CN" sz="2000" dirty="0" smtClean="0">
@@ -7759,75 +7839,7 @@
                 <a:ea typeface="Times New Roman Uni" panose="02020603050405020304" pitchFamily="18" charset="-122"/>
                 <a:cs typeface="Times New Roman Uni" panose="02020603050405020304" pitchFamily="18" charset="-122"/>
               </a:rPr>
-              <a:t>. Generally, algorithms proposed by the sixth paper takes significantly </a:t>
-            </a:r>
-          </a:p>
-          <a:p>
-            <a:r>
-              <a:rPr lang="en-US" altLang="zh-CN" sz="2000" dirty="0">
-                <a:latin typeface="Times New Roman Uni" panose="02020603050405020304" pitchFamily="18" charset="-122"/>
-                <a:ea typeface="Times New Roman Uni" panose="02020603050405020304" pitchFamily="18" charset="-122"/>
-                <a:cs typeface="Times New Roman Uni" panose="02020603050405020304" pitchFamily="18" charset="-122"/>
-              </a:rPr>
-              <a:t>l</a:t>
-            </a:r>
-            <a:r>
-              <a:rPr lang="en-US" altLang="zh-CN" sz="2000" dirty="0" smtClean="0">
-                <a:latin typeface="Times New Roman Uni" panose="02020603050405020304" pitchFamily="18" charset="-122"/>
-                <a:ea typeface="Times New Roman Uni" panose="02020603050405020304" pitchFamily="18" charset="-122"/>
-                <a:cs typeface="Times New Roman Uni" panose="02020603050405020304" pitchFamily="18" charset="-122"/>
-              </a:rPr>
-              <a:t>ong time to run than that of the third paper</a:t>
-            </a:r>
-          </a:p>
-          <a:p>
-            <a:r>
-              <a:rPr lang="en-US" altLang="zh-CN" sz="2000" dirty="0">
-                <a:latin typeface="Times New Roman Uni" panose="02020603050405020304" pitchFamily="18" charset="-122"/>
-                <a:ea typeface="Times New Roman Uni" panose="02020603050405020304" pitchFamily="18" charset="-122"/>
-                <a:cs typeface="Times New Roman Uni" panose="02020603050405020304" pitchFamily="18" charset="-122"/>
-              </a:rPr>
-              <a:t>3</a:t>
-            </a:r>
-            <a:r>
-              <a:rPr lang="en-US" altLang="zh-CN" sz="2000" dirty="0" smtClean="0">
-                <a:latin typeface="Times New Roman Uni" panose="02020603050405020304" pitchFamily="18" charset="-122"/>
-                <a:ea typeface="Times New Roman Uni" panose="02020603050405020304" pitchFamily="18" charset="-122"/>
-                <a:cs typeface="Times New Roman Uni" panose="02020603050405020304" pitchFamily="18" charset="-122"/>
-              </a:rPr>
-              <a:t>. </a:t>
-            </a:r>
-            <a:r>
-              <a:rPr lang="en-US" altLang="zh-CN" sz="2000" dirty="0" smtClean="0">
-                <a:latin typeface="Times New Roman Uni" panose="02020603050405020304" pitchFamily="18" charset="-122"/>
-                <a:ea typeface="Times New Roman Uni" panose="02020603050405020304" pitchFamily="18" charset="-122"/>
-                <a:cs typeface="Times New Roman Uni" panose="02020603050405020304" pitchFamily="18" charset="-122"/>
-              </a:rPr>
-              <a:t>Algorithm from the sixth paper outperforms that of the third paper when constructing TF-IDF </a:t>
-            </a:r>
-            <a:r>
-              <a:rPr lang="en-US" altLang="zh-CN" sz="2000" dirty="0" smtClean="0">
-                <a:latin typeface="Times New Roman Uni" panose="02020603050405020304" pitchFamily="18" charset="-122"/>
-                <a:ea typeface="Times New Roman Uni" panose="02020603050405020304" pitchFamily="18" charset="-122"/>
-                <a:cs typeface="Times New Roman Uni" panose="02020603050405020304" pitchFamily="18" charset="-122"/>
-              </a:rPr>
-              <a:t>DTM</a:t>
-            </a:r>
-            <a:r>
-              <a:rPr lang="en-US" altLang="zh-CN" sz="2000" dirty="0" smtClean="0">
-                <a:latin typeface="Times New Roman Uni" panose="02020603050405020304" pitchFamily="18" charset="-122"/>
-                <a:ea typeface="Times New Roman Uni" panose="02020603050405020304" pitchFamily="18" charset="-122"/>
-                <a:cs typeface="Times New Roman Uni" panose="02020603050405020304" pitchFamily="18" charset="-122"/>
-              </a:rPr>
-              <a:t> </a:t>
-            </a:r>
-            <a:r>
-              <a:rPr lang="en-US" altLang="zh-CN" sz="2000" dirty="0" smtClean="0">
-                <a:latin typeface="Times New Roman Uni" panose="02020603050405020304" pitchFamily="18" charset="-122"/>
-                <a:ea typeface="Times New Roman Uni" panose="02020603050405020304" pitchFamily="18" charset="-122"/>
-                <a:cs typeface="Times New Roman Uni" panose="02020603050405020304" pitchFamily="18" charset="-122"/>
-              </a:rPr>
-              <a:t>using all features</a:t>
+              <a:t>. Algorithm from the sixth paper outperforms that of the third paper when constructing TF-IDF DTM using all features</a:t>
             </a:r>
           </a:p>
           <a:p>

--- a/doc/presentation.pptx
+++ b/doc/presentation.pptx
@@ -20,8 +20,6 @@
     <p:sldId id="276" r:id="rId14"/>
     <p:sldId id="278" r:id="rId15"/>
     <p:sldId id="270" r:id="rId16"/>
-    <p:sldId id="279" r:id="rId17"/>
-    <p:sldId id="277" r:id="rId18"/>
   </p:sldIdLst>
   <p:sldSz cx="9144000" cy="6858000" type="screen4x3"/>
   <p:notesSz cx="6858000" cy="9144000"/>
@@ -122,7 +120,7 @@
   </p:defaultTextStyle>
   <p:extLst>
     <p:ext uri="{EFAFB233-063F-42B5-8137-9DF3F51BA10A}">
-      <p15:sldGuideLst xmlns="" xmlns:p15="http://schemas.microsoft.com/office/powerpoint/2012/main">
+      <p15:sldGuideLst xmlns:p15="http://schemas.microsoft.com/office/powerpoint/2012/main" xmlns="">
         <p15:guide id="1" orient="horz" pos="2160">
           <p15:clr>
             <a:srgbClr val="A4A3A4"/>
@@ -5484,387 +5482,6 @@
 </p:sld>
 </file>
 
-<file path=ppt/slides/slide15.xml><?xml version="1.0" encoding="utf-8"?>
-<p:sld xmlns:a="http://schemas.openxmlformats.org/drawingml/2006/main" xmlns:r="http://schemas.openxmlformats.org/officeDocument/2006/relationships" xmlns:p="http://schemas.openxmlformats.org/presentationml/2006/main">
-  <p:cSld>
-    <p:spTree>
-      <p:nvGrpSpPr>
-        <p:cNvPr id="1" name=""/>
-        <p:cNvGrpSpPr/>
-        <p:nvPr/>
-      </p:nvGrpSpPr>
-      <p:grpSpPr>
-        <a:xfrm>
-          <a:off x="0" y="0"/>
-          <a:ext cx="0" cy="0"/>
-          <a:chOff x="0" y="0"/>
-          <a:chExt cx="0" cy="0"/>
-        </a:xfrm>
-      </p:grpSpPr>
-      <p:sp>
-        <p:nvSpPr>
-          <p:cNvPr id="2" name="Title 1"/>
-          <p:cNvSpPr>
-            <a:spLocks noGrp="1"/>
-          </p:cNvSpPr>
-          <p:nvPr>
-            <p:ph type="title"/>
-          </p:nvPr>
-        </p:nvSpPr>
-        <p:spPr/>
-        <p:txBody>
-          <a:bodyPr/>
-          <a:lstStyle/>
-          <a:p>
-            <a:endParaRPr lang="zh-CN" altLang="en-US"/>
-          </a:p>
-        </p:txBody>
-      </p:sp>
-      <p:sp>
-        <p:nvSpPr>
-          <p:cNvPr id="3" name="Content Placeholder 2"/>
-          <p:cNvSpPr>
-            <a:spLocks noGrp="1"/>
-          </p:cNvSpPr>
-          <p:nvPr>
-            <p:ph idx="1"/>
-          </p:nvPr>
-        </p:nvSpPr>
-        <p:spPr/>
-        <p:txBody>
-          <a:bodyPr/>
-          <a:lstStyle/>
-          <a:p>
-            <a:endParaRPr lang="zh-CN" altLang="en-US"/>
-          </a:p>
-        </p:txBody>
-      </p:sp>
-      <p:sp>
-        <p:nvSpPr>
-          <p:cNvPr id="4" name="Content Placeholder 3"/>
-          <p:cNvSpPr>
-            <a:spLocks noGrp="1"/>
-          </p:cNvSpPr>
-          <p:nvPr>
-            <p:ph idx="10"/>
-          </p:nvPr>
-        </p:nvSpPr>
-        <p:spPr/>
-        <p:txBody>
-          <a:bodyPr/>
-          <a:lstStyle/>
-          <a:p>
-            <a:endParaRPr lang="zh-CN" altLang="en-US"/>
-          </a:p>
-        </p:txBody>
-      </p:sp>
-    </p:spTree>
-    <p:extLst>
-      <p:ext uri="{BB962C8B-B14F-4D97-AF65-F5344CB8AC3E}">
-        <p14:creationId xmlns:p14="http://schemas.microsoft.com/office/powerpoint/2010/main" val="2261652767"/>
-      </p:ext>
-    </p:extLst>
-  </p:cSld>
-  <p:clrMapOvr>
-    <a:masterClrMapping/>
-  </p:clrMapOvr>
-  <p:timing>
-    <p:tnLst>
-      <p:par>
-        <p:cTn id="1" dur="indefinite" restart="never" nodeType="tmRoot"/>
-      </p:par>
-    </p:tnLst>
-  </p:timing>
-</p:sld>
-</file>
-
-<file path=ppt/slides/slide16.xml><?xml version="1.0" encoding="utf-8"?>
-<p:sld xmlns:a="http://schemas.openxmlformats.org/drawingml/2006/main" xmlns:r="http://schemas.openxmlformats.org/officeDocument/2006/relationships" xmlns:p="http://schemas.openxmlformats.org/presentationml/2006/main">
-  <p:cSld>
-    <p:spTree>
-      <p:nvGrpSpPr>
-        <p:cNvPr id="1" name=""/>
-        <p:cNvGrpSpPr/>
-        <p:nvPr/>
-      </p:nvGrpSpPr>
-      <p:grpSpPr>
-        <a:xfrm>
-          <a:off x="0" y="0"/>
-          <a:ext cx="0" cy="0"/>
-          <a:chOff x="0" y="0"/>
-          <a:chExt cx="0" cy="0"/>
-        </a:xfrm>
-      </p:grpSpPr>
-      <p:sp>
-        <p:nvSpPr>
-          <p:cNvPr id="2" name="Title 1"/>
-          <p:cNvSpPr>
-            <a:spLocks noGrp="1"/>
-          </p:cNvSpPr>
-          <p:nvPr>
-            <p:ph type="title"/>
-          </p:nvPr>
-        </p:nvSpPr>
-        <p:spPr/>
-        <p:txBody>
-          <a:bodyPr/>
-          <a:lstStyle/>
-          <a:p>
-            <a:r>
-              <a:rPr lang="en-US" altLang="zh-CN" sz="3000" dirty="0">
-                <a:latin typeface="Times New Roman Uni" panose="02020603050405020304" pitchFamily="18" charset="-122"/>
-                <a:ea typeface="Times New Roman Uni" panose="02020603050405020304" pitchFamily="18" charset="-122"/>
-                <a:cs typeface="Times New Roman Uni" panose="02020603050405020304" pitchFamily="18" charset="-122"/>
-              </a:rPr>
-              <a:t>A Constraint-Based Probabilistic Framework approach</a:t>
-            </a:r>
-            <a:endParaRPr lang="zh-CN" altLang="en-US" sz="3000" dirty="0"/>
-          </a:p>
-        </p:txBody>
-      </p:sp>
-      <p:sp>
-        <p:nvSpPr>
-          <p:cNvPr id="4" name="Content Placeholder 3"/>
-          <p:cNvSpPr>
-            <a:spLocks noGrp="1"/>
-          </p:cNvSpPr>
-          <p:nvPr>
-            <p:ph idx="10"/>
-          </p:nvPr>
-        </p:nvSpPr>
-        <p:spPr>
-          <a:xfrm>
-            <a:off x="590872" y="2348880"/>
-            <a:ext cx="8229600" cy="4509120"/>
-          </a:xfrm>
-        </p:spPr>
-        <p:txBody>
-          <a:bodyPr/>
-          <a:lstStyle/>
-          <a:p>
-            <a:pPr marL="342900" indent="-342900">
-              <a:buFont typeface="Wingdings" panose="05000000000000000000" pitchFamily="2" charset="2"/>
-              <a:buChar char="Ø"/>
-            </a:pPr>
-            <a:r>
-              <a:rPr lang="en-US" altLang="zh-CN" sz="2000" dirty="0" smtClean="0">
-                <a:latin typeface="Times New Roman" charset="0"/>
-                <a:ea typeface="Times New Roman" charset="0"/>
-                <a:cs typeface="Times New Roman" charset="0"/>
-              </a:rPr>
-              <a:t>We initialize our cluster assignment based on C2 constraint, namely </a:t>
-            </a:r>
-          </a:p>
-          <a:p>
-            <a:r>
-              <a:rPr lang="en-US" altLang="zh-CN" sz="2000" dirty="0" smtClean="0">
-                <a:latin typeface="Times New Roman" charset="0"/>
-                <a:ea typeface="Times New Roman" charset="0"/>
-                <a:cs typeface="Times New Roman" charset="0"/>
-              </a:rPr>
-              <a:t>the two citation vectors that have the same coauthor will have the same </a:t>
-            </a:r>
-          </a:p>
-          <a:p>
-            <a:r>
-              <a:rPr lang="en-US" altLang="zh-CN" sz="2000" dirty="0" smtClean="0">
-                <a:latin typeface="Times New Roman" charset="0"/>
-                <a:ea typeface="Times New Roman" charset="0"/>
-                <a:cs typeface="Times New Roman" charset="0"/>
-              </a:rPr>
-              <a:t>cluster assignment</a:t>
-            </a:r>
-          </a:p>
-          <a:p>
-            <a:pPr marL="342900" indent="-342900">
-              <a:buFont typeface="Wingdings" panose="05000000000000000000" pitchFamily="2" charset="2"/>
-              <a:buChar char="Ø"/>
-            </a:pPr>
-            <a:r>
-              <a:rPr lang="en-US" altLang="zh-CN" sz="2000" dirty="0" smtClean="0">
-                <a:latin typeface="Times New Roman" charset="0"/>
-                <a:ea typeface="Times New Roman" charset="0"/>
-                <a:cs typeface="Times New Roman" charset="0"/>
-              </a:rPr>
-              <a:t>If  number of the resulting cluster is greater than our known cluster K, </a:t>
-            </a:r>
-          </a:p>
-          <a:p>
-            <a:r>
-              <a:rPr lang="en-US" altLang="zh-CN" sz="2000" dirty="0" smtClean="0">
-                <a:latin typeface="Times New Roman" charset="0"/>
-                <a:ea typeface="Times New Roman" charset="0"/>
-                <a:cs typeface="Times New Roman" charset="0"/>
-              </a:rPr>
-              <a:t>we cluster the nearest group until </a:t>
-            </a:r>
-            <a:r>
-              <a:rPr lang="en-US" altLang="zh-CN" sz="2000" dirty="0">
-                <a:latin typeface="Times New Roman" charset="0"/>
-                <a:ea typeface="Times New Roman" charset="0"/>
-                <a:cs typeface="Times New Roman" charset="0"/>
-              </a:rPr>
-              <a:t>K groups left. Otherwise, we randomly sample </a:t>
-            </a:r>
-            <a:r>
-              <a:rPr lang="en-US" altLang="zh-CN" sz="2000" dirty="0" smtClean="0">
-                <a:latin typeface="Times New Roman" charset="0"/>
-                <a:ea typeface="Times New Roman" charset="0"/>
-                <a:cs typeface="Times New Roman" charset="0"/>
-              </a:rPr>
-              <a:t>perturbations </a:t>
-            </a:r>
-            <a:r>
-              <a:rPr lang="en-US" altLang="zh-CN" sz="2000" dirty="0">
-                <a:latin typeface="Times New Roman" charset="0"/>
-                <a:ea typeface="Times New Roman" charset="0"/>
-                <a:cs typeface="Times New Roman" charset="0"/>
-              </a:rPr>
-              <a:t>of the global centroid to make it up</a:t>
-            </a:r>
-            <a:r>
-              <a:rPr lang="en-US" altLang="zh-CN" sz="2000" dirty="0" smtClean="0">
-                <a:latin typeface="Times New Roman" charset="0"/>
-                <a:ea typeface="Times New Roman" charset="0"/>
-                <a:cs typeface="Times New Roman" charset="0"/>
-              </a:rPr>
-              <a:t>.</a:t>
-            </a:r>
-          </a:p>
-          <a:p>
-            <a:pPr marL="342900" indent="-342900">
-              <a:buFont typeface="Wingdings" panose="05000000000000000000" pitchFamily="2" charset="2"/>
-              <a:buChar char="Ø"/>
-            </a:pPr>
-            <a:r>
-              <a:rPr lang="en-US" altLang="zh-CN" sz="2000" dirty="0" smtClean="0">
-                <a:latin typeface="Times New Roman" charset="0"/>
-                <a:ea typeface="Times New Roman" charset="0"/>
-                <a:cs typeface="Times New Roman" charset="0"/>
-              </a:rPr>
-              <a:t>Then, based on he current cluster assignment, we reassign each paper by </a:t>
-            </a:r>
-          </a:p>
-          <a:p>
-            <a:r>
-              <a:rPr lang="en-US" altLang="zh-CN" sz="2000" dirty="0" smtClean="0">
-                <a:latin typeface="Times New Roman" charset="0"/>
-                <a:ea typeface="Times New Roman" charset="0"/>
-                <a:cs typeface="Times New Roman" charset="0"/>
-              </a:rPr>
-              <a:t>maximizing p(Y|X), and the cluster centers are also re-estimated from </a:t>
-            </a:r>
-          </a:p>
-          <a:p>
-            <a:r>
-              <a:rPr lang="en-US" altLang="zh-CN" sz="2000" dirty="0" smtClean="0">
-                <a:latin typeface="Times New Roman" charset="0"/>
-                <a:ea typeface="Times New Roman" charset="0"/>
-                <a:cs typeface="Times New Roman" charset="0"/>
-              </a:rPr>
-              <a:t>the assignment, with the same objective to maximize the p(Y|X), with the </a:t>
-            </a:r>
-          </a:p>
-          <a:p>
-            <a:r>
-              <a:rPr lang="en-US" altLang="zh-CN" sz="2000" dirty="0" smtClean="0">
-                <a:latin typeface="Times New Roman" charset="0"/>
-                <a:ea typeface="Times New Roman" charset="0"/>
-                <a:cs typeface="Times New Roman" charset="0"/>
-              </a:rPr>
-              <a:t>distance measure is also updated.</a:t>
-            </a:r>
-            <a:endParaRPr lang="en-US" altLang="zh-CN" sz="2000" dirty="0">
-              <a:latin typeface="Times New Roman" charset="0"/>
-              <a:ea typeface="Times New Roman" charset="0"/>
-              <a:cs typeface="Times New Roman" charset="0"/>
-            </a:endParaRPr>
-          </a:p>
-          <a:p>
-            <a:r>
-              <a:rPr lang="en-US" altLang="zh-CN" sz="2000" dirty="0" smtClean="0">
-                <a:latin typeface="Times New Roman" charset="0"/>
-                <a:ea typeface="Times New Roman" charset="0"/>
-                <a:cs typeface="Times New Roman" charset="0"/>
-              </a:rPr>
-              <a:t>We can finally stop the algorithm when there is no further changes in </a:t>
-            </a:r>
-          </a:p>
-          <a:p>
-            <a:r>
-              <a:rPr lang="en-US" altLang="zh-CN" sz="2000" dirty="0" smtClean="0">
-                <a:latin typeface="Times New Roman" charset="0"/>
-                <a:ea typeface="Times New Roman" charset="0"/>
-                <a:cs typeface="Times New Roman" charset="0"/>
-              </a:rPr>
-              <a:t>      cluster assignment.</a:t>
-            </a:r>
-            <a:endParaRPr lang="en-US" altLang="zh-CN" sz="2000" dirty="0">
-              <a:latin typeface="Times New Roman" charset="0"/>
-              <a:ea typeface="Times New Roman" charset="0"/>
-              <a:cs typeface="Times New Roman" charset="0"/>
-            </a:endParaRPr>
-          </a:p>
-          <a:p>
-            <a:endParaRPr lang="en-US" altLang="zh-CN" dirty="0"/>
-          </a:p>
-          <a:p>
-            <a:endParaRPr lang="zh-CN" altLang="en-US" dirty="0"/>
-          </a:p>
-        </p:txBody>
-      </p:sp>
-      <p:pic>
-        <p:nvPicPr>
-          <p:cNvPr id="5" name="Content Placeholder 4"/>
-          <p:cNvPicPr>
-            <a:picLocks noGrp="1" noChangeAspect="1"/>
-          </p:cNvPicPr>
-          <p:nvPr>
-            <p:ph idx="1"/>
-          </p:nvPr>
-        </p:nvPicPr>
-        <p:blipFill>
-          <a:blip r:embed="rId2">
-            <a:extLst>
-              <a:ext uri="{28A0092B-C50C-407E-A947-70E740481C1C}">
-                <a14:useLocalDpi xmlns:a14="http://schemas.microsoft.com/office/drawing/2010/main" val="0"/>
-              </a:ext>
-            </a:extLst>
-          </a:blip>
-          <a:stretch>
-            <a:fillRect/>
-          </a:stretch>
-        </p:blipFill>
-        <p:spPr>
-          <a:xfrm>
-            <a:off x="899592" y="1124744"/>
-            <a:ext cx="7632848" cy="1224136"/>
-          </a:xfrm>
-          <a:prstGeom prst="rect">
-            <a:avLst/>
-          </a:prstGeom>
-        </p:spPr>
-      </p:pic>
-    </p:spTree>
-    <p:extLst>
-      <p:ext uri="{BB962C8B-B14F-4D97-AF65-F5344CB8AC3E}">
-        <p14:creationId xmlns:p14="http://schemas.microsoft.com/office/powerpoint/2010/main" val="221781137"/>
-      </p:ext>
-    </p:extLst>
-  </p:cSld>
-  <p:clrMapOvr>
-    <a:masterClrMapping/>
-  </p:clrMapOvr>
-  <p:timing>
-    <p:tnLst>
-      <p:par>
-        <p:cTn id="1" dur="indefinite" restart="never" nodeType="tmRoot"/>
-      </p:par>
-    </p:tnLst>
-  </p:timing>
-</p:sld>
-</file>
-
 <file path=ppt/slides/slide2.xml><?xml version="1.0" encoding="utf-8"?>
 <p:sld xmlns:a="http://schemas.openxmlformats.org/drawingml/2006/main" xmlns:r="http://schemas.openxmlformats.org/officeDocument/2006/relationships" xmlns:p="http://schemas.openxmlformats.org/presentationml/2006/main">
   <p:cSld>
@@ -7101,11 +6718,6 @@
               </a:rPr>
               <a:t>)</a:t>
             </a:r>
-            <a:endParaRPr lang="en-US" altLang="zh-CN" sz="2000" dirty="0" smtClean="0">
-              <a:latin typeface="Times New Roman" charset="0"/>
-              <a:ea typeface="Times New Roman" charset="0"/>
-              <a:cs typeface="Times New Roman" charset="0"/>
-            </a:endParaRPr>
           </a:p>
           <a:p>
             <a:r>
@@ -7114,15 +6726,7 @@
                 <a:ea typeface="Times New Roman" charset="0"/>
                 <a:cs typeface="Times New Roman" charset="0"/>
               </a:rPr>
-              <a:t>2. </a:t>
-            </a:r>
-            <a:r>
-              <a:rPr lang="en-US" altLang="zh-CN" sz="2000" dirty="0" smtClean="0">
-                <a:latin typeface="Times New Roman" charset="0"/>
-                <a:ea typeface="Times New Roman" charset="0"/>
-                <a:cs typeface="Times New Roman" charset="0"/>
-              </a:rPr>
-              <a:t>TF-IDF DTM using </a:t>
+              <a:t>2. TF-IDF DTM using </a:t>
             </a:r>
             <a:r>
               <a:rPr lang="en-US" altLang="zh-CN" sz="2000" b="1" dirty="0" smtClean="0">
@@ -7138,21 +6742,8 @@
                 <a:ea typeface="Times New Roman" charset="0"/>
                 <a:cs typeface="Times New Roman" charset="0"/>
               </a:rPr>
-              <a:t> </a:t>
-            </a:r>
-            <a:r>
-              <a:rPr lang="en-US" altLang="zh-CN" sz="2000" dirty="0" smtClean="0">
-                <a:latin typeface="Times New Roman" charset="0"/>
-                <a:ea typeface="Times New Roman" charset="0"/>
-                <a:cs typeface="Times New Roman" charset="0"/>
-              </a:rPr>
-              <a:t>features</a:t>
-            </a:r>
-            <a:endParaRPr lang="en-US" altLang="zh-CN" sz="2000" dirty="0" smtClean="0">
-              <a:latin typeface="Times New Roman" charset="0"/>
-              <a:ea typeface="Times New Roman" charset="0"/>
-              <a:cs typeface="Times New Roman" charset="0"/>
-            </a:endParaRPr>
+              <a:t> features</a:t>
+            </a:r>
           </a:p>
         </p:txBody>
       </p:sp>
